--- a/italent/documents/english/EnglishPresentation.pptx
+++ b/italent/documents/english/EnglishPresentation.pptx
@@ -3283,35 +3283,75 @@
             </a:br>
             <a:r>
               <a:rPr lang="nl-BE" dirty="0" smtClean="0"/>
-              <a:t>- web application</a:t>
+              <a:t>- </a:t>
+            </a:r>
+            <a:r>
+              <a:rPr lang="nl-BE" dirty="0" smtClean="0"/>
+              <a:t>Web Application</a:t>
+            </a:r>
+            <a:r>
+              <a:rPr lang="nl-BE" dirty="0" smtClean="0"/>
+              <a:t/>
             </a:r>
             <a:br>
               <a:rPr lang="nl-BE" dirty="0" smtClean="0"/>
             </a:br>
             <a:r>
               <a:rPr lang="nl-BE" dirty="0" smtClean="0"/>
-              <a:t>- kickstarter</a:t>
+              <a:t>- </a:t>
+            </a:r>
+            <a:r>
+              <a:rPr lang="nl-BE" dirty="0" smtClean="0"/>
+              <a:t>Kickstarter</a:t>
+            </a:r>
+            <a:r>
+              <a:rPr lang="nl-BE" dirty="0" smtClean="0"/>
+              <a:t/>
             </a:r>
             <a:br>
               <a:rPr lang="nl-BE" dirty="0" smtClean="0"/>
             </a:br>
             <a:r>
               <a:rPr lang="nl-BE" dirty="0" smtClean="0"/>
-              <a:t>- pitch idea with media</a:t>
+              <a:t>- </a:t>
+            </a:r>
+            <a:r>
+              <a:rPr lang="nl-BE" dirty="0" smtClean="0"/>
+              <a:t>Pitch </a:t>
+            </a:r>
+            <a:r>
+              <a:rPr lang="nl-BE" dirty="0" smtClean="0"/>
+              <a:t>idea with media</a:t>
             </a:r>
             <a:br>
               <a:rPr lang="nl-BE" dirty="0" smtClean="0"/>
             </a:br>
             <a:r>
               <a:rPr lang="nl-BE" dirty="0" smtClean="0"/>
-              <a:t>- like/subscribe</a:t>
+              <a:t>- </a:t>
+            </a:r>
+            <a:r>
+              <a:rPr lang="nl-BE" dirty="0" smtClean="0"/>
+              <a:t>Like/Subscribe</a:t>
+            </a:r>
+            <a:r>
+              <a:rPr lang="nl-BE" dirty="0" smtClean="0"/>
+              <a:t/>
             </a:r>
             <a:br>
               <a:rPr lang="nl-BE" dirty="0" smtClean="0"/>
             </a:br>
             <a:r>
               <a:rPr lang="nl-BE" dirty="0" smtClean="0"/>
-              <a:t>- status updates</a:t>
+              <a:t>- </a:t>
+            </a:r>
+            <a:r>
+              <a:rPr lang="nl-BE" dirty="0" smtClean="0"/>
+              <a:t>Status Updates</a:t>
+            </a:r>
+            <a:r>
+              <a:rPr lang="nl-BE" dirty="0" smtClean="0"/>
+              <a:t/>
             </a:r>
             <a:br>
               <a:rPr lang="nl-BE" dirty="0" smtClean="0"/>
@@ -3389,8 +3429,8 @@
         </p:nvSpPr>
         <p:spPr>
           <a:xfrm>
-            <a:off x="2987824" y="1628800"/>
-            <a:ext cx="3898776" cy="4525963"/>
+            <a:off x="2627784" y="1772816"/>
+            <a:ext cx="4032448" cy="4525963"/>
           </a:xfrm>
         </p:spPr>
         <p:txBody>
@@ -3454,7 +3494,7 @@
             <a:pPr lvl="0"/>
             <a:r>
               <a:rPr lang="en-US" dirty="0" smtClean="0"/>
-              <a:t>Documentation</a:t>
+              <a:t>Quality Management</a:t>
             </a:r>
             <a:endParaRPr lang="nl-BE" dirty="0"/>
           </a:p>

--- a/italent/documents/english/EnglishPresentation.pptx
+++ b/italent/documents/english/EnglishPresentation.pptx
@@ -2,15 +2,16 @@
 <file path=ppt/presentation.xml><?xml version="1.0" encoding="utf-8"?>
 <p:presentation xmlns:a="http://schemas.openxmlformats.org/drawingml/2006/main" xmlns:r="http://schemas.openxmlformats.org/officeDocument/2006/relationships" xmlns:p="http://schemas.openxmlformats.org/presentationml/2006/main" saveSubsetFonts="1">
   <p:sldMasterIdLst>
-    <p:sldMasterId id="2147483648" r:id="rId1"/>
+    <p:sldMasterId id="2147483660" r:id="rId1"/>
   </p:sldMasterIdLst>
   <p:sldIdLst>
-    <p:sldId id="256" r:id="rId2"/>
-    <p:sldId id="257" r:id="rId3"/>
-    <p:sldId id="258" r:id="rId4"/>
-    <p:sldId id="259" r:id="rId5"/>
+    <p:sldId id="258" r:id="rId2"/>
+    <p:sldId id="259" r:id="rId3"/>
+    <p:sldId id="260" r:id="rId4"/>
+    <p:sldId id="261" r:id="rId5"/>
+    <p:sldId id="262" r:id="rId6"/>
   </p:sldIdLst>
-  <p:sldSz cx="9144000" cy="6858000" type="screen4x3"/>
+  <p:sldSz cx="12192000" cy="6858000"/>
   <p:notesSz cx="6858000" cy="9144000"/>
   <p:defaultTextStyle>
     <a:defPPr>
@@ -107,12 +108,17 @@
       </a:defRPr>
     </a:lvl9pPr>
   </p:defaultTextStyle>
+  <p:extLst>
+    <p:ext uri="{EFAFB233-063F-42B5-8137-9DF3F51BA10A}">
+      <p15:sldGuideLst xmlns:p15="http://schemas.microsoft.com/office/powerpoint/2012/main"/>
+    </p:ext>
+  </p:extLst>
 </p:presentation>
 </file>
 
 <file path=ppt/slideLayouts/slideLayout1.xml><?xml version="1.0" encoding="utf-8"?>
 <p:sldLayout xmlns:a="http://schemas.openxmlformats.org/drawingml/2006/main" xmlns:r="http://schemas.openxmlformats.org/officeDocument/2006/relationships" xmlns:p="http://schemas.openxmlformats.org/presentationml/2006/main" type="title" preserve="1">
-  <p:cSld name="Title Slide">
+  <p:cSld name="Titeldia">
     <p:spTree>
       <p:nvGrpSpPr>
         <p:cNvPr id="1" name=""/>
@@ -127,9 +133,372 @@
           <a:chExt cx="0" cy="0"/>
         </a:xfrm>
       </p:grpSpPr>
-      <p:sp>
-        <p:nvSpPr>
-          <p:cNvPr id="2" name="Title 1"/>
+      <p:pic>
+        <p:nvPicPr>
+          <p:cNvPr id="4" name="Afbeelding 7" descr="beeld_geselecteerd.png"/>
+          <p:cNvPicPr>
+            <a:picLocks noChangeAspect="1"/>
+          </p:cNvPicPr>
+          <p:nvPr userDrawn="1"/>
+        </p:nvPicPr>
+        <p:blipFill>
+          <a:blip r:embed="rId2">
+            <a:extLst>
+              <a:ext uri="{28A0092B-C50C-407E-A947-70E740481C1C}">
+                <a14:useLocalDpi xmlns:a14="http://schemas.microsoft.com/office/drawing/2010/main" val="0"/>
+              </a:ext>
+            </a:extLst>
+          </a:blip>
+          <a:srcRect/>
+          <a:stretch>
+            <a:fillRect/>
+          </a:stretch>
+        </p:blipFill>
+        <p:spPr bwMode="auto">
+          <a:xfrm>
+            <a:off x="7133167" y="3373438"/>
+            <a:ext cx="5118100" cy="3308350"/>
+          </a:xfrm>
+          <a:prstGeom prst="rect">
+            <a:avLst/>
+          </a:prstGeom>
+          <a:noFill/>
+          <a:ln>
+            <a:noFill/>
+          </a:ln>
+          <a:extLst>
+            <a:ext uri="{909E8E84-426E-40DD-AFC4-6F175D3DCCD1}">
+              <a14:hiddenFill xmlns:a14="http://schemas.microsoft.com/office/drawing/2010/main">
+                <a:solidFill>
+                  <a:srgbClr val="FFFFFF"/>
+                </a:solidFill>
+              </a14:hiddenFill>
+            </a:ext>
+            <a:ext uri="{91240B29-F687-4F45-9708-019B960494DF}">
+              <a14:hiddenLine xmlns:a14="http://schemas.microsoft.com/office/drawing/2010/main" w="9525">
+                <a:solidFill>
+                  <a:srgbClr val="000000"/>
+                </a:solidFill>
+                <a:miter lim="800000"/>
+                <a:headEnd/>
+                <a:tailEnd/>
+              </a14:hiddenLine>
+            </a:ext>
+          </a:extLst>
+        </p:spPr>
+      </p:pic>
+      <p:pic>
+        <p:nvPicPr>
+          <p:cNvPr id="5" name="Afbeelding 8" descr="Macintosh HD:Users:nickdaenen:Desktop:logo_pxl.wmf"/>
+          <p:cNvPicPr>
+            <a:picLocks noChangeAspect="1" noChangeArrowheads="1"/>
+          </p:cNvPicPr>
+          <p:nvPr userDrawn="1"/>
+        </p:nvPicPr>
+        <p:blipFill>
+          <a:blip r:embed="rId3" cstate="print">
+            <a:extLst>
+              <a:ext uri="{28A0092B-C50C-407E-A947-70E740481C1C}">
+                <a14:useLocalDpi xmlns:a14="http://schemas.microsoft.com/office/drawing/2010/main" val="0"/>
+              </a:ext>
+            </a:extLst>
+          </a:blip>
+          <a:srcRect/>
+          <a:stretch>
+            <a:fillRect/>
+          </a:stretch>
+        </p:blipFill>
+        <p:spPr bwMode="auto">
+          <a:xfrm>
+            <a:off x="766234" y="390526"/>
+            <a:ext cx="1894417" cy="1420813"/>
+          </a:xfrm>
+          <a:prstGeom prst="rect">
+            <a:avLst/>
+          </a:prstGeom>
+          <a:noFill/>
+          <a:ln>
+            <a:noFill/>
+          </a:ln>
+          <a:extLst>
+            <a:ext uri="{909E8E84-426E-40DD-AFC4-6F175D3DCCD1}">
+              <a14:hiddenFill xmlns:a14="http://schemas.microsoft.com/office/drawing/2010/main">
+                <a:solidFill>
+                  <a:srgbClr val="FFFFFF"/>
+                </a:solidFill>
+              </a14:hiddenFill>
+            </a:ext>
+            <a:ext uri="{91240B29-F687-4F45-9708-019B960494DF}">
+              <a14:hiddenLine xmlns:a14="http://schemas.microsoft.com/office/drawing/2010/main" w="9525">
+                <a:solidFill>
+                  <a:srgbClr val="000000"/>
+                </a:solidFill>
+                <a:miter lim="800000"/>
+                <a:headEnd/>
+                <a:tailEnd/>
+              </a14:hiddenLine>
+            </a:ext>
+          </a:extLst>
+        </p:spPr>
+      </p:pic>
+      <p:sp>
+        <p:nvSpPr>
+          <p:cNvPr id="6" name="Tekstvak 5"/>
+          <p:cNvSpPr txBox="1">
+            <a:spLocks noChangeArrowheads="1"/>
+          </p:cNvSpPr>
+          <p:nvPr userDrawn="1"/>
+        </p:nvSpPr>
+        <p:spPr bwMode="auto">
+          <a:xfrm>
+            <a:off x="723900" y="6057900"/>
+            <a:ext cx="6927851" cy="738188"/>
+          </a:xfrm>
+          <a:prstGeom prst="rect">
+            <a:avLst/>
+          </a:prstGeom>
+          <a:noFill/>
+          <a:ln>
+            <a:noFill/>
+          </a:ln>
+          <a:extLst>
+            <a:ext uri="{909E8E84-426E-40DD-AFC4-6F175D3DCCD1}">
+              <a14:hiddenFill xmlns:a14="http://schemas.microsoft.com/office/drawing/2010/main">
+                <a:solidFill>
+                  <a:srgbClr val="FFFFFF"/>
+                </a:solidFill>
+              </a14:hiddenFill>
+            </a:ext>
+            <a:ext uri="{91240B29-F687-4F45-9708-019B960494DF}">
+              <a14:hiddenLine xmlns:a14="http://schemas.microsoft.com/office/drawing/2010/main" w="9525">
+                <a:solidFill>
+                  <a:srgbClr val="000000"/>
+                </a:solidFill>
+                <a:miter lim="800000"/>
+                <a:headEnd/>
+                <a:tailEnd/>
+              </a14:hiddenLine>
+            </a:ext>
+          </a:extLst>
+        </p:spPr>
+        <p:txBody>
+          <a:bodyPr>
+            <a:spAutoFit/>
+          </a:bodyPr>
+          <a:lstStyle>
+            <a:lvl1pPr>
+              <a:defRPr>
+                <a:solidFill>
+                  <a:schemeClr val="tx1"/>
+                </a:solidFill>
+                <a:latin typeface="Calibri" panose="020F0502020204030204" pitchFamily="34" charset="0"/>
+              </a:defRPr>
+            </a:lvl1pPr>
+            <a:lvl2pPr marL="742950" indent="-285750">
+              <a:defRPr>
+                <a:solidFill>
+                  <a:schemeClr val="tx1"/>
+                </a:solidFill>
+                <a:latin typeface="Calibri" panose="020F0502020204030204" pitchFamily="34" charset="0"/>
+              </a:defRPr>
+            </a:lvl2pPr>
+            <a:lvl3pPr marL="1143000" indent="-228600">
+              <a:defRPr>
+                <a:solidFill>
+                  <a:schemeClr val="tx1"/>
+                </a:solidFill>
+                <a:latin typeface="Calibri" panose="020F0502020204030204" pitchFamily="34" charset="0"/>
+              </a:defRPr>
+            </a:lvl3pPr>
+            <a:lvl4pPr marL="1600200" indent="-228600">
+              <a:defRPr>
+                <a:solidFill>
+                  <a:schemeClr val="tx1"/>
+                </a:solidFill>
+                <a:latin typeface="Calibri" panose="020F0502020204030204" pitchFamily="34" charset="0"/>
+              </a:defRPr>
+            </a:lvl4pPr>
+            <a:lvl5pPr marL="2057400" indent="-228600">
+              <a:defRPr>
+                <a:solidFill>
+                  <a:schemeClr val="tx1"/>
+                </a:solidFill>
+                <a:latin typeface="Calibri" panose="020F0502020204030204" pitchFamily="34" charset="0"/>
+              </a:defRPr>
+            </a:lvl5pPr>
+            <a:lvl6pPr marL="2514600" indent="-228600" defTabSz="457200" fontAlgn="base">
+              <a:spcBef>
+                <a:spcPct val="0"/>
+              </a:spcBef>
+              <a:spcAft>
+                <a:spcPct val="0"/>
+              </a:spcAft>
+              <a:defRPr>
+                <a:solidFill>
+                  <a:schemeClr val="tx1"/>
+                </a:solidFill>
+                <a:latin typeface="Calibri" panose="020F0502020204030204" pitchFamily="34" charset="0"/>
+              </a:defRPr>
+            </a:lvl6pPr>
+            <a:lvl7pPr marL="2971800" indent="-228600" defTabSz="457200" fontAlgn="base">
+              <a:spcBef>
+                <a:spcPct val="0"/>
+              </a:spcBef>
+              <a:spcAft>
+                <a:spcPct val="0"/>
+              </a:spcAft>
+              <a:defRPr>
+                <a:solidFill>
+                  <a:schemeClr val="tx1"/>
+                </a:solidFill>
+                <a:latin typeface="Calibri" panose="020F0502020204030204" pitchFamily="34" charset="0"/>
+              </a:defRPr>
+            </a:lvl7pPr>
+            <a:lvl8pPr marL="3429000" indent="-228600" defTabSz="457200" fontAlgn="base">
+              <a:spcBef>
+                <a:spcPct val="0"/>
+              </a:spcBef>
+              <a:spcAft>
+                <a:spcPct val="0"/>
+              </a:spcAft>
+              <a:defRPr>
+                <a:solidFill>
+                  <a:schemeClr val="tx1"/>
+                </a:solidFill>
+                <a:latin typeface="Calibri" panose="020F0502020204030204" pitchFamily="34" charset="0"/>
+              </a:defRPr>
+            </a:lvl8pPr>
+            <a:lvl9pPr marL="3886200" indent="-228600" defTabSz="457200" fontAlgn="base">
+              <a:spcBef>
+                <a:spcPct val="0"/>
+              </a:spcBef>
+              <a:spcAft>
+                <a:spcPct val="0"/>
+              </a:spcAft>
+              <a:defRPr>
+                <a:solidFill>
+                  <a:schemeClr val="tx1"/>
+                </a:solidFill>
+                <a:latin typeface="Calibri" panose="020F0502020204030204" pitchFamily="34" charset="0"/>
+              </a:defRPr>
+            </a:lvl9pPr>
+          </a:lstStyle>
+          <a:p>
+            <a:pPr defTabSz="457200" fontAlgn="base">
+              <a:spcBef>
+                <a:spcPct val="0"/>
+              </a:spcBef>
+              <a:spcAft>
+                <a:spcPct val="0"/>
+              </a:spcAft>
+              <a:defRPr/>
+            </a:pPr>
+            <a:r>
+              <a:rPr lang="nl-NL" sz="1200" smtClean="0">
+                <a:solidFill>
+                  <a:prstClr val="black"/>
+                </a:solidFill>
+                <a:cs typeface="Arial" panose="020B0604020202020204" pitchFamily="34" charset="0"/>
+              </a:rPr>
+              <a:t>Hogeschool PXL – Elfde-Liniestraat 24 – B-3500 Hasselt</a:t>
+            </a:r>
+          </a:p>
+          <a:p>
+            <a:pPr defTabSz="457200" fontAlgn="base">
+              <a:spcBef>
+                <a:spcPct val="0"/>
+              </a:spcBef>
+              <a:spcAft>
+                <a:spcPct val="0"/>
+              </a:spcAft>
+              <a:defRPr/>
+            </a:pPr>
+            <a:r>
+              <a:rPr lang="nl-NL" sz="1200" smtClean="0">
+                <a:solidFill>
+                  <a:prstClr val="black"/>
+                </a:solidFill>
+                <a:cs typeface="Arial" panose="020B0604020202020204" pitchFamily="34" charset="0"/>
+              </a:rPr>
+              <a:t>www.pxl.be - www.pxl.be/facebook</a:t>
+            </a:r>
+          </a:p>
+          <a:p>
+            <a:pPr defTabSz="457200" fontAlgn="base">
+              <a:spcBef>
+                <a:spcPct val="0"/>
+              </a:spcBef>
+              <a:spcAft>
+                <a:spcPct val="0"/>
+              </a:spcAft>
+              <a:defRPr/>
+            </a:pPr>
+            <a:endParaRPr lang="nl-NL" sz="1800" smtClean="0">
+              <a:solidFill>
+                <a:prstClr val="black"/>
+              </a:solidFill>
+              <a:cs typeface="Arial" panose="020B0604020202020204" pitchFamily="34" charset="0"/>
+            </a:endParaRPr>
+          </a:p>
+        </p:txBody>
+      </p:sp>
+      <p:pic>
+        <p:nvPicPr>
+          <p:cNvPr id="7" name="Afbeelding 10" descr="dehogeschoolmethetnetwerk.png"/>
+          <p:cNvPicPr>
+            <a:picLocks noChangeAspect="1"/>
+          </p:cNvPicPr>
+          <p:nvPr userDrawn="1"/>
+        </p:nvPicPr>
+        <p:blipFill>
+          <a:blip r:embed="rId4">
+            <a:extLst>
+              <a:ext uri="{28A0092B-C50C-407E-A947-70E740481C1C}">
+                <a14:useLocalDpi xmlns:a14="http://schemas.microsoft.com/office/drawing/2010/main" val="0"/>
+              </a:ext>
+            </a:extLst>
+          </a:blip>
+          <a:srcRect/>
+          <a:stretch>
+            <a:fillRect/>
+          </a:stretch>
+        </p:blipFill>
+        <p:spPr bwMode="auto">
+          <a:xfrm>
+            <a:off x="853018" y="5543550"/>
+            <a:ext cx="3966633" cy="407988"/>
+          </a:xfrm>
+          <a:prstGeom prst="rect">
+            <a:avLst/>
+          </a:prstGeom>
+          <a:noFill/>
+          <a:ln>
+            <a:noFill/>
+          </a:ln>
+          <a:extLst>
+            <a:ext uri="{909E8E84-426E-40DD-AFC4-6F175D3DCCD1}">
+              <a14:hiddenFill xmlns:a14="http://schemas.microsoft.com/office/drawing/2010/main">
+                <a:solidFill>
+                  <a:srgbClr val="FFFFFF"/>
+                </a:solidFill>
+              </a14:hiddenFill>
+            </a:ext>
+            <a:ext uri="{91240B29-F687-4F45-9708-019B960494DF}">
+              <a14:hiddenLine xmlns:a14="http://schemas.microsoft.com/office/drawing/2010/main" w="9525">
+                <a:solidFill>
+                  <a:srgbClr val="000000"/>
+                </a:solidFill>
+                <a:miter lim="800000"/>
+                <a:headEnd/>
+                <a:tailEnd/>
+              </a14:hiddenLine>
+            </a:ext>
+          </a:extLst>
+        </p:spPr>
+      </p:pic>
+      <p:sp>
+        <p:nvSpPr>
+          <p:cNvPr id="2" name="Titel 1"/>
           <p:cNvSpPr>
             <a:spLocks noGrp="1"/>
           </p:cNvSpPr>
@@ -139,25 +508,33 @@
         </p:nvSpPr>
         <p:spPr>
           <a:xfrm>
-            <a:off x="685800" y="2130425"/>
-            <a:ext cx="7772400" cy="1470025"/>
+            <a:off x="708264" y="1903518"/>
+            <a:ext cx="10363200" cy="1470025"/>
           </a:xfrm>
         </p:spPr>
         <p:txBody>
           <a:bodyPr/>
-          <a:lstStyle/>
-          <a:p>
-            <a:r>
-              <a:rPr lang="en-US" smtClean="0"/>
-              <a:t>Click to edit Master title style</a:t>
-            </a:r>
-            <a:endParaRPr lang="nl-BE"/>
-          </a:p>
-        </p:txBody>
-      </p:sp>
-      <p:sp>
-        <p:nvSpPr>
-          <p:cNvPr id="3" name="Subtitle 2"/>
+          <a:lstStyle>
+            <a:lvl1pPr algn="l">
+              <a:defRPr b="1">
+                <a:solidFill>
+                  <a:schemeClr val="tx1"/>
+                </a:solidFill>
+              </a:defRPr>
+            </a:lvl1pPr>
+          </a:lstStyle>
+          <a:p>
+            <a:r>
+              <a:rPr lang="nl-NL" smtClean="0"/>
+              <a:t>Klik om de stijl te bewerken</a:t>
+            </a:r>
+            <a:endParaRPr lang="nl-NL" dirty="0"/>
+          </a:p>
+        </p:txBody>
+      </p:sp>
+      <p:sp>
+        <p:nvSpPr>
+          <p:cNvPr id="3" name="Subtitel 2"/>
           <p:cNvSpPr>
             <a:spLocks noGrp="1"/>
           </p:cNvSpPr>
@@ -167,14 +544,22 @@
         </p:nvSpPr>
         <p:spPr>
           <a:xfrm>
-            <a:off x="1371600" y="3886200"/>
-            <a:ext cx="6400800" cy="1752600"/>
+            <a:off x="722989" y="3876249"/>
+            <a:ext cx="6409503" cy="1137302"/>
           </a:xfrm>
         </p:spPr>
         <p:txBody>
           <a:bodyPr/>
           <a:lstStyle>
-            <a:lvl1pPr marL="0" indent="0" algn="ctr">
+            <a:lvl1pPr marL="0" indent="0" algn="l">
+              <a:buNone/>
+              <a:defRPr b="1">
+                <a:solidFill>
+                  <a:srgbClr val="58A618"/>
+                </a:solidFill>
+              </a:defRPr>
+            </a:lvl1pPr>
+            <a:lvl2pPr marL="457200" indent="0" algn="ctr">
               <a:buNone/>
               <a:defRPr>
                 <a:solidFill>
@@ -183,8 +568,8 @@
                   </a:schemeClr>
                 </a:solidFill>
               </a:defRPr>
-            </a:lvl1pPr>
-            <a:lvl2pPr marL="457200" indent="0" algn="ctr">
+            </a:lvl2pPr>
+            <a:lvl3pPr marL="914400" indent="0" algn="ctr">
               <a:buNone/>
               <a:defRPr>
                 <a:solidFill>
@@ -193,8 +578,8 @@
                   </a:schemeClr>
                 </a:solidFill>
               </a:defRPr>
-            </a:lvl2pPr>
-            <a:lvl3pPr marL="914400" indent="0" algn="ctr">
+            </a:lvl3pPr>
+            <a:lvl4pPr marL="1371600" indent="0" algn="ctr">
               <a:buNone/>
               <a:defRPr>
                 <a:solidFill>
@@ -203,8 +588,8 @@
                   </a:schemeClr>
                 </a:solidFill>
               </a:defRPr>
-            </a:lvl3pPr>
-            <a:lvl4pPr marL="1371600" indent="0" algn="ctr">
+            </a:lvl4pPr>
+            <a:lvl5pPr marL="1828800" indent="0" algn="ctr">
               <a:buNone/>
               <a:defRPr>
                 <a:solidFill>
@@ -213,8 +598,8 @@
                   </a:schemeClr>
                 </a:solidFill>
               </a:defRPr>
-            </a:lvl4pPr>
-            <a:lvl5pPr marL="1828800" indent="0" algn="ctr">
+            </a:lvl5pPr>
+            <a:lvl6pPr marL="2286000" indent="0" algn="ctr">
               <a:buNone/>
               <a:defRPr>
                 <a:solidFill>
@@ -223,8 +608,8 @@
                   </a:schemeClr>
                 </a:solidFill>
               </a:defRPr>
-            </a:lvl5pPr>
-            <a:lvl6pPr marL="2286000" indent="0" algn="ctr">
+            </a:lvl6pPr>
+            <a:lvl7pPr marL="2743200" indent="0" algn="ctr">
               <a:buNone/>
               <a:defRPr>
                 <a:solidFill>
@@ -233,8 +618,8 @@
                   </a:schemeClr>
                 </a:solidFill>
               </a:defRPr>
-            </a:lvl6pPr>
-            <a:lvl7pPr marL="2743200" indent="0" algn="ctr">
+            </a:lvl7pPr>
+            <a:lvl8pPr marL="3200400" indent="0" algn="ctr">
               <a:buNone/>
               <a:defRPr>
                 <a:solidFill>
@@ -243,8 +628,8 @@
                   </a:schemeClr>
                 </a:solidFill>
               </a:defRPr>
-            </a:lvl7pPr>
-            <a:lvl8pPr marL="3200400" indent="0" algn="ctr">
+            </a:lvl8pPr>
+            <a:lvl9pPr marL="3657600" indent="0" algn="ctr">
               <a:buNone/>
               <a:defRPr>
                 <a:solidFill>
@@ -253,30 +638,20 @@
                   </a:schemeClr>
                 </a:solidFill>
               </a:defRPr>
-            </a:lvl8pPr>
-            <a:lvl9pPr marL="3657600" indent="0" algn="ctr">
-              <a:buNone/>
-              <a:defRPr>
-                <a:solidFill>
-                  <a:schemeClr val="tx1">
-                    <a:tint val="75000"/>
-                  </a:schemeClr>
-                </a:solidFill>
-              </a:defRPr>
             </a:lvl9pPr>
           </a:lstStyle>
           <a:p>
             <a:r>
-              <a:rPr lang="en-US" smtClean="0"/>
-              <a:t>Click to edit Master subtitle style</a:t>
-            </a:r>
-            <a:endParaRPr lang="nl-BE"/>
-          </a:p>
-        </p:txBody>
-      </p:sp>
-      <p:sp>
-        <p:nvSpPr>
-          <p:cNvPr id="4" name="Date Placeholder 3"/>
+              <a:rPr lang="nl-NL" smtClean="0"/>
+              <a:t>Klik om de ondertitelstijl van het model te bewerken</a:t>
+            </a:r>
+            <a:endParaRPr lang="nl-NL" dirty="0"/>
+          </a:p>
+        </p:txBody>
+      </p:sp>
+      <p:sp>
+        <p:nvSpPr>
+          <p:cNvPr id="8" name="Tijdelijke aanduiding voor datum 3"/>
           <p:cNvSpPr>
             <a:spLocks noGrp="1"/>
           </p:cNvSpPr>
@@ -284,65 +659,100 @@
             <p:ph type="dt" sz="half" idx="10"/>
           </p:nvPr>
         </p:nvSpPr>
-        <p:spPr/>
+        <p:spPr>
+          <a:xfrm>
+            <a:off x="715433" y="6399214"/>
+            <a:ext cx="1686984" cy="365125"/>
+          </a:xfrm>
+        </p:spPr>
         <p:txBody>
           <a:bodyPr/>
-          <a:lstStyle/>
-          <a:p>
-            <a:fld id="{192B0248-19C4-4470-85AF-091A1CD0BAE5}" type="datetimeFigureOut">
-              <a:rPr lang="nl-BE" smtClean="0"/>
-              <a:t>9/05/2016</a:t>
+          <a:lstStyle>
+            <a:lvl1pPr>
+              <a:defRPr>
+                <a:solidFill>
+                  <a:schemeClr val="tx1"/>
+                </a:solidFill>
+              </a:defRPr>
+            </a:lvl1pPr>
+          </a:lstStyle>
+          <a:p>
+            <a:pPr>
+              <a:defRPr/>
+            </a:pPr>
+            <a:fld id="{DB6CF2E2-97D6-4D84-9BE3-FDB723D5E06D}" type="datetime1">
+              <a:rPr lang="nl-NL">
+                <a:solidFill>
+                  <a:prstClr val="black"/>
+                </a:solidFill>
+              </a:rPr>
+              <a:pPr>
+                <a:defRPr/>
+              </a:pPr>
+              <a:t>9-5-2016</a:t>
             </a:fld>
-            <a:endParaRPr lang="nl-BE"/>
-          </a:p>
-        </p:txBody>
-      </p:sp>
-      <p:sp>
-        <p:nvSpPr>
-          <p:cNvPr id="5" name="Footer Placeholder 4"/>
-          <p:cNvSpPr>
-            <a:spLocks noGrp="1"/>
-          </p:cNvSpPr>
-          <p:nvPr>
-            <p:ph type="ftr" sz="quarter" idx="11"/>
-          </p:nvPr>
-        </p:nvSpPr>
-        <p:spPr/>
+            <a:endParaRPr lang="nl-NL" dirty="0">
+              <a:solidFill>
+                <a:prstClr val="black"/>
+              </a:solidFill>
+            </a:endParaRPr>
+          </a:p>
+        </p:txBody>
+      </p:sp>
+      <p:sp>
+        <p:nvSpPr>
+          <p:cNvPr id="9" name="Tijdelijke aanduiding voor dianummer 5"/>
+          <p:cNvSpPr>
+            <a:spLocks noGrp="1"/>
+          </p:cNvSpPr>
+          <p:nvPr>
+            <p:ph type="sldNum" sz="quarter" idx="11"/>
+          </p:nvPr>
+        </p:nvSpPr>
+        <p:spPr>
+          <a:xfrm>
+            <a:off x="4309533" y="6399214"/>
+            <a:ext cx="2844800" cy="365125"/>
+          </a:xfrm>
+        </p:spPr>
         <p:txBody>
           <a:bodyPr/>
-          <a:lstStyle/>
-          <a:p>
-            <a:endParaRPr lang="nl-BE"/>
-          </a:p>
-        </p:txBody>
-      </p:sp>
-      <p:sp>
-        <p:nvSpPr>
-          <p:cNvPr id="6" name="Slide Number Placeholder 5"/>
-          <p:cNvSpPr>
-            <a:spLocks noGrp="1"/>
-          </p:cNvSpPr>
-          <p:nvPr>
-            <p:ph type="sldNum" sz="quarter" idx="12"/>
-          </p:nvPr>
-        </p:nvSpPr>
-        <p:spPr/>
-        <p:txBody>
-          <a:bodyPr/>
-          <a:lstStyle/>
-          <a:p>
-            <a:fld id="{F9B02DA0-C0B0-4FAC-BBEB-23817AA99391}" type="slidenum">
-              <a:rPr lang="nl-BE" smtClean="0"/>
+          <a:lstStyle>
+            <a:lvl1pPr>
+              <a:defRPr>
+                <a:solidFill>
+                  <a:schemeClr val="tx1"/>
+                </a:solidFill>
+              </a:defRPr>
+            </a:lvl1pPr>
+          </a:lstStyle>
+          <a:p>
+            <a:pPr>
+              <a:defRPr/>
+            </a:pPr>
+            <a:fld id="{EF74DA4A-5401-4EBA-9566-BA9334B1CB09}" type="slidenum">
+              <a:rPr lang="nl-NL">
+                <a:solidFill>
+                  <a:prstClr val="black"/>
+                </a:solidFill>
+              </a:rPr>
+              <a:pPr>
+                <a:defRPr/>
+              </a:pPr>
               <a:t>‹#›</a:t>
             </a:fld>
-            <a:endParaRPr lang="nl-BE"/>
+            <a:endParaRPr lang="nl-NL">
+              <a:solidFill>
+                <a:prstClr val="black"/>
+              </a:solidFill>
+            </a:endParaRPr>
           </a:p>
         </p:txBody>
       </p:sp>
     </p:spTree>
     <p:extLst>
       <p:ext uri="{BB962C8B-B14F-4D97-AF65-F5344CB8AC3E}">
-        <p14:creationId xmlns:p14="http://schemas.microsoft.com/office/powerpoint/2010/main" val="1728100128"/>
+        <p14:creationId xmlns:p14="http://schemas.microsoft.com/office/powerpoint/2010/main" val="1355125862"/>
       </p:ext>
     </p:extLst>
   </p:cSld>
@@ -353,8 +763,16 @@
 </file>
 
 <file path=ppt/slideLayouts/slideLayout10.xml><?xml version="1.0" encoding="utf-8"?>
-<p:sldLayout xmlns:a="http://schemas.openxmlformats.org/drawingml/2006/main" xmlns:r="http://schemas.openxmlformats.org/officeDocument/2006/relationships" xmlns:p="http://schemas.openxmlformats.org/presentationml/2006/main" type="vertTx" preserve="1">
-  <p:cSld name="Title and Vertical Text">
+<p:sldLayout xmlns:a="http://schemas.openxmlformats.org/drawingml/2006/main" xmlns:r="http://schemas.openxmlformats.org/officeDocument/2006/relationships" xmlns:p="http://schemas.openxmlformats.org/presentationml/2006/main" type="picTx" preserve="1">
+  <p:cSld name="Afbeelding met bijschrift">
+    <p:bg>
+      <p:bgPr>
+        <a:solidFill>
+          <a:srgbClr val="58A618"/>
+        </a:solidFill>
+        <a:effectLst/>
+      </p:bgPr>
+    </p:bg>
     <p:spTree>
       <p:nvGrpSpPr>
         <p:cNvPr id="1" name=""/>
@@ -369,9 +787,63 @@
           <a:chExt cx="0" cy="0"/>
         </a:xfrm>
       </p:grpSpPr>
-      <p:sp>
-        <p:nvSpPr>
-          <p:cNvPr id="2" name="Title 1"/>
+      <p:pic>
+        <p:nvPicPr>
+          <p:cNvPr id="5" name="Afbeelding 7" descr="Macintosh HD:Users:nickdaenen:Desktop:logo_pxl.wmf"/>
+          <p:cNvPicPr>
+            <a:picLocks noChangeAspect="1" noChangeArrowheads="1"/>
+          </p:cNvPicPr>
+          <p:nvPr userDrawn="1"/>
+        </p:nvPicPr>
+        <p:blipFill>
+          <a:blip r:embed="rId2" cstate="print">
+            <a:extLst>
+              <a:ext uri="{28A0092B-C50C-407E-A947-70E740481C1C}">
+                <a14:useLocalDpi xmlns:a14="http://schemas.microsoft.com/office/drawing/2010/main" val="0"/>
+              </a:ext>
+            </a:extLst>
+          </a:blip>
+          <a:srcRect/>
+          <a:stretch>
+            <a:fillRect/>
+          </a:stretch>
+        </p:blipFill>
+        <p:spPr bwMode="auto">
+          <a:xfrm>
+            <a:off x="503767" y="5837238"/>
+            <a:ext cx="973667" cy="730250"/>
+          </a:xfrm>
+          <a:prstGeom prst="rect">
+            <a:avLst/>
+          </a:prstGeom>
+          <a:noFill/>
+          <a:ln>
+            <a:noFill/>
+          </a:ln>
+          <a:extLst>
+            <a:ext uri="{909E8E84-426E-40DD-AFC4-6F175D3DCCD1}">
+              <a14:hiddenFill xmlns:a14="http://schemas.microsoft.com/office/drawing/2010/main">
+                <a:solidFill>
+                  <a:srgbClr val="FFFFFF"/>
+                </a:solidFill>
+              </a14:hiddenFill>
+            </a:ext>
+            <a:ext uri="{91240B29-F687-4F45-9708-019B960494DF}">
+              <a14:hiddenLine xmlns:a14="http://schemas.microsoft.com/office/drawing/2010/main" w="9525">
+                <a:solidFill>
+                  <a:srgbClr val="000000"/>
+                </a:solidFill>
+                <a:miter lim="800000"/>
+                <a:headEnd/>
+                <a:tailEnd/>
+              </a14:hiddenLine>
+            </a:ext>
+          </a:extLst>
+        </p:spPr>
+      </p:pic>
+      <p:sp>
+        <p:nvSpPr>
+          <p:cNvPr id="2" name="Titel 1"/>
           <p:cNvSpPr>
             <a:spLocks noGrp="1"/>
           </p:cNvSpPr>
@@ -379,140 +851,277 @@
             <p:ph type="title"/>
           </p:nvPr>
         </p:nvSpPr>
+        <p:spPr>
+          <a:xfrm>
+            <a:off x="2389717" y="4800600"/>
+            <a:ext cx="7315200" cy="566738"/>
+          </a:xfrm>
+        </p:spPr>
+        <p:txBody>
+          <a:bodyPr anchor="b"/>
+          <a:lstStyle>
+            <a:lvl1pPr algn="l">
+              <a:defRPr sz="2000" b="1">
+                <a:solidFill>
+                  <a:schemeClr val="tx1"/>
+                </a:solidFill>
+              </a:defRPr>
+            </a:lvl1pPr>
+          </a:lstStyle>
+          <a:p>
+            <a:r>
+              <a:rPr lang="nl-NL" smtClean="0"/>
+              <a:t>Klik om de stijl te bewerken</a:t>
+            </a:r>
+            <a:endParaRPr lang="nl-NL" dirty="0"/>
+          </a:p>
+        </p:txBody>
+      </p:sp>
+      <p:sp>
+        <p:nvSpPr>
+          <p:cNvPr id="3" name="Tijdelijke aanduiding voor afbeelding 2"/>
+          <p:cNvSpPr>
+            <a:spLocks noGrp="1"/>
+          </p:cNvSpPr>
+          <p:nvPr>
+            <p:ph type="pic" idx="1"/>
+          </p:nvPr>
+        </p:nvSpPr>
+        <p:spPr>
+          <a:xfrm>
+            <a:off x="2389717" y="612775"/>
+            <a:ext cx="7315200" cy="4114800"/>
+          </a:xfrm>
+        </p:spPr>
+        <p:txBody>
+          <a:bodyPr rtlCol="0">
+            <a:normAutofit/>
+          </a:bodyPr>
+          <a:lstStyle>
+            <a:lvl1pPr marL="0" indent="0">
+              <a:buNone/>
+              <a:defRPr sz="3200"/>
+            </a:lvl1pPr>
+            <a:lvl2pPr marL="457200" indent="0">
+              <a:buNone/>
+              <a:defRPr sz="2800"/>
+            </a:lvl2pPr>
+            <a:lvl3pPr marL="914400" indent="0">
+              <a:buNone/>
+              <a:defRPr sz="2400"/>
+            </a:lvl3pPr>
+            <a:lvl4pPr marL="1371600" indent="0">
+              <a:buNone/>
+              <a:defRPr sz="2000"/>
+            </a:lvl4pPr>
+            <a:lvl5pPr marL="1828800" indent="0">
+              <a:buNone/>
+              <a:defRPr sz="2000"/>
+            </a:lvl5pPr>
+            <a:lvl6pPr marL="2286000" indent="0">
+              <a:buNone/>
+              <a:defRPr sz="2000"/>
+            </a:lvl6pPr>
+            <a:lvl7pPr marL="2743200" indent="0">
+              <a:buNone/>
+              <a:defRPr sz="2000"/>
+            </a:lvl7pPr>
+            <a:lvl8pPr marL="3200400" indent="0">
+              <a:buNone/>
+              <a:defRPr sz="2000"/>
+            </a:lvl8pPr>
+            <a:lvl9pPr marL="3657600" indent="0">
+              <a:buNone/>
+              <a:defRPr sz="2000"/>
+            </a:lvl9pPr>
+          </a:lstStyle>
+          <a:p>
+            <a:pPr lvl="0"/>
+            <a:r>
+              <a:rPr lang="nl-NL" noProof="0" smtClean="0"/>
+              <a:t>Klik op het pictogram als u een afbeelding wilt toevoegen</a:t>
+            </a:r>
+            <a:endParaRPr lang="nl-NL" noProof="0"/>
+          </a:p>
+        </p:txBody>
+      </p:sp>
+      <p:sp>
+        <p:nvSpPr>
+          <p:cNvPr id="4" name="Tijdelijke aanduiding voor tekst 3"/>
+          <p:cNvSpPr>
+            <a:spLocks noGrp="1"/>
+          </p:cNvSpPr>
+          <p:nvPr>
+            <p:ph type="body" sz="half" idx="2"/>
+          </p:nvPr>
+        </p:nvSpPr>
+        <p:spPr>
+          <a:xfrm>
+            <a:off x="2389717" y="5367338"/>
+            <a:ext cx="7315200" cy="804862"/>
+          </a:xfrm>
+        </p:spPr>
+        <p:txBody>
+          <a:bodyPr/>
+          <a:lstStyle>
+            <a:lvl1pPr marL="0" indent="0">
+              <a:buNone/>
+              <a:defRPr sz="1400">
+                <a:solidFill>
+                  <a:schemeClr val="bg1"/>
+                </a:solidFill>
+              </a:defRPr>
+            </a:lvl1pPr>
+            <a:lvl2pPr marL="457200" indent="0">
+              <a:buNone/>
+              <a:defRPr sz="1200"/>
+            </a:lvl2pPr>
+            <a:lvl3pPr marL="914400" indent="0">
+              <a:buNone/>
+              <a:defRPr sz="1000"/>
+            </a:lvl3pPr>
+            <a:lvl4pPr marL="1371600" indent="0">
+              <a:buNone/>
+              <a:defRPr sz="900"/>
+            </a:lvl4pPr>
+            <a:lvl5pPr marL="1828800" indent="0">
+              <a:buNone/>
+              <a:defRPr sz="900"/>
+            </a:lvl5pPr>
+            <a:lvl6pPr marL="2286000" indent="0">
+              <a:buNone/>
+              <a:defRPr sz="900"/>
+            </a:lvl6pPr>
+            <a:lvl7pPr marL="2743200" indent="0">
+              <a:buNone/>
+              <a:defRPr sz="900"/>
+            </a:lvl7pPr>
+            <a:lvl8pPr marL="3200400" indent="0">
+              <a:buNone/>
+              <a:defRPr sz="900"/>
+            </a:lvl8pPr>
+            <a:lvl9pPr marL="3657600" indent="0">
+              <a:buNone/>
+              <a:defRPr sz="900"/>
+            </a:lvl9pPr>
+          </a:lstStyle>
+          <a:p>
+            <a:pPr lvl="0"/>
+            <a:r>
+              <a:rPr lang="nl-NL" smtClean="0"/>
+              <a:t>Klik om de modelstijlen te bewerken</a:t>
+            </a:r>
+          </a:p>
+        </p:txBody>
+      </p:sp>
+      <p:sp>
+        <p:nvSpPr>
+          <p:cNvPr id="6" name="Tijdelijke aanduiding voor datum 4"/>
+          <p:cNvSpPr>
+            <a:spLocks noGrp="1"/>
+          </p:cNvSpPr>
+          <p:nvPr>
+            <p:ph type="dt" sz="half" idx="10"/>
+          </p:nvPr>
+        </p:nvSpPr>
         <p:spPr/>
         <p:txBody>
           <a:bodyPr/>
-          <a:lstStyle/>
-          <a:p>
-            <a:r>
-              <a:rPr lang="en-US" smtClean="0"/>
-              <a:t>Click to edit Master title style</a:t>
-            </a:r>
-            <a:endParaRPr lang="nl-BE"/>
-          </a:p>
-        </p:txBody>
-      </p:sp>
-      <p:sp>
-        <p:nvSpPr>
-          <p:cNvPr id="3" name="Vertical Text Placeholder 2"/>
-          <p:cNvSpPr>
-            <a:spLocks noGrp="1"/>
-          </p:cNvSpPr>
-          <p:nvPr>
-            <p:ph type="body" orient="vert" idx="1"/>
+          <a:lstStyle>
+            <a:lvl1pPr>
+              <a:defRPr>
+                <a:solidFill>
+                  <a:srgbClr val="FFFFFF"/>
+                </a:solidFill>
+              </a:defRPr>
+            </a:lvl1pPr>
+          </a:lstStyle>
+          <a:p>
+            <a:pPr>
+              <a:defRPr/>
+            </a:pPr>
+            <a:fld id="{A2707AB7-4AFC-45C6-BB92-F119BCA40458}" type="datetime1">
+              <a:rPr lang="nl-NL"/>
+              <a:pPr>
+                <a:defRPr/>
+              </a:pPr>
+              <a:t>9-5-2016</a:t>
+            </a:fld>
+            <a:endParaRPr lang="nl-NL" dirty="0"/>
+          </a:p>
+        </p:txBody>
+      </p:sp>
+      <p:sp>
+        <p:nvSpPr>
+          <p:cNvPr id="7" name="Tijdelijke aanduiding voor voettekst 5"/>
+          <p:cNvSpPr>
+            <a:spLocks noGrp="1"/>
+          </p:cNvSpPr>
+          <p:nvPr>
+            <p:ph type="ftr" sz="quarter" idx="11"/>
           </p:nvPr>
         </p:nvSpPr>
         <p:spPr/>
         <p:txBody>
-          <a:bodyPr vert="eaVert"/>
-          <a:lstStyle/>
-          <a:p>
-            <a:pPr lvl="0"/>
-            <a:r>
-              <a:rPr lang="en-US" smtClean="0"/>
-              <a:t>Click to edit Master text styles</a:t>
-            </a:r>
-          </a:p>
-          <a:p>
-            <a:pPr lvl="1"/>
-            <a:r>
-              <a:rPr lang="en-US" smtClean="0"/>
-              <a:t>Second level</a:t>
-            </a:r>
-          </a:p>
-          <a:p>
-            <a:pPr lvl="2"/>
-            <a:r>
-              <a:rPr lang="en-US" smtClean="0"/>
-              <a:t>Third level</a:t>
-            </a:r>
-          </a:p>
-          <a:p>
-            <a:pPr lvl="3"/>
-            <a:r>
-              <a:rPr lang="en-US" smtClean="0"/>
-              <a:t>Fourth level</a:t>
-            </a:r>
-          </a:p>
-          <a:p>
-            <a:pPr lvl="4"/>
-            <a:r>
-              <a:rPr lang="en-US" smtClean="0"/>
-              <a:t>Fifth level</a:t>
-            </a:r>
-            <a:endParaRPr lang="nl-BE"/>
-          </a:p>
-        </p:txBody>
-      </p:sp>
-      <p:sp>
-        <p:nvSpPr>
-          <p:cNvPr id="4" name="Date Placeholder 3"/>
-          <p:cNvSpPr>
-            <a:spLocks noGrp="1"/>
-          </p:cNvSpPr>
-          <p:nvPr>
-            <p:ph type="dt" sz="half" idx="10"/>
+          <a:bodyPr/>
+          <a:lstStyle>
+            <a:lvl1pPr>
+              <a:defRPr>
+                <a:solidFill>
+                  <a:srgbClr val="FFFFFF"/>
+                </a:solidFill>
+              </a:defRPr>
+            </a:lvl1pPr>
+          </a:lstStyle>
+          <a:p>
+            <a:pPr>
+              <a:defRPr/>
+            </a:pPr>
+            <a:endParaRPr lang="nl-NL"/>
+          </a:p>
+        </p:txBody>
+      </p:sp>
+      <p:sp>
+        <p:nvSpPr>
+          <p:cNvPr id="8" name="Tijdelijke aanduiding voor dianummer 6"/>
+          <p:cNvSpPr>
+            <a:spLocks noGrp="1"/>
+          </p:cNvSpPr>
+          <p:nvPr>
+            <p:ph type="sldNum" sz="quarter" idx="12"/>
           </p:nvPr>
         </p:nvSpPr>
         <p:spPr/>
         <p:txBody>
           <a:bodyPr/>
-          <a:lstStyle/>
-          <a:p>
-            <a:fld id="{192B0248-19C4-4470-85AF-091A1CD0BAE5}" type="datetimeFigureOut">
-              <a:rPr lang="nl-BE" smtClean="0"/>
-              <a:t>9/05/2016</a:t>
-            </a:fld>
-            <a:endParaRPr lang="nl-BE"/>
-          </a:p>
-        </p:txBody>
-      </p:sp>
-      <p:sp>
-        <p:nvSpPr>
-          <p:cNvPr id="5" name="Footer Placeholder 4"/>
-          <p:cNvSpPr>
-            <a:spLocks noGrp="1"/>
-          </p:cNvSpPr>
-          <p:nvPr>
-            <p:ph type="ftr" sz="quarter" idx="11"/>
-          </p:nvPr>
-        </p:nvSpPr>
-        <p:spPr/>
-        <p:txBody>
-          <a:bodyPr/>
-          <a:lstStyle/>
-          <a:p>
-            <a:endParaRPr lang="nl-BE"/>
-          </a:p>
-        </p:txBody>
-      </p:sp>
-      <p:sp>
-        <p:nvSpPr>
-          <p:cNvPr id="6" name="Slide Number Placeholder 5"/>
-          <p:cNvSpPr>
-            <a:spLocks noGrp="1"/>
-          </p:cNvSpPr>
-          <p:nvPr>
-            <p:ph type="sldNum" sz="quarter" idx="12"/>
-          </p:nvPr>
-        </p:nvSpPr>
-        <p:spPr/>
-        <p:txBody>
-          <a:bodyPr/>
-          <a:lstStyle/>
-          <a:p>
-            <a:fld id="{F9B02DA0-C0B0-4FAC-BBEB-23817AA99391}" type="slidenum">
-              <a:rPr lang="nl-BE" smtClean="0"/>
+          <a:lstStyle>
+            <a:lvl1pPr>
+              <a:defRPr>
+                <a:solidFill>
+                  <a:srgbClr val="FFFFFF"/>
+                </a:solidFill>
+              </a:defRPr>
+            </a:lvl1pPr>
+          </a:lstStyle>
+          <a:p>
+            <a:pPr>
+              <a:defRPr/>
+            </a:pPr>
+            <a:fld id="{8CA72DB7-B51A-47D6-B282-824F305E20E3}" type="slidenum">
+              <a:rPr lang="nl-NL"/>
+              <a:pPr>
+                <a:defRPr/>
+              </a:pPr>
               <a:t>‹#›</a:t>
             </a:fld>
-            <a:endParaRPr lang="nl-BE"/>
+            <a:endParaRPr lang="nl-NL"/>
           </a:p>
         </p:txBody>
       </p:sp>
     </p:spTree>
     <p:extLst>
       <p:ext uri="{BB962C8B-B14F-4D97-AF65-F5344CB8AC3E}">
-        <p14:creationId xmlns:p14="http://schemas.microsoft.com/office/powerpoint/2010/main" val="4083165001"/>
+        <p14:creationId xmlns:p14="http://schemas.microsoft.com/office/powerpoint/2010/main" val="1128594241"/>
       </p:ext>
     </p:extLst>
   </p:cSld>
@@ -523,8 +1132,8 @@
 </file>
 
 <file path=ppt/slideLayouts/slideLayout11.xml><?xml version="1.0" encoding="utf-8"?>
-<p:sldLayout xmlns:a="http://schemas.openxmlformats.org/drawingml/2006/main" xmlns:r="http://schemas.openxmlformats.org/officeDocument/2006/relationships" xmlns:p="http://schemas.openxmlformats.org/presentationml/2006/main" type="vertTitleAndTx" preserve="1">
-  <p:cSld name="Vertical Title and Text">
+<p:sldLayout xmlns:a="http://schemas.openxmlformats.org/drawingml/2006/main" xmlns:r="http://schemas.openxmlformats.org/officeDocument/2006/relationships" xmlns:p="http://schemas.openxmlformats.org/presentationml/2006/main" type="vertTx" preserve="1">
+  <p:cSld name="Titel en verticale tekst">
     <p:spTree>
       <p:nvGrpSpPr>
         <p:cNvPr id="1" name=""/>
@@ -539,94 +1148,138 @@
           <a:chExt cx="0" cy="0"/>
         </a:xfrm>
       </p:grpSpPr>
-      <p:sp>
-        <p:nvSpPr>
-          <p:cNvPr id="2" name="Vertical Title 1"/>
-          <p:cNvSpPr>
-            <a:spLocks noGrp="1"/>
-          </p:cNvSpPr>
-          <p:nvPr>
-            <p:ph type="title" orient="vert"/>
-          </p:nvPr>
-        </p:nvSpPr>
-        <p:spPr>
+      <p:pic>
+        <p:nvPicPr>
+          <p:cNvPr id="4" name="Afbeelding 7" descr="Macintosh HD:Users:nickdaenen:Desktop:logo_pxl.wmf"/>
+          <p:cNvPicPr>
+            <a:picLocks noChangeAspect="1" noChangeArrowheads="1"/>
+          </p:cNvPicPr>
+          <p:nvPr userDrawn="1"/>
+        </p:nvPicPr>
+        <p:blipFill>
+          <a:blip r:embed="rId2" cstate="print">
+            <a:extLst>
+              <a:ext uri="{28A0092B-C50C-407E-A947-70E740481C1C}">
+                <a14:useLocalDpi xmlns:a14="http://schemas.microsoft.com/office/drawing/2010/main" val="0"/>
+              </a:ext>
+            </a:extLst>
+          </a:blip>
+          <a:srcRect/>
+          <a:stretch>
+            <a:fillRect/>
+          </a:stretch>
+        </p:blipFill>
+        <p:spPr bwMode="auto">
           <a:xfrm>
-            <a:off x="6629400" y="274638"/>
-            <a:ext cx="2057400" cy="5851525"/>
+            <a:off x="503767" y="5837238"/>
+            <a:ext cx="973667" cy="730250"/>
           </a:xfrm>
+          <a:prstGeom prst="rect">
+            <a:avLst/>
+          </a:prstGeom>
+          <a:noFill/>
+          <a:ln>
+            <a:noFill/>
+          </a:ln>
+          <a:extLst>
+            <a:ext uri="{909E8E84-426E-40DD-AFC4-6F175D3DCCD1}">
+              <a14:hiddenFill xmlns:a14="http://schemas.microsoft.com/office/drawing/2010/main">
+                <a:solidFill>
+                  <a:srgbClr val="FFFFFF"/>
+                </a:solidFill>
+              </a14:hiddenFill>
+            </a:ext>
+            <a:ext uri="{91240B29-F687-4F45-9708-019B960494DF}">
+              <a14:hiddenLine xmlns:a14="http://schemas.microsoft.com/office/drawing/2010/main" w="9525">
+                <a:solidFill>
+                  <a:srgbClr val="000000"/>
+                </a:solidFill>
+                <a:miter lim="800000"/>
+                <a:headEnd/>
+                <a:tailEnd/>
+              </a14:hiddenLine>
+            </a:ext>
+          </a:extLst>
         </p:spPr>
+      </p:pic>
+      <p:sp>
+        <p:nvSpPr>
+          <p:cNvPr id="2" name="Titel 1"/>
+          <p:cNvSpPr>
+            <a:spLocks noGrp="1"/>
+          </p:cNvSpPr>
+          <p:nvPr>
+            <p:ph type="title"/>
+          </p:nvPr>
+        </p:nvSpPr>
+        <p:spPr/>
+        <p:txBody>
+          <a:bodyPr/>
+          <a:lstStyle/>
+          <a:p>
+            <a:r>
+              <a:rPr lang="nl-NL" smtClean="0"/>
+              <a:t>Klik om de stijl te bewerken</a:t>
+            </a:r>
+            <a:endParaRPr lang="nl-NL"/>
+          </a:p>
+        </p:txBody>
+      </p:sp>
+      <p:sp>
+        <p:nvSpPr>
+          <p:cNvPr id="3" name="Tijdelijke aanduiding voor verticale tekst 2"/>
+          <p:cNvSpPr>
+            <a:spLocks noGrp="1"/>
+          </p:cNvSpPr>
+          <p:nvPr>
+            <p:ph type="body" orient="vert" idx="1"/>
+          </p:nvPr>
+        </p:nvSpPr>
+        <p:spPr/>
         <p:txBody>
           <a:bodyPr vert="eaVert"/>
           <a:lstStyle/>
           <a:p>
-            <a:r>
-              <a:rPr lang="en-US" smtClean="0"/>
-              <a:t>Click to edit Master title style</a:t>
-            </a:r>
-            <a:endParaRPr lang="nl-BE"/>
-          </a:p>
-        </p:txBody>
-      </p:sp>
-      <p:sp>
-        <p:nvSpPr>
-          <p:cNvPr id="3" name="Vertical Text Placeholder 2"/>
-          <p:cNvSpPr>
-            <a:spLocks noGrp="1"/>
-          </p:cNvSpPr>
-          <p:nvPr>
-            <p:ph type="body" orient="vert" idx="1"/>
-          </p:nvPr>
-        </p:nvSpPr>
-        <p:spPr>
-          <a:xfrm>
-            <a:off x="457200" y="274638"/>
-            <a:ext cx="6019800" cy="5851525"/>
-          </a:xfrm>
-        </p:spPr>
-        <p:txBody>
-          <a:bodyPr vert="eaVert"/>
-          <a:lstStyle/>
-          <a:p>
             <a:pPr lvl="0"/>
             <a:r>
-              <a:rPr lang="en-US" smtClean="0"/>
-              <a:t>Click to edit Master text styles</a:t>
+              <a:rPr lang="nl-NL" smtClean="0"/>
+              <a:t>Klik om de modelstijlen te bewerken</a:t>
             </a:r>
           </a:p>
           <a:p>
             <a:pPr lvl="1"/>
             <a:r>
-              <a:rPr lang="en-US" smtClean="0"/>
-              <a:t>Second level</a:t>
+              <a:rPr lang="nl-NL" smtClean="0"/>
+              <a:t>Tweede niveau</a:t>
             </a:r>
           </a:p>
           <a:p>
             <a:pPr lvl="2"/>
             <a:r>
-              <a:rPr lang="en-US" smtClean="0"/>
-              <a:t>Third level</a:t>
+              <a:rPr lang="nl-NL" smtClean="0"/>
+              <a:t>Derde niveau</a:t>
             </a:r>
           </a:p>
           <a:p>
             <a:pPr lvl="3"/>
             <a:r>
-              <a:rPr lang="en-US" smtClean="0"/>
-              <a:t>Fourth level</a:t>
+              <a:rPr lang="nl-NL" smtClean="0"/>
+              <a:t>Vierde niveau</a:t>
             </a:r>
           </a:p>
           <a:p>
             <a:pPr lvl="4"/>
             <a:r>
-              <a:rPr lang="en-US" smtClean="0"/>
-              <a:t>Fifth level</a:t>
-            </a:r>
-            <a:endParaRPr lang="nl-BE"/>
-          </a:p>
-        </p:txBody>
-      </p:sp>
-      <p:sp>
-        <p:nvSpPr>
-          <p:cNvPr id="4" name="Date Placeholder 3"/>
+              <a:rPr lang="nl-NL" smtClean="0"/>
+              <a:t>Vijfde niveau</a:t>
+            </a:r>
+            <a:endParaRPr lang="nl-NL"/>
+          </a:p>
+        </p:txBody>
+      </p:sp>
+      <p:sp>
+        <p:nvSpPr>
+          <p:cNvPr id="5" name="Tijdelijke aanduiding voor datum 3"/>
           <p:cNvSpPr>
             <a:spLocks noGrp="1"/>
           </p:cNvSpPr>
@@ -637,19 +1290,41 @@
         <p:spPr/>
         <p:txBody>
           <a:bodyPr/>
-          <a:lstStyle/>
-          <a:p>
-            <a:fld id="{192B0248-19C4-4470-85AF-091A1CD0BAE5}" type="datetimeFigureOut">
-              <a:rPr lang="nl-BE" smtClean="0"/>
-              <a:t>9/05/2016</a:t>
+          <a:lstStyle>
+            <a:lvl1pPr>
+              <a:defRPr/>
+            </a:lvl1pPr>
+          </a:lstStyle>
+          <a:p>
+            <a:pPr>
+              <a:defRPr/>
+            </a:pPr>
+            <a:fld id="{2E853229-2B3C-43E0-913B-DA1EDAA441E5}" type="datetime1">
+              <a:rPr lang="nl-NL">
+                <a:solidFill>
+                  <a:prstClr val="black">
+                    <a:tint val="75000"/>
+                  </a:prstClr>
+                </a:solidFill>
+              </a:rPr>
+              <a:pPr>
+                <a:defRPr/>
+              </a:pPr>
+              <a:t>9-5-2016</a:t>
             </a:fld>
-            <a:endParaRPr lang="nl-BE"/>
-          </a:p>
-        </p:txBody>
-      </p:sp>
-      <p:sp>
-        <p:nvSpPr>
-          <p:cNvPr id="5" name="Footer Placeholder 4"/>
+            <a:endParaRPr lang="nl-NL">
+              <a:solidFill>
+                <a:prstClr val="black">
+                  <a:tint val="75000"/>
+                </a:prstClr>
+              </a:solidFill>
+            </a:endParaRPr>
+          </a:p>
+        </p:txBody>
+      </p:sp>
+      <p:sp>
+        <p:nvSpPr>
+          <p:cNvPr id="6" name="Tijdelijke aanduiding voor voettekst 4"/>
           <p:cNvSpPr>
             <a:spLocks noGrp="1"/>
           </p:cNvSpPr>
@@ -660,15 +1335,28 @@
         <p:spPr/>
         <p:txBody>
           <a:bodyPr/>
-          <a:lstStyle/>
-          <a:p>
-            <a:endParaRPr lang="nl-BE"/>
-          </a:p>
-        </p:txBody>
-      </p:sp>
-      <p:sp>
-        <p:nvSpPr>
-          <p:cNvPr id="6" name="Slide Number Placeholder 5"/>
+          <a:lstStyle>
+            <a:lvl1pPr>
+              <a:defRPr/>
+            </a:lvl1pPr>
+          </a:lstStyle>
+          <a:p>
+            <a:pPr>
+              <a:defRPr/>
+            </a:pPr>
+            <a:endParaRPr lang="nl-NL">
+              <a:solidFill>
+                <a:prstClr val="black">
+                  <a:tint val="75000"/>
+                </a:prstClr>
+              </a:solidFill>
+            </a:endParaRPr>
+          </a:p>
+        </p:txBody>
+      </p:sp>
+      <p:sp>
+        <p:nvSpPr>
+          <p:cNvPr id="7" name="Tijdelijke aanduiding voor dianummer 5"/>
           <p:cNvSpPr>
             <a:spLocks noGrp="1"/>
           </p:cNvSpPr>
@@ -679,20 +1367,30 @@
         <p:spPr/>
         <p:txBody>
           <a:bodyPr/>
-          <a:lstStyle/>
-          <a:p>
-            <a:fld id="{F9B02DA0-C0B0-4FAC-BBEB-23817AA99391}" type="slidenum">
-              <a:rPr lang="nl-BE" smtClean="0"/>
+          <a:lstStyle>
+            <a:lvl1pPr>
+              <a:defRPr/>
+            </a:lvl1pPr>
+          </a:lstStyle>
+          <a:p>
+            <a:pPr>
+              <a:defRPr/>
+            </a:pPr>
+            <a:fld id="{206194FA-44BC-4F43-9373-3F8E7EAA141D}" type="slidenum">
+              <a:rPr lang="nl-NL"/>
+              <a:pPr>
+                <a:defRPr/>
+              </a:pPr>
               <a:t>‹#›</a:t>
             </a:fld>
-            <a:endParaRPr lang="nl-BE"/>
+            <a:endParaRPr lang="nl-NL"/>
           </a:p>
         </p:txBody>
       </p:sp>
     </p:spTree>
     <p:extLst>
       <p:ext uri="{BB962C8B-B14F-4D97-AF65-F5344CB8AC3E}">
-        <p14:creationId xmlns:p14="http://schemas.microsoft.com/office/powerpoint/2010/main" val="2408752350"/>
+        <p14:creationId xmlns:p14="http://schemas.microsoft.com/office/powerpoint/2010/main" val="2941185527"/>
       </p:ext>
     </p:extLst>
   </p:cSld>
@@ -702,9 +1400,9 @@
 </p:sldLayout>
 </file>
 
-<file path=ppt/slideLayouts/slideLayout2.xml><?xml version="1.0" encoding="utf-8"?>
-<p:sldLayout xmlns:a="http://schemas.openxmlformats.org/drawingml/2006/main" xmlns:r="http://schemas.openxmlformats.org/officeDocument/2006/relationships" xmlns:p="http://schemas.openxmlformats.org/presentationml/2006/main" type="obj" preserve="1">
-  <p:cSld name="Title and Content">
+<file path=ppt/slideLayouts/slideLayout12.xml><?xml version="1.0" encoding="utf-8"?>
+<p:sldLayout xmlns:a="http://schemas.openxmlformats.org/drawingml/2006/main" xmlns:r="http://schemas.openxmlformats.org/officeDocument/2006/relationships" xmlns:p="http://schemas.openxmlformats.org/presentationml/2006/main" type="vertTitleAndTx" preserve="1">
+  <p:cSld name="Verticale titel en tekst">
     <p:spTree>
       <p:nvGrpSpPr>
         <p:cNvPr id="1" name=""/>
@@ -719,150 +1417,259 @@
           <a:chExt cx="0" cy="0"/>
         </a:xfrm>
       </p:grpSpPr>
-      <p:sp>
-        <p:nvSpPr>
-          <p:cNvPr id="2" name="Title 1"/>
-          <p:cNvSpPr>
-            <a:spLocks noGrp="1"/>
-          </p:cNvSpPr>
-          <p:nvPr>
-            <p:ph type="title"/>
+      <p:pic>
+        <p:nvPicPr>
+          <p:cNvPr id="4" name="Afbeelding 7" descr="Macintosh HD:Users:nickdaenen:Desktop:logo_pxl.wmf"/>
+          <p:cNvPicPr>
+            <a:picLocks noChangeAspect="1" noChangeArrowheads="1"/>
+          </p:cNvPicPr>
+          <p:nvPr userDrawn="1"/>
+        </p:nvPicPr>
+        <p:blipFill>
+          <a:blip r:embed="rId2" cstate="print">
+            <a:extLst>
+              <a:ext uri="{28A0092B-C50C-407E-A947-70E740481C1C}">
+                <a14:useLocalDpi xmlns:a14="http://schemas.microsoft.com/office/drawing/2010/main" val="0"/>
+              </a:ext>
+            </a:extLst>
+          </a:blip>
+          <a:srcRect/>
+          <a:stretch>
+            <a:fillRect/>
+          </a:stretch>
+        </p:blipFill>
+        <p:spPr bwMode="auto">
+          <a:xfrm>
+            <a:off x="503767" y="5837238"/>
+            <a:ext cx="973667" cy="730250"/>
+          </a:xfrm>
+          <a:prstGeom prst="rect">
+            <a:avLst/>
+          </a:prstGeom>
+          <a:noFill/>
+          <a:ln>
+            <a:noFill/>
+          </a:ln>
+          <a:extLst>
+            <a:ext uri="{909E8E84-426E-40DD-AFC4-6F175D3DCCD1}">
+              <a14:hiddenFill xmlns:a14="http://schemas.microsoft.com/office/drawing/2010/main">
+                <a:solidFill>
+                  <a:srgbClr val="FFFFFF"/>
+                </a:solidFill>
+              </a14:hiddenFill>
+            </a:ext>
+            <a:ext uri="{91240B29-F687-4F45-9708-019B960494DF}">
+              <a14:hiddenLine xmlns:a14="http://schemas.microsoft.com/office/drawing/2010/main" w="9525">
+                <a:solidFill>
+                  <a:srgbClr val="000000"/>
+                </a:solidFill>
+                <a:miter lim="800000"/>
+                <a:headEnd/>
+                <a:tailEnd/>
+              </a14:hiddenLine>
+            </a:ext>
+          </a:extLst>
+        </p:spPr>
+      </p:pic>
+      <p:sp>
+        <p:nvSpPr>
+          <p:cNvPr id="2" name="Verticale titel 1"/>
+          <p:cNvSpPr>
+            <a:spLocks noGrp="1"/>
+          </p:cNvSpPr>
+          <p:nvPr>
+            <p:ph type="title" orient="vert"/>
+          </p:nvPr>
+        </p:nvSpPr>
+        <p:spPr>
+          <a:xfrm>
+            <a:off x="8839200" y="274639"/>
+            <a:ext cx="2743200" cy="5851525"/>
+          </a:xfrm>
+        </p:spPr>
+        <p:txBody>
+          <a:bodyPr vert="eaVert"/>
+          <a:lstStyle/>
+          <a:p>
+            <a:r>
+              <a:rPr lang="nl-NL" smtClean="0"/>
+              <a:t>Klik om de stijl te bewerken</a:t>
+            </a:r>
+            <a:endParaRPr lang="nl-NL"/>
+          </a:p>
+        </p:txBody>
+      </p:sp>
+      <p:sp>
+        <p:nvSpPr>
+          <p:cNvPr id="3" name="Tijdelijke aanduiding voor verticale tekst 2"/>
+          <p:cNvSpPr>
+            <a:spLocks noGrp="1"/>
+          </p:cNvSpPr>
+          <p:nvPr>
+            <p:ph type="body" orient="vert" idx="1"/>
+          </p:nvPr>
+        </p:nvSpPr>
+        <p:spPr>
+          <a:xfrm>
+            <a:off x="609600" y="274639"/>
+            <a:ext cx="8026400" cy="5851525"/>
+          </a:xfrm>
+        </p:spPr>
+        <p:txBody>
+          <a:bodyPr vert="eaVert"/>
+          <a:lstStyle/>
+          <a:p>
+            <a:pPr lvl="0"/>
+            <a:r>
+              <a:rPr lang="nl-NL" smtClean="0"/>
+              <a:t>Klik om de modelstijlen te bewerken</a:t>
+            </a:r>
+          </a:p>
+          <a:p>
+            <a:pPr lvl="1"/>
+            <a:r>
+              <a:rPr lang="nl-NL" smtClean="0"/>
+              <a:t>Tweede niveau</a:t>
+            </a:r>
+          </a:p>
+          <a:p>
+            <a:pPr lvl="2"/>
+            <a:r>
+              <a:rPr lang="nl-NL" smtClean="0"/>
+              <a:t>Derde niveau</a:t>
+            </a:r>
+          </a:p>
+          <a:p>
+            <a:pPr lvl="3"/>
+            <a:r>
+              <a:rPr lang="nl-NL" smtClean="0"/>
+              <a:t>Vierde niveau</a:t>
+            </a:r>
+          </a:p>
+          <a:p>
+            <a:pPr lvl="4"/>
+            <a:r>
+              <a:rPr lang="nl-NL" smtClean="0"/>
+              <a:t>Vijfde niveau</a:t>
+            </a:r>
+            <a:endParaRPr lang="nl-NL"/>
+          </a:p>
+        </p:txBody>
+      </p:sp>
+      <p:sp>
+        <p:nvSpPr>
+          <p:cNvPr id="5" name="Tijdelijke aanduiding voor datum 3"/>
+          <p:cNvSpPr>
+            <a:spLocks noGrp="1"/>
+          </p:cNvSpPr>
+          <p:nvPr>
+            <p:ph type="dt" sz="half" idx="10"/>
           </p:nvPr>
         </p:nvSpPr>
         <p:spPr/>
         <p:txBody>
           <a:bodyPr/>
-          <a:lstStyle/>
-          <a:p>
-            <a:r>
-              <a:rPr lang="en-US" smtClean="0"/>
-              <a:t>Click to edit Master title style</a:t>
-            </a:r>
-            <a:endParaRPr lang="nl-BE"/>
-          </a:p>
-        </p:txBody>
-      </p:sp>
-      <p:sp>
-        <p:nvSpPr>
-          <p:cNvPr id="3" name="Content Placeholder 2"/>
-          <p:cNvSpPr>
-            <a:spLocks noGrp="1"/>
-          </p:cNvSpPr>
-          <p:nvPr>
-            <p:ph idx="1"/>
+          <a:lstStyle>
+            <a:lvl1pPr>
+              <a:defRPr/>
+            </a:lvl1pPr>
+          </a:lstStyle>
+          <a:p>
+            <a:pPr>
+              <a:defRPr/>
+            </a:pPr>
+            <a:fld id="{F3007AB3-D2C1-4D27-BD63-08556320EFCC}" type="datetime1">
+              <a:rPr lang="nl-NL">
+                <a:solidFill>
+                  <a:prstClr val="black">
+                    <a:tint val="75000"/>
+                  </a:prstClr>
+                </a:solidFill>
+              </a:rPr>
+              <a:pPr>
+                <a:defRPr/>
+              </a:pPr>
+              <a:t>9-5-2016</a:t>
+            </a:fld>
+            <a:endParaRPr lang="nl-NL">
+              <a:solidFill>
+                <a:prstClr val="black">
+                  <a:tint val="75000"/>
+                </a:prstClr>
+              </a:solidFill>
+            </a:endParaRPr>
+          </a:p>
+        </p:txBody>
+      </p:sp>
+      <p:sp>
+        <p:nvSpPr>
+          <p:cNvPr id="6" name="Tijdelijke aanduiding voor voettekst 4"/>
+          <p:cNvSpPr>
+            <a:spLocks noGrp="1"/>
+          </p:cNvSpPr>
+          <p:nvPr>
+            <p:ph type="ftr" sz="quarter" idx="11"/>
           </p:nvPr>
         </p:nvSpPr>
         <p:spPr/>
         <p:txBody>
           <a:bodyPr/>
-          <a:lstStyle/>
-          <a:p>
-            <a:pPr lvl="0"/>
-            <a:r>
-              <a:rPr lang="en-US" smtClean="0"/>
-              <a:t>Click to edit Master text styles</a:t>
-            </a:r>
-          </a:p>
-          <a:p>
-            <a:pPr lvl="1"/>
-            <a:r>
-              <a:rPr lang="en-US" smtClean="0"/>
-              <a:t>Second level</a:t>
-            </a:r>
-          </a:p>
-          <a:p>
-            <a:pPr lvl="2"/>
-            <a:r>
-              <a:rPr lang="en-US" smtClean="0"/>
-              <a:t>Third level</a:t>
-            </a:r>
-          </a:p>
-          <a:p>
-            <a:pPr lvl="3"/>
-            <a:r>
-              <a:rPr lang="en-US" smtClean="0"/>
-              <a:t>Fourth level</a:t>
-            </a:r>
-          </a:p>
-          <a:p>
-            <a:pPr lvl="4"/>
-            <a:r>
-              <a:rPr lang="en-US" smtClean="0"/>
-              <a:t>Fifth level</a:t>
-            </a:r>
-            <a:endParaRPr lang="nl-BE"/>
-          </a:p>
-        </p:txBody>
-      </p:sp>
-      <p:sp>
-        <p:nvSpPr>
-          <p:cNvPr id="4" name="Date Placeholder 3"/>
-          <p:cNvSpPr>
-            <a:spLocks noGrp="1"/>
-          </p:cNvSpPr>
-          <p:nvPr>
-            <p:ph type="dt" sz="half" idx="10"/>
+          <a:lstStyle>
+            <a:lvl1pPr>
+              <a:defRPr/>
+            </a:lvl1pPr>
+          </a:lstStyle>
+          <a:p>
+            <a:pPr>
+              <a:defRPr/>
+            </a:pPr>
+            <a:endParaRPr lang="nl-NL">
+              <a:solidFill>
+                <a:prstClr val="black">
+                  <a:tint val="75000"/>
+                </a:prstClr>
+              </a:solidFill>
+            </a:endParaRPr>
+          </a:p>
+        </p:txBody>
+      </p:sp>
+      <p:sp>
+        <p:nvSpPr>
+          <p:cNvPr id="7" name="Tijdelijke aanduiding voor dianummer 5"/>
+          <p:cNvSpPr>
+            <a:spLocks noGrp="1"/>
+          </p:cNvSpPr>
+          <p:nvPr>
+            <p:ph type="sldNum" sz="quarter" idx="12"/>
           </p:nvPr>
         </p:nvSpPr>
         <p:spPr/>
         <p:txBody>
           <a:bodyPr/>
-          <a:lstStyle/>
-          <a:p>
-            <a:fld id="{192B0248-19C4-4470-85AF-091A1CD0BAE5}" type="datetimeFigureOut">
-              <a:rPr lang="nl-BE" smtClean="0"/>
-              <a:t>9/05/2016</a:t>
-            </a:fld>
-            <a:endParaRPr lang="nl-BE"/>
-          </a:p>
-        </p:txBody>
-      </p:sp>
-      <p:sp>
-        <p:nvSpPr>
-          <p:cNvPr id="5" name="Footer Placeholder 4"/>
-          <p:cNvSpPr>
-            <a:spLocks noGrp="1"/>
-          </p:cNvSpPr>
-          <p:nvPr>
-            <p:ph type="ftr" sz="quarter" idx="11"/>
-          </p:nvPr>
-        </p:nvSpPr>
-        <p:spPr/>
-        <p:txBody>
-          <a:bodyPr/>
-          <a:lstStyle/>
-          <a:p>
-            <a:endParaRPr lang="nl-BE"/>
-          </a:p>
-        </p:txBody>
-      </p:sp>
-      <p:sp>
-        <p:nvSpPr>
-          <p:cNvPr id="6" name="Slide Number Placeholder 5"/>
-          <p:cNvSpPr>
-            <a:spLocks noGrp="1"/>
-          </p:cNvSpPr>
-          <p:nvPr>
-            <p:ph type="sldNum" sz="quarter" idx="12"/>
-          </p:nvPr>
-        </p:nvSpPr>
-        <p:spPr/>
-        <p:txBody>
-          <a:bodyPr/>
-          <a:lstStyle/>
-          <a:p>
-            <a:fld id="{F9B02DA0-C0B0-4FAC-BBEB-23817AA99391}" type="slidenum">
-              <a:rPr lang="nl-BE" smtClean="0"/>
+          <a:lstStyle>
+            <a:lvl1pPr>
+              <a:defRPr/>
+            </a:lvl1pPr>
+          </a:lstStyle>
+          <a:p>
+            <a:pPr>
+              <a:defRPr/>
+            </a:pPr>
+            <a:fld id="{F3F955A2-2412-4E9A-938E-774A3C0BFE91}" type="slidenum">
+              <a:rPr lang="nl-NL"/>
+              <a:pPr>
+                <a:defRPr/>
+              </a:pPr>
               <a:t>‹#›</a:t>
             </a:fld>
-            <a:endParaRPr lang="nl-BE"/>
+            <a:endParaRPr lang="nl-NL"/>
           </a:p>
         </p:txBody>
       </p:sp>
     </p:spTree>
     <p:extLst>
       <p:ext uri="{BB962C8B-B14F-4D97-AF65-F5344CB8AC3E}">
-        <p14:creationId xmlns:p14="http://schemas.microsoft.com/office/powerpoint/2010/main" val="714304385"/>
+        <p14:creationId xmlns:p14="http://schemas.microsoft.com/office/powerpoint/2010/main" val="3009508054"/>
       </p:ext>
     </p:extLst>
   </p:cSld>
@@ -872,9 +1679,9 @@
 </p:sldLayout>
 </file>
 
-<file path=ppt/slideLayouts/slideLayout3.xml><?xml version="1.0" encoding="utf-8"?>
-<p:sldLayout xmlns:a="http://schemas.openxmlformats.org/drawingml/2006/main" xmlns:r="http://schemas.openxmlformats.org/officeDocument/2006/relationships" xmlns:p="http://schemas.openxmlformats.org/presentationml/2006/main" type="secHead" preserve="1">
-  <p:cSld name="Section Header">
+<file path=ppt/slideLayouts/slideLayout2.xml><?xml version="1.0" encoding="utf-8"?>
+<p:sldLayout xmlns:a="http://schemas.openxmlformats.org/drawingml/2006/main" xmlns:r="http://schemas.openxmlformats.org/officeDocument/2006/relationships" xmlns:p="http://schemas.openxmlformats.org/presentationml/2006/main" type="obj" preserve="1">
+  <p:cSld name="Titel en object">
     <p:spTree>
       <p:nvGrpSpPr>
         <p:cNvPr id="1" name=""/>
@@ -889,9 +1696,63 @@
           <a:chExt cx="0" cy="0"/>
         </a:xfrm>
       </p:grpSpPr>
-      <p:sp>
-        <p:nvSpPr>
-          <p:cNvPr id="2" name="Title 1"/>
+      <p:pic>
+        <p:nvPicPr>
+          <p:cNvPr id="4" name="Afbeelding 7" descr="Macintosh HD:Users:nickdaenen:Desktop:logo_pxl.wmf"/>
+          <p:cNvPicPr>
+            <a:picLocks noChangeAspect="1" noChangeArrowheads="1"/>
+          </p:cNvPicPr>
+          <p:nvPr userDrawn="1"/>
+        </p:nvPicPr>
+        <p:blipFill>
+          <a:blip r:embed="rId2" cstate="print">
+            <a:extLst>
+              <a:ext uri="{28A0092B-C50C-407E-A947-70E740481C1C}">
+                <a14:useLocalDpi xmlns:a14="http://schemas.microsoft.com/office/drawing/2010/main" val="0"/>
+              </a:ext>
+            </a:extLst>
+          </a:blip>
+          <a:srcRect/>
+          <a:stretch>
+            <a:fillRect/>
+          </a:stretch>
+        </p:blipFill>
+        <p:spPr bwMode="auto">
+          <a:xfrm>
+            <a:off x="503767" y="5837238"/>
+            <a:ext cx="973667" cy="730250"/>
+          </a:xfrm>
+          <a:prstGeom prst="rect">
+            <a:avLst/>
+          </a:prstGeom>
+          <a:noFill/>
+          <a:ln>
+            <a:noFill/>
+          </a:ln>
+          <a:extLst>
+            <a:ext uri="{909E8E84-426E-40DD-AFC4-6F175D3DCCD1}">
+              <a14:hiddenFill xmlns:a14="http://schemas.microsoft.com/office/drawing/2010/main">
+                <a:solidFill>
+                  <a:srgbClr val="FFFFFF"/>
+                </a:solidFill>
+              </a14:hiddenFill>
+            </a:ext>
+            <a:ext uri="{91240B29-F687-4F45-9708-019B960494DF}">
+              <a14:hiddenLine xmlns:a14="http://schemas.microsoft.com/office/drawing/2010/main" w="9525">
+                <a:solidFill>
+                  <a:srgbClr val="000000"/>
+                </a:solidFill>
+                <a:miter lim="800000"/>
+                <a:headEnd/>
+                <a:tailEnd/>
+              </a14:hiddenLine>
+            </a:ext>
+          </a:extLst>
+        </p:spPr>
+      </p:pic>
+      <p:sp>
+        <p:nvSpPr>
+          <p:cNvPr id="2" name="Titel 1"/>
           <p:cNvSpPr>
             <a:spLocks noGrp="1"/>
           </p:cNvSpPr>
@@ -899,216 +1760,185 @@
             <p:ph type="title"/>
           </p:nvPr>
         </p:nvSpPr>
-        <p:spPr>
-          <a:xfrm>
-            <a:off x="722313" y="4406900"/>
-            <a:ext cx="7772400" cy="1362075"/>
-          </a:xfrm>
-        </p:spPr>
-        <p:txBody>
-          <a:bodyPr anchor="t"/>
+        <p:spPr/>
+        <p:txBody>
+          <a:bodyPr/>
+          <a:lstStyle/>
+          <a:p>
+            <a:r>
+              <a:rPr lang="nl-NL" smtClean="0"/>
+              <a:t>Klik om de stijl te bewerken</a:t>
+            </a:r>
+            <a:endParaRPr lang="nl-NL"/>
+          </a:p>
+        </p:txBody>
+      </p:sp>
+      <p:sp>
+        <p:nvSpPr>
+          <p:cNvPr id="3" name="Tijdelijke aanduiding voor inhoud 2"/>
+          <p:cNvSpPr>
+            <a:spLocks noGrp="1"/>
+          </p:cNvSpPr>
+          <p:nvPr>
+            <p:ph idx="1"/>
+          </p:nvPr>
+        </p:nvSpPr>
+        <p:spPr/>
+        <p:txBody>
+          <a:bodyPr/>
+          <a:lstStyle/>
+          <a:p>
+            <a:pPr lvl="0"/>
+            <a:r>
+              <a:rPr lang="nl-NL" smtClean="0"/>
+              <a:t>Klik om de modelstijlen te bewerken</a:t>
+            </a:r>
+          </a:p>
+          <a:p>
+            <a:pPr lvl="1"/>
+            <a:r>
+              <a:rPr lang="nl-NL" smtClean="0"/>
+              <a:t>Tweede niveau</a:t>
+            </a:r>
+          </a:p>
+          <a:p>
+            <a:pPr lvl="2"/>
+            <a:r>
+              <a:rPr lang="nl-NL" smtClean="0"/>
+              <a:t>Derde niveau</a:t>
+            </a:r>
+          </a:p>
+          <a:p>
+            <a:pPr lvl="3"/>
+            <a:r>
+              <a:rPr lang="nl-NL" smtClean="0"/>
+              <a:t>Vierde niveau</a:t>
+            </a:r>
+          </a:p>
+          <a:p>
+            <a:pPr lvl="4"/>
+            <a:r>
+              <a:rPr lang="nl-NL" smtClean="0"/>
+              <a:t>Vijfde niveau</a:t>
+            </a:r>
+            <a:endParaRPr lang="nl-NL" dirty="0"/>
+          </a:p>
+        </p:txBody>
+      </p:sp>
+      <p:sp>
+        <p:nvSpPr>
+          <p:cNvPr id="5" name="Tijdelijke aanduiding voor datum 3"/>
+          <p:cNvSpPr>
+            <a:spLocks noGrp="1"/>
+          </p:cNvSpPr>
+          <p:nvPr>
+            <p:ph type="dt" sz="half" idx="10"/>
+          </p:nvPr>
+        </p:nvSpPr>
+        <p:spPr/>
+        <p:txBody>
+          <a:bodyPr/>
           <a:lstStyle>
-            <a:lvl1pPr algn="l">
-              <a:defRPr sz="4000" b="1" cap="all"/>
+            <a:lvl1pPr>
+              <a:defRPr/>
             </a:lvl1pPr>
           </a:lstStyle>
           <a:p>
-            <a:r>
-              <a:rPr lang="en-US" smtClean="0"/>
-              <a:t>Click to edit Master title style</a:t>
-            </a:r>
-            <a:endParaRPr lang="nl-BE"/>
-          </a:p>
-        </p:txBody>
-      </p:sp>
-      <p:sp>
-        <p:nvSpPr>
-          <p:cNvPr id="3" name="Text Placeholder 2"/>
-          <p:cNvSpPr>
-            <a:spLocks noGrp="1"/>
-          </p:cNvSpPr>
-          <p:nvPr>
-            <p:ph type="body" idx="1"/>
-          </p:nvPr>
-        </p:nvSpPr>
-        <p:spPr>
-          <a:xfrm>
-            <a:off x="722313" y="2906713"/>
-            <a:ext cx="7772400" cy="1500187"/>
-          </a:xfrm>
-        </p:spPr>
-        <p:txBody>
-          <a:bodyPr anchor="b"/>
+            <a:pPr>
+              <a:defRPr/>
+            </a:pPr>
+            <a:fld id="{1BD32970-A1AA-4867-A8A8-47D8A81993A3}" type="datetime1">
+              <a:rPr lang="nl-NL">
+                <a:solidFill>
+                  <a:prstClr val="black">
+                    <a:tint val="75000"/>
+                  </a:prstClr>
+                </a:solidFill>
+              </a:rPr>
+              <a:pPr>
+                <a:defRPr/>
+              </a:pPr>
+              <a:t>9-5-2016</a:t>
+            </a:fld>
+            <a:endParaRPr lang="nl-NL">
+              <a:solidFill>
+                <a:prstClr val="black">
+                  <a:tint val="75000"/>
+                </a:prstClr>
+              </a:solidFill>
+            </a:endParaRPr>
+          </a:p>
+        </p:txBody>
+      </p:sp>
+      <p:sp>
+        <p:nvSpPr>
+          <p:cNvPr id="6" name="Tijdelijke aanduiding voor voettekst 4"/>
+          <p:cNvSpPr>
+            <a:spLocks noGrp="1"/>
+          </p:cNvSpPr>
+          <p:nvPr>
+            <p:ph type="ftr" sz="quarter" idx="11"/>
+          </p:nvPr>
+        </p:nvSpPr>
+        <p:spPr/>
+        <p:txBody>
+          <a:bodyPr/>
           <a:lstStyle>
-            <a:lvl1pPr marL="0" indent="0">
-              <a:buNone/>
-              <a:defRPr sz="2000">
-                <a:solidFill>
-                  <a:schemeClr val="tx1">
-                    <a:tint val="75000"/>
-                  </a:schemeClr>
-                </a:solidFill>
-              </a:defRPr>
+            <a:lvl1pPr>
+              <a:defRPr/>
             </a:lvl1pPr>
-            <a:lvl2pPr marL="457200" indent="0">
-              <a:buNone/>
-              <a:defRPr sz="1800">
-                <a:solidFill>
-                  <a:schemeClr val="tx1">
-                    <a:tint val="75000"/>
-                  </a:schemeClr>
-                </a:solidFill>
-              </a:defRPr>
-            </a:lvl2pPr>
-            <a:lvl3pPr marL="914400" indent="0">
-              <a:buNone/>
-              <a:defRPr sz="1600">
-                <a:solidFill>
-                  <a:schemeClr val="tx1">
-                    <a:tint val="75000"/>
-                  </a:schemeClr>
-                </a:solidFill>
-              </a:defRPr>
-            </a:lvl3pPr>
-            <a:lvl4pPr marL="1371600" indent="0">
-              <a:buNone/>
-              <a:defRPr sz="1400">
-                <a:solidFill>
-                  <a:schemeClr val="tx1">
-                    <a:tint val="75000"/>
-                  </a:schemeClr>
-                </a:solidFill>
-              </a:defRPr>
-            </a:lvl4pPr>
-            <a:lvl5pPr marL="1828800" indent="0">
-              <a:buNone/>
-              <a:defRPr sz="1400">
-                <a:solidFill>
-                  <a:schemeClr val="tx1">
-                    <a:tint val="75000"/>
-                  </a:schemeClr>
-                </a:solidFill>
-              </a:defRPr>
-            </a:lvl5pPr>
-            <a:lvl6pPr marL="2286000" indent="0">
-              <a:buNone/>
-              <a:defRPr sz="1400">
-                <a:solidFill>
-                  <a:schemeClr val="tx1">
-                    <a:tint val="75000"/>
-                  </a:schemeClr>
-                </a:solidFill>
-              </a:defRPr>
-            </a:lvl6pPr>
-            <a:lvl7pPr marL="2743200" indent="0">
-              <a:buNone/>
-              <a:defRPr sz="1400">
-                <a:solidFill>
-                  <a:schemeClr val="tx1">
-                    <a:tint val="75000"/>
-                  </a:schemeClr>
-                </a:solidFill>
-              </a:defRPr>
-            </a:lvl7pPr>
-            <a:lvl8pPr marL="3200400" indent="0">
-              <a:buNone/>
-              <a:defRPr sz="1400">
-                <a:solidFill>
-                  <a:schemeClr val="tx1">
-                    <a:tint val="75000"/>
-                  </a:schemeClr>
-                </a:solidFill>
-              </a:defRPr>
-            </a:lvl8pPr>
-            <a:lvl9pPr marL="3657600" indent="0">
-              <a:buNone/>
-              <a:defRPr sz="1400">
-                <a:solidFill>
-                  <a:schemeClr val="tx1">
-                    <a:tint val="75000"/>
-                  </a:schemeClr>
-                </a:solidFill>
-              </a:defRPr>
-            </a:lvl9pPr>
           </a:lstStyle>
           <a:p>
-            <a:pPr lvl="0"/>
-            <a:r>
-              <a:rPr lang="en-US" smtClean="0"/>
-              <a:t>Click to edit Master text styles</a:t>
-            </a:r>
-          </a:p>
-        </p:txBody>
-      </p:sp>
-      <p:sp>
-        <p:nvSpPr>
-          <p:cNvPr id="4" name="Date Placeholder 3"/>
-          <p:cNvSpPr>
-            <a:spLocks noGrp="1"/>
-          </p:cNvSpPr>
-          <p:nvPr>
-            <p:ph type="dt" sz="half" idx="10"/>
+            <a:pPr>
+              <a:defRPr/>
+            </a:pPr>
+            <a:endParaRPr lang="nl-NL">
+              <a:solidFill>
+                <a:prstClr val="black">
+                  <a:tint val="75000"/>
+                </a:prstClr>
+              </a:solidFill>
+            </a:endParaRPr>
+          </a:p>
+        </p:txBody>
+      </p:sp>
+      <p:sp>
+        <p:nvSpPr>
+          <p:cNvPr id="7" name="Tijdelijke aanduiding voor dianummer 5"/>
+          <p:cNvSpPr>
+            <a:spLocks noGrp="1"/>
+          </p:cNvSpPr>
+          <p:nvPr>
+            <p:ph type="sldNum" sz="quarter" idx="12"/>
           </p:nvPr>
         </p:nvSpPr>
         <p:spPr/>
         <p:txBody>
           <a:bodyPr/>
-          <a:lstStyle/>
-          <a:p>
-            <a:fld id="{192B0248-19C4-4470-85AF-091A1CD0BAE5}" type="datetimeFigureOut">
-              <a:rPr lang="nl-BE" smtClean="0"/>
-              <a:t>9/05/2016</a:t>
-            </a:fld>
-            <a:endParaRPr lang="nl-BE"/>
-          </a:p>
-        </p:txBody>
-      </p:sp>
-      <p:sp>
-        <p:nvSpPr>
-          <p:cNvPr id="5" name="Footer Placeholder 4"/>
-          <p:cNvSpPr>
-            <a:spLocks noGrp="1"/>
-          </p:cNvSpPr>
-          <p:nvPr>
-            <p:ph type="ftr" sz="quarter" idx="11"/>
-          </p:nvPr>
-        </p:nvSpPr>
-        <p:spPr/>
-        <p:txBody>
-          <a:bodyPr/>
-          <a:lstStyle/>
-          <a:p>
-            <a:endParaRPr lang="nl-BE"/>
-          </a:p>
-        </p:txBody>
-      </p:sp>
-      <p:sp>
-        <p:nvSpPr>
-          <p:cNvPr id="6" name="Slide Number Placeholder 5"/>
-          <p:cNvSpPr>
-            <a:spLocks noGrp="1"/>
-          </p:cNvSpPr>
-          <p:nvPr>
-            <p:ph type="sldNum" sz="quarter" idx="12"/>
-          </p:nvPr>
-        </p:nvSpPr>
-        <p:spPr/>
-        <p:txBody>
-          <a:bodyPr/>
-          <a:lstStyle/>
-          <a:p>
-            <a:fld id="{F9B02DA0-C0B0-4FAC-BBEB-23817AA99391}" type="slidenum">
-              <a:rPr lang="nl-BE" smtClean="0"/>
+          <a:lstStyle>
+            <a:lvl1pPr>
+              <a:defRPr/>
+            </a:lvl1pPr>
+          </a:lstStyle>
+          <a:p>
+            <a:pPr>
+              <a:defRPr/>
+            </a:pPr>
+            <a:fld id="{BC2BCED3-7F4A-40F1-85DA-02B4B5A68187}" type="slidenum">
+              <a:rPr lang="nl-NL"/>
+              <a:pPr>
+                <a:defRPr/>
+              </a:pPr>
               <a:t>‹#›</a:t>
             </a:fld>
-            <a:endParaRPr lang="nl-BE"/>
+            <a:endParaRPr lang="nl-NL"/>
           </a:p>
         </p:txBody>
       </p:sp>
     </p:spTree>
     <p:extLst>
       <p:ext uri="{BB962C8B-B14F-4D97-AF65-F5344CB8AC3E}">
-        <p14:creationId xmlns:p14="http://schemas.microsoft.com/office/powerpoint/2010/main" val="329252082"/>
+        <p14:creationId xmlns:p14="http://schemas.microsoft.com/office/powerpoint/2010/main" val="2430860214"/>
       </p:ext>
     </p:extLst>
   </p:cSld>
@@ -1118,9 +1948,9 @@
 </p:sldLayout>
 </file>
 
-<file path=ppt/slideLayouts/slideLayout4.xml><?xml version="1.0" encoding="utf-8"?>
-<p:sldLayout xmlns:a="http://schemas.openxmlformats.org/drawingml/2006/main" xmlns:r="http://schemas.openxmlformats.org/officeDocument/2006/relationships" xmlns:p="http://schemas.openxmlformats.org/presentationml/2006/main" type="twoObj" preserve="1">
-  <p:cSld name="Two Content">
+<file path=ppt/slideLayouts/slideLayout3.xml><?xml version="1.0" encoding="utf-8"?>
+<p:sldLayout xmlns:a="http://schemas.openxmlformats.org/drawingml/2006/main" xmlns:r="http://schemas.openxmlformats.org/officeDocument/2006/relationships" xmlns:p="http://schemas.openxmlformats.org/presentationml/2006/main" preserve="1" userDrawn="1">
+  <p:cSld name="1_Titeldia">
     <p:spTree>
       <p:nvGrpSpPr>
         <p:cNvPr id="1" name=""/>
@@ -1135,9 +1965,442 @@
           <a:chExt cx="0" cy="0"/>
         </a:xfrm>
       </p:grpSpPr>
-      <p:sp>
-        <p:nvSpPr>
-          <p:cNvPr id="2" name="Title 1"/>
+      <p:pic>
+        <p:nvPicPr>
+          <p:cNvPr id="2" name="Afbeelding 7" descr="beeldslogan.png"/>
+          <p:cNvPicPr>
+            <a:picLocks noChangeAspect="1"/>
+          </p:cNvPicPr>
+          <p:nvPr userDrawn="1"/>
+        </p:nvPicPr>
+        <p:blipFill>
+          <a:blip r:embed="rId2">
+            <a:extLst>
+              <a:ext uri="{28A0092B-C50C-407E-A947-70E740481C1C}">
+                <a14:useLocalDpi xmlns:a14="http://schemas.microsoft.com/office/drawing/2010/main" val="0"/>
+              </a:ext>
+            </a:extLst>
+          </a:blip>
+          <a:srcRect/>
+          <a:stretch>
+            <a:fillRect/>
+          </a:stretch>
+        </p:blipFill>
+        <p:spPr bwMode="auto">
+          <a:xfrm>
+            <a:off x="2478617" y="0"/>
+            <a:ext cx="7213600" cy="6858000"/>
+          </a:xfrm>
+          <a:prstGeom prst="rect">
+            <a:avLst/>
+          </a:prstGeom>
+          <a:noFill/>
+          <a:ln>
+            <a:noFill/>
+          </a:ln>
+          <a:extLst>
+            <a:ext uri="{909E8E84-426E-40DD-AFC4-6F175D3DCCD1}">
+              <a14:hiddenFill xmlns:a14="http://schemas.microsoft.com/office/drawing/2010/main">
+                <a:solidFill>
+                  <a:srgbClr val="FFFFFF"/>
+                </a:solidFill>
+              </a14:hiddenFill>
+            </a:ext>
+            <a:ext uri="{91240B29-F687-4F45-9708-019B960494DF}">
+              <a14:hiddenLine xmlns:a14="http://schemas.microsoft.com/office/drawing/2010/main" w="9525">
+                <a:solidFill>
+                  <a:srgbClr val="000000"/>
+                </a:solidFill>
+                <a:miter lim="800000"/>
+                <a:headEnd/>
+                <a:tailEnd/>
+              </a14:hiddenLine>
+            </a:ext>
+          </a:extLst>
+        </p:spPr>
+      </p:pic>
+    </p:spTree>
+    <p:extLst>
+      <p:ext uri="{BB962C8B-B14F-4D97-AF65-F5344CB8AC3E}">
+        <p14:creationId xmlns:p14="http://schemas.microsoft.com/office/powerpoint/2010/main" val="2770592462"/>
+      </p:ext>
+    </p:extLst>
+  </p:cSld>
+  <p:clrMapOvr>
+    <a:masterClrMapping/>
+  </p:clrMapOvr>
+</p:sldLayout>
+</file>
+
+<file path=ppt/slideLayouts/slideLayout4.xml><?xml version="1.0" encoding="utf-8"?>
+<p:sldLayout xmlns:a="http://schemas.openxmlformats.org/drawingml/2006/main" xmlns:r="http://schemas.openxmlformats.org/officeDocument/2006/relationships" xmlns:p="http://schemas.openxmlformats.org/presentationml/2006/main" type="secHead" preserve="1">
+  <p:cSld name="Sectiekop">
+    <p:bg>
+      <p:bgPr>
+        <a:solidFill>
+          <a:srgbClr val="58A618"/>
+        </a:solidFill>
+        <a:effectLst/>
+      </p:bgPr>
+    </p:bg>
+    <p:spTree>
+      <p:nvGrpSpPr>
+        <p:cNvPr id="1" name=""/>
+        <p:cNvGrpSpPr/>
+        <p:nvPr/>
+      </p:nvGrpSpPr>
+      <p:grpSpPr>
+        <a:xfrm>
+          <a:off x="0" y="0"/>
+          <a:ext cx="0" cy="0"/>
+          <a:chOff x="0" y="0"/>
+          <a:chExt cx="0" cy="0"/>
+        </a:xfrm>
+      </p:grpSpPr>
+      <p:sp>
+        <p:nvSpPr>
+          <p:cNvPr id="2" name="Titel 1"/>
+          <p:cNvSpPr>
+            <a:spLocks noGrp="1"/>
+          </p:cNvSpPr>
+          <p:nvPr>
+            <p:ph type="title"/>
+          </p:nvPr>
+        </p:nvSpPr>
+        <p:spPr>
+          <a:xfrm>
+            <a:off x="963084" y="4406901"/>
+            <a:ext cx="10363200" cy="1362075"/>
+          </a:xfrm>
+        </p:spPr>
+        <p:txBody>
+          <a:bodyPr anchor="t"/>
+          <a:lstStyle>
+            <a:lvl1pPr algn="l">
+              <a:defRPr sz="4000" b="1" cap="all">
+                <a:solidFill>
+                  <a:schemeClr val="tx1"/>
+                </a:solidFill>
+              </a:defRPr>
+            </a:lvl1pPr>
+          </a:lstStyle>
+          <a:p>
+            <a:r>
+              <a:rPr lang="nl-NL" smtClean="0"/>
+              <a:t>Klik om de stijl te bewerken</a:t>
+            </a:r>
+            <a:endParaRPr lang="nl-NL" dirty="0"/>
+          </a:p>
+        </p:txBody>
+      </p:sp>
+      <p:sp>
+        <p:nvSpPr>
+          <p:cNvPr id="3" name="Tijdelijke aanduiding voor tekst 2"/>
+          <p:cNvSpPr>
+            <a:spLocks noGrp="1"/>
+          </p:cNvSpPr>
+          <p:nvPr>
+            <p:ph type="body" idx="1"/>
+          </p:nvPr>
+        </p:nvSpPr>
+        <p:spPr>
+          <a:xfrm>
+            <a:off x="963084" y="2906713"/>
+            <a:ext cx="10363200" cy="1500187"/>
+          </a:xfrm>
+        </p:spPr>
+        <p:txBody>
+          <a:bodyPr anchor="b"/>
+          <a:lstStyle>
+            <a:lvl1pPr marL="0" indent="0">
+              <a:buNone/>
+              <a:defRPr sz="2000">
+                <a:solidFill>
+                  <a:srgbClr val="FFFFFF"/>
+                </a:solidFill>
+              </a:defRPr>
+            </a:lvl1pPr>
+            <a:lvl2pPr marL="457200" indent="0">
+              <a:buNone/>
+              <a:defRPr sz="1800">
+                <a:solidFill>
+                  <a:schemeClr val="tx1">
+                    <a:tint val="75000"/>
+                  </a:schemeClr>
+                </a:solidFill>
+              </a:defRPr>
+            </a:lvl2pPr>
+            <a:lvl3pPr marL="914400" indent="0">
+              <a:buNone/>
+              <a:defRPr sz="1600">
+                <a:solidFill>
+                  <a:schemeClr val="tx1">
+                    <a:tint val="75000"/>
+                  </a:schemeClr>
+                </a:solidFill>
+              </a:defRPr>
+            </a:lvl3pPr>
+            <a:lvl4pPr marL="1371600" indent="0">
+              <a:buNone/>
+              <a:defRPr sz="1400">
+                <a:solidFill>
+                  <a:schemeClr val="tx1">
+                    <a:tint val="75000"/>
+                  </a:schemeClr>
+                </a:solidFill>
+              </a:defRPr>
+            </a:lvl4pPr>
+            <a:lvl5pPr marL="1828800" indent="0">
+              <a:buNone/>
+              <a:defRPr sz="1400">
+                <a:solidFill>
+                  <a:schemeClr val="tx1">
+                    <a:tint val="75000"/>
+                  </a:schemeClr>
+                </a:solidFill>
+              </a:defRPr>
+            </a:lvl5pPr>
+            <a:lvl6pPr marL="2286000" indent="0">
+              <a:buNone/>
+              <a:defRPr sz="1400">
+                <a:solidFill>
+                  <a:schemeClr val="tx1">
+                    <a:tint val="75000"/>
+                  </a:schemeClr>
+                </a:solidFill>
+              </a:defRPr>
+            </a:lvl6pPr>
+            <a:lvl7pPr marL="2743200" indent="0">
+              <a:buNone/>
+              <a:defRPr sz="1400">
+                <a:solidFill>
+                  <a:schemeClr val="tx1">
+                    <a:tint val="75000"/>
+                  </a:schemeClr>
+                </a:solidFill>
+              </a:defRPr>
+            </a:lvl7pPr>
+            <a:lvl8pPr marL="3200400" indent="0">
+              <a:buNone/>
+              <a:defRPr sz="1400">
+                <a:solidFill>
+                  <a:schemeClr val="tx1">
+                    <a:tint val="75000"/>
+                  </a:schemeClr>
+                </a:solidFill>
+              </a:defRPr>
+            </a:lvl8pPr>
+            <a:lvl9pPr marL="3657600" indent="0">
+              <a:buNone/>
+              <a:defRPr sz="1400">
+                <a:solidFill>
+                  <a:schemeClr val="tx1">
+                    <a:tint val="75000"/>
+                  </a:schemeClr>
+                </a:solidFill>
+              </a:defRPr>
+            </a:lvl9pPr>
+          </a:lstStyle>
+          <a:p>
+            <a:pPr lvl="0"/>
+            <a:r>
+              <a:rPr lang="nl-NL" smtClean="0"/>
+              <a:t>Klik om de modelstijlen te bewerken</a:t>
+            </a:r>
+          </a:p>
+        </p:txBody>
+      </p:sp>
+      <p:sp>
+        <p:nvSpPr>
+          <p:cNvPr id="4" name="Tijdelijke aanduiding voor datum 3"/>
+          <p:cNvSpPr>
+            <a:spLocks noGrp="1"/>
+          </p:cNvSpPr>
+          <p:nvPr>
+            <p:ph type="dt" sz="half" idx="10"/>
+          </p:nvPr>
+        </p:nvSpPr>
+        <p:spPr/>
+        <p:txBody>
+          <a:bodyPr/>
+          <a:lstStyle>
+            <a:lvl1pPr>
+              <a:defRPr>
+                <a:solidFill>
+                  <a:srgbClr val="FFFFFF"/>
+                </a:solidFill>
+              </a:defRPr>
+            </a:lvl1pPr>
+          </a:lstStyle>
+          <a:p>
+            <a:pPr>
+              <a:defRPr/>
+            </a:pPr>
+            <a:fld id="{1DF62399-820E-4353-8C19-BE790CAE25F8}" type="datetime1">
+              <a:rPr lang="nl-NL"/>
+              <a:pPr>
+                <a:defRPr/>
+              </a:pPr>
+              <a:t>9-5-2016</a:t>
+            </a:fld>
+            <a:endParaRPr lang="nl-NL" dirty="0"/>
+          </a:p>
+        </p:txBody>
+      </p:sp>
+      <p:sp>
+        <p:nvSpPr>
+          <p:cNvPr id="5" name="Tijdelijke aanduiding voor voettekst 4"/>
+          <p:cNvSpPr>
+            <a:spLocks noGrp="1"/>
+          </p:cNvSpPr>
+          <p:nvPr>
+            <p:ph type="ftr" sz="quarter" idx="11"/>
+          </p:nvPr>
+        </p:nvSpPr>
+        <p:spPr/>
+        <p:txBody>
+          <a:bodyPr/>
+          <a:lstStyle>
+            <a:lvl1pPr>
+              <a:defRPr>
+                <a:solidFill>
+                  <a:srgbClr val="FFFFFF"/>
+                </a:solidFill>
+              </a:defRPr>
+            </a:lvl1pPr>
+          </a:lstStyle>
+          <a:p>
+            <a:pPr>
+              <a:defRPr/>
+            </a:pPr>
+            <a:endParaRPr lang="nl-NL"/>
+          </a:p>
+        </p:txBody>
+      </p:sp>
+      <p:sp>
+        <p:nvSpPr>
+          <p:cNvPr id="6" name="Tijdelijke aanduiding voor dianummer 5"/>
+          <p:cNvSpPr>
+            <a:spLocks noGrp="1"/>
+          </p:cNvSpPr>
+          <p:nvPr>
+            <p:ph type="sldNum" sz="quarter" idx="12"/>
+          </p:nvPr>
+        </p:nvSpPr>
+        <p:spPr/>
+        <p:txBody>
+          <a:bodyPr/>
+          <a:lstStyle>
+            <a:lvl1pPr>
+              <a:defRPr>
+                <a:solidFill>
+                  <a:srgbClr val="FFFFFF"/>
+                </a:solidFill>
+              </a:defRPr>
+            </a:lvl1pPr>
+          </a:lstStyle>
+          <a:p>
+            <a:pPr>
+              <a:defRPr/>
+            </a:pPr>
+            <a:fld id="{E8CA583A-7770-43B5-9C9A-39D1C0C8EF90}" type="slidenum">
+              <a:rPr lang="nl-NL"/>
+              <a:pPr>
+                <a:defRPr/>
+              </a:pPr>
+              <a:t>‹#›</a:t>
+            </a:fld>
+            <a:endParaRPr lang="nl-NL"/>
+          </a:p>
+        </p:txBody>
+      </p:sp>
+    </p:spTree>
+    <p:extLst>
+      <p:ext uri="{BB962C8B-B14F-4D97-AF65-F5344CB8AC3E}">
+        <p14:creationId xmlns:p14="http://schemas.microsoft.com/office/powerpoint/2010/main" val="1199155325"/>
+      </p:ext>
+    </p:extLst>
+  </p:cSld>
+  <p:clrMapOvr>
+    <a:masterClrMapping/>
+  </p:clrMapOvr>
+</p:sldLayout>
+</file>
+
+<file path=ppt/slideLayouts/slideLayout5.xml><?xml version="1.0" encoding="utf-8"?>
+<p:sldLayout xmlns:a="http://schemas.openxmlformats.org/drawingml/2006/main" xmlns:r="http://schemas.openxmlformats.org/officeDocument/2006/relationships" xmlns:p="http://schemas.openxmlformats.org/presentationml/2006/main" type="twoObj" preserve="1">
+  <p:cSld name="Twee objecten">
+    <p:spTree>
+      <p:nvGrpSpPr>
+        <p:cNvPr id="1" name=""/>
+        <p:cNvGrpSpPr/>
+        <p:nvPr/>
+      </p:nvGrpSpPr>
+      <p:grpSpPr>
+        <a:xfrm>
+          <a:off x="0" y="0"/>
+          <a:ext cx="0" cy="0"/>
+          <a:chOff x="0" y="0"/>
+          <a:chExt cx="0" cy="0"/>
+        </a:xfrm>
+      </p:grpSpPr>
+      <p:pic>
+        <p:nvPicPr>
+          <p:cNvPr id="5" name="Afbeelding 7" descr="Macintosh HD:Users:nickdaenen:Desktop:logo_pxl.wmf"/>
+          <p:cNvPicPr>
+            <a:picLocks noChangeAspect="1" noChangeArrowheads="1"/>
+          </p:cNvPicPr>
+          <p:nvPr userDrawn="1"/>
+        </p:nvPicPr>
+        <p:blipFill>
+          <a:blip r:embed="rId2" cstate="print">
+            <a:extLst>
+              <a:ext uri="{28A0092B-C50C-407E-A947-70E740481C1C}">
+                <a14:useLocalDpi xmlns:a14="http://schemas.microsoft.com/office/drawing/2010/main" val="0"/>
+              </a:ext>
+            </a:extLst>
+          </a:blip>
+          <a:srcRect/>
+          <a:stretch>
+            <a:fillRect/>
+          </a:stretch>
+        </p:blipFill>
+        <p:spPr bwMode="auto">
+          <a:xfrm>
+            <a:off x="503767" y="5837238"/>
+            <a:ext cx="973667" cy="730250"/>
+          </a:xfrm>
+          <a:prstGeom prst="rect">
+            <a:avLst/>
+          </a:prstGeom>
+          <a:noFill/>
+          <a:ln>
+            <a:noFill/>
+          </a:ln>
+          <a:extLst>
+            <a:ext uri="{909E8E84-426E-40DD-AFC4-6F175D3DCCD1}">
+              <a14:hiddenFill xmlns:a14="http://schemas.microsoft.com/office/drawing/2010/main">
+                <a:solidFill>
+                  <a:srgbClr val="FFFFFF"/>
+                </a:solidFill>
+              </a14:hiddenFill>
+            </a:ext>
+            <a:ext uri="{91240B29-F687-4F45-9708-019B960494DF}">
+              <a14:hiddenLine xmlns:a14="http://schemas.microsoft.com/office/drawing/2010/main" w="9525">
+                <a:solidFill>
+                  <a:srgbClr val="000000"/>
+                </a:solidFill>
+                <a:miter lim="800000"/>
+                <a:headEnd/>
+                <a:tailEnd/>
+              </a14:hiddenLine>
+            </a:ext>
+          </a:extLst>
+        </p:spPr>
+      </p:pic>
+      <p:sp>
+        <p:nvSpPr>
+          <p:cNvPr id="2" name="Titel 1"/>
           <p:cNvSpPr>
             <a:spLocks noGrp="1"/>
           </p:cNvSpPr>
@@ -1151,16 +2414,16 @@
           <a:lstStyle/>
           <a:p>
             <a:r>
-              <a:rPr lang="en-US" smtClean="0"/>
-              <a:t>Click to edit Master title style</a:t>
-            </a:r>
-            <a:endParaRPr lang="nl-BE"/>
-          </a:p>
-        </p:txBody>
-      </p:sp>
-      <p:sp>
-        <p:nvSpPr>
-          <p:cNvPr id="3" name="Content Placeholder 2"/>
+              <a:rPr lang="nl-NL" smtClean="0"/>
+              <a:t>Klik om de stijl te bewerken</a:t>
+            </a:r>
+            <a:endParaRPr lang="nl-NL"/>
+          </a:p>
+        </p:txBody>
+      </p:sp>
+      <p:sp>
+        <p:nvSpPr>
+          <p:cNvPr id="3" name="Tijdelijke aanduiding voor inhoud 2"/>
           <p:cNvSpPr>
             <a:spLocks noGrp="1"/>
           </p:cNvSpPr>
@@ -1170,8 +2433,8 @@
         </p:nvSpPr>
         <p:spPr>
           <a:xfrm>
-            <a:off x="457200" y="1600200"/>
-            <a:ext cx="4038600" cy="4525963"/>
+            <a:off x="609600" y="1600201"/>
+            <a:ext cx="5384800" cy="4525963"/>
           </a:xfrm>
         </p:spPr>
         <p:txBody>
@@ -1208,44 +2471,44 @@
           <a:p>
             <a:pPr lvl="0"/>
             <a:r>
-              <a:rPr lang="en-US" smtClean="0"/>
-              <a:t>Click to edit Master text styles</a:t>
+              <a:rPr lang="nl-NL" smtClean="0"/>
+              <a:t>Klik om de modelstijlen te bewerken</a:t>
             </a:r>
           </a:p>
           <a:p>
             <a:pPr lvl="1"/>
             <a:r>
-              <a:rPr lang="en-US" smtClean="0"/>
-              <a:t>Second level</a:t>
+              <a:rPr lang="nl-NL" smtClean="0"/>
+              <a:t>Tweede niveau</a:t>
             </a:r>
           </a:p>
           <a:p>
             <a:pPr lvl="2"/>
             <a:r>
-              <a:rPr lang="en-US" smtClean="0"/>
-              <a:t>Third level</a:t>
+              <a:rPr lang="nl-NL" smtClean="0"/>
+              <a:t>Derde niveau</a:t>
             </a:r>
           </a:p>
           <a:p>
             <a:pPr lvl="3"/>
             <a:r>
-              <a:rPr lang="en-US" smtClean="0"/>
-              <a:t>Fourth level</a:t>
+              <a:rPr lang="nl-NL" smtClean="0"/>
+              <a:t>Vierde niveau</a:t>
             </a:r>
           </a:p>
           <a:p>
             <a:pPr lvl="4"/>
             <a:r>
-              <a:rPr lang="en-US" smtClean="0"/>
-              <a:t>Fifth level</a:t>
-            </a:r>
-            <a:endParaRPr lang="nl-BE"/>
-          </a:p>
-        </p:txBody>
-      </p:sp>
-      <p:sp>
-        <p:nvSpPr>
-          <p:cNvPr id="4" name="Content Placeholder 3"/>
+              <a:rPr lang="nl-NL" smtClean="0"/>
+              <a:t>Vijfde niveau</a:t>
+            </a:r>
+            <a:endParaRPr lang="nl-NL"/>
+          </a:p>
+        </p:txBody>
+      </p:sp>
+      <p:sp>
+        <p:nvSpPr>
+          <p:cNvPr id="4" name="Tijdelijke aanduiding voor inhoud 3"/>
           <p:cNvSpPr>
             <a:spLocks noGrp="1"/>
           </p:cNvSpPr>
@@ -1255,8 +2518,8 @@
         </p:nvSpPr>
         <p:spPr>
           <a:xfrm>
-            <a:off x="4648200" y="1600200"/>
-            <a:ext cx="4038600" cy="4525963"/>
+            <a:off x="6197600" y="1600201"/>
+            <a:ext cx="5384800" cy="4525963"/>
           </a:xfrm>
         </p:spPr>
         <p:txBody>
@@ -1293,44 +2556,44 @@
           <a:p>
             <a:pPr lvl="0"/>
             <a:r>
-              <a:rPr lang="en-US" smtClean="0"/>
-              <a:t>Click to edit Master text styles</a:t>
+              <a:rPr lang="nl-NL" smtClean="0"/>
+              <a:t>Klik om de modelstijlen te bewerken</a:t>
             </a:r>
           </a:p>
           <a:p>
             <a:pPr lvl="1"/>
             <a:r>
-              <a:rPr lang="en-US" smtClean="0"/>
-              <a:t>Second level</a:t>
+              <a:rPr lang="nl-NL" smtClean="0"/>
+              <a:t>Tweede niveau</a:t>
             </a:r>
           </a:p>
           <a:p>
             <a:pPr lvl="2"/>
             <a:r>
-              <a:rPr lang="en-US" smtClean="0"/>
-              <a:t>Third level</a:t>
+              <a:rPr lang="nl-NL" smtClean="0"/>
+              <a:t>Derde niveau</a:t>
             </a:r>
           </a:p>
           <a:p>
             <a:pPr lvl="3"/>
             <a:r>
-              <a:rPr lang="en-US" smtClean="0"/>
-              <a:t>Fourth level</a:t>
+              <a:rPr lang="nl-NL" smtClean="0"/>
+              <a:t>Vierde niveau</a:t>
             </a:r>
           </a:p>
           <a:p>
             <a:pPr lvl="4"/>
             <a:r>
-              <a:rPr lang="en-US" smtClean="0"/>
-              <a:t>Fifth level</a:t>
-            </a:r>
-            <a:endParaRPr lang="nl-BE"/>
-          </a:p>
-        </p:txBody>
-      </p:sp>
-      <p:sp>
-        <p:nvSpPr>
-          <p:cNvPr id="5" name="Date Placeholder 4"/>
+              <a:rPr lang="nl-NL" smtClean="0"/>
+              <a:t>Vijfde niveau</a:t>
+            </a:r>
+            <a:endParaRPr lang="nl-NL"/>
+          </a:p>
+        </p:txBody>
+      </p:sp>
+      <p:sp>
+        <p:nvSpPr>
+          <p:cNvPr id="6" name="Tijdelijke aanduiding voor datum 4"/>
           <p:cNvSpPr>
             <a:spLocks noGrp="1"/>
           </p:cNvSpPr>
@@ -1341,19 +2604,41 @@
         <p:spPr/>
         <p:txBody>
           <a:bodyPr/>
-          <a:lstStyle/>
-          <a:p>
-            <a:fld id="{192B0248-19C4-4470-85AF-091A1CD0BAE5}" type="datetimeFigureOut">
-              <a:rPr lang="nl-BE" smtClean="0"/>
-              <a:t>9/05/2016</a:t>
+          <a:lstStyle>
+            <a:lvl1pPr>
+              <a:defRPr/>
+            </a:lvl1pPr>
+          </a:lstStyle>
+          <a:p>
+            <a:pPr>
+              <a:defRPr/>
+            </a:pPr>
+            <a:fld id="{3B7D0FCD-469D-4A32-A548-FB024E60FE5A}" type="datetime1">
+              <a:rPr lang="nl-NL">
+                <a:solidFill>
+                  <a:prstClr val="black">
+                    <a:tint val="75000"/>
+                  </a:prstClr>
+                </a:solidFill>
+              </a:rPr>
+              <a:pPr>
+                <a:defRPr/>
+              </a:pPr>
+              <a:t>9-5-2016</a:t>
             </a:fld>
-            <a:endParaRPr lang="nl-BE"/>
-          </a:p>
-        </p:txBody>
-      </p:sp>
-      <p:sp>
-        <p:nvSpPr>
-          <p:cNvPr id="6" name="Footer Placeholder 5"/>
+            <a:endParaRPr lang="nl-NL">
+              <a:solidFill>
+                <a:prstClr val="black">
+                  <a:tint val="75000"/>
+                </a:prstClr>
+              </a:solidFill>
+            </a:endParaRPr>
+          </a:p>
+        </p:txBody>
+      </p:sp>
+      <p:sp>
+        <p:nvSpPr>
+          <p:cNvPr id="7" name="Tijdelijke aanduiding voor voettekst 5"/>
           <p:cNvSpPr>
             <a:spLocks noGrp="1"/>
           </p:cNvSpPr>
@@ -1364,15 +2649,28 @@
         <p:spPr/>
         <p:txBody>
           <a:bodyPr/>
-          <a:lstStyle/>
-          <a:p>
-            <a:endParaRPr lang="nl-BE"/>
-          </a:p>
-        </p:txBody>
-      </p:sp>
-      <p:sp>
-        <p:nvSpPr>
-          <p:cNvPr id="7" name="Slide Number Placeholder 6"/>
+          <a:lstStyle>
+            <a:lvl1pPr>
+              <a:defRPr/>
+            </a:lvl1pPr>
+          </a:lstStyle>
+          <a:p>
+            <a:pPr>
+              <a:defRPr/>
+            </a:pPr>
+            <a:endParaRPr lang="nl-NL">
+              <a:solidFill>
+                <a:prstClr val="black">
+                  <a:tint val="75000"/>
+                </a:prstClr>
+              </a:solidFill>
+            </a:endParaRPr>
+          </a:p>
+        </p:txBody>
+      </p:sp>
+      <p:sp>
+        <p:nvSpPr>
+          <p:cNvPr id="8" name="Tijdelijke aanduiding voor dianummer 6"/>
           <p:cNvSpPr>
             <a:spLocks noGrp="1"/>
           </p:cNvSpPr>
@@ -1383,20 +2681,30 @@
         <p:spPr/>
         <p:txBody>
           <a:bodyPr/>
-          <a:lstStyle/>
-          <a:p>
-            <a:fld id="{F9B02DA0-C0B0-4FAC-BBEB-23817AA99391}" type="slidenum">
-              <a:rPr lang="nl-BE" smtClean="0"/>
+          <a:lstStyle>
+            <a:lvl1pPr>
+              <a:defRPr/>
+            </a:lvl1pPr>
+          </a:lstStyle>
+          <a:p>
+            <a:pPr>
+              <a:defRPr/>
+            </a:pPr>
+            <a:fld id="{38F04DDB-FC51-49D7-8EE0-754B1F127595}" type="slidenum">
+              <a:rPr lang="nl-NL"/>
+              <a:pPr>
+                <a:defRPr/>
+              </a:pPr>
               <a:t>‹#›</a:t>
             </a:fld>
-            <a:endParaRPr lang="nl-BE"/>
+            <a:endParaRPr lang="nl-NL"/>
           </a:p>
         </p:txBody>
       </p:sp>
     </p:spTree>
     <p:extLst>
       <p:ext uri="{BB962C8B-B14F-4D97-AF65-F5344CB8AC3E}">
-        <p14:creationId xmlns:p14="http://schemas.microsoft.com/office/powerpoint/2010/main" val="738392526"/>
+        <p14:creationId xmlns:p14="http://schemas.microsoft.com/office/powerpoint/2010/main" val="1308771382"/>
       </p:ext>
     </p:extLst>
   </p:cSld>
@@ -1406,9 +2714,9 @@
 </p:sldLayout>
 </file>
 
-<file path=ppt/slideLayouts/slideLayout5.xml><?xml version="1.0" encoding="utf-8"?>
+<file path=ppt/slideLayouts/slideLayout6.xml><?xml version="1.0" encoding="utf-8"?>
 <p:sldLayout xmlns:a="http://schemas.openxmlformats.org/drawingml/2006/main" xmlns:r="http://schemas.openxmlformats.org/officeDocument/2006/relationships" xmlns:p="http://schemas.openxmlformats.org/presentationml/2006/main" type="twoTxTwoObj" preserve="1">
-  <p:cSld name="Comparison">
+  <p:cSld name="Vergelijking">
     <p:spTree>
       <p:nvGrpSpPr>
         <p:cNvPr id="1" name=""/>
@@ -1423,9 +2731,63 @@
           <a:chExt cx="0" cy="0"/>
         </a:xfrm>
       </p:grpSpPr>
-      <p:sp>
-        <p:nvSpPr>
-          <p:cNvPr id="2" name="Title 1"/>
+      <p:pic>
+        <p:nvPicPr>
+          <p:cNvPr id="7" name="Afbeelding 7" descr="Macintosh HD:Users:nickdaenen:Desktop:logo_pxl.wmf"/>
+          <p:cNvPicPr>
+            <a:picLocks noChangeAspect="1" noChangeArrowheads="1"/>
+          </p:cNvPicPr>
+          <p:nvPr userDrawn="1"/>
+        </p:nvPicPr>
+        <p:blipFill>
+          <a:blip r:embed="rId2" cstate="print">
+            <a:extLst>
+              <a:ext uri="{28A0092B-C50C-407E-A947-70E740481C1C}">
+                <a14:useLocalDpi xmlns:a14="http://schemas.microsoft.com/office/drawing/2010/main" val="0"/>
+              </a:ext>
+            </a:extLst>
+          </a:blip>
+          <a:srcRect/>
+          <a:stretch>
+            <a:fillRect/>
+          </a:stretch>
+        </p:blipFill>
+        <p:spPr bwMode="auto">
+          <a:xfrm>
+            <a:off x="503767" y="5837238"/>
+            <a:ext cx="973667" cy="730250"/>
+          </a:xfrm>
+          <a:prstGeom prst="rect">
+            <a:avLst/>
+          </a:prstGeom>
+          <a:noFill/>
+          <a:ln>
+            <a:noFill/>
+          </a:ln>
+          <a:extLst>
+            <a:ext uri="{909E8E84-426E-40DD-AFC4-6F175D3DCCD1}">
+              <a14:hiddenFill xmlns:a14="http://schemas.microsoft.com/office/drawing/2010/main">
+                <a:solidFill>
+                  <a:srgbClr val="FFFFFF"/>
+                </a:solidFill>
+              </a14:hiddenFill>
+            </a:ext>
+            <a:ext uri="{91240B29-F687-4F45-9708-019B960494DF}">
+              <a14:hiddenLine xmlns:a14="http://schemas.microsoft.com/office/drawing/2010/main" w="9525">
+                <a:solidFill>
+                  <a:srgbClr val="000000"/>
+                </a:solidFill>
+                <a:miter lim="800000"/>
+                <a:headEnd/>
+                <a:tailEnd/>
+              </a14:hiddenLine>
+            </a:ext>
+          </a:extLst>
+        </p:spPr>
+      </p:pic>
+      <p:sp>
+        <p:nvSpPr>
+          <p:cNvPr id="2" name="Titel 1"/>
           <p:cNvSpPr>
             <a:spLocks noGrp="1"/>
           </p:cNvSpPr>
@@ -1443,16 +2805,16 @@
           </a:lstStyle>
           <a:p>
             <a:r>
-              <a:rPr lang="en-US" smtClean="0"/>
-              <a:t>Click to edit Master title style</a:t>
-            </a:r>
-            <a:endParaRPr lang="nl-BE"/>
-          </a:p>
-        </p:txBody>
-      </p:sp>
-      <p:sp>
-        <p:nvSpPr>
-          <p:cNvPr id="3" name="Text Placeholder 2"/>
+              <a:rPr lang="nl-NL" smtClean="0"/>
+              <a:t>Klik om de stijl te bewerken</a:t>
+            </a:r>
+            <a:endParaRPr lang="nl-NL"/>
+          </a:p>
+        </p:txBody>
+      </p:sp>
+      <p:sp>
+        <p:nvSpPr>
+          <p:cNvPr id="3" name="Tijdelijke aanduiding voor tekst 2"/>
           <p:cNvSpPr>
             <a:spLocks noGrp="1"/>
           </p:cNvSpPr>
@@ -1462,8 +2824,8 @@
         </p:nvSpPr>
         <p:spPr>
           <a:xfrm>
-            <a:off x="457200" y="1535113"/>
-            <a:ext cx="4040188" cy="639762"/>
+            <a:off x="609600" y="1535113"/>
+            <a:ext cx="5386917" cy="639762"/>
           </a:xfrm>
         </p:spPr>
         <p:txBody>
@@ -1509,15 +2871,15 @@
           <a:p>
             <a:pPr lvl="0"/>
             <a:r>
-              <a:rPr lang="en-US" smtClean="0"/>
-              <a:t>Click to edit Master text styles</a:t>
-            </a:r>
-          </a:p>
-        </p:txBody>
-      </p:sp>
-      <p:sp>
-        <p:nvSpPr>
-          <p:cNvPr id="4" name="Content Placeholder 3"/>
+              <a:rPr lang="nl-NL" smtClean="0"/>
+              <a:t>Klik om de modelstijlen te bewerken</a:t>
+            </a:r>
+          </a:p>
+        </p:txBody>
+      </p:sp>
+      <p:sp>
+        <p:nvSpPr>
+          <p:cNvPr id="4" name="Tijdelijke aanduiding voor inhoud 3"/>
           <p:cNvSpPr>
             <a:spLocks noGrp="1"/>
           </p:cNvSpPr>
@@ -1527,8 +2889,8 @@
         </p:nvSpPr>
         <p:spPr>
           <a:xfrm>
-            <a:off x="457200" y="2174875"/>
-            <a:ext cx="4040188" cy="3951288"/>
+            <a:off x="609600" y="2174875"/>
+            <a:ext cx="5386917" cy="3951288"/>
           </a:xfrm>
         </p:spPr>
         <p:txBody>
@@ -1565,44 +2927,44 @@
           <a:p>
             <a:pPr lvl="0"/>
             <a:r>
-              <a:rPr lang="en-US" smtClean="0"/>
-              <a:t>Click to edit Master text styles</a:t>
+              <a:rPr lang="nl-NL" smtClean="0"/>
+              <a:t>Klik om de modelstijlen te bewerken</a:t>
             </a:r>
           </a:p>
           <a:p>
             <a:pPr lvl="1"/>
             <a:r>
-              <a:rPr lang="en-US" smtClean="0"/>
-              <a:t>Second level</a:t>
+              <a:rPr lang="nl-NL" smtClean="0"/>
+              <a:t>Tweede niveau</a:t>
             </a:r>
           </a:p>
           <a:p>
             <a:pPr lvl="2"/>
             <a:r>
-              <a:rPr lang="en-US" smtClean="0"/>
-              <a:t>Third level</a:t>
+              <a:rPr lang="nl-NL" smtClean="0"/>
+              <a:t>Derde niveau</a:t>
             </a:r>
           </a:p>
           <a:p>
             <a:pPr lvl="3"/>
             <a:r>
-              <a:rPr lang="en-US" smtClean="0"/>
-              <a:t>Fourth level</a:t>
+              <a:rPr lang="nl-NL" smtClean="0"/>
+              <a:t>Vierde niveau</a:t>
             </a:r>
           </a:p>
           <a:p>
             <a:pPr lvl="4"/>
             <a:r>
-              <a:rPr lang="en-US" smtClean="0"/>
-              <a:t>Fifth level</a:t>
-            </a:r>
-            <a:endParaRPr lang="nl-BE"/>
-          </a:p>
-        </p:txBody>
-      </p:sp>
-      <p:sp>
-        <p:nvSpPr>
-          <p:cNvPr id="5" name="Text Placeholder 4"/>
+              <a:rPr lang="nl-NL" smtClean="0"/>
+              <a:t>Vijfde niveau</a:t>
+            </a:r>
+            <a:endParaRPr lang="nl-NL"/>
+          </a:p>
+        </p:txBody>
+      </p:sp>
+      <p:sp>
+        <p:nvSpPr>
+          <p:cNvPr id="5" name="Tijdelijke aanduiding voor tekst 4"/>
           <p:cNvSpPr>
             <a:spLocks noGrp="1"/>
           </p:cNvSpPr>
@@ -1612,8 +2974,8 @@
         </p:nvSpPr>
         <p:spPr>
           <a:xfrm>
-            <a:off x="4645025" y="1535113"/>
-            <a:ext cx="4041775" cy="639762"/>
+            <a:off x="6193368" y="1535113"/>
+            <a:ext cx="5389033" cy="639762"/>
           </a:xfrm>
         </p:spPr>
         <p:txBody>
@@ -1659,15 +3021,15 @@
           <a:p>
             <a:pPr lvl="0"/>
             <a:r>
-              <a:rPr lang="en-US" smtClean="0"/>
-              <a:t>Click to edit Master text styles</a:t>
-            </a:r>
-          </a:p>
-        </p:txBody>
-      </p:sp>
-      <p:sp>
-        <p:nvSpPr>
-          <p:cNvPr id="6" name="Content Placeholder 5"/>
+              <a:rPr lang="nl-NL" smtClean="0"/>
+              <a:t>Klik om de modelstijlen te bewerken</a:t>
+            </a:r>
+          </a:p>
+        </p:txBody>
+      </p:sp>
+      <p:sp>
+        <p:nvSpPr>
+          <p:cNvPr id="6" name="Tijdelijke aanduiding voor inhoud 5"/>
           <p:cNvSpPr>
             <a:spLocks noGrp="1"/>
           </p:cNvSpPr>
@@ -1677,8 +3039,8 @@
         </p:nvSpPr>
         <p:spPr>
           <a:xfrm>
-            <a:off x="4645025" y="2174875"/>
-            <a:ext cx="4041775" cy="3951288"/>
+            <a:off x="6193368" y="2174875"/>
+            <a:ext cx="5389033" cy="3951288"/>
           </a:xfrm>
         </p:spPr>
         <p:txBody>
@@ -1715,44 +3077,44 @@
           <a:p>
             <a:pPr lvl="0"/>
             <a:r>
-              <a:rPr lang="en-US" smtClean="0"/>
-              <a:t>Click to edit Master text styles</a:t>
+              <a:rPr lang="nl-NL" smtClean="0"/>
+              <a:t>Klik om de modelstijlen te bewerken</a:t>
             </a:r>
           </a:p>
           <a:p>
             <a:pPr lvl="1"/>
             <a:r>
-              <a:rPr lang="en-US" smtClean="0"/>
-              <a:t>Second level</a:t>
+              <a:rPr lang="nl-NL" smtClean="0"/>
+              <a:t>Tweede niveau</a:t>
             </a:r>
           </a:p>
           <a:p>
             <a:pPr lvl="2"/>
             <a:r>
-              <a:rPr lang="en-US" smtClean="0"/>
-              <a:t>Third level</a:t>
+              <a:rPr lang="nl-NL" smtClean="0"/>
+              <a:t>Derde niveau</a:t>
             </a:r>
           </a:p>
           <a:p>
             <a:pPr lvl="3"/>
             <a:r>
-              <a:rPr lang="en-US" smtClean="0"/>
-              <a:t>Fourth level</a:t>
+              <a:rPr lang="nl-NL" smtClean="0"/>
+              <a:t>Vierde niveau</a:t>
             </a:r>
           </a:p>
           <a:p>
             <a:pPr lvl="4"/>
             <a:r>
-              <a:rPr lang="en-US" smtClean="0"/>
-              <a:t>Fifth level</a:t>
-            </a:r>
-            <a:endParaRPr lang="nl-BE"/>
-          </a:p>
-        </p:txBody>
-      </p:sp>
-      <p:sp>
-        <p:nvSpPr>
-          <p:cNvPr id="7" name="Date Placeholder 6"/>
+              <a:rPr lang="nl-NL" smtClean="0"/>
+              <a:t>Vijfde niveau</a:t>
+            </a:r>
+            <a:endParaRPr lang="nl-NL"/>
+          </a:p>
+        </p:txBody>
+      </p:sp>
+      <p:sp>
+        <p:nvSpPr>
+          <p:cNvPr id="8" name="Tijdelijke aanduiding voor datum 6"/>
           <p:cNvSpPr>
             <a:spLocks noGrp="1"/>
           </p:cNvSpPr>
@@ -1763,19 +3125,41 @@
         <p:spPr/>
         <p:txBody>
           <a:bodyPr/>
-          <a:lstStyle/>
-          <a:p>
-            <a:fld id="{192B0248-19C4-4470-85AF-091A1CD0BAE5}" type="datetimeFigureOut">
-              <a:rPr lang="nl-BE" smtClean="0"/>
-              <a:t>9/05/2016</a:t>
+          <a:lstStyle>
+            <a:lvl1pPr>
+              <a:defRPr/>
+            </a:lvl1pPr>
+          </a:lstStyle>
+          <a:p>
+            <a:pPr>
+              <a:defRPr/>
+            </a:pPr>
+            <a:fld id="{2AAE1A1F-E65F-4658-B325-306255AD9067}" type="datetime1">
+              <a:rPr lang="nl-NL">
+                <a:solidFill>
+                  <a:prstClr val="black">
+                    <a:tint val="75000"/>
+                  </a:prstClr>
+                </a:solidFill>
+              </a:rPr>
+              <a:pPr>
+                <a:defRPr/>
+              </a:pPr>
+              <a:t>9-5-2016</a:t>
             </a:fld>
-            <a:endParaRPr lang="nl-BE"/>
-          </a:p>
-        </p:txBody>
-      </p:sp>
-      <p:sp>
-        <p:nvSpPr>
-          <p:cNvPr id="8" name="Footer Placeholder 7"/>
+            <a:endParaRPr lang="nl-NL">
+              <a:solidFill>
+                <a:prstClr val="black">
+                  <a:tint val="75000"/>
+                </a:prstClr>
+              </a:solidFill>
+            </a:endParaRPr>
+          </a:p>
+        </p:txBody>
+      </p:sp>
+      <p:sp>
+        <p:nvSpPr>
+          <p:cNvPr id="9" name="Tijdelijke aanduiding voor voettekst 7"/>
           <p:cNvSpPr>
             <a:spLocks noGrp="1"/>
           </p:cNvSpPr>
@@ -1786,15 +3170,28 @@
         <p:spPr/>
         <p:txBody>
           <a:bodyPr/>
-          <a:lstStyle/>
-          <a:p>
-            <a:endParaRPr lang="nl-BE"/>
-          </a:p>
-        </p:txBody>
-      </p:sp>
-      <p:sp>
-        <p:nvSpPr>
-          <p:cNvPr id="9" name="Slide Number Placeholder 8"/>
+          <a:lstStyle>
+            <a:lvl1pPr>
+              <a:defRPr/>
+            </a:lvl1pPr>
+          </a:lstStyle>
+          <a:p>
+            <a:pPr>
+              <a:defRPr/>
+            </a:pPr>
+            <a:endParaRPr lang="nl-NL">
+              <a:solidFill>
+                <a:prstClr val="black">
+                  <a:tint val="75000"/>
+                </a:prstClr>
+              </a:solidFill>
+            </a:endParaRPr>
+          </a:p>
+        </p:txBody>
+      </p:sp>
+      <p:sp>
+        <p:nvSpPr>
+          <p:cNvPr id="10" name="Tijdelijke aanduiding voor dianummer 8"/>
           <p:cNvSpPr>
             <a:spLocks noGrp="1"/>
           </p:cNvSpPr>
@@ -1805,20 +3202,30 @@
         <p:spPr/>
         <p:txBody>
           <a:bodyPr/>
-          <a:lstStyle/>
-          <a:p>
-            <a:fld id="{F9B02DA0-C0B0-4FAC-BBEB-23817AA99391}" type="slidenum">
-              <a:rPr lang="nl-BE" smtClean="0"/>
+          <a:lstStyle>
+            <a:lvl1pPr>
+              <a:defRPr/>
+            </a:lvl1pPr>
+          </a:lstStyle>
+          <a:p>
+            <a:pPr>
+              <a:defRPr/>
+            </a:pPr>
+            <a:fld id="{3E473945-7F5B-440D-839F-B74526FECA19}" type="slidenum">
+              <a:rPr lang="nl-NL"/>
+              <a:pPr>
+                <a:defRPr/>
+              </a:pPr>
               <a:t>‹#›</a:t>
             </a:fld>
-            <a:endParaRPr lang="nl-BE"/>
+            <a:endParaRPr lang="nl-NL"/>
           </a:p>
         </p:txBody>
       </p:sp>
     </p:spTree>
     <p:extLst>
       <p:ext uri="{BB962C8B-B14F-4D97-AF65-F5344CB8AC3E}">
-        <p14:creationId xmlns:p14="http://schemas.microsoft.com/office/powerpoint/2010/main" val="419365055"/>
+        <p14:creationId xmlns:p14="http://schemas.microsoft.com/office/powerpoint/2010/main" val="1368207400"/>
       </p:ext>
     </p:extLst>
   </p:cSld>
@@ -1828,9 +3235,9 @@
 </p:sldLayout>
 </file>
 
-<file path=ppt/slideLayouts/slideLayout6.xml><?xml version="1.0" encoding="utf-8"?>
+<file path=ppt/slideLayouts/slideLayout7.xml><?xml version="1.0" encoding="utf-8"?>
 <p:sldLayout xmlns:a="http://schemas.openxmlformats.org/drawingml/2006/main" xmlns:r="http://schemas.openxmlformats.org/officeDocument/2006/relationships" xmlns:p="http://schemas.openxmlformats.org/presentationml/2006/main" type="titleOnly" preserve="1">
-  <p:cSld name="Title Only">
+  <p:cSld name="Alleen titel">
     <p:spTree>
       <p:nvGrpSpPr>
         <p:cNvPr id="1" name=""/>
@@ -1845,9 +3252,63 @@
           <a:chExt cx="0" cy="0"/>
         </a:xfrm>
       </p:grpSpPr>
-      <p:sp>
-        <p:nvSpPr>
-          <p:cNvPr id="2" name="Title 1"/>
+      <p:pic>
+        <p:nvPicPr>
+          <p:cNvPr id="3" name="Afbeelding 7" descr="Macintosh HD:Users:nickdaenen:Desktop:logo_pxl.wmf"/>
+          <p:cNvPicPr>
+            <a:picLocks noChangeAspect="1" noChangeArrowheads="1"/>
+          </p:cNvPicPr>
+          <p:nvPr userDrawn="1"/>
+        </p:nvPicPr>
+        <p:blipFill>
+          <a:blip r:embed="rId2" cstate="print">
+            <a:extLst>
+              <a:ext uri="{28A0092B-C50C-407E-A947-70E740481C1C}">
+                <a14:useLocalDpi xmlns:a14="http://schemas.microsoft.com/office/drawing/2010/main" val="0"/>
+              </a:ext>
+            </a:extLst>
+          </a:blip>
+          <a:srcRect/>
+          <a:stretch>
+            <a:fillRect/>
+          </a:stretch>
+        </p:blipFill>
+        <p:spPr bwMode="auto">
+          <a:xfrm>
+            <a:off x="503767" y="5837238"/>
+            <a:ext cx="973667" cy="730250"/>
+          </a:xfrm>
+          <a:prstGeom prst="rect">
+            <a:avLst/>
+          </a:prstGeom>
+          <a:noFill/>
+          <a:ln>
+            <a:noFill/>
+          </a:ln>
+          <a:extLst>
+            <a:ext uri="{909E8E84-426E-40DD-AFC4-6F175D3DCCD1}">
+              <a14:hiddenFill xmlns:a14="http://schemas.microsoft.com/office/drawing/2010/main">
+                <a:solidFill>
+                  <a:srgbClr val="FFFFFF"/>
+                </a:solidFill>
+              </a14:hiddenFill>
+            </a:ext>
+            <a:ext uri="{91240B29-F687-4F45-9708-019B960494DF}">
+              <a14:hiddenLine xmlns:a14="http://schemas.microsoft.com/office/drawing/2010/main" w="9525">
+                <a:solidFill>
+                  <a:srgbClr val="000000"/>
+                </a:solidFill>
+                <a:miter lim="800000"/>
+                <a:headEnd/>
+                <a:tailEnd/>
+              </a14:hiddenLine>
+            </a:ext>
+          </a:extLst>
+        </p:spPr>
+      </p:pic>
+      <p:sp>
+        <p:nvSpPr>
+          <p:cNvPr id="2" name="Titel 1"/>
           <p:cNvSpPr>
             <a:spLocks noGrp="1"/>
           </p:cNvSpPr>
@@ -1861,16 +3322,16 @@
           <a:lstStyle/>
           <a:p>
             <a:r>
-              <a:rPr lang="en-US" smtClean="0"/>
-              <a:t>Click to edit Master title style</a:t>
-            </a:r>
-            <a:endParaRPr lang="nl-BE"/>
-          </a:p>
-        </p:txBody>
-      </p:sp>
-      <p:sp>
-        <p:nvSpPr>
-          <p:cNvPr id="3" name="Date Placeholder 2"/>
+              <a:rPr lang="nl-NL" smtClean="0"/>
+              <a:t>Klik om de stijl te bewerken</a:t>
+            </a:r>
+            <a:endParaRPr lang="nl-NL"/>
+          </a:p>
+        </p:txBody>
+      </p:sp>
+      <p:sp>
+        <p:nvSpPr>
+          <p:cNvPr id="4" name="Tijdelijke aanduiding voor datum 2"/>
           <p:cNvSpPr>
             <a:spLocks noGrp="1"/>
           </p:cNvSpPr>
@@ -1881,19 +3342,41 @@
         <p:spPr/>
         <p:txBody>
           <a:bodyPr/>
-          <a:lstStyle/>
-          <a:p>
-            <a:fld id="{192B0248-19C4-4470-85AF-091A1CD0BAE5}" type="datetimeFigureOut">
-              <a:rPr lang="nl-BE" smtClean="0"/>
-              <a:t>9/05/2016</a:t>
+          <a:lstStyle>
+            <a:lvl1pPr>
+              <a:defRPr/>
+            </a:lvl1pPr>
+          </a:lstStyle>
+          <a:p>
+            <a:pPr>
+              <a:defRPr/>
+            </a:pPr>
+            <a:fld id="{AEFC12CC-ACA5-458B-B999-4BB99852FA01}" type="datetime1">
+              <a:rPr lang="nl-NL">
+                <a:solidFill>
+                  <a:prstClr val="black">
+                    <a:tint val="75000"/>
+                  </a:prstClr>
+                </a:solidFill>
+              </a:rPr>
+              <a:pPr>
+                <a:defRPr/>
+              </a:pPr>
+              <a:t>9-5-2016</a:t>
             </a:fld>
-            <a:endParaRPr lang="nl-BE"/>
-          </a:p>
-        </p:txBody>
-      </p:sp>
-      <p:sp>
-        <p:nvSpPr>
-          <p:cNvPr id="4" name="Footer Placeholder 3"/>
+            <a:endParaRPr lang="nl-NL">
+              <a:solidFill>
+                <a:prstClr val="black">
+                  <a:tint val="75000"/>
+                </a:prstClr>
+              </a:solidFill>
+            </a:endParaRPr>
+          </a:p>
+        </p:txBody>
+      </p:sp>
+      <p:sp>
+        <p:nvSpPr>
+          <p:cNvPr id="5" name="Tijdelijke aanduiding voor voettekst 3"/>
           <p:cNvSpPr>
             <a:spLocks noGrp="1"/>
           </p:cNvSpPr>
@@ -1904,15 +3387,28 @@
         <p:spPr/>
         <p:txBody>
           <a:bodyPr/>
-          <a:lstStyle/>
-          <a:p>
-            <a:endParaRPr lang="nl-BE"/>
-          </a:p>
-        </p:txBody>
-      </p:sp>
-      <p:sp>
-        <p:nvSpPr>
-          <p:cNvPr id="5" name="Slide Number Placeholder 4"/>
+          <a:lstStyle>
+            <a:lvl1pPr>
+              <a:defRPr/>
+            </a:lvl1pPr>
+          </a:lstStyle>
+          <a:p>
+            <a:pPr>
+              <a:defRPr/>
+            </a:pPr>
+            <a:endParaRPr lang="nl-NL">
+              <a:solidFill>
+                <a:prstClr val="black">
+                  <a:tint val="75000"/>
+                </a:prstClr>
+              </a:solidFill>
+            </a:endParaRPr>
+          </a:p>
+        </p:txBody>
+      </p:sp>
+      <p:sp>
+        <p:nvSpPr>
+          <p:cNvPr id="6" name="Tijdelijke aanduiding voor dianummer 4"/>
           <p:cNvSpPr>
             <a:spLocks noGrp="1"/>
           </p:cNvSpPr>
@@ -1923,20 +3419,30 @@
         <p:spPr/>
         <p:txBody>
           <a:bodyPr/>
-          <a:lstStyle/>
-          <a:p>
-            <a:fld id="{F9B02DA0-C0B0-4FAC-BBEB-23817AA99391}" type="slidenum">
-              <a:rPr lang="nl-BE" smtClean="0"/>
+          <a:lstStyle>
+            <a:lvl1pPr>
+              <a:defRPr/>
+            </a:lvl1pPr>
+          </a:lstStyle>
+          <a:p>
+            <a:pPr>
+              <a:defRPr/>
+            </a:pPr>
+            <a:fld id="{8DDCAED2-FB1E-40E2-ADD0-1CBAC5063590}" type="slidenum">
+              <a:rPr lang="nl-NL"/>
+              <a:pPr>
+                <a:defRPr/>
+              </a:pPr>
               <a:t>‹#›</a:t>
             </a:fld>
-            <a:endParaRPr lang="nl-BE"/>
+            <a:endParaRPr lang="nl-NL"/>
           </a:p>
         </p:txBody>
       </p:sp>
     </p:spTree>
     <p:extLst>
       <p:ext uri="{BB962C8B-B14F-4D97-AF65-F5344CB8AC3E}">
-        <p14:creationId xmlns:p14="http://schemas.microsoft.com/office/powerpoint/2010/main" val="1418586282"/>
+        <p14:creationId xmlns:p14="http://schemas.microsoft.com/office/powerpoint/2010/main" val="2996760363"/>
       </p:ext>
     </p:extLst>
   </p:cSld>
@@ -1946,9 +3452,9 @@
 </p:sldLayout>
 </file>
 
-<file path=ppt/slideLayouts/slideLayout7.xml><?xml version="1.0" encoding="utf-8"?>
+<file path=ppt/slideLayouts/slideLayout8.xml><?xml version="1.0" encoding="utf-8"?>
 <p:sldLayout xmlns:a="http://schemas.openxmlformats.org/drawingml/2006/main" xmlns:r="http://schemas.openxmlformats.org/officeDocument/2006/relationships" xmlns:p="http://schemas.openxmlformats.org/presentationml/2006/main" type="blank" preserve="1">
-  <p:cSld name="Blank">
+  <p:cSld name="Leeg">
     <p:spTree>
       <p:nvGrpSpPr>
         <p:cNvPr id="1" name=""/>
@@ -1963,9 +3469,63 @@
           <a:chExt cx="0" cy="0"/>
         </a:xfrm>
       </p:grpSpPr>
-      <p:sp>
-        <p:nvSpPr>
-          <p:cNvPr id="2" name="Date Placeholder 1"/>
+      <p:pic>
+        <p:nvPicPr>
+          <p:cNvPr id="2" name="Afbeelding 7" descr="Macintosh HD:Users:nickdaenen:Desktop:logo_pxl.wmf"/>
+          <p:cNvPicPr>
+            <a:picLocks noChangeAspect="1" noChangeArrowheads="1"/>
+          </p:cNvPicPr>
+          <p:nvPr userDrawn="1"/>
+        </p:nvPicPr>
+        <p:blipFill>
+          <a:blip r:embed="rId2" cstate="print">
+            <a:extLst>
+              <a:ext uri="{28A0092B-C50C-407E-A947-70E740481C1C}">
+                <a14:useLocalDpi xmlns:a14="http://schemas.microsoft.com/office/drawing/2010/main" val="0"/>
+              </a:ext>
+            </a:extLst>
+          </a:blip>
+          <a:srcRect/>
+          <a:stretch>
+            <a:fillRect/>
+          </a:stretch>
+        </p:blipFill>
+        <p:spPr bwMode="auto">
+          <a:xfrm>
+            <a:off x="503767" y="5837238"/>
+            <a:ext cx="973667" cy="730250"/>
+          </a:xfrm>
+          <a:prstGeom prst="rect">
+            <a:avLst/>
+          </a:prstGeom>
+          <a:noFill/>
+          <a:ln>
+            <a:noFill/>
+          </a:ln>
+          <a:extLst>
+            <a:ext uri="{909E8E84-426E-40DD-AFC4-6F175D3DCCD1}">
+              <a14:hiddenFill xmlns:a14="http://schemas.microsoft.com/office/drawing/2010/main">
+                <a:solidFill>
+                  <a:srgbClr val="FFFFFF"/>
+                </a:solidFill>
+              </a14:hiddenFill>
+            </a:ext>
+            <a:ext uri="{91240B29-F687-4F45-9708-019B960494DF}">
+              <a14:hiddenLine xmlns:a14="http://schemas.microsoft.com/office/drawing/2010/main" w="9525">
+                <a:solidFill>
+                  <a:srgbClr val="000000"/>
+                </a:solidFill>
+                <a:miter lim="800000"/>
+                <a:headEnd/>
+                <a:tailEnd/>
+              </a14:hiddenLine>
+            </a:ext>
+          </a:extLst>
+        </p:spPr>
+      </p:pic>
+      <p:sp>
+        <p:nvSpPr>
+          <p:cNvPr id="3" name="Tijdelijke aanduiding voor datum 1"/>
           <p:cNvSpPr>
             <a:spLocks noGrp="1"/>
           </p:cNvSpPr>
@@ -1976,19 +3536,41 @@
         <p:spPr/>
         <p:txBody>
           <a:bodyPr/>
-          <a:lstStyle/>
-          <a:p>
-            <a:fld id="{192B0248-19C4-4470-85AF-091A1CD0BAE5}" type="datetimeFigureOut">
-              <a:rPr lang="nl-BE" smtClean="0"/>
-              <a:t>9/05/2016</a:t>
+          <a:lstStyle>
+            <a:lvl1pPr>
+              <a:defRPr/>
+            </a:lvl1pPr>
+          </a:lstStyle>
+          <a:p>
+            <a:pPr>
+              <a:defRPr/>
+            </a:pPr>
+            <a:fld id="{3F02FBC7-F701-4C01-8EE6-A76C866B11A6}" type="datetime1">
+              <a:rPr lang="nl-NL">
+                <a:solidFill>
+                  <a:prstClr val="black">
+                    <a:tint val="75000"/>
+                  </a:prstClr>
+                </a:solidFill>
+              </a:rPr>
+              <a:pPr>
+                <a:defRPr/>
+              </a:pPr>
+              <a:t>9-5-2016</a:t>
             </a:fld>
-            <a:endParaRPr lang="nl-BE"/>
-          </a:p>
-        </p:txBody>
-      </p:sp>
-      <p:sp>
-        <p:nvSpPr>
-          <p:cNvPr id="3" name="Footer Placeholder 2"/>
+            <a:endParaRPr lang="nl-NL">
+              <a:solidFill>
+                <a:prstClr val="black">
+                  <a:tint val="75000"/>
+                </a:prstClr>
+              </a:solidFill>
+            </a:endParaRPr>
+          </a:p>
+        </p:txBody>
+      </p:sp>
+      <p:sp>
+        <p:nvSpPr>
+          <p:cNvPr id="4" name="Tijdelijke aanduiding voor voettekst 2"/>
           <p:cNvSpPr>
             <a:spLocks noGrp="1"/>
           </p:cNvSpPr>
@@ -1999,15 +3581,28 @@
         <p:spPr/>
         <p:txBody>
           <a:bodyPr/>
-          <a:lstStyle/>
-          <a:p>
-            <a:endParaRPr lang="nl-BE"/>
-          </a:p>
-        </p:txBody>
-      </p:sp>
-      <p:sp>
-        <p:nvSpPr>
-          <p:cNvPr id="4" name="Slide Number Placeholder 3"/>
+          <a:lstStyle>
+            <a:lvl1pPr>
+              <a:defRPr/>
+            </a:lvl1pPr>
+          </a:lstStyle>
+          <a:p>
+            <a:pPr>
+              <a:defRPr/>
+            </a:pPr>
+            <a:endParaRPr lang="nl-NL">
+              <a:solidFill>
+                <a:prstClr val="black">
+                  <a:tint val="75000"/>
+                </a:prstClr>
+              </a:solidFill>
+            </a:endParaRPr>
+          </a:p>
+        </p:txBody>
+      </p:sp>
+      <p:sp>
+        <p:nvSpPr>
+          <p:cNvPr id="5" name="Tijdelijke aanduiding voor dianummer 3"/>
           <p:cNvSpPr>
             <a:spLocks noGrp="1"/>
           </p:cNvSpPr>
@@ -2018,20 +3613,30 @@
         <p:spPr/>
         <p:txBody>
           <a:bodyPr/>
-          <a:lstStyle/>
-          <a:p>
-            <a:fld id="{F9B02DA0-C0B0-4FAC-BBEB-23817AA99391}" type="slidenum">
-              <a:rPr lang="nl-BE" smtClean="0"/>
+          <a:lstStyle>
+            <a:lvl1pPr>
+              <a:defRPr/>
+            </a:lvl1pPr>
+          </a:lstStyle>
+          <a:p>
+            <a:pPr>
+              <a:defRPr/>
+            </a:pPr>
+            <a:fld id="{258325B3-411F-430C-9A52-432198C9EF94}" type="slidenum">
+              <a:rPr lang="nl-NL"/>
+              <a:pPr>
+                <a:defRPr/>
+              </a:pPr>
               <a:t>‹#›</a:t>
             </a:fld>
-            <a:endParaRPr lang="nl-BE"/>
+            <a:endParaRPr lang="nl-NL"/>
           </a:p>
         </p:txBody>
       </p:sp>
     </p:spTree>
     <p:extLst>
       <p:ext uri="{BB962C8B-B14F-4D97-AF65-F5344CB8AC3E}">
-        <p14:creationId xmlns:p14="http://schemas.microsoft.com/office/powerpoint/2010/main" val="2006696385"/>
+        <p14:creationId xmlns:p14="http://schemas.microsoft.com/office/powerpoint/2010/main" val="2432595040"/>
       </p:ext>
     </p:extLst>
   </p:cSld>
@@ -2041,9 +3646,9 @@
 </p:sldLayout>
 </file>
 
-<file path=ppt/slideLayouts/slideLayout8.xml><?xml version="1.0" encoding="utf-8"?>
+<file path=ppt/slideLayouts/slideLayout9.xml><?xml version="1.0" encoding="utf-8"?>
 <p:sldLayout xmlns:a="http://schemas.openxmlformats.org/drawingml/2006/main" xmlns:r="http://schemas.openxmlformats.org/officeDocument/2006/relationships" xmlns:p="http://schemas.openxmlformats.org/presentationml/2006/main" type="objTx" preserve="1">
-  <p:cSld name="Content with Caption">
+  <p:cSld name="Inhoud met bijschrift">
     <p:spTree>
       <p:nvGrpSpPr>
         <p:cNvPr id="1" name=""/>
@@ -2058,9 +3663,63 @@
           <a:chExt cx="0" cy="0"/>
         </a:xfrm>
       </p:grpSpPr>
-      <p:sp>
-        <p:nvSpPr>
-          <p:cNvPr id="2" name="Title 1"/>
+      <p:pic>
+        <p:nvPicPr>
+          <p:cNvPr id="5" name="Afbeelding 7" descr="Macintosh HD:Users:nickdaenen:Desktop:logo_pxl.wmf"/>
+          <p:cNvPicPr>
+            <a:picLocks noChangeAspect="1" noChangeArrowheads="1"/>
+          </p:cNvPicPr>
+          <p:nvPr userDrawn="1"/>
+        </p:nvPicPr>
+        <p:blipFill>
+          <a:blip r:embed="rId2" cstate="print">
+            <a:extLst>
+              <a:ext uri="{28A0092B-C50C-407E-A947-70E740481C1C}">
+                <a14:useLocalDpi xmlns:a14="http://schemas.microsoft.com/office/drawing/2010/main" val="0"/>
+              </a:ext>
+            </a:extLst>
+          </a:blip>
+          <a:srcRect/>
+          <a:stretch>
+            <a:fillRect/>
+          </a:stretch>
+        </p:blipFill>
+        <p:spPr bwMode="auto">
+          <a:xfrm>
+            <a:off x="503767" y="5837238"/>
+            <a:ext cx="973667" cy="730250"/>
+          </a:xfrm>
+          <a:prstGeom prst="rect">
+            <a:avLst/>
+          </a:prstGeom>
+          <a:noFill/>
+          <a:ln>
+            <a:noFill/>
+          </a:ln>
+          <a:extLst>
+            <a:ext uri="{909E8E84-426E-40DD-AFC4-6F175D3DCCD1}">
+              <a14:hiddenFill xmlns:a14="http://schemas.microsoft.com/office/drawing/2010/main">
+                <a:solidFill>
+                  <a:srgbClr val="FFFFFF"/>
+                </a:solidFill>
+              </a14:hiddenFill>
+            </a:ext>
+            <a:ext uri="{91240B29-F687-4F45-9708-019B960494DF}">
+              <a14:hiddenLine xmlns:a14="http://schemas.microsoft.com/office/drawing/2010/main" w="9525">
+                <a:solidFill>
+                  <a:srgbClr val="000000"/>
+                </a:solidFill>
+                <a:miter lim="800000"/>
+                <a:headEnd/>
+                <a:tailEnd/>
+              </a14:hiddenLine>
+            </a:ext>
+          </a:extLst>
+        </p:spPr>
+      </p:pic>
+      <p:sp>
+        <p:nvSpPr>
+          <p:cNvPr id="2" name="Titel 1"/>
           <p:cNvSpPr>
             <a:spLocks noGrp="1"/>
           </p:cNvSpPr>
@@ -2070,8 +3729,8 @@
         </p:nvSpPr>
         <p:spPr>
           <a:xfrm>
-            <a:off x="457200" y="273050"/>
-            <a:ext cx="3008313" cy="1162050"/>
+            <a:off x="609601" y="273050"/>
+            <a:ext cx="4011084" cy="1162050"/>
           </a:xfrm>
         </p:spPr>
         <p:txBody>
@@ -2083,16 +3742,16 @@
           </a:lstStyle>
           <a:p>
             <a:r>
-              <a:rPr lang="en-US" smtClean="0"/>
-              <a:t>Click to edit Master title style</a:t>
-            </a:r>
-            <a:endParaRPr lang="nl-BE"/>
-          </a:p>
-        </p:txBody>
-      </p:sp>
-      <p:sp>
-        <p:nvSpPr>
-          <p:cNvPr id="3" name="Content Placeholder 2"/>
+              <a:rPr lang="nl-NL" smtClean="0"/>
+              <a:t>Klik om de stijl te bewerken</a:t>
+            </a:r>
+            <a:endParaRPr lang="nl-NL"/>
+          </a:p>
+        </p:txBody>
+      </p:sp>
+      <p:sp>
+        <p:nvSpPr>
+          <p:cNvPr id="3" name="Tijdelijke aanduiding voor inhoud 2"/>
           <p:cNvSpPr>
             <a:spLocks noGrp="1"/>
           </p:cNvSpPr>
@@ -2102,8 +3761,8 @@
         </p:nvSpPr>
         <p:spPr>
           <a:xfrm>
-            <a:off x="3575050" y="273050"/>
-            <a:ext cx="5111750" cy="5853113"/>
+            <a:off x="4766733" y="273051"/>
+            <a:ext cx="6815667" cy="5853113"/>
           </a:xfrm>
         </p:spPr>
         <p:txBody>
@@ -2140,44 +3799,44 @@
           <a:p>
             <a:pPr lvl="0"/>
             <a:r>
-              <a:rPr lang="en-US" smtClean="0"/>
-              <a:t>Click to edit Master text styles</a:t>
+              <a:rPr lang="nl-NL" smtClean="0"/>
+              <a:t>Klik om de modelstijlen te bewerken</a:t>
             </a:r>
           </a:p>
           <a:p>
             <a:pPr lvl="1"/>
             <a:r>
-              <a:rPr lang="en-US" smtClean="0"/>
-              <a:t>Second level</a:t>
+              <a:rPr lang="nl-NL" smtClean="0"/>
+              <a:t>Tweede niveau</a:t>
             </a:r>
           </a:p>
           <a:p>
             <a:pPr lvl="2"/>
             <a:r>
-              <a:rPr lang="en-US" smtClean="0"/>
-              <a:t>Third level</a:t>
+              <a:rPr lang="nl-NL" smtClean="0"/>
+              <a:t>Derde niveau</a:t>
             </a:r>
           </a:p>
           <a:p>
             <a:pPr lvl="3"/>
             <a:r>
-              <a:rPr lang="en-US" smtClean="0"/>
-              <a:t>Fourth level</a:t>
+              <a:rPr lang="nl-NL" smtClean="0"/>
+              <a:t>Vierde niveau</a:t>
             </a:r>
           </a:p>
           <a:p>
             <a:pPr lvl="4"/>
             <a:r>
-              <a:rPr lang="en-US" smtClean="0"/>
-              <a:t>Fifth level</a:t>
-            </a:r>
-            <a:endParaRPr lang="nl-BE"/>
-          </a:p>
-        </p:txBody>
-      </p:sp>
-      <p:sp>
-        <p:nvSpPr>
-          <p:cNvPr id="4" name="Text Placeholder 3"/>
+              <a:rPr lang="nl-NL" smtClean="0"/>
+              <a:t>Vijfde niveau</a:t>
+            </a:r>
+            <a:endParaRPr lang="nl-NL"/>
+          </a:p>
+        </p:txBody>
+      </p:sp>
+      <p:sp>
+        <p:nvSpPr>
+          <p:cNvPr id="4" name="Tijdelijke aanduiding voor tekst 3"/>
           <p:cNvSpPr>
             <a:spLocks noGrp="1"/>
           </p:cNvSpPr>
@@ -2187,8 +3846,8 @@
         </p:nvSpPr>
         <p:spPr>
           <a:xfrm>
-            <a:off x="457200" y="1435100"/>
-            <a:ext cx="3008313" cy="4691063"/>
+            <a:off x="609601" y="1435101"/>
+            <a:ext cx="4011084" cy="4691063"/>
           </a:xfrm>
         </p:spPr>
         <p:txBody>
@@ -2234,15 +3893,15 @@
           <a:p>
             <a:pPr lvl="0"/>
             <a:r>
-              <a:rPr lang="en-US" smtClean="0"/>
-              <a:t>Click to edit Master text styles</a:t>
-            </a:r>
-          </a:p>
-        </p:txBody>
-      </p:sp>
-      <p:sp>
-        <p:nvSpPr>
-          <p:cNvPr id="5" name="Date Placeholder 4"/>
+              <a:rPr lang="nl-NL" smtClean="0"/>
+              <a:t>Klik om de modelstijlen te bewerken</a:t>
+            </a:r>
+          </a:p>
+        </p:txBody>
+      </p:sp>
+      <p:sp>
+        <p:nvSpPr>
+          <p:cNvPr id="6" name="Tijdelijke aanduiding voor datum 4"/>
           <p:cNvSpPr>
             <a:spLocks noGrp="1"/>
           </p:cNvSpPr>
@@ -2253,19 +3912,41 @@
         <p:spPr/>
         <p:txBody>
           <a:bodyPr/>
-          <a:lstStyle/>
-          <a:p>
-            <a:fld id="{192B0248-19C4-4470-85AF-091A1CD0BAE5}" type="datetimeFigureOut">
-              <a:rPr lang="nl-BE" smtClean="0"/>
-              <a:t>9/05/2016</a:t>
+          <a:lstStyle>
+            <a:lvl1pPr>
+              <a:defRPr/>
+            </a:lvl1pPr>
+          </a:lstStyle>
+          <a:p>
+            <a:pPr>
+              <a:defRPr/>
+            </a:pPr>
+            <a:fld id="{995313E2-6960-4988-BC6C-3FAFB41FC330}" type="datetime1">
+              <a:rPr lang="nl-NL">
+                <a:solidFill>
+                  <a:prstClr val="black">
+                    <a:tint val="75000"/>
+                  </a:prstClr>
+                </a:solidFill>
+              </a:rPr>
+              <a:pPr>
+                <a:defRPr/>
+              </a:pPr>
+              <a:t>9-5-2016</a:t>
             </a:fld>
-            <a:endParaRPr lang="nl-BE"/>
-          </a:p>
-        </p:txBody>
-      </p:sp>
-      <p:sp>
-        <p:nvSpPr>
-          <p:cNvPr id="6" name="Footer Placeholder 5"/>
+            <a:endParaRPr lang="nl-NL">
+              <a:solidFill>
+                <a:prstClr val="black">
+                  <a:tint val="75000"/>
+                </a:prstClr>
+              </a:solidFill>
+            </a:endParaRPr>
+          </a:p>
+        </p:txBody>
+      </p:sp>
+      <p:sp>
+        <p:nvSpPr>
+          <p:cNvPr id="7" name="Tijdelijke aanduiding voor voettekst 5"/>
           <p:cNvSpPr>
             <a:spLocks noGrp="1"/>
           </p:cNvSpPr>
@@ -2276,15 +3957,28 @@
         <p:spPr/>
         <p:txBody>
           <a:bodyPr/>
-          <a:lstStyle/>
-          <a:p>
-            <a:endParaRPr lang="nl-BE"/>
-          </a:p>
-        </p:txBody>
-      </p:sp>
-      <p:sp>
-        <p:nvSpPr>
-          <p:cNvPr id="7" name="Slide Number Placeholder 6"/>
+          <a:lstStyle>
+            <a:lvl1pPr>
+              <a:defRPr/>
+            </a:lvl1pPr>
+          </a:lstStyle>
+          <a:p>
+            <a:pPr>
+              <a:defRPr/>
+            </a:pPr>
+            <a:endParaRPr lang="nl-NL">
+              <a:solidFill>
+                <a:prstClr val="black">
+                  <a:tint val="75000"/>
+                </a:prstClr>
+              </a:solidFill>
+            </a:endParaRPr>
+          </a:p>
+        </p:txBody>
+      </p:sp>
+      <p:sp>
+        <p:nvSpPr>
+          <p:cNvPr id="8" name="Tijdelijke aanduiding voor dianummer 6"/>
           <p:cNvSpPr>
             <a:spLocks noGrp="1"/>
           </p:cNvSpPr>
@@ -2295,273 +3989,30 @@
         <p:spPr/>
         <p:txBody>
           <a:bodyPr/>
-          <a:lstStyle/>
-          <a:p>
-            <a:fld id="{F9B02DA0-C0B0-4FAC-BBEB-23817AA99391}" type="slidenum">
-              <a:rPr lang="nl-BE" smtClean="0"/>
+          <a:lstStyle>
+            <a:lvl1pPr>
+              <a:defRPr/>
+            </a:lvl1pPr>
+          </a:lstStyle>
+          <a:p>
+            <a:pPr>
+              <a:defRPr/>
+            </a:pPr>
+            <a:fld id="{56325735-9760-4872-A464-20D0A5E7DE0B}" type="slidenum">
+              <a:rPr lang="nl-NL"/>
+              <a:pPr>
+                <a:defRPr/>
+              </a:pPr>
               <a:t>‹#›</a:t>
             </a:fld>
-            <a:endParaRPr lang="nl-BE"/>
+            <a:endParaRPr lang="nl-NL"/>
           </a:p>
         </p:txBody>
       </p:sp>
     </p:spTree>
     <p:extLst>
       <p:ext uri="{BB962C8B-B14F-4D97-AF65-F5344CB8AC3E}">
-        <p14:creationId xmlns:p14="http://schemas.microsoft.com/office/powerpoint/2010/main" val="2727001757"/>
-      </p:ext>
-    </p:extLst>
-  </p:cSld>
-  <p:clrMapOvr>
-    <a:masterClrMapping/>
-  </p:clrMapOvr>
-</p:sldLayout>
-</file>
-
-<file path=ppt/slideLayouts/slideLayout9.xml><?xml version="1.0" encoding="utf-8"?>
-<p:sldLayout xmlns:a="http://schemas.openxmlformats.org/drawingml/2006/main" xmlns:r="http://schemas.openxmlformats.org/officeDocument/2006/relationships" xmlns:p="http://schemas.openxmlformats.org/presentationml/2006/main" type="picTx" preserve="1">
-  <p:cSld name="Picture with Caption">
-    <p:spTree>
-      <p:nvGrpSpPr>
-        <p:cNvPr id="1" name=""/>
-        <p:cNvGrpSpPr/>
-        <p:nvPr/>
-      </p:nvGrpSpPr>
-      <p:grpSpPr>
-        <a:xfrm>
-          <a:off x="0" y="0"/>
-          <a:ext cx="0" cy="0"/>
-          <a:chOff x="0" y="0"/>
-          <a:chExt cx="0" cy="0"/>
-        </a:xfrm>
-      </p:grpSpPr>
-      <p:sp>
-        <p:nvSpPr>
-          <p:cNvPr id="2" name="Title 1"/>
-          <p:cNvSpPr>
-            <a:spLocks noGrp="1"/>
-          </p:cNvSpPr>
-          <p:nvPr>
-            <p:ph type="title"/>
-          </p:nvPr>
-        </p:nvSpPr>
-        <p:spPr>
-          <a:xfrm>
-            <a:off x="1792288" y="4800600"/>
-            <a:ext cx="5486400" cy="566738"/>
-          </a:xfrm>
-        </p:spPr>
-        <p:txBody>
-          <a:bodyPr anchor="b"/>
-          <a:lstStyle>
-            <a:lvl1pPr algn="l">
-              <a:defRPr sz="2000" b="1"/>
-            </a:lvl1pPr>
-          </a:lstStyle>
-          <a:p>
-            <a:r>
-              <a:rPr lang="en-US" smtClean="0"/>
-              <a:t>Click to edit Master title style</a:t>
-            </a:r>
-            <a:endParaRPr lang="nl-BE"/>
-          </a:p>
-        </p:txBody>
-      </p:sp>
-      <p:sp>
-        <p:nvSpPr>
-          <p:cNvPr id="3" name="Picture Placeholder 2"/>
-          <p:cNvSpPr>
-            <a:spLocks noGrp="1"/>
-          </p:cNvSpPr>
-          <p:nvPr>
-            <p:ph type="pic" idx="1"/>
-          </p:nvPr>
-        </p:nvSpPr>
-        <p:spPr>
-          <a:xfrm>
-            <a:off x="1792288" y="612775"/>
-            <a:ext cx="5486400" cy="4114800"/>
-          </a:xfrm>
-        </p:spPr>
-        <p:txBody>
-          <a:bodyPr/>
-          <a:lstStyle>
-            <a:lvl1pPr marL="0" indent="0">
-              <a:buNone/>
-              <a:defRPr sz="3200"/>
-            </a:lvl1pPr>
-            <a:lvl2pPr marL="457200" indent="0">
-              <a:buNone/>
-              <a:defRPr sz="2800"/>
-            </a:lvl2pPr>
-            <a:lvl3pPr marL="914400" indent="0">
-              <a:buNone/>
-              <a:defRPr sz="2400"/>
-            </a:lvl3pPr>
-            <a:lvl4pPr marL="1371600" indent="0">
-              <a:buNone/>
-              <a:defRPr sz="2000"/>
-            </a:lvl4pPr>
-            <a:lvl5pPr marL="1828800" indent="0">
-              <a:buNone/>
-              <a:defRPr sz="2000"/>
-            </a:lvl5pPr>
-            <a:lvl6pPr marL="2286000" indent="0">
-              <a:buNone/>
-              <a:defRPr sz="2000"/>
-            </a:lvl6pPr>
-            <a:lvl7pPr marL="2743200" indent="0">
-              <a:buNone/>
-              <a:defRPr sz="2000"/>
-            </a:lvl7pPr>
-            <a:lvl8pPr marL="3200400" indent="0">
-              <a:buNone/>
-              <a:defRPr sz="2000"/>
-            </a:lvl8pPr>
-            <a:lvl9pPr marL="3657600" indent="0">
-              <a:buNone/>
-              <a:defRPr sz="2000"/>
-            </a:lvl9pPr>
-          </a:lstStyle>
-          <a:p>
-            <a:endParaRPr lang="nl-BE"/>
-          </a:p>
-        </p:txBody>
-      </p:sp>
-      <p:sp>
-        <p:nvSpPr>
-          <p:cNvPr id="4" name="Text Placeholder 3"/>
-          <p:cNvSpPr>
-            <a:spLocks noGrp="1"/>
-          </p:cNvSpPr>
-          <p:nvPr>
-            <p:ph type="body" sz="half" idx="2"/>
-          </p:nvPr>
-        </p:nvSpPr>
-        <p:spPr>
-          <a:xfrm>
-            <a:off x="1792288" y="5367338"/>
-            <a:ext cx="5486400" cy="804862"/>
-          </a:xfrm>
-        </p:spPr>
-        <p:txBody>
-          <a:bodyPr/>
-          <a:lstStyle>
-            <a:lvl1pPr marL="0" indent="0">
-              <a:buNone/>
-              <a:defRPr sz="1400"/>
-            </a:lvl1pPr>
-            <a:lvl2pPr marL="457200" indent="0">
-              <a:buNone/>
-              <a:defRPr sz="1200"/>
-            </a:lvl2pPr>
-            <a:lvl3pPr marL="914400" indent="0">
-              <a:buNone/>
-              <a:defRPr sz="1000"/>
-            </a:lvl3pPr>
-            <a:lvl4pPr marL="1371600" indent="0">
-              <a:buNone/>
-              <a:defRPr sz="900"/>
-            </a:lvl4pPr>
-            <a:lvl5pPr marL="1828800" indent="0">
-              <a:buNone/>
-              <a:defRPr sz="900"/>
-            </a:lvl5pPr>
-            <a:lvl6pPr marL="2286000" indent="0">
-              <a:buNone/>
-              <a:defRPr sz="900"/>
-            </a:lvl6pPr>
-            <a:lvl7pPr marL="2743200" indent="0">
-              <a:buNone/>
-              <a:defRPr sz="900"/>
-            </a:lvl7pPr>
-            <a:lvl8pPr marL="3200400" indent="0">
-              <a:buNone/>
-              <a:defRPr sz="900"/>
-            </a:lvl8pPr>
-            <a:lvl9pPr marL="3657600" indent="0">
-              <a:buNone/>
-              <a:defRPr sz="900"/>
-            </a:lvl9pPr>
-          </a:lstStyle>
-          <a:p>
-            <a:pPr lvl="0"/>
-            <a:r>
-              <a:rPr lang="en-US" smtClean="0"/>
-              <a:t>Click to edit Master text styles</a:t>
-            </a:r>
-          </a:p>
-        </p:txBody>
-      </p:sp>
-      <p:sp>
-        <p:nvSpPr>
-          <p:cNvPr id="5" name="Date Placeholder 4"/>
-          <p:cNvSpPr>
-            <a:spLocks noGrp="1"/>
-          </p:cNvSpPr>
-          <p:nvPr>
-            <p:ph type="dt" sz="half" idx="10"/>
-          </p:nvPr>
-        </p:nvSpPr>
-        <p:spPr/>
-        <p:txBody>
-          <a:bodyPr/>
-          <a:lstStyle/>
-          <a:p>
-            <a:fld id="{192B0248-19C4-4470-85AF-091A1CD0BAE5}" type="datetimeFigureOut">
-              <a:rPr lang="nl-BE" smtClean="0"/>
-              <a:t>9/05/2016</a:t>
-            </a:fld>
-            <a:endParaRPr lang="nl-BE"/>
-          </a:p>
-        </p:txBody>
-      </p:sp>
-      <p:sp>
-        <p:nvSpPr>
-          <p:cNvPr id="6" name="Footer Placeholder 5"/>
-          <p:cNvSpPr>
-            <a:spLocks noGrp="1"/>
-          </p:cNvSpPr>
-          <p:nvPr>
-            <p:ph type="ftr" sz="quarter" idx="11"/>
-          </p:nvPr>
-        </p:nvSpPr>
-        <p:spPr/>
-        <p:txBody>
-          <a:bodyPr/>
-          <a:lstStyle/>
-          <a:p>
-            <a:endParaRPr lang="nl-BE"/>
-          </a:p>
-        </p:txBody>
-      </p:sp>
-      <p:sp>
-        <p:nvSpPr>
-          <p:cNvPr id="7" name="Slide Number Placeholder 6"/>
-          <p:cNvSpPr>
-            <a:spLocks noGrp="1"/>
-          </p:cNvSpPr>
-          <p:nvPr>
-            <p:ph type="sldNum" sz="quarter" idx="12"/>
-          </p:nvPr>
-        </p:nvSpPr>
-        <p:spPr/>
-        <p:txBody>
-          <a:bodyPr/>
-          <a:lstStyle/>
-          <a:p>
-            <a:fld id="{F9B02DA0-C0B0-4FAC-BBEB-23817AA99391}" type="slidenum">
-              <a:rPr lang="nl-BE" smtClean="0"/>
-              <a:t>‹#›</a:t>
-            </a:fld>
-            <a:endParaRPr lang="nl-BE"/>
-          </a:p>
-        </p:txBody>
-      </p:sp>
-    </p:spTree>
-    <p:extLst>
-      <p:ext uri="{BB962C8B-B14F-4D97-AF65-F5344CB8AC3E}">
-        <p14:creationId xmlns:p14="http://schemas.microsoft.com/office/powerpoint/2010/main" val="3878048077"/>
+        <p14:creationId xmlns:p14="http://schemas.microsoft.com/office/powerpoint/2010/main" val="2221774677"/>
       </p:ext>
     </p:extLst>
   </p:cSld>
@@ -2595,261 +4046,549 @@
       </p:grpSpPr>
       <p:sp>
         <p:nvSpPr>
-          <p:cNvPr id="2" name="Title Placeholder 1"/>
+          <p:cNvPr id="1026" name="Tijdelijke aanduiding voor titel 1"/>
           <p:cNvSpPr>
             <a:spLocks noGrp="1"/>
           </p:cNvSpPr>
           <p:nvPr>
             <p:ph type="title"/>
+          </p:nvPr>
+        </p:nvSpPr>
+        <p:spPr bwMode="auto">
+          <a:xfrm>
+            <a:off x="609600" y="274638"/>
+            <a:ext cx="10972800" cy="1143000"/>
+          </a:xfrm>
+          <a:prstGeom prst="rect">
+            <a:avLst/>
+          </a:prstGeom>
+          <a:noFill/>
+          <a:ln>
+            <a:noFill/>
+          </a:ln>
+          <a:extLst>
+            <a:ext uri="{909E8E84-426E-40DD-AFC4-6F175D3DCCD1}">
+              <a14:hiddenFill xmlns:a14="http://schemas.microsoft.com/office/drawing/2010/main">
+                <a:solidFill>
+                  <a:srgbClr val="FFFFFF"/>
+                </a:solidFill>
+              </a14:hiddenFill>
+            </a:ext>
+            <a:ext uri="{91240B29-F687-4F45-9708-019B960494DF}">
+              <a14:hiddenLine xmlns:a14="http://schemas.microsoft.com/office/drawing/2010/main" w="9525">
+                <a:solidFill>
+                  <a:srgbClr val="000000"/>
+                </a:solidFill>
+                <a:miter lim="800000"/>
+                <a:headEnd/>
+                <a:tailEnd/>
+              </a14:hiddenLine>
+            </a:ext>
+          </a:extLst>
+        </p:spPr>
+        <p:txBody>
+          <a:bodyPr vert="horz" wrap="square" lIns="91440" tIns="45720" rIns="91440" bIns="45720" numCol="1" anchor="ctr" anchorCtr="0" compatLnSpc="1">
+            <a:prstTxWarp prst="textNoShape">
+              <a:avLst/>
+            </a:prstTxWarp>
+          </a:bodyPr>
+          <a:lstStyle/>
+          <a:p>
+            <a:pPr lvl="0"/>
+            <a:r>
+              <a:rPr lang="en-US" smtClean="0"/>
+              <a:t>Titelstijl van model bewerken</a:t>
+            </a:r>
+            <a:endParaRPr lang="nl-NL" smtClean="0"/>
+          </a:p>
+        </p:txBody>
+      </p:sp>
+      <p:sp>
+        <p:nvSpPr>
+          <p:cNvPr id="1027" name="Tijdelijke aanduiding voor tekst 2"/>
+          <p:cNvSpPr>
+            <a:spLocks noGrp="1"/>
+          </p:cNvSpPr>
+          <p:nvPr>
+            <p:ph type="body" idx="1"/>
+          </p:nvPr>
+        </p:nvSpPr>
+        <p:spPr bwMode="auto">
+          <a:xfrm>
+            <a:off x="609600" y="1600201"/>
+            <a:ext cx="10972800" cy="4525963"/>
+          </a:xfrm>
+          <a:prstGeom prst="rect">
+            <a:avLst/>
+          </a:prstGeom>
+          <a:noFill/>
+          <a:ln>
+            <a:noFill/>
+          </a:ln>
+          <a:extLst>
+            <a:ext uri="{909E8E84-426E-40DD-AFC4-6F175D3DCCD1}">
+              <a14:hiddenFill xmlns:a14="http://schemas.microsoft.com/office/drawing/2010/main">
+                <a:solidFill>
+                  <a:srgbClr val="FFFFFF"/>
+                </a:solidFill>
+              </a14:hiddenFill>
+            </a:ext>
+            <a:ext uri="{91240B29-F687-4F45-9708-019B960494DF}">
+              <a14:hiddenLine xmlns:a14="http://schemas.microsoft.com/office/drawing/2010/main" w="9525">
+                <a:solidFill>
+                  <a:srgbClr val="000000"/>
+                </a:solidFill>
+                <a:miter lim="800000"/>
+                <a:headEnd/>
+                <a:tailEnd/>
+              </a14:hiddenLine>
+            </a:ext>
+          </a:extLst>
+        </p:spPr>
+        <p:txBody>
+          <a:bodyPr vert="horz" wrap="square" lIns="91440" tIns="45720" rIns="91440" bIns="45720" numCol="1" anchor="t" anchorCtr="0" compatLnSpc="1">
+            <a:prstTxWarp prst="textNoShape">
+              <a:avLst/>
+            </a:prstTxWarp>
+          </a:bodyPr>
+          <a:lstStyle/>
+          <a:p>
+            <a:pPr lvl="0"/>
+            <a:r>
+              <a:rPr lang="en-US" smtClean="0"/>
+              <a:t>Klik om de tekststijl van het model te bewerken</a:t>
+            </a:r>
+          </a:p>
+          <a:p>
+            <a:pPr lvl="1"/>
+            <a:r>
+              <a:rPr lang="en-US" smtClean="0"/>
+              <a:t>Tweede niveau</a:t>
+            </a:r>
+          </a:p>
+          <a:p>
+            <a:pPr lvl="2"/>
+            <a:r>
+              <a:rPr lang="en-US" smtClean="0"/>
+              <a:t>Derde niveau</a:t>
+            </a:r>
+          </a:p>
+          <a:p>
+            <a:pPr lvl="3"/>
+            <a:r>
+              <a:rPr lang="en-US" smtClean="0"/>
+              <a:t>Vierde niveau</a:t>
+            </a:r>
+          </a:p>
+          <a:p>
+            <a:pPr lvl="4"/>
+            <a:r>
+              <a:rPr lang="en-US" smtClean="0"/>
+              <a:t>Vijfde niveau</a:t>
+            </a:r>
+            <a:endParaRPr lang="nl-NL" smtClean="0"/>
+          </a:p>
+        </p:txBody>
+      </p:sp>
+      <p:sp>
+        <p:nvSpPr>
+          <p:cNvPr id="4" name="Tijdelijke aanduiding voor datum 3"/>
+          <p:cNvSpPr>
+            <a:spLocks noGrp="1"/>
+          </p:cNvSpPr>
+          <p:nvPr>
+            <p:ph type="dt" sz="half" idx="2"/>
           </p:nvPr>
         </p:nvSpPr>
         <p:spPr>
           <a:xfrm>
-            <a:off x="457200" y="274638"/>
-            <a:ext cx="8229600" cy="1143000"/>
+            <a:off x="1767418" y="6356351"/>
+            <a:ext cx="1686983" cy="365125"/>
           </a:xfrm>
           <a:prstGeom prst="rect">
             <a:avLst/>
           </a:prstGeom>
         </p:spPr>
         <p:txBody>
-          <a:bodyPr vert="horz" lIns="91440" tIns="45720" rIns="91440" bIns="45720" rtlCol="0" anchor="ctr">
-            <a:normAutofit/>
-          </a:bodyPr>
-          <a:lstStyle/>
-          <a:p>
-            <a:r>
-              <a:rPr lang="en-US" smtClean="0"/>
-              <a:t>Click to edit Master title style</a:t>
-            </a:r>
-            <a:endParaRPr lang="nl-BE"/>
-          </a:p>
-        </p:txBody>
-      </p:sp>
-      <p:sp>
-        <p:nvSpPr>
-          <p:cNvPr id="3" name="Text Placeholder 2"/>
-          <p:cNvSpPr>
-            <a:spLocks noGrp="1"/>
-          </p:cNvSpPr>
-          <p:nvPr>
-            <p:ph type="body" idx="1"/>
+          <a:bodyPr vert="horz" lIns="91440" tIns="45720" rIns="91440" bIns="45720" rtlCol="0" anchor="ctr"/>
+          <a:lstStyle>
+            <a:lvl1pPr algn="l" eaLnBrk="1" fontAlgn="auto" hangingPunct="1">
+              <a:spcBef>
+                <a:spcPts val="0"/>
+              </a:spcBef>
+              <a:spcAft>
+                <a:spcPts val="0"/>
+              </a:spcAft>
+              <a:defRPr sz="1200">
+                <a:solidFill>
+                  <a:schemeClr val="tx1">
+                    <a:tint val="75000"/>
+                  </a:schemeClr>
+                </a:solidFill>
+                <a:latin typeface="+mn-lt"/>
+                <a:cs typeface="+mn-cs"/>
+              </a:defRPr>
+            </a:lvl1pPr>
+          </a:lstStyle>
+          <a:p>
+            <a:pPr defTabSz="457200">
+              <a:defRPr/>
+            </a:pPr>
+            <a:fld id="{BF0CC74D-649F-4217-A7AD-0E51E106ED87}" type="datetime1">
+              <a:rPr lang="nl-NL" smtClean="0">
+                <a:solidFill>
+                  <a:prstClr val="black">
+                    <a:tint val="75000"/>
+                  </a:prstClr>
+                </a:solidFill>
+              </a:rPr>
+              <a:pPr defTabSz="457200">
+                <a:defRPr/>
+              </a:pPr>
+              <a:t>9-5-2016</a:t>
+            </a:fld>
+            <a:endParaRPr lang="nl-NL">
+              <a:solidFill>
+                <a:prstClr val="black">
+                  <a:tint val="75000"/>
+                </a:prstClr>
+              </a:solidFill>
+            </a:endParaRPr>
+          </a:p>
+        </p:txBody>
+      </p:sp>
+      <p:sp>
+        <p:nvSpPr>
+          <p:cNvPr id="5" name="Tijdelijke aanduiding voor voettekst 4"/>
+          <p:cNvSpPr>
+            <a:spLocks noGrp="1"/>
+          </p:cNvSpPr>
+          <p:nvPr>
+            <p:ph type="ftr" sz="quarter" idx="3"/>
           </p:nvPr>
         </p:nvSpPr>
         <p:spPr>
           <a:xfrm>
-            <a:off x="457200" y="1600200"/>
-            <a:ext cx="8229600" cy="4525963"/>
+            <a:off x="4165600" y="6356351"/>
+            <a:ext cx="3860800" cy="365125"/>
           </a:xfrm>
           <a:prstGeom prst="rect">
             <a:avLst/>
           </a:prstGeom>
         </p:spPr>
         <p:txBody>
-          <a:bodyPr vert="horz" lIns="91440" tIns="45720" rIns="91440" bIns="45720" rtlCol="0">
-            <a:normAutofit/>
-          </a:bodyPr>
-          <a:lstStyle/>
-          <a:p>
-            <a:pPr lvl="0"/>
-            <a:r>
-              <a:rPr lang="en-US" smtClean="0"/>
-              <a:t>Click to edit Master text styles</a:t>
-            </a:r>
-          </a:p>
-          <a:p>
-            <a:pPr lvl="1"/>
-            <a:r>
-              <a:rPr lang="en-US" smtClean="0"/>
-              <a:t>Second level</a:t>
-            </a:r>
-          </a:p>
-          <a:p>
-            <a:pPr lvl="2"/>
-            <a:r>
-              <a:rPr lang="en-US" smtClean="0"/>
-              <a:t>Third level</a:t>
-            </a:r>
-          </a:p>
-          <a:p>
-            <a:pPr lvl="3"/>
-            <a:r>
-              <a:rPr lang="en-US" smtClean="0"/>
-              <a:t>Fourth level</a:t>
-            </a:r>
-          </a:p>
-          <a:p>
-            <a:pPr lvl="4"/>
-            <a:r>
-              <a:rPr lang="en-US" smtClean="0"/>
-              <a:t>Fifth level</a:t>
-            </a:r>
-            <a:endParaRPr lang="nl-BE"/>
-          </a:p>
-        </p:txBody>
-      </p:sp>
-      <p:sp>
-        <p:nvSpPr>
-          <p:cNvPr id="4" name="Date Placeholder 3"/>
-          <p:cNvSpPr>
-            <a:spLocks noGrp="1"/>
-          </p:cNvSpPr>
-          <p:nvPr>
-            <p:ph type="dt" sz="half" idx="2"/>
+          <a:bodyPr vert="horz" lIns="91440" tIns="45720" rIns="91440" bIns="45720" rtlCol="0" anchor="ctr"/>
+          <a:lstStyle>
+            <a:lvl1pPr algn="ctr" eaLnBrk="1" fontAlgn="auto" hangingPunct="1">
+              <a:spcBef>
+                <a:spcPts val="0"/>
+              </a:spcBef>
+              <a:spcAft>
+                <a:spcPts val="0"/>
+              </a:spcAft>
+              <a:defRPr sz="1200">
+                <a:solidFill>
+                  <a:schemeClr val="tx1">
+                    <a:tint val="75000"/>
+                  </a:schemeClr>
+                </a:solidFill>
+                <a:latin typeface="+mn-lt"/>
+                <a:cs typeface="+mn-cs"/>
+              </a:defRPr>
+            </a:lvl1pPr>
+          </a:lstStyle>
+          <a:p>
+            <a:pPr defTabSz="457200">
+              <a:defRPr/>
+            </a:pPr>
+            <a:endParaRPr lang="nl-NL">
+              <a:solidFill>
+                <a:prstClr val="black">
+                  <a:tint val="75000"/>
+                </a:prstClr>
+              </a:solidFill>
+            </a:endParaRPr>
+          </a:p>
+        </p:txBody>
+      </p:sp>
+      <p:sp>
+        <p:nvSpPr>
+          <p:cNvPr id="6" name="Tijdelijke aanduiding voor dianummer 5"/>
+          <p:cNvSpPr>
+            <a:spLocks noGrp="1"/>
+          </p:cNvSpPr>
+          <p:nvPr>
+            <p:ph type="sldNum" sz="quarter" idx="4"/>
           </p:nvPr>
         </p:nvSpPr>
         <p:spPr>
           <a:xfrm>
-            <a:off x="457200" y="6356350"/>
-            <a:ext cx="2133600" cy="365125"/>
+            <a:off x="8737600" y="6356351"/>
+            <a:ext cx="2844800" cy="365125"/>
           </a:xfrm>
           <a:prstGeom prst="rect">
             <a:avLst/>
           </a:prstGeom>
         </p:spPr>
         <p:txBody>
-          <a:bodyPr vert="horz" lIns="91440" tIns="45720" rIns="91440" bIns="45720" rtlCol="0" anchor="ctr"/>
+          <a:bodyPr vert="horz" wrap="square" lIns="91440" tIns="45720" rIns="91440" bIns="45720" numCol="1" anchor="ctr" anchorCtr="0" compatLnSpc="1">
+            <a:prstTxWarp prst="textNoShape">
+              <a:avLst/>
+            </a:prstTxWarp>
+          </a:bodyPr>
           <a:lstStyle>
-            <a:lvl1pPr algn="l">
+            <a:lvl1pPr algn="r" eaLnBrk="1" hangingPunct="1">
               <a:defRPr sz="1200">
                 <a:solidFill>
-                  <a:schemeClr val="tx1">
-                    <a:tint val="75000"/>
-                  </a:schemeClr>
+                  <a:srgbClr val="898989"/>
                 </a:solidFill>
               </a:defRPr>
             </a:lvl1pPr>
           </a:lstStyle>
           <a:p>
-            <a:fld id="{192B0248-19C4-4470-85AF-091A1CD0BAE5}" type="datetimeFigureOut">
-              <a:rPr lang="nl-BE" smtClean="0"/>
-              <a:t>9/05/2016</a:t>
+            <a:pPr defTabSz="457200" fontAlgn="base">
+              <a:spcBef>
+                <a:spcPct val="0"/>
+              </a:spcBef>
+              <a:spcAft>
+                <a:spcPct val="0"/>
+              </a:spcAft>
+              <a:defRPr/>
+            </a:pPr>
+            <a:fld id="{958DAC48-504A-4CE8-871A-E5FB83774175}" type="slidenum">
+              <a:rPr lang="nl-NL" smtClean="0">
+                <a:cs typeface="Arial" panose="020B0604020202020204" pitchFamily="34" charset="0"/>
+              </a:rPr>
+              <a:pPr defTabSz="457200" fontAlgn="base">
+                <a:spcBef>
+                  <a:spcPct val="0"/>
+                </a:spcBef>
+                <a:spcAft>
+                  <a:spcPct val="0"/>
+                </a:spcAft>
+                <a:defRPr/>
+              </a:pPr>
+              <a:t>‹#›</a:t>
             </a:fld>
-            <a:endParaRPr lang="nl-BE"/>
-          </a:p>
-        </p:txBody>
-      </p:sp>
-      <p:sp>
-        <p:nvSpPr>
-          <p:cNvPr id="5" name="Footer Placeholder 4"/>
-          <p:cNvSpPr>
-            <a:spLocks noGrp="1"/>
-          </p:cNvSpPr>
-          <p:nvPr>
-            <p:ph type="ftr" sz="quarter" idx="3"/>
-          </p:nvPr>
+            <a:endParaRPr lang="nl-NL">
+              <a:cs typeface="Arial" panose="020B0604020202020204" pitchFamily="34" charset="0"/>
+            </a:endParaRPr>
+          </a:p>
+        </p:txBody>
+      </p:sp>
+      <p:sp>
+        <p:nvSpPr>
+          <p:cNvPr id="7" name="Rechthoek 6"/>
+          <p:cNvSpPr/>
+          <p:nvPr/>
         </p:nvSpPr>
         <p:spPr>
           <a:xfrm>
-            <a:off x="3124200" y="6356350"/>
-            <a:ext cx="2895600" cy="365125"/>
+            <a:off x="0" y="6681789"/>
+            <a:ext cx="12192000" cy="180975"/>
           </a:xfrm>
           <a:prstGeom prst="rect">
             <a:avLst/>
           </a:prstGeom>
+          <a:solidFill>
+            <a:srgbClr val="58A618"/>
+          </a:solidFill>
+          <a:ln>
+            <a:noFill/>
+          </a:ln>
+          <a:effectLst/>
         </p:spPr>
-        <p:txBody>
-          <a:bodyPr vert="horz" lIns="91440" tIns="45720" rIns="91440" bIns="45720" rtlCol="0" anchor="ctr"/>
-          <a:lstStyle>
-            <a:lvl1pPr algn="ctr">
-              <a:defRPr sz="1200">
-                <a:solidFill>
-                  <a:schemeClr val="tx1">
-                    <a:tint val="75000"/>
-                  </a:schemeClr>
-                </a:solidFill>
-              </a:defRPr>
-            </a:lvl1pPr>
-          </a:lstStyle>
-          <a:p>
-            <a:endParaRPr lang="nl-BE"/>
-          </a:p>
-        </p:txBody>
-      </p:sp>
-      <p:sp>
-        <p:nvSpPr>
-          <p:cNvPr id="6" name="Slide Number Placeholder 5"/>
-          <p:cNvSpPr>
-            <a:spLocks noGrp="1"/>
-          </p:cNvSpPr>
-          <p:nvPr>
-            <p:ph type="sldNum" sz="quarter" idx="4"/>
-          </p:nvPr>
-        </p:nvSpPr>
-        <p:spPr>
-          <a:xfrm>
-            <a:off x="6553200" y="6356350"/>
-            <a:ext cx="2133600" cy="365125"/>
-          </a:xfrm>
-          <a:prstGeom prst="rect">
-            <a:avLst/>
-          </a:prstGeom>
-        </p:spPr>
-        <p:txBody>
-          <a:bodyPr vert="horz" lIns="91440" tIns="45720" rIns="91440" bIns="45720" rtlCol="0" anchor="ctr"/>
-          <a:lstStyle>
-            <a:lvl1pPr algn="r">
-              <a:defRPr sz="1200">
-                <a:solidFill>
-                  <a:schemeClr val="tx1">
-                    <a:tint val="75000"/>
-                  </a:schemeClr>
-                </a:solidFill>
-              </a:defRPr>
-            </a:lvl1pPr>
-          </a:lstStyle>
-          <a:p>
-            <a:fld id="{F9B02DA0-C0B0-4FAC-BBEB-23817AA99391}" type="slidenum">
-              <a:rPr lang="nl-BE" smtClean="0"/>
-              <a:t>‹#›</a:t>
-            </a:fld>
-            <a:endParaRPr lang="nl-BE"/>
+        <p:style>
+          <a:lnRef idx="1">
+            <a:schemeClr val="accent1"/>
+          </a:lnRef>
+          <a:fillRef idx="3">
+            <a:schemeClr val="accent1"/>
+          </a:fillRef>
+          <a:effectRef idx="2">
+            <a:schemeClr val="accent1"/>
+          </a:effectRef>
+          <a:fontRef idx="minor">
+            <a:schemeClr val="lt1"/>
+          </a:fontRef>
+        </p:style>
+        <p:txBody>
+          <a:bodyPr anchor="ctr"/>
+          <a:lstStyle/>
+          <a:p>
+            <a:pPr algn="ctr" defTabSz="457200">
+              <a:defRPr/>
+            </a:pPr>
+            <a:endParaRPr lang="nl-NL" sz="1800">
+              <a:solidFill>
+                <a:prstClr val="white"/>
+              </a:solidFill>
+            </a:endParaRPr>
           </a:p>
         </p:txBody>
       </p:sp>
     </p:spTree>
     <p:extLst>
       <p:ext uri="{BB962C8B-B14F-4D97-AF65-F5344CB8AC3E}">
-        <p14:creationId xmlns:p14="http://schemas.microsoft.com/office/powerpoint/2010/main" val="2606053217"/>
+        <p14:creationId xmlns:p14="http://schemas.microsoft.com/office/powerpoint/2010/main" val="3644967936"/>
       </p:ext>
     </p:extLst>
   </p:cSld>
   <p:clrMap bg1="lt1" tx1="dk1" bg2="lt2" tx2="dk2" accent1="accent1" accent2="accent2" accent3="accent3" accent4="accent4" accent5="accent5" accent6="accent6" hlink="hlink" folHlink="folHlink"/>
   <p:sldLayoutIdLst>
-    <p:sldLayoutId id="2147483649" r:id="rId1"/>
-    <p:sldLayoutId id="2147483650" r:id="rId2"/>
-    <p:sldLayoutId id="2147483651" r:id="rId3"/>
-    <p:sldLayoutId id="2147483652" r:id="rId4"/>
-    <p:sldLayoutId id="2147483653" r:id="rId5"/>
-    <p:sldLayoutId id="2147483654" r:id="rId6"/>
-    <p:sldLayoutId id="2147483655" r:id="rId7"/>
-    <p:sldLayoutId id="2147483656" r:id="rId8"/>
-    <p:sldLayoutId id="2147483657" r:id="rId9"/>
-    <p:sldLayoutId id="2147483658" r:id="rId10"/>
-    <p:sldLayoutId id="2147483659" r:id="rId11"/>
+    <p:sldLayoutId id="2147483661" r:id="rId1"/>
+    <p:sldLayoutId id="2147483662" r:id="rId2"/>
+    <p:sldLayoutId id="2147483663" r:id="rId3"/>
+    <p:sldLayoutId id="2147483664" r:id="rId4"/>
+    <p:sldLayoutId id="2147483665" r:id="rId5"/>
+    <p:sldLayoutId id="2147483666" r:id="rId6"/>
+    <p:sldLayoutId id="2147483667" r:id="rId7"/>
+    <p:sldLayoutId id="2147483668" r:id="rId8"/>
+    <p:sldLayoutId id="2147483669" r:id="rId9"/>
+    <p:sldLayoutId id="2147483670" r:id="rId10"/>
+    <p:sldLayoutId id="2147483671" r:id="rId11"/>
+    <p:sldLayoutId id="2147483672" r:id="rId12"/>
   </p:sldLayoutIdLst>
+  <p:hf hdr="0" ftr="0" dt="0"/>
   <p:txStyles>
     <p:titleStyle>
-      <a:lvl1pPr algn="ctr" defTabSz="914400" rtl="0" eaLnBrk="1" latinLnBrk="0" hangingPunct="1">
+      <a:lvl1pPr algn="ctr" defTabSz="457200" rtl="0" eaLnBrk="0" fontAlgn="base" hangingPunct="0">
         <a:spcBef>
           <a:spcPct val="0"/>
         </a:spcBef>
-        <a:buNone/>
-        <a:defRPr sz="4400" kern="1200">
+        <a:spcAft>
+          <a:spcPct val="0"/>
+        </a:spcAft>
+        <a:defRPr sz="4400" b="1" kern="1200">
           <a:solidFill>
-            <a:schemeClr val="tx1"/>
+            <a:srgbClr val="58A618"/>
           </a:solidFill>
           <a:latin typeface="+mj-lt"/>
           <a:ea typeface="+mj-ea"/>
           <a:cs typeface="+mj-cs"/>
         </a:defRPr>
       </a:lvl1pPr>
+      <a:lvl2pPr algn="ctr" defTabSz="457200" rtl="0" eaLnBrk="0" fontAlgn="base" hangingPunct="0">
+        <a:spcBef>
+          <a:spcPct val="0"/>
+        </a:spcBef>
+        <a:spcAft>
+          <a:spcPct val="0"/>
+        </a:spcAft>
+        <a:defRPr sz="4400" b="1">
+          <a:solidFill>
+            <a:srgbClr val="58A618"/>
+          </a:solidFill>
+          <a:latin typeface="Calibri" panose="020F0502020204030204" pitchFamily="34" charset="0"/>
+        </a:defRPr>
+      </a:lvl2pPr>
+      <a:lvl3pPr algn="ctr" defTabSz="457200" rtl="0" eaLnBrk="0" fontAlgn="base" hangingPunct="0">
+        <a:spcBef>
+          <a:spcPct val="0"/>
+        </a:spcBef>
+        <a:spcAft>
+          <a:spcPct val="0"/>
+        </a:spcAft>
+        <a:defRPr sz="4400" b="1">
+          <a:solidFill>
+            <a:srgbClr val="58A618"/>
+          </a:solidFill>
+          <a:latin typeface="Calibri" panose="020F0502020204030204" pitchFamily="34" charset="0"/>
+        </a:defRPr>
+      </a:lvl3pPr>
+      <a:lvl4pPr algn="ctr" defTabSz="457200" rtl="0" eaLnBrk="0" fontAlgn="base" hangingPunct="0">
+        <a:spcBef>
+          <a:spcPct val="0"/>
+        </a:spcBef>
+        <a:spcAft>
+          <a:spcPct val="0"/>
+        </a:spcAft>
+        <a:defRPr sz="4400" b="1">
+          <a:solidFill>
+            <a:srgbClr val="58A618"/>
+          </a:solidFill>
+          <a:latin typeface="Calibri" panose="020F0502020204030204" pitchFamily="34" charset="0"/>
+        </a:defRPr>
+      </a:lvl4pPr>
+      <a:lvl5pPr algn="ctr" defTabSz="457200" rtl="0" eaLnBrk="0" fontAlgn="base" hangingPunct="0">
+        <a:spcBef>
+          <a:spcPct val="0"/>
+        </a:spcBef>
+        <a:spcAft>
+          <a:spcPct val="0"/>
+        </a:spcAft>
+        <a:defRPr sz="4400" b="1">
+          <a:solidFill>
+            <a:srgbClr val="58A618"/>
+          </a:solidFill>
+          <a:latin typeface="Calibri" panose="020F0502020204030204" pitchFamily="34" charset="0"/>
+        </a:defRPr>
+      </a:lvl5pPr>
+      <a:lvl6pPr marL="457200" algn="ctr" defTabSz="457200" rtl="0" fontAlgn="base">
+        <a:spcBef>
+          <a:spcPct val="0"/>
+        </a:spcBef>
+        <a:spcAft>
+          <a:spcPct val="0"/>
+        </a:spcAft>
+        <a:defRPr sz="4400" b="1">
+          <a:solidFill>
+            <a:srgbClr val="58A618"/>
+          </a:solidFill>
+          <a:latin typeface="Calibri" panose="020F0502020204030204" pitchFamily="34" charset="0"/>
+        </a:defRPr>
+      </a:lvl6pPr>
+      <a:lvl7pPr marL="914400" algn="ctr" defTabSz="457200" rtl="0" fontAlgn="base">
+        <a:spcBef>
+          <a:spcPct val="0"/>
+        </a:spcBef>
+        <a:spcAft>
+          <a:spcPct val="0"/>
+        </a:spcAft>
+        <a:defRPr sz="4400" b="1">
+          <a:solidFill>
+            <a:srgbClr val="58A618"/>
+          </a:solidFill>
+          <a:latin typeface="Calibri" panose="020F0502020204030204" pitchFamily="34" charset="0"/>
+        </a:defRPr>
+      </a:lvl7pPr>
+      <a:lvl8pPr marL="1371600" algn="ctr" defTabSz="457200" rtl="0" fontAlgn="base">
+        <a:spcBef>
+          <a:spcPct val="0"/>
+        </a:spcBef>
+        <a:spcAft>
+          <a:spcPct val="0"/>
+        </a:spcAft>
+        <a:defRPr sz="4400" b="1">
+          <a:solidFill>
+            <a:srgbClr val="58A618"/>
+          </a:solidFill>
+          <a:latin typeface="Calibri" panose="020F0502020204030204" pitchFamily="34" charset="0"/>
+        </a:defRPr>
+      </a:lvl8pPr>
+      <a:lvl9pPr marL="1828800" algn="ctr" defTabSz="457200" rtl="0" fontAlgn="base">
+        <a:spcBef>
+          <a:spcPct val="0"/>
+        </a:spcBef>
+        <a:spcAft>
+          <a:spcPct val="0"/>
+        </a:spcAft>
+        <a:defRPr sz="4400" b="1">
+          <a:solidFill>
+            <a:srgbClr val="58A618"/>
+          </a:solidFill>
+          <a:latin typeface="Calibri" panose="020F0502020204030204" pitchFamily="34" charset="0"/>
+        </a:defRPr>
+      </a:lvl9pPr>
     </p:titleStyle>
     <p:bodyStyle>
-      <a:lvl1pPr marL="342900" indent="-342900" algn="l" defTabSz="914400" rtl="0" eaLnBrk="1" latinLnBrk="0" hangingPunct="1">
+      <a:lvl1pPr marL="342900" indent="-342900" algn="l" defTabSz="457200" rtl="0" eaLnBrk="0" fontAlgn="base" hangingPunct="0">
         <a:spcBef>
           <a:spcPct val="20000"/>
         </a:spcBef>
+        <a:spcAft>
+          <a:spcPct val="0"/>
+        </a:spcAft>
         <a:buFont typeface="Arial" panose="020B0604020202020204" pitchFamily="34" charset="0"/>
         <a:buChar char="•"/>
         <a:defRPr sz="3200" kern="1200">
@@ -2861,10 +4600,13 @@
           <a:cs typeface="+mn-cs"/>
         </a:defRPr>
       </a:lvl1pPr>
-      <a:lvl2pPr marL="742950" indent="-285750" algn="l" defTabSz="914400" rtl="0" eaLnBrk="1" latinLnBrk="0" hangingPunct="1">
+      <a:lvl2pPr marL="742950" indent="-285750" algn="l" defTabSz="457200" rtl="0" eaLnBrk="0" fontAlgn="base" hangingPunct="0">
         <a:spcBef>
           <a:spcPct val="20000"/>
         </a:spcBef>
+        <a:spcAft>
+          <a:spcPct val="0"/>
+        </a:spcAft>
         <a:buFont typeface="Arial" panose="020B0604020202020204" pitchFamily="34" charset="0"/>
         <a:buChar char="–"/>
         <a:defRPr sz="2800" kern="1200">
@@ -2876,10 +4618,13 @@
           <a:cs typeface="+mn-cs"/>
         </a:defRPr>
       </a:lvl2pPr>
-      <a:lvl3pPr marL="1143000" indent="-228600" algn="l" defTabSz="914400" rtl="0" eaLnBrk="1" latinLnBrk="0" hangingPunct="1">
+      <a:lvl3pPr marL="1143000" indent="-228600" algn="l" defTabSz="457200" rtl="0" eaLnBrk="0" fontAlgn="base" hangingPunct="0">
         <a:spcBef>
           <a:spcPct val="20000"/>
         </a:spcBef>
+        <a:spcAft>
+          <a:spcPct val="0"/>
+        </a:spcAft>
         <a:buFont typeface="Arial" panose="020B0604020202020204" pitchFamily="34" charset="0"/>
         <a:buChar char="•"/>
         <a:defRPr sz="2400" kern="1200">
@@ -2891,10 +4636,13 @@
           <a:cs typeface="+mn-cs"/>
         </a:defRPr>
       </a:lvl3pPr>
-      <a:lvl4pPr marL="1600200" indent="-228600" algn="l" defTabSz="914400" rtl="0" eaLnBrk="1" latinLnBrk="0" hangingPunct="1">
+      <a:lvl4pPr marL="1600200" indent="-228600" algn="l" defTabSz="457200" rtl="0" eaLnBrk="0" fontAlgn="base" hangingPunct="0">
         <a:spcBef>
           <a:spcPct val="20000"/>
         </a:spcBef>
+        <a:spcAft>
+          <a:spcPct val="0"/>
+        </a:spcAft>
         <a:buFont typeface="Arial" panose="020B0604020202020204" pitchFamily="34" charset="0"/>
         <a:buChar char="–"/>
         <a:defRPr sz="2000" kern="1200">
@@ -2906,10 +4654,13 @@
           <a:cs typeface="+mn-cs"/>
         </a:defRPr>
       </a:lvl4pPr>
-      <a:lvl5pPr marL="2057400" indent="-228600" algn="l" defTabSz="914400" rtl="0" eaLnBrk="1" latinLnBrk="0" hangingPunct="1">
+      <a:lvl5pPr marL="2057400" indent="-228600" algn="l" defTabSz="457200" rtl="0" eaLnBrk="0" fontAlgn="base" hangingPunct="0">
         <a:spcBef>
           <a:spcPct val="20000"/>
         </a:spcBef>
+        <a:spcAft>
+          <a:spcPct val="0"/>
+        </a:spcAft>
         <a:buFont typeface="Arial" panose="020B0604020202020204" pitchFamily="34" charset="0"/>
         <a:buChar char="»"/>
         <a:defRPr sz="2000" kern="1200">
@@ -2921,11 +4672,11 @@
           <a:cs typeface="+mn-cs"/>
         </a:defRPr>
       </a:lvl5pPr>
-      <a:lvl6pPr marL="2514600" indent="-228600" algn="l" defTabSz="914400" rtl="0" eaLnBrk="1" latinLnBrk="0" hangingPunct="1">
+      <a:lvl6pPr marL="2514600" indent="-228600" algn="l" defTabSz="457200" rtl="0" eaLnBrk="1" latinLnBrk="0" hangingPunct="1">
         <a:spcBef>
           <a:spcPct val="20000"/>
         </a:spcBef>
-        <a:buFont typeface="Arial" panose="020B0604020202020204" pitchFamily="34" charset="0"/>
+        <a:buFont typeface="Arial"/>
         <a:buChar char="•"/>
         <a:defRPr sz="2000" kern="1200">
           <a:solidFill>
@@ -2936,11 +4687,11 @@
           <a:cs typeface="+mn-cs"/>
         </a:defRPr>
       </a:lvl6pPr>
-      <a:lvl7pPr marL="2971800" indent="-228600" algn="l" defTabSz="914400" rtl="0" eaLnBrk="1" latinLnBrk="0" hangingPunct="1">
+      <a:lvl7pPr marL="2971800" indent="-228600" algn="l" defTabSz="457200" rtl="0" eaLnBrk="1" latinLnBrk="0" hangingPunct="1">
         <a:spcBef>
           <a:spcPct val="20000"/>
         </a:spcBef>
-        <a:buFont typeface="Arial" panose="020B0604020202020204" pitchFamily="34" charset="0"/>
+        <a:buFont typeface="Arial"/>
         <a:buChar char="•"/>
         <a:defRPr sz="2000" kern="1200">
           <a:solidFill>
@@ -2951,11 +4702,11 @@
           <a:cs typeface="+mn-cs"/>
         </a:defRPr>
       </a:lvl7pPr>
-      <a:lvl8pPr marL="3429000" indent="-228600" algn="l" defTabSz="914400" rtl="0" eaLnBrk="1" latinLnBrk="0" hangingPunct="1">
+      <a:lvl8pPr marL="3429000" indent="-228600" algn="l" defTabSz="457200" rtl="0" eaLnBrk="1" latinLnBrk="0" hangingPunct="1">
         <a:spcBef>
           <a:spcPct val="20000"/>
         </a:spcBef>
-        <a:buFont typeface="Arial" panose="020B0604020202020204" pitchFamily="34" charset="0"/>
+        <a:buFont typeface="Arial"/>
         <a:buChar char="•"/>
         <a:defRPr sz="2000" kern="1200">
           <a:solidFill>
@@ -2966,11 +4717,11 @@
           <a:cs typeface="+mn-cs"/>
         </a:defRPr>
       </a:lvl8pPr>
-      <a:lvl9pPr marL="3886200" indent="-228600" algn="l" defTabSz="914400" rtl="0" eaLnBrk="1" latinLnBrk="0" hangingPunct="1">
+      <a:lvl9pPr marL="3886200" indent="-228600" algn="l" defTabSz="457200" rtl="0" eaLnBrk="1" latinLnBrk="0" hangingPunct="1">
         <a:spcBef>
           <a:spcPct val="20000"/>
         </a:spcBef>
-        <a:buFont typeface="Arial" panose="020B0604020202020204" pitchFamily="34" charset="0"/>
+        <a:buFont typeface="Arial"/>
         <a:buChar char="•"/>
         <a:defRPr sz="2000" kern="1200">
           <a:solidFill>
@@ -2984,9 +4735,9 @@
     </p:bodyStyle>
     <p:otherStyle>
       <a:defPPr>
-        <a:defRPr lang="nl-BE"/>
+        <a:defRPr lang="nl-NL"/>
       </a:defPPr>
-      <a:lvl1pPr marL="0" algn="l" defTabSz="914400" rtl="0" eaLnBrk="1" latinLnBrk="0" hangingPunct="1">
+      <a:lvl1pPr marL="0" algn="l" defTabSz="457200" rtl="0" eaLnBrk="1" latinLnBrk="0" hangingPunct="1">
         <a:defRPr sz="1800" kern="1200">
           <a:solidFill>
             <a:schemeClr val="tx1"/>
@@ -2996,7 +4747,7 @@
           <a:cs typeface="+mn-cs"/>
         </a:defRPr>
       </a:lvl1pPr>
-      <a:lvl2pPr marL="457200" algn="l" defTabSz="914400" rtl="0" eaLnBrk="1" latinLnBrk="0" hangingPunct="1">
+      <a:lvl2pPr marL="457200" algn="l" defTabSz="457200" rtl="0" eaLnBrk="1" latinLnBrk="0" hangingPunct="1">
         <a:defRPr sz="1800" kern="1200">
           <a:solidFill>
             <a:schemeClr val="tx1"/>
@@ -3006,7 +4757,7 @@
           <a:cs typeface="+mn-cs"/>
         </a:defRPr>
       </a:lvl2pPr>
-      <a:lvl3pPr marL="914400" algn="l" defTabSz="914400" rtl="0" eaLnBrk="1" latinLnBrk="0" hangingPunct="1">
+      <a:lvl3pPr marL="914400" algn="l" defTabSz="457200" rtl="0" eaLnBrk="1" latinLnBrk="0" hangingPunct="1">
         <a:defRPr sz="1800" kern="1200">
           <a:solidFill>
             <a:schemeClr val="tx1"/>
@@ -3016,7 +4767,7 @@
           <a:cs typeface="+mn-cs"/>
         </a:defRPr>
       </a:lvl3pPr>
-      <a:lvl4pPr marL="1371600" algn="l" defTabSz="914400" rtl="0" eaLnBrk="1" latinLnBrk="0" hangingPunct="1">
+      <a:lvl4pPr marL="1371600" algn="l" defTabSz="457200" rtl="0" eaLnBrk="1" latinLnBrk="0" hangingPunct="1">
         <a:defRPr sz="1800" kern="1200">
           <a:solidFill>
             <a:schemeClr val="tx1"/>
@@ -3026,7 +4777,7 @@
           <a:cs typeface="+mn-cs"/>
         </a:defRPr>
       </a:lvl4pPr>
-      <a:lvl5pPr marL="1828800" algn="l" defTabSz="914400" rtl="0" eaLnBrk="1" latinLnBrk="0" hangingPunct="1">
+      <a:lvl5pPr marL="1828800" algn="l" defTabSz="457200" rtl="0" eaLnBrk="1" latinLnBrk="0" hangingPunct="1">
         <a:defRPr sz="1800" kern="1200">
           <a:solidFill>
             <a:schemeClr val="tx1"/>
@@ -3036,7 +4787,7 @@
           <a:cs typeface="+mn-cs"/>
         </a:defRPr>
       </a:lvl5pPr>
-      <a:lvl6pPr marL="2286000" algn="l" defTabSz="914400" rtl="0" eaLnBrk="1" latinLnBrk="0" hangingPunct="1">
+      <a:lvl6pPr marL="2286000" algn="l" defTabSz="457200" rtl="0" eaLnBrk="1" latinLnBrk="0" hangingPunct="1">
         <a:defRPr sz="1800" kern="1200">
           <a:solidFill>
             <a:schemeClr val="tx1"/>
@@ -3046,7 +4797,7 @@
           <a:cs typeface="+mn-cs"/>
         </a:defRPr>
       </a:lvl6pPr>
-      <a:lvl7pPr marL="2743200" algn="l" defTabSz="914400" rtl="0" eaLnBrk="1" latinLnBrk="0" hangingPunct="1">
+      <a:lvl7pPr marL="2743200" algn="l" defTabSz="457200" rtl="0" eaLnBrk="1" latinLnBrk="0" hangingPunct="1">
         <a:defRPr sz="1800" kern="1200">
           <a:solidFill>
             <a:schemeClr val="tx1"/>
@@ -3056,7 +4807,7 @@
           <a:cs typeface="+mn-cs"/>
         </a:defRPr>
       </a:lvl7pPr>
-      <a:lvl8pPr marL="3200400" algn="l" defTabSz="914400" rtl="0" eaLnBrk="1" latinLnBrk="0" hangingPunct="1">
+      <a:lvl8pPr marL="3200400" algn="l" defTabSz="457200" rtl="0" eaLnBrk="1" latinLnBrk="0" hangingPunct="1">
         <a:defRPr sz="1800" kern="1200">
           <a:solidFill>
             <a:schemeClr val="tx1"/>
@@ -3066,7 +4817,7 @@
           <a:cs typeface="+mn-cs"/>
         </a:defRPr>
       </a:lvl8pPr>
-      <a:lvl9pPr marL="3657600" algn="l" defTabSz="914400" rtl="0" eaLnBrk="1" latinLnBrk="0" hangingPunct="1">
+      <a:lvl9pPr marL="3657600" algn="l" defTabSz="457200" rtl="0" eaLnBrk="1" latinLnBrk="0" hangingPunct="1">
         <a:defRPr sz="1800" kern="1200">
           <a:solidFill>
             <a:schemeClr val="tx1"/>
@@ -3100,33 +4851,381 @@
       </p:grpSpPr>
       <p:sp>
         <p:nvSpPr>
-          <p:cNvPr id="2" name="Title 1"/>
-          <p:cNvSpPr>
-            <a:spLocks noGrp="1"/>
-          </p:cNvSpPr>
-          <p:nvPr>
-            <p:ph type="ctrTitle"/>
-          </p:nvPr>
-        </p:nvSpPr>
-        <p:spPr>
+          <p:cNvPr id="17412" name="Tijdelijke aanduiding voor dianummer 1"/>
+          <p:cNvSpPr>
+            <a:spLocks noGrp="1"/>
+          </p:cNvSpPr>
+          <p:nvPr>
+            <p:ph type="sldNum" sz="quarter" idx="12"/>
+          </p:nvPr>
+        </p:nvSpPr>
+        <p:spPr bwMode="auto">
+          <a:noFill/>
+          <a:extLst>
+            <a:ext uri="{909E8E84-426E-40DD-AFC4-6F175D3DCCD1}">
+              <a14:hiddenFill xmlns:a14="http://schemas.microsoft.com/office/drawing/2010/main">
+                <a:solidFill>
+                  <a:srgbClr val="FFFFFF"/>
+                </a:solidFill>
+              </a14:hiddenFill>
+            </a:ext>
+            <a:ext uri="{91240B29-F687-4F45-9708-019B960494DF}">
+              <a14:hiddenLine xmlns:a14="http://schemas.microsoft.com/office/drawing/2010/main" w="9525">
+                <a:solidFill>
+                  <a:srgbClr val="000000"/>
+                </a:solidFill>
+                <a:miter lim="800000"/>
+                <a:headEnd/>
+                <a:tailEnd/>
+              </a14:hiddenLine>
+            </a:ext>
+          </a:extLst>
+        </p:spPr>
+        <p:txBody>
+          <a:bodyPr/>
+          <a:lstStyle>
+            <a:lvl1pPr>
+              <a:spcBef>
+                <a:spcPct val="20000"/>
+              </a:spcBef>
+              <a:buFont typeface="Arial" panose="020B0604020202020204" pitchFamily="34" charset="0"/>
+              <a:buChar char="•"/>
+              <a:defRPr sz="3200">
+                <a:solidFill>
+                  <a:schemeClr val="tx1"/>
+                </a:solidFill>
+                <a:latin typeface="Calibri" panose="020F0502020204030204" pitchFamily="34" charset="0"/>
+              </a:defRPr>
+            </a:lvl1pPr>
+            <a:lvl2pPr marL="742950" indent="-285750">
+              <a:spcBef>
+                <a:spcPct val="20000"/>
+              </a:spcBef>
+              <a:buFont typeface="Arial" panose="020B0604020202020204" pitchFamily="34" charset="0"/>
+              <a:buChar char="–"/>
+              <a:defRPr sz="2800">
+                <a:solidFill>
+                  <a:schemeClr val="tx1"/>
+                </a:solidFill>
+                <a:latin typeface="Calibri" panose="020F0502020204030204" pitchFamily="34" charset="0"/>
+              </a:defRPr>
+            </a:lvl2pPr>
+            <a:lvl3pPr marL="1143000" indent="-228600">
+              <a:spcBef>
+                <a:spcPct val="20000"/>
+              </a:spcBef>
+              <a:buFont typeface="Arial" panose="020B0604020202020204" pitchFamily="34" charset="0"/>
+              <a:buChar char="•"/>
+              <a:defRPr sz="2400">
+                <a:solidFill>
+                  <a:schemeClr val="tx1"/>
+                </a:solidFill>
+                <a:latin typeface="Calibri" panose="020F0502020204030204" pitchFamily="34" charset="0"/>
+              </a:defRPr>
+            </a:lvl3pPr>
+            <a:lvl4pPr marL="1600200" indent="-228600">
+              <a:spcBef>
+                <a:spcPct val="20000"/>
+              </a:spcBef>
+              <a:buFont typeface="Arial" panose="020B0604020202020204" pitchFamily="34" charset="0"/>
+              <a:buChar char="–"/>
+              <a:defRPr sz="2000">
+                <a:solidFill>
+                  <a:schemeClr val="tx1"/>
+                </a:solidFill>
+                <a:latin typeface="Calibri" panose="020F0502020204030204" pitchFamily="34" charset="0"/>
+              </a:defRPr>
+            </a:lvl4pPr>
+            <a:lvl5pPr marL="2057400" indent="-228600">
+              <a:spcBef>
+                <a:spcPct val="20000"/>
+              </a:spcBef>
+              <a:buFont typeface="Arial" panose="020B0604020202020204" pitchFamily="34" charset="0"/>
+              <a:buChar char="»"/>
+              <a:defRPr sz="2000">
+                <a:solidFill>
+                  <a:schemeClr val="tx1"/>
+                </a:solidFill>
+                <a:latin typeface="Calibri" panose="020F0502020204030204" pitchFamily="34" charset="0"/>
+              </a:defRPr>
+            </a:lvl5pPr>
+            <a:lvl6pPr marL="2514600" indent="-228600" defTabSz="457200" eaLnBrk="0" fontAlgn="base" hangingPunct="0">
+              <a:spcBef>
+                <a:spcPct val="20000"/>
+              </a:spcBef>
+              <a:spcAft>
+                <a:spcPct val="0"/>
+              </a:spcAft>
+              <a:buFont typeface="Arial" panose="020B0604020202020204" pitchFamily="34" charset="0"/>
+              <a:buChar char="»"/>
+              <a:defRPr sz="2000">
+                <a:solidFill>
+                  <a:schemeClr val="tx1"/>
+                </a:solidFill>
+                <a:latin typeface="Calibri" panose="020F0502020204030204" pitchFamily="34" charset="0"/>
+              </a:defRPr>
+            </a:lvl6pPr>
+            <a:lvl7pPr marL="2971800" indent="-228600" defTabSz="457200" eaLnBrk="0" fontAlgn="base" hangingPunct="0">
+              <a:spcBef>
+                <a:spcPct val="20000"/>
+              </a:spcBef>
+              <a:spcAft>
+                <a:spcPct val="0"/>
+              </a:spcAft>
+              <a:buFont typeface="Arial" panose="020B0604020202020204" pitchFamily="34" charset="0"/>
+              <a:buChar char="»"/>
+              <a:defRPr sz="2000">
+                <a:solidFill>
+                  <a:schemeClr val="tx1"/>
+                </a:solidFill>
+                <a:latin typeface="Calibri" panose="020F0502020204030204" pitchFamily="34" charset="0"/>
+              </a:defRPr>
+            </a:lvl7pPr>
+            <a:lvl8pPr marL="3429000" indent="-228600" defTabSz="457200" eaLnBrk="0" fontAlgn="base" hangingPunct="0">
+              <a:spcBef>
+                <a:spcPct val="20000"/>
+              </a:spcBef>
+              <a:spcAft>
+                <a:spcPct val="0"/>
+              </a:spcAft>
+              <a:buFont typeface="Arial" panose="020B0604020202020204" pitchFamily="34" charset="0"/>
+              <a:buChar char="»"/>
+              <a:defRPr sz="2000">
+                <a:solidFill>
+                  <a:schemeClr val="tx1"/>
+                </a:solidFill>
+                <a:latin typeface="Calibri" panose="020F0502020204030204" pitchFamily="34" charset="0"/>
+              </a:defRPr>
+            </a:lvl8pPr>
+            <a:lvl9pPr marL="3886200" indent="-228600" defTabSz="457200" eaLnBrk="0" fontAlgn="base" hangingPunct="0">
+              <a:spcBef>
+                <a:spcPct val="20000"/>
+              </a:spcBef>
+              <a:spcAft>
+                <a:spcPct val="0"/>
+              </a:spcAft>
+              <a:buFont typeface="Arial" panose="020B0604020202020204" pitchFamily="34" charset="0"/>
+              <a:buChar char="»"/>
+              <a:defRPr sz="2000">
+                <a:solidFill>
+                  <a:schemeClr val="tx1"/>
+                </a:solidFill>
+                <a:latin typeface="Calibri" panose="020F0502020204030204" pitchFamily="34" charset="0"/>
+              </a:defRPr>
+            </a:lvl9pPr>
+          </a:lstStyle>
+          <a:p>
+            <a:pPr>
+              <a:spcBef>
+                <a:spcPct val="0"/>
+              </a:spcBef>
+              <a:buFontTx/>
+              <a:buNone/>
+            </a:pPr>
+            <a:fld id="{DCB1790D-AF6E-46DA-8F25-A89491858194}" type="slidenum">
+              <a:rPr lang="nl-NL" sz="1200">
+                <a:solidFill>
+                  <a:srgbClr val="898989"/>
+                </a:solidFill>
+              </a:rPr>
+              <a:pPr>
+                <a:spcBef>
+                  <a:spcPct val="0"/>
+                </a:spcBef>
+                <a:buFontTx/>
+                <a:buNone/>
+              </a:pPr>
+              <a:t>1</a:t>
+            </a:fld>
+            <a:endParaRPr lang="nl-NL" sz="1200">
+              <a:solidFill>
+                <a:srgbClr val="898989"/>
+              </a:solidFill>
+            </a:endParaRPr>
+          </a:p>
+        </p:txBody>
+      </p:sp>
+      <p:sp>
+        <p:nvSpPr>
+          <p:cNvPr id="6" name="Title 1"/>
+          <p:cNvSpPr txBox="1">
+            <a:spLocks/>
+          </p:cNvSpPr>
+          <p:nvPr/>
+        </p:nvSpPr>
+        <p:spPr bwMode="auto">
           <a:xfrm>
-            <a:off x="683568" y="332656"/>
+            <a:off x="1882174" y="159661"/>
             <a:ext cx="7772400" cy="5976664"/>
           </a:xfrm>
+          <a:prstGeom prst="rect">
+            <a:avLst/>
+          </a:prstGeom>
+          <a:noFill/>
+          <a:ln>
+            <a:noFill/>
+          </a:ln>
+          <a:extLst>
+            <a:ext uri="{909E8E84-426E-40DD-AFC4-6F175D3DCCD1}">
+              <a14:hiddenFill xmlns:a14="http://schemas.microsoft.com/office/drawing/2010/main">
+                <a:solidFill>
+                  <a:srgbClr val="FFFFFF"/>
+                </a:solidFill>
+              </a14:hiddenFill>
+            </a:ext>
+            <a:ext uri="{91240B29-F687-4F45-9708-019B960494DF}">
+              <a14:hiddenLine xmlns:a14="http://schemas.microsoft.com/office/drawing/2010/main" w="9525">
+                <a:solidFill>
+                  <a:srgbClr val="000000"/>
+                </a:solidFill>
+                <a:miter lim="800000"/>
+                <a:headEnd/>
+                <a:tailEnd/>
+              </a14:hiddenLine>
+            </a:ext>
+          </a:extLst>
         </p:spPr>
         <p:txBody>
-          <a:bodyPr>
+          <a:bodyPr vert="horz" wrap="square" lIns="91440" tIns="45720" rIns="91440" bIns="45720" numCol="1" anchor="ctr" anchorCtr="0" compatLnSpc="1">
+            <a:prstTxWarp prst="textNoShape">
+              <a:avLst/>
+            </a:prstTxWarp>
             <a:normAutofit/>
           </a:bodyPr>
-          <a:lstStyle/>
-          <a:p>
-            <a:r>
-              <a:rPr lang="nl-BE" b="1" dirty="0" smtClean="0"/>
+          <a:lstStyle>
+            <a:lvl1pPr algn="ctr" defTabSz="457200" rtl="0" eaLnBrk="0" fontAlgn="base" hangingPunct="0">
+              <a:spcBef>
+                <a:spcPct val="0"/>
+              </a:spcBef>
+              <a:spcAft>
+                <a:spcPct val="0"/>
+              </a:spcAft>
+              <a:defRPr sz="4400" b="1" kern="1200">
+                <a:solidFill>
+                  <a:srgbClr val="58A618"/>
+                </a:solidFill>
+                <a:latin typeface="+mj-lt"/>
+                <a:ea typeface="+mj-ea"/>
+                <a:cs typeface="+mj-cs"/>
+              </a:defRPr>
+            </a:lvl1pPr>
+            <a:lvl2pPr algn="ctr" defTabSz="457200" rtl="0" eaLnBrk="0" fontAlgn="base" hangingPunct="0">
+              <a:spcBef>
+                <a:spcPct val="0"/>
+              </a:spcBef>
+              <a:spcAft>
+                <a:spcPct val="0"/>
+              </a:spcAft>
+              <a:defRPr sz="4400" b="1">
+                <a:solidFill>
+                  <a:srgbClr val="58A618"/>
+                </a:solidFill>
+                <a:latin typeface="Calibri" panose="020F0502020204030204" pitchFamily="34" charset="0"/>
+              </a:defRPr>
+            </a:lvl2pPr>
+            <a:lvl3pPr algn="ctr" defTabSz="457200" rtl="0" eaLnBrk="0" fontAlgn="base" hangingPunct="0">
+              <a:spcBef>
+                <a:spcPct val="0"/>
+              </a:spcBef>
+              <a:spcAft>
+                <a:spcPct val="0"/>
+              </a:spcAft>
+              <a:defRPr sz="4400" b="1">
+                <a:solidFill>
+                  <a:srgbClr val="58A618"/>
+                </a:solidFill>
+                <a:latin typeface="Calibri" panose="020F0502020204030204" pitchFamily="34" charset="0"/>
+              </a:defRPr>
+            </a:lvl3pPr>
+            <a:lvl4pPr algn="ctr" defTabSz="457200" rtl="0" eaLnBrk="0" fontAlgn="base" hangingPunct="0">
+              <a:spcBef>
+                <a:spcPct val="0"/>
+              </a:spcBef>
+              <a:spcAft>
+                <a:spcPct val="0"/>
+              </a:spcAft>
+              <a:defRPr sz="4400" b="1">
+                <a:solidFill>
+                  <a:srgbClr val="58A618"/>
+                </a:solidFill>
+                <a:latin typeface="Calibri" panose="020F0502020204030204" pitchFamily="34" charset="0"/>
+              </a:defRPr>
+            </a:lvl4pPr>
+            <a:lvl5pPr algn="ctr" defTabSz="457200" rtl="0" eaLnBrk="0" fontAlgn="base" hangingPunct="0">
+              <a:spcBef>
+                <a:spcPct val="0"/>
+              </a:spcBef>
+              <a:spcAft>
+                <a:spcPct val="0"/>
+              </a:spcAft>
+              <a:defRPr sz="4400" b="1">
+                <a:solidFill>
+                  <a:srgbClr val="58A618"/>
+                </a:solidFill>
+                <a:latin typeface="Calibri" panose="020F0502020204030204" pitchFamily="34" charset="0"/>
+              </a:defRPr>
+            </a:lvl5pPr>
+            <a:lvl6pPr marL="457200" algn="ctr" defTabSz="457200" rtl="0" fontAlgn="base">
+              <a:spcBef>
+                <a:spcPct val="0"/>
+              </a:spcBef>
+              <a:spcAft>
+                <a:spcPct val="0"/>
+              </a:spcAft>
+              <a:defRPr sz="4400" b="1">
+                <a:solidFill>
+                  <a:srgbClr val="58A618"/>
+                </a:solidFill>
+                <a:latin typeface="Calibri" panose="020F0502020204030204" pitchFamily="34" charset="0"/>
+              </a:defRPr>
+            </a:lvl6pPr>
+            <a:lvl7pPr marL="914400" algn="ctr" defTabSz="457200" rtl="0" fontAlgn="base">
+              <a:spcBef>
+                <a:spcPct val="0"/>
+              </a:spcBef>
+              <a:spcAft>
+                <a:spcPct val="0"/>
+              </a:spcAft>
+              <a:defRPr sz="4400" b="1">
+                <a:solidFill>
+                  <a:srgbClr val="58A618"/>
+                </a:solidFill>
+                <a:latin typeface="Calibri" panose="020F0502020204030204" pitchFamily="34" charset="0"/>
+              </a:defRPr>
+            </a:lvl7pPr>
+            <a:lvl8pPr marL="1371600" algn="ctr" defTabSz="457200" rtl="0" fontAlgn="base">
+              <a:spcBef>
+                <a:spcPct val="0"/>
+              </a:spcBef>
+              <a:spcAft>
+                <a:spcPct val="0"/>
+              </a:spcAft>
+              <a:defRPr sz="4400" b="1">
+                <a:solidFill>
+                  <a:srgbClr val="58A618"/>
+                </a:solidFill>
+                <a:latin typeface="Calibri" panose="020F0502020204030204" pitchFamily="34" charset="0"/>
+              </a:defRPr>
+            </a:lvl8pPr>
+            <a:lvl9pPr marL="1828800" algn="ctr" defTabSz="457200" rtl="0" fontAlgn="base">
+              <a:spcBef>
+                <a:spcPct val="0"/>
+              </a:spcBef>
+              <a:spcAft>
+                <a:spcPct val="0"/>
+              </a:spcAft>
+              <a:defRPr sz="4400" b="1">
+                <a:solidFill>
+                  <a:srgbClr val="58A618"/>
+                </a:solidFill>
+                <a:latin typeface="Calibri" panose="020F0502020204030204" pitchFamily="34" charset="0"/>
+              </a:defRPr>
+            </a:lvl9pPr>
+          </a:lstStyle>
+          <a:p>
+            <a:r>
+              <a:rPr lang="nl-BE" dirty="0" smtClean="0"/>
               <a:t>IT Project</a:t>
-            </a:r>
-            <a:r>
-              <a:rPr lang="nl-BE" dirty="0" smtClean="0"/>
-              <a:t/>
             </a:r>
             <a:br>
               <a:rPr lang="nl-BE" dirty="0" smtClean="0"/>
@@ -3139,77 +5238,77 @@
               <a:rPr lang="nl-BE" dirty="0" smtClean="0"/>
             </a:br>
             <a:r>
-              <a:rPr lang="nl-BE" sz="2800" b="1" u="sng" dirty="0" smtClean="0"/>
+              <a:rPr lang="nl-BE" sz="2800" u="sng" dirty="0" smtClean="0"/>
               <a:t>Team 1</a:t>
             </a:r>
             <a:br>
-              <a:rPr lang="nl-BE" sz="2800" b="1" u="sng" dirty="0" smtClean="0"/>
+              <a:rPr lang="nl-BE" sz="2800" u="sng" dirty="0" smtClean="0"/>
             </a:br>
             <a:r>
-              <a:rPr lang="nl-BE" sz="2800" b="1" u="sng" dirty="0" smtClean="0"/>
+              <a:rPr lang="nl-BE" sz="2800" u="sng" dirty="0" smtClean="0"/>
               <a:t/>
             </a:r>
             <a:br>
-              <a:rPr lang="nl-BE" sz="2800" b="1" u="sng" dirty="0" smtClean="0"/>
+              <a:rPr lang="nl-BE" sz="2800" u="sng" dirty="0" smtClean="0"/>
             </a:br>
             <a:r>
-              <a:rPr lang="nl-BE" sz="1800" b="1" dirty="0"/>
+              <a:rPr lang="nl-BE" sz="1800" dirty="0" smtClean="0"/>
               <a:t>Arjen Schuurman</a:t>
             </a:r>
             <a:br>
-              <a:rPr lang="nl-BE" sz="1800" b="1" dirty="0"/>
+              <a:rPr lang="nl-BE" sz="1800" dirty="0" smtClean="0"/>
             </a:br>
             <a:r>
-              <a:rPr lang="nl-BE" sz="1800" b="1" dirty="0"/>
+              <a:rPr lang="nl-BE" sz="1800" dirty="0" smtClean="0"/>
               <a:t>Bart Hunerbein</a:t>
             </a:r>
             <a:br>
-              <a:rPr lang="nl-BE" sz="1800" b="1" dirty="0"/>
+              <a:rPr lang="nl-BE" sz="1800" dirty="0" smtClean="0"/>
             </a:br>
             <a:r>
-              <a:rPr lang="nl-BE" sz="1800" b="1" dirty="0"/>
+              <a:rPr lang="nl-BE" sz="1800" dirty="0" smtClean="0"/>
               <a:t>Dennie Grondelaers</a:t>
             </a:r>
             <a:br>
-              <a:rPr lang="nl-BE" sz="1800" b="1" dirty="0"/>
+              <a:rPr lang="nl-BE" sz="1800" dirty="0" smtClean="0"/>
             </a:br>
             <a:r>
-              <a:rPr lang="nl-BE" sz="1800" b="1" dirty="0"/>
+              <a:rPr lang="nl-BE" sz="1800" dirty="0" smtClean="0"/>
               <a:t>Jesse Vranken</a:t>
             </a:r>
             <a:br>
-              <a:rPr lang="nl-BE" sz="1800" b="1" dirty="0"/>
+              <a:rPr lang="nl-BE" sz="1800" dirty="0" smtClean="0"/>
             </a:br>
             <a:r>
-              <a:rPr lang="nl-BE" sz="1800" b="1" dirty="0"/>
+              <a:rPr lang="nl-BE" sz="1800" dirty="0" smtClean="0"/>
               <a:t>Niek Vandael</a:t>
             </a:r>
             <a:br>
-              <a:rPr lang="nl-BE" sz="1800" b="1" dirty="0"/>
+              <a:rPr lang="nl-BE" sz="1800" dirty="0" smtClean="0"/>
             </a:br>
             <a:r>
-              <a:rPr lang="nl-BE" sz="1800" b="1" dirty="0" smtClean="0"/>
+              <a:rPr lang="nl-BE" sz="1800" dirty="0" smtClean="0"/>
               <a:t/>
             </a:r>
             <a:br>
-              <a:rPr lang="nl-BE" sz="1800" b="1" dirty="0" smtClean="0"/>
+              <a:rPr lang="nl-BE" sz="1800" dirty="0" smtClean="0"/>
             </a:br>
             <a:r>
-              <a:rPr lang="nl-BE" sz="1800" b="1" dirty="0"/>
+              <a:rPr lang="nl-BE" sz="1800" dirty="0" smtClean="0"/>
               <a:t/>
             </a:r>
             <a:br>
-              <a:rPr lang="nl-BE" sz="1800" b="1" dirty="0"/>
+              <a:rPr lang="nl-BE" sz="1800" dirty="0" smtClean="0"/>
             </a:br>
             <a:r>
-              <a:rPr lang="nl-BE" sz="1800" b="1" dirty="0"/>
+              <a:rPr lang="nl-BE" sz="1800" dirty="0" smtClean="0"/>
               <a:t/>
             </a:r>
             <a:br>
-              <a:rPr lang="nl-BE" sz="1800" b="1" dirty="0"/>
+              <a:rPr lang="nl-BE" sz="1800" dirty="0" smtClean="0"/>
             </a:br>
             <a:r>
-              <a:rPr lang="nl-BE" sz="1800" b="1" dirty="0"/>
+              <a:rPr lang="nl-BE" sz="1800" dirty="0" smtClean="0"/>
               <a:t>Academiejaar 2015-2016</a:t>
             </a:r>
             <a:endParaRPr lang="nl-BE" sz="1800" dirty="0"/>
@@ -3219,13 +5318,20 @@
     </p:spTree>
     <p:extLst>
       <p:ext uri="{BB962C8B-B14F-4D97-AF65-F5344CB8AC3E}">
-        <p14:creationId xmlns:p14="http://schemas.microsoft.com/office/powerpoint/2010/main" val="164850011"/>
+        <p14:creationId xmlns:p14="http://schemas.microsoft.com/office/powerpoint/2010/main" val="2705277488"/>
       </p:ext>
     </p:extLst>
   </p:cSld>
   <p:clrMapOvr>
     <a:masterClrMapping/>
   </p:clrMapOvr>
+  <p:timing>
+    <p:tnLst>
+      <p:par>
+        <p:cTn id="1" dur="indefinite" restart="never" nodeType="tmRoot"/>
+      </p:par>
+    </p:tnLst>
+  </p:timing>
 </p:sld>
 </file>
 
@@ -3248,117 +5354,196 @@
       </p:grpSpPr>
       <p:sp>
         <p:nvSpPr>
-          <p:cNvPr id="2" name="Title 1"/>
-          <p:cNvSpPr>
-            <a:spLocks noGrp="1"/>
-          </p:cNvSpPr>
-          <p:nvPr>
-            <p:ph type="title"/>
-          </p:nvPr>
+          <p:cNvPr id="5" name="Rectangle 4"/>
+          <p:cNvSpPr/>
+          <p:nvPr/>
         </p:nvSpPr>
         <p:spPr>
           <a:xfrm>
-            <a:off x="1907704" y="260648"/>
-            <a:ext cx="5482952" cy="6178698"/>
+            <a:off x="3048000" y="2274838"/>
+            <a:ext cx="6096000" cy="4031873"/>
+          </a:xfrm>
+          <a:prstGeom prst="rect">
+            <a:avLst/>
+          </a:prstGeom>
+          <a:noFill/>
+          <a:ln>
+            <a:noFill/>
+          </a:ln>
+          <a:extLst>
+            <a:ext uri="{909E8E84-426E-40DD-AFC4-6F175D3DCCD1}">
+              <a14:hiddenFill xmlns:a14="http://schemas.microsoft.com/office/drawing/2010/main">
+                <a:solidFill>
+                  <a:srgbClr val="FFFFFF"/>
+                </a:solidFill>
+              </a14:hiddenFill>
+            </a:ext>
+            <a:ext uri="{91240B29-F687-4F45-9708-019B960494DF}">
+              <a14:hiddenLine xmlns:a14="http://schemas.microsoft.com/office/drawing/2010/main" w="9525">
+                <a:solidFill>
+                  <a:srgbClr val="000000"/>
+                </a:solidFill>
+                <a:miter lim="800000"/>
+                <a:headEnd/>
+                <a:tailEnd/>
+              </a14:hiddenLine>
+            </a:ext>
+          </a:extLst>
+        </p:spPr>
+        <p:txBody>
+          <a:bodyPr vert="horz" wrap="square" lIns="91440" tIns="45720" rIns="91440" bIns="45720" numCol="1" anchor="t" anchorCtr="0" compatLnSpc="1">
+            <a:prstTxWarp prst="textNoShape">
+              <a:avLst/>
+            </a:prstTxWarp>
+            <a:normAutofit/>
+          </a:bodyPr>
+          <a:lstStyle/>
+          <a:p>
+            <a:pPr marL="457200" indent="-457200" defTabSz="457200" eaLnBrk="0" fontAlgn="base" hangingPunct="0">
+              <a:spcBef>
+                <a:spcPct val="20000"/>
+              </a:spcBef>
+              <a:spcAft>
+                <a:spcPct val="0"/>
+              </a:spcAft>
+              <a:buFont typeface="Arial" panose="020B0604020202020204" pitchFamily="34" charset="0"/>
+              <a:buChar char="•"/>
+            </a:pPr>
+            <a:r>
+              <a:rPr lang="nl-BE" sz="3200" dirty="0" smtClean="0"/>
+              <a:t>web </a:t>
+            </a:r>
+            <a:r>
+              <a:rPr lang="nl-BE" sz="3200" dirty="0" err="1" smtClean="0"/>
+              <a:t>application</a:t>
+            </a:r>
+            <a:endParaRPr lang="nl-BE" sz="3200" dirty="0" smtClean="0"/>
+          </a:p>
+          <a:p>
+            <a:pPr marL="457200" indent="-457200" defTabSz="457200" eaLnBrk="0" fontAlgn="base" hangingPunct="0">
+              <a:spcBef>
+                <a:spcPct val="20000"/>
+              </a:spcBef>
+              <a:spcAft>
+                <a:spcPct val="0"/>
+              </a:spcAft>
+              <a:buFont typeface="Arial" panose="020B0604020202020204" pitchFamily="34" charset="0"/>
+              <a:buChar char="•"/>
+            </a:pPr>
+            <a:r>
+              <a:rPr lang="nl-BE" sz="3200" dirty="0" smtClean="0"/>
+              <a:t>Kickstarter</a:t>
+            </a:r>
+          </a:p>
+          <a:p>
+            <a:pPr marL="457200" indent="-457200" defTabSz="457200" eaLnBrk="0" fontAlgn="base" hangingPunct="0">
+              <a:spcBef>
+                <a:spcPct val="20000"/>
+              </a:spcBef>
+              <a:spcAft>
+                <a:spcPct val="0"/>
+              </a:spcAft>
+              <a:buFont typeface="Arial" panose="020B0604020202020204" pitchFamily="34" charset="0"/>
+              <a:buChar char="•"/>
+            </a:pPr>
+            <a:r>
+              <a:rPr lang="nl-BE" sz="3200" dirty="0" smtClean="0"/>
+              <a:t>pitch </a:t>
+            </a:r>
+            <a:r>
+              <a:rPr lang="nl-BE" sz="3200" dirty="0" err="1"/>
+              <a:t>idea</a:t>
+            </a:r>
+            <a:r>
+              <a:rPr lang="nl-BE" sz="3200" dirty="0"/>
+              <a:t> </a:t>
+            </a:r>
+            <a:r>
+              <a:rPr lang="nl-BE" sz="3200" dirty="0" err="1"/>
+              <a:t>with</a:t>
+            </a:r>
+            <a:r>
+              <a:rPr lang="nl-BE" sz="3200" dirty="0"/>
+              <a:t> </a:t>
+            </a:r>
+            <a:r>
+              <a:rPr lang="nl-BE" sz="3200" dirty="0" smtClean="0"/>
+              <a:t>media</a:t>
+            </a:r>
+          </a:p>
+          <a:p>
+            <a:pPr marL="457200" indent="-457200" defTabSz="457200" eaLnBrk="0" fontAlgn="base" hangingPunct="0">
+              <a:spcBef>
+                <a:spcPct val="20000"/>
+              </a:spcBef>
+              <a:spcAft>
+                <a:spcPct val="0"/>
+              </a:spcAft>
+              <a:buFont typeface="Arial" panose="020B0604020202020204" pitchFamily="34" charset="0"/>
+              <a:buChar char="•"/>
+            </a:pPr>
+            <a:r>
+              <a:rPr lang="nl-BE" sz="3200" dirty="0" smtClean="0"/>
+              <a:t>like/</a:t>
+            </a:r>
+            <a:r>
+              <a:rPr lang="nl-BE" sz="3200" dirty="0" err="1" smtClean="0"/>
+              <a:t>subscribe</a:t>
+            </a:r>
+            <a:endParaRPr lang="nl-BE" sz="3200" dirty="0" smtClean="0"/>
+          </a:p>
+          <a:p>
+            <a:pPr marL="457200" indent="-457200" defTabSz="457200" eaLnBrk="0" fontAlgn="base" hangingPunct="0">
+              <a:spcBef>
+                <a:spcPct val="20000"/>
+              </a:spcBef>
+              <a:spcAft>
+                <a:spcPct val="0"/>
+              </a:spcAft>
+              <a:buFont typeface="Arial" panose="020B0604020202020204" pitchFamily="34" charset="0"/>
+              <a:buChar char="•"/>
+            </a:pPr>
+            <a:r>
+              <a:rPr lang="nl-BE" sz="3200" dirty="0" smtClean="0"/>
+              <a:t>status </a:t>
+            </a:r>
+            <a:r>
+              <a:rPr lang="nl-BE" sz="3200" dirty="0"/>
+              <a:t>updates</a:t>
+            </a:r>
+            <a:br>
+              <a:rPr lang="nl-BE" sz="3200" dirty="0"/>
+            </a:br>
+            <a:r>
+              <a:rPr lang="nl-BE" sz="3200" dirty="0"/>
+              <a:t> </a:t>
+            </a:r>
+          </a:p>
+        </p:txBody>
+      </p:sp>
+      <p:sp>
+        <p:nvSpPr>
+          <p:cNvPr id="6" name="Title 1"/>
+          <p:cNvSpPr>
+            <a:spLocks noGrp="1"/>
+          </p:cNvSpPr>
+          <p:nvPr>
+            <p:ph type="title"/>
+          </p:nvPr>
+        </p:nvSpPr>
+        <p:spPr>
+          <a:xfrm>
+            <a:off x="914400" y="830692"/>
+            <a:ext cx="8229600" cy="1143000"/>
           </a:xfrm>
         </p:spPr>
         <p:txBody>
           <a:bodyPr/>
           <a:lstStyle/>
           <a:p>
-            <a:pPr algn="l"/>
             <a:r>
               <a:rPr lang="nl-BE" b="1" dirty="0" smtClean="0"/>
               <a:t>I-Talent Platform</a:t>
-            </a:r>
-            <a:br>
-              <a:rPr lang="nl-BE" b="1" dirty="0" smtClean="0"/>
-            </a:br>
-            <a:r>
-              <a:rPr lang="nl-BE" b="1" dirty="0" smtClean="0"/>
-              <a:t/>
-            </a:r>
-            <a:br>
-              <a:rPr lang="nl-BE" b="1" dirty="0" smtClean="0"/>
-            </a:br>
-            <a:r>
-              <a:rPr lang="nl-BE" dirty="0" smtClean="0"/>
-              <a:t>- </a:t>
-            </a:r>
-            <a:r>
-              <a:rPr lang="nl-BE" dirty="0" smtClean="0"/>
-              <a:t>Web Application</a:t>
-            </a:r>
-            <a:r>
-              <a:rPr lang="nl-BE" dirty="0" smtClean="0"/>
-              <a:t/>
-            </a:r>
-            <a:br>
-              <a:rPr lang="nl-BE" dirty="0" smtClean="0"/>
-            </a:br>
-            <a:r>
-              <a:rPr lang="nl-BE" dirty="0" smtClean="0"/>
-              <a:t>- </a:t>
-            </a:r>
-            <a:r>
-              <a:rPr lang="nl-BE" dirty="0" smtClean="0"/>
-              <a:t>Kickstarter</a:t>
-            </a:r>
-            <a:r>
-              <a:rPr lang="nl-BE" dirty="0" smtClean="0"/>
-              <a:t/>
-            </a:r>
-            <a:br>
-              <a:rPr lang="nl-BE" dirty="0" smtClean="0"/>
-            </a:br>
-            <a:r>
-              <a:rPr lang="nl-BE" dirty="0" smtClean="0"/>
-              <a:t>- </a:t>
-            </a:r>
-            <a:r>
-              <a:rPr lang="nl-BE" dirty="0" smtClean="0"/>
-              <a:t>Pitch </a:t>
-            </a:r>
-            <a:r>
-              <a:rPr lang="nl-BE" dirty="0" smtClean="0"/>
-              <a:t>idea with media</a:t>
-            </a:r>
-            <a:br>
-              <a:rPr lang="nl-BE" dirty="0" smtClean="0"/>
-            </a:br>
-            <a:r>
-              <a:rPr lang="nl-BE" dirty="0" smtClean="0"/>
-              <a:t>- </a:t>
-            </a:r>
-            <a:r>
-              <a:rPr lang="nl-BE" dirty="0" smtClean="0"/>
-              <a:t>Like/Subscribe</a:t>
-            </a:r>
-            <a:r>
-              <a:rPr lang="nl-BE" dirty="0" smtClean="0"/>
-              <a:t/>
-            </a:r>
-            <a:br>
-              <a:rPr lang="nl-BE" dirty="0" smtClean="0"/>
-            </a:br>
-            <a:r>
-              <a:rPr lang="nl-BE" dirty="0" smtClean="0"/>
-              <a:t>- </a:t>
-            </a:r>
-            <a:r>
-              <a:rPr lang="nl-BE" dirty="0" smtClean="0"/>
-              <a:t>Status Updates</a:t>
-            </a:r>
-            <a:r>
-              <a:rPr lang="nl-BE" dirty="0" smtClean="0"/>
-              <a:t/>
-            </a:r>
-            <a:br>
-              <a:rPr lang="nl-BE" dirty="0" smtClean="0"/>
-            </a:br>
-            <a:r>
-              <a:rPr lang="nl-BE" dirty="0" smtClean="0"/>
-              <a:t> </a:t>
             </a:r>
             <a:endParaRPr lang="nl-BE" dirty="0"/>
           </a:p>
@@ -3367,7 +5552,7 @@
     </p:spTree>
     <p:extLst>
       <p:ext uri="{BB962C8B-B14F-4D97-AF65-F5344CB8AC3E}">
-        <p14:creationId xmlns:p14="http://schemas.microsoft.com/office/powerpoint/2010/main" val="358663404"/>
+        <p14:creationId xmlns:p14="http://schemas.microsoft.com/office/powerpoint/2010/main" val="32327070"/>
       </p:ext>
     </p:extLst>
   </p:cSld>
@@ -3404,7 +5589,12 @@
             <p:ph type="title"/>
           </p:nvPr>
         </p:nvSpPr>
-        <p:spPr/>
+        <p:spPr>
+          <a:xfrm>
+            <a:off x="457200" y="274638"/>
+            <a:ext cx="8229600" cy="1143000"/>
+          </a:xfrm>
+        </p:spPr>
         <p:txBody>
           <a:bodyPr/>
           <a:lstStyle/>
@@ -3429,8 +5619,8 @@
         </p:nvSpPr>
         <p:spPr>
           <a:xfrm>
-            <a:off x="2627784" y="1772816"/>
-            <a:ext cx="4032448" cy="4525963"/>
+            <a:off x="2987824" y="1628800"/>
+            <a:ext cx="3898776" cy="4525963"/>
           </a:xfrm>
         </p:spPr>
         <p:txBody>
@@ -3494,7 +5684,7 @@
             <a:pPr lvl="0"/>
             <a:r>
               <a:rPr lang="en-US" dirty="0" smtClean="0"/>
-              <a:t>Quality Management</a:t>
+              <a:t>Documentation</a:t>
             </a:r>
             <a:endParaRPr lang="nl-BE" dirty="0"/>
           </a:p>
@@ -3503,7 +5693,7 @@
     </p:spTree>
     <p:extLst>
       <p:ext uri="{BB962C8B-B14F-4D97-AF65-F5344CB8AC3E}">
-        <p14:creationId xmlns:p14="http://schemas.microsoft.com/office/powerpoint/2010/main" val="2314571859"/>
+        <p14:creationId xmlns:p14="http://schemas.microsoft.com/office/powerpoint/2010/main" val="495550509"/>
       </p:ext>
     </p:extLst>
   </p:cSld>
@@ -3540,7 +5730,12 @@
             <p:ph type="title"/>
           </p:nvPr>
         </p:nvSpPr>
-        <p:spPr/>
+        <p:spPr>
+          <a:xfrm>
+            <a:off x="457200" y="274638"/>
+            <a:ext cx="8229600" cy="1143000"/>
+          </a:xfrm>
+        </p:spPr>
         <p:txBody>
           <a:bodyPr/>
           <a:lstStyle/>
@@ -3626,7 +5821,104 @@
     </p:spTree>
     <p:extLst>
       <p:ext uri="{BB962C8B-B14F-4D97-AF65-F5344CB8AC3E}">
-        <p14:creationId xmlns:p14="http://schemas.microsoft.com/office/powerpoint/2010/main" val="300212046"/>
+        <p14:creationId xmlns:p14="http://schemas.microsoft.com/office/powerpoint/2010/main" val="1630666897"/>
+      </p:ext>
+    </p:extLst>
+  </p:cSld>
+  <p:clrMapOvr>
+    <a:masterClrMapping/>
+  </p:clrMapOvr>
+</p:sld>
+</file>
+
+<file path=ppt/slides/slide5.xml><?xml version="1.0" encoding="utf-8"?>
+<p:sld xmlns:a="http://schemas.openxmlformats.org/drawingml/2006/main" xmlns:r="http://schemas.openxmlformats.org/officeDocument/2006/relationships" xmlns:p="http://schemas.openxmlformats.org/presentationml/2006/main">
+  <p:cSld>
+    <p:spTree>
+      <p:nvGrpSpPr>
+        <p:cNvPr id="1" name=""/>
+        <p:cNvGrpSpPr/>
+        <p:nvPr/>
+      </p:nvGrpSpPr>
+      <p:grpSpPr>
+        <a:xfrm>
+          <a:off x="0" y="0"/>
+          <a:ext cx="0" cy="0"/>
+          <a:chOff x="0" y="0"/>
+          <a:chExt cx="0" cy="0"/>
+        </a:xfrm>
+      </p:grpSpPr>
+      <p:sp>
+        <p:nvSpPr>
+          <p:cNvPr id="2" name="Title 1"/>
+          <p:cNvSpPr>
+            <a:spLocks noGrp="1"/>
+          </p:cNvSpPr>
+          <p:nvPr>
+            <p:ph type="title"/>
+          </p:nvPr>
+        </p:nvSpPr>
+        <p:spPr/>
+        <p:txBody>
+          <a:bodyPr/>
+          <a:lstStyle/>
+          <a:p>
+            <a:endParaRPr lang="nl-BE"/>
+          </a:p>
+        </p:txBody>
+      </p:sp>
+      <p:sp>
+        <p:nvSpPr>
+          <p:cNvPr id="3" name="Content Placeholder 2"/>
+          <p:cNvSpPr>
+            <a:spLocks noGrp="1"/>
+          </p:cNvSpPr>
+          <p:nvPr>
+            <p:ph idx="1"/>
+          </p:nvPr>
+        </p:nvSpPr>
+        <p:spPr/>
+        <p:txBody>
+          <a:bodyPr/>
+          <a:lstStyle/>
+          <a:p>
+            <a:endParaRPr lang="nl-BE"/>
+          </a:p>
+        </p:txBody>
+      </p:sp>
+      <p:sp>
+        <p:nvSpPr>
+          <p:cNvPr id="4" name="Slide Number Placeholder 3"/>
+          <p:cNvSpPr>
+            <a:spLocks noGrp="1"/>
+          </p:cNvSpPr>
+          <p:nvPr>
+            <p:ph type="sldNum" sz="quarter" idx="12"/>
+          </p:nvPr>
+        </p:nvSpPr>
+        <p:spPr/>
+        <p:txBody>
+          <a:bodyPr/>
+          <a:lstStyle/>
+          <a:p>
+            <a:pPr>
+              <a:defRPr/>
+            </a:pPr>
+            <a:fld id="{BC2BCED3-7F4A-40F1-85DA-02B4B5A68187}" type="slidenum">
+              <a:rPr lang="nl-NL" smtClean="0"/>
+              <a:pPr>
+                <a:defRPr/>
+              </a:pPr>
+              <a:t>5</a:t>
+            </a:fld>
+            <a:endParaRPr lang="nl-NL"/>
+          </a:p>
+        </p:txBody>
+      </p:sp>
+    </p:spTree>
+    <p:extLst>
+      <p:ext uri="{BB962C8B-B14F-4D97-AF65-F5344CB8AC3E}">
+        <p14:creationId xmlns:p14="http://schemas.microsoft.com/office/powerpoint/2010/main" val="975155166"/>
       </p:ext>
     </p:extLst>
   </p:cSld>
@@ -3637,9 +5929,9 @@
 </file>
 
 <file path=ppt/theme/theme1.xml><?xml version="1.0" encoding="utf-8"?>
-<a:theme xmlns:a="http://schemas.openxmlformats.org/drawingml/2006/main" name="Office Theme">
+<a:theme xmlns:a="http://schemas.openxmlformats.org/drawingml/2006/main" name="Presentatie">
   <a:themeElements>
-    <a:clrScheme name="Office">
+    <a:clrScheme name="Kantoor">
       <a:dk1>
         <a:sysClr val="windowText" lastClr="000000"/>
       </a:dk1>
@@ -3677,7 +5969,7 @@
         <a:srgbClr val="800080"/>
       </a:folHlink>
     </a:clrScheme>
-    <a:fontScheme name="Office">
+    <a:fontScheme name="Kantoor">
       <a:majorFont>
         <a:latin typeface="Calibri"/>
         <a:ea typeface=""/>
@@ -3711,7 +6003,6 @@
         <a:font script="Mong" typeface="Mongolian Baiti"/>
         <a:font script="Viet" typeface="Times New Roman"/>
         <a:font script="Uigh" typeface="Microsoft Uighur"/>
-        <a:font script="Geor" typeface="Sylfaen"/>
       </a:majorFont>
       <a:minorFont>
         <a:latin typeface="Calibri"/>
@@ -3746,10 +6037,9 @@
         <a:font script="Mong" typeface="Mongolian Baiti"/>
         <a:font script="Viet" typeface="Arial"/>
         <a:font script="Uigh" typeface="Microsoft Uighur"/>
-        <a:font script="Geor" typeface="Sylfaen"/>
       </a:minorFont>
     </a:fontScheme>
-    <a:fmtScheme name="Office">
+    <a:fmtScheme name="Kantoor">
       <a:fillStyleLst>
         <a:solidFill>
           <a:schemeClr val="phClr"/>
@@ -3781,20 +6071,16 @@
           <a:gsLst>
             <a:gs pos="0">
               <a:schemeClr val="phClr">
-                <a:shade val="51000"/>
-                <a:satMod val="130000"/>
-              </a:schemeClr>
-            </a:gs>
-            <a:gs pos="80000">
-              <a:schemeClr val="phClr">
-                <a:shade val="93000"/>
+                <a:tint val="100000"/>
+                <a:shade val="100000"/>
                 <a:satMod val="130000"/>
               </a:schemeClr>
             </a:gs>
             <a:gs pos="100000">
               <a:schemeClr val="phClr">
-                <a:shade val="94000"/>
-                <a:satMod val="135000"/>
+                <a:tint val="50000"/>
+                <a:shade val="100000"/>
+                <a:satMod val="350000"/>
               </a:schemeClr>
             </a:gs>
           </a:gsLst>
@@ -3916,7 +6202,46 @@
       </a:bgFillStyleLst>
     </a:fmtScheme>
   </a:themeElements>
-  <a:objectDefaults/>
+  <a:objectDefaults>
+    <a:spDef>
+      <a:spPr/>
+      <a:bodyPr/>
+      <a:lstStyle/>
+      <a:style>
+        <a:lnRef idx="1">
+          <a:schemeClr val="accent1"/>
+        </a:lnRef>
+        <a:fillRef idx="3">
+          <a:schemeClr val="accent1"/>
+        </a:fillRef>
+        <a:effectRef idx="2">
+          <a:schemeClr val="accent1"/>
+        </a:effectRef>
+        <a:fontRef idx="minor">
+          <a:schemeClr val="lt1"/>
+        </a:fontRef>
+      </a:style>
+    </a:spDef>
+    <a:lnDef>
+      <a:spPr/>
+      <a:bodyPr/>
+      <a:lstStyle/>
+      <a:style>
+        <a:lnRef idx="2">
+          <a:schemeClr val="accent1"/>
+        </a:lnRef>
+        <a:fillRef idx="0">
+          <a:schemeClr val="accent1"/>
+        </a:fillRef>
+        <a:effectRef idx="1">
+          <a:schemeClr val="accent1"/>
+        </a:effectRef>
+        <a:fontRef idx="minor">
+          <a:schemeClr val="tx1"/>
+        </a:fontRef>
+      </a:style>
+    </a:lnDef>
+  </a:objectDefaults>
   <a:extraClrSchemeLst/>
 </a:theme>
 </file>
--- a/italent/documents/english/EnglishPresentation.pptx
+++ b/italent/documents/english/EnglishPresentation.pptx
@@ -110,7 +110,7 @@
   </p:defaultTextStyle>
   <p:extLst>
     <p:ext uri="{EFAFB233-063F-42B5-8137-9DF3F51BA10A}">
-      <p15:sldGuideLst xmlns:p15="http://schemas.microsoft.com/office/powerpoint/2012/main"/>
+      <p15:sldGuideLst xmlns:p15="http://schemas.microsoft.com/office/powerpoint/2012/main" xmlns=""/>
     </p:ext>
   </p:extLst>
 </p:presentation>
@@ -5055,8 +5055,8 @@
         </p:nvSpPr>
         <p:spPr bwMode="auto">
           <a:xfrm>
-            <a:off x="1882174" y="159661"/>
-            <a:ext cx="7772400" cy="5976664"/>
+            <a:off x="2183802" y="159661"/>
+            <a:ext cx="7470772" cy="5976664"/>
           </a:xfrm>
           <a:prstGeom prst="rect">
             <a:avLst/>
@@ -5238,80 +5238,176 @@
               <a:rPr lang="nl-BE" dirty="0" smtClean="0"/>
             </a:br>
             <a:r>
-              <a:rPr lang="nl-BE" sz="2800" u="sng" dirty="0" smtClean="0"/>
+              <a:rPr lang="nl-BE" sz="2800" dirty="0" smtClean="0">
+                <a:solidFill>
+                  <a:schemeClr val="tx1"/>
+                </a:solidFill>
+              </a:rPr>
               <a:t>Team 1</a:t>
             </a:r>
+            <a:r>
+              <a:rPr lang="nl-BE" sz="2800" u="sng" dirty="0" smtClean="0">
+                <a:solidFill>
+                  <a:schemeClr val="tx1"/>
+                </a:solidFill>
+              </a:rPr>
+              <a:t/>
+            </a:r>
             <a:br>
-              <a:rPr lang="nl-BE" sz="2800" u="sng" dirty="0" smtClean="0"/>
+              <a:rPr lang="nl-BE" sz="2800" u="sng" dirty="0" smtClean="0">
+                <a:solidFill>
+                  <a:schemeClr val="tx1"/>
+                </a:solidFill>
+              </a:rPr>
             </a:br>
             <a:r>
-              <a:rPr lang="nl-BE" sz="2800" u="sng" dirty="0" smtClean="0"/>
+              <a:rPr lang="nl-BE" sz="2800" u="sng" dirty="0" smtClean="0">
+                <a:solidFill>
+                  <a:schemeClr val="tx1"/>
+                </a:solidFill>
+              </a:rPr>
               <a:t/>
             </a:r>
             <a:br>
-              <a:rPr lang="nl-BE" sz="2800" u="sng" dirty="0" smtClean="0"/>
+              <a:rPr lang="nl-BE" sz="2800" u="sng" dirty="0" smtClean="0">
+                <a:solidFill>
+                  <a:schemeClr val="tx1"/>
+                </a:solidFill>
+              </a:rPr>
             </a:br>
             <a:r>
-              <a:rPr lang="nl-BE" sz="1800" dirty="0" smtClean="0"/>
+              <a:rPr lang="nl-BE" sz="1800" dirty="0" smtClean="0">
+                <a:solidFill>
+                  <a:schemeClr val="tx1"/>
+                </a:solidFill>
+              </a:rPr>
               <a:t>Arjen Schuurman</a:t>
             </a:r>
             <a:br>
-              <a:rPr lang="nl-BE" sz="1800" dirty="0" smtClean="0"/>
+              <a:rPr lang="nl-BE" sz="1800" dirty="0" smtClean="0">
+                <a:solidFill>
+                  <a:schemeClr val="tx1"/>
+                </a:solidFill>
+              </a:rPr>
             </a:br>
             <a:r>
-              <a:rPr lang="nl-BE" sz="1800" dirty="0" smtClean="0"/>
+              <a:rPr lang="nl-BE" sz="1800" dirty="0" smtClean="0">
+                <a:solidFill>
+                  <a:schemeClr val="tx1"/>
+                </a:solidFill>
+              </a:rPr>
               <a:t>Bart Hunerbein</a:t>
             </a:r>
             <a:br>
-              <a:rPr lang="nl-BE" sz="1800" dirty="0" smtClean="0"/>
+              <a:rPr lang="nl-BE" sz="1800" dirty="0" smtClean="0">
+                <a:solidFill>
+                  <a:schemeClr val="tx1"/>
+                </a:solidFill>
+              </a:rPr>
             </a:br>
             <a:r>
-              <a:rPr lang="nl-BE" sz="1800" dirty="0" smtClean="0"/>
+              <a:rPr lang="nl-BE" sz="1800" dirty="0" smtClean="0">
+                <a:solidFill>
+                  <a:schemeClr val="tx1"/>
+                </a:solidFill>
+              </a:rPr>
               <a:t>Dennie Grondelaers</a:t>
             </a:r>
             <a:br>
-              <a:rPr lang="nl-BE" sz="1800" dirty="0" smtClean="0"/>
+              <a:rPr lang="nl-BE" sz="1800" dirty="0" smtClean="0">
+                <a:solidFill>
+                  <a:schemeClr val="tx1"/>
+                </a:solidFill>
+              </a:rPr>
             </a:br>
             <a:r>
-              <a:rPr lang="nl-BE" sz="1800" dirty="0" smtClean="0"/>
+              <a:rPr lang="nl-BE" sz="1800" dirty="0" smtClean="0">
+                <a:solidFill>
+                  <a:schemeClr val="tx1"/>
+                </a:solidFill>
+              </a:rPr>
               <a:t>Jesse Vranken</a:t>
             </a:r>
             <a:br>
-              <a:rPr lang="nl-BE" sz="1800" dirty="0" smtClean="0"/>
+              <a:rPr lang="nl-BE" sz="1800" dirty="0" smtClean="0">
+                <a:solidFill>
+                  <a:schemeClr val="tx1"/>
+                </a:solidFill>
+              </a:rPr>
             </a:br>
             <a:r>
-              <a:rPr lang="nl-BE" sz="1800" dirty="0" smtClean="0"/>
+              <a:rPr lang="nl-BE" sz="1800" dirty="0" smtClean="0">
+                <a:solidFill>
+                  <a:schemeClr val="tx1"/>
+                </a:solidFill>
+              </a:rPr>
               <a:t>Niek Vandael</a:t>
             </a:r>
             <a:br>
-              <a:rPr lang="nl-BE" sz="1800" dirty="0" smtClean="0"/>
+              <a:rPr lang="nl-BE" sz="1800" dirty="0" smtClean="0">
+                <a:solidFill>
+                  <a:schemeClr val="tx1"/>
+                </a:solidFill>
+              </a:rPr>
             </a:br>
             <a:r>
-              <a:rPr lang="nl-BE" sz="1800" dirty="0" smtClean="0"/>
+              <a:rPr lang="nl-BE" sz="1800" dirty="0" smtClean="0">
+                <a:solidFill>
+                  <a:schemeClr val="tx1"/>
+                </a:solidFill>
+              </a:rPr>
               <a:t/>
             </a:r>
             <a:br>
-              <a:rPr lang="nl-BE" sz="1800" dirty="0" smtClean="0"/>
+              <a:rPr lang="nl-BE" sz="1800" dirty="0" smtClean="0">
+                <a:solidFill>
+                  <a:schemeClr val="tx1"/>
+                </a:solidFill>
+              </a:rPr>
             </a:br>
             <a:r>
-              <a:rPr lang="nl-BE" sz="1800" dirty="0" smtClean="0"/>
+              <a:rPr lang="nl-BE" sz="1800" dirty="0" smtClean="0">
+                <a:solidFill>
+                  <a:schemeClr val="tx1"/>
+                </a:solidFill>
+              </a:rPr>
               <a:t/>
             </a:r>
             <a:br>
-              <a:rPr lang="nl-BE" sz="1800" dirty="0" smtClean="0"/>
+              <a:rPr lang="nl-BE" sz="1800" dirty="0" smtClean="0">
+                <a:solidFill>
+                  <a:schemeClr val="tx1"/>
+                </a:solidFill>
+              </a:rPr>
             </a:br>
             <a:r>
-              <a:rPr lang="nl-BE" sz="1800" dirty="0" smtClean="0"/>
+              <a:rPr lang="nl-BE" sz="1800" dirty="0" smtClean="0">
+                <a:solidFill>
+                  <a:schemeClr val="tx1"/>
+                </a:solidFill>
+              </a:rPr>
               <a:t/>
             </a:r>
             <a:br>
-              <a:rPr lang="nl-BE" sz="1800" dirty="0" smtClean="0"/>
+              <a:rPr lang="nl-BE" sz="1800" dirty="0" smtClean="0">
+                <a:solidFill>
+                  <a:schemeClr val="tx1"/>
+                </a:solidFill>
+              </a:rPr>
             </a:br>
             <a:r>
-              <a:rPr lang="nl-BE" sz="1800" dirty="0" smtClean="0"/>
+              <a:rPr lang="nl-BE" sz="1800" dirty="0" smtClean="0">
+                <a:solidFill>
+                  <a:schemeClr val="tx1"/>
+                </a:solidFill>
+              </a:rPr>
               <a:t>Academiejaar 2015-2016</a:t>
             </a:r>
-            <a:endParaRPr lang="nl-BE" sz="1800" dirty="0"/>
+            <a:endParaRPr lang="nl-BE" sz="1800" dirty="0">
+              <a:solidFill>
+                <a:schemeClr val="tx1"/>
+              </a:solidFill>
+            </a:endParaRPr>
           </a:p>
         </p:txBody>
       </p:sp>
@@ -5360,7 +5456,7 @@
         </p:nvSpPr>
         <p:spPr>
           <a:xfrm>
-            <a:off x="3048000" y="2274838"/>
+            <a:off x="3919370" y="2150722"/>
             <a:ext cx="6096000" cy="4031873"/>
           </a:xfrm>
           <a:prstGeom prst="rect">
@@ -5533,7 +5629,7 @@
         </p:nvSpPr>
         <p:spPr>
           <a:xfrm>
-            <a:off x="914400" y="830692"/>
+            <a:off x="1785770" y="798420"/>
             <a:ext cx="8229600" cy="1143000"/>
           </a:xfrm>
         </p:spPr>
@@ -5591,7 +5687,7 @@
         </p:nvSpPr>
         <p:spPr>
           <a:xfrm>
-            <a:off x="457200" y="274638"/>
+            <a:off x="1866452" y="339184"/>
             <a:ext cx="8229600" cy="1143000"/>
           </a:xfrm>
         </p:spPr>
@@ -5619,8 +5715,8 @@
         </p:nvSpPr>
         <p:spPr>
           <a:xfrm>
-            <a:off x="2987824" y="1628800"/>
-            <a:ext cx="3898776" cy="4525963"/>
+            <a:off x="3999042" y="1575012"/>
+            <a:ext cx="4176769" cy="4525963"/>
           </a:xfrm>
         </p:spPr>
         <p:txBody>
@@ -5640,17 +5736,18 @@
           <a:p>
             <a:pPr lvl="0"/>
             <a:r>
+              <a:rPr lang="nl-BE" dirty="0" smtClean="0"/>
+              <a:t>Planning</a:t>
+            </a:r>
+            <a:endParaRPr lang="nl-BE" dirty="0"/>
+          </a:p>
+          <a:p>
+            <a:pPr lvl="0"/>
+            <a:r>
               <a:rPr lang="en-US" dirty="0" smtClean="0"/>
               <a:t>Communication</a:t>
             </a:r>
-            <a:endParaRPr lang="nl-BE" dirty="0"/>
-          </a:p>
-          <a:p>
-            <a:pPr lvl="0"/>
-            <a:r>
-              <a:rPr lang="en-US" dirty="0" smtClean="0"/>
-              <a:t>Planning</a:t>
-            </a:r>
+            <a:endParaRPr lang="en-US" dirty="0" smtClean="0"/>
           </a:p>
           <a:p>
             <a:pPr lvl="0"/>
@@ -5684,7 +5781,7 @@
             <a:pPr lvl="0"/>
             <a:r>
               <a:rPr lang="en-US" dirty="0" smtClean="0"/>
-              <a:t>Documentation</a:t>
+              <a:t>Quality Management</a:t>
             </a:r>
             <a:endParaRPr lang="nl-BE" dirty="0"/>
           </a:p>
@@ -5700,6 +5797,13 @@
   <p:clrMapOvr>
     <a:masterClrMapping/>
   </p:clrMapOvr>
+  <p:timing>
+    <p:tnLst>
+      <p:par>
+        <p:cTn id="1" dur="indefinite" restart="never" nodeType="tmRoot"/>
+      </p:par>
+    </p:tnLst>
+  </p:timing>
 </p:sld>
 </file>
 
@@ -5732,7 +5836,7 @@
         </p:nvSpPr>
         <p:spPr>
           <a:xfrm>
-            <a:off x="457200" y="274638"/>
+            <a:off x="1823421" y="306910"/>
             <a:ext cx="8229600" cy="1143000"/>
           </a:xfrm>
         </p:spPr>
@@ -5760,7 +5864,7 @@
         </p:nvSpPr>
         <p:spPr>
           <a:xfrm>
-            <a:off x="3059832" y="1700808"/>
+            <a:off x="4469083" y="1754596"/>
             <a:ext cx="3898776" cy="4525963"/>
           </a:xfrm>
         </p:spPr>
@@ -5828,6 +5932,13 @@
   <p:clrMapOvr>
     <a:masterClrMapping/>
   </p:clrMapOvr>
+  <p:timing>
+    <p:tnLst>
+      <p:par>
+        <p:cTn id="1" dur="indefinite" restart="never" nodeType="tmRoot"/>
+      </p:par>
+    </p:tnLst>
+  </p:timing>
 </p:sld>
 </file>
 
@@ -5925,6 +6036,13 @@
   <p:clrMapOvr>
     <a:masterClrMapping/>
   </p:clrMapOvr>
+  <p:timing>
+    <p:tnLst>
+      <p:par>
+        <p:cTn id="1" dur="indefinite" restart="never" nodeType="tmRoot"/>
+      </p:par>
+    </p:tnLst>
+  </p:timing>
 </p:sld>
 </file>
 

--- a/italent/documents/english/EnglishPresentation.pptx
+++ b/italent/documents/english/EnglishPresentation.pptx
@@ -10,6 +10,11 @@
     <p:sldId id="260" r:id="rId4"/>
     <p:sldId id="261" r:id="rId5"/>
     <p:sldId id="262" r:id="rId6"/>
+    <p:sldId id="264" r:id="rId7"/>
+    <p:sldId id="267" r:id="rId8"/>
+    <p:sldId id="265" r:id="rId9"/>
+    <p:sldId id="266" r:id="rId10"/>
+    <p:sldId id="263" r:id="rId11"/>
   </p:sldIdLst>
   <p:sldSz cx="12192000" cy="6858000"/>
   <p:notesSz cx="6858000" cy="9144000"/>
@@ -110,7 +115,18 @@
   </p:defaultTextStyle>
   <p:extLst>
     <p:ext uri="{EFAFB233-063F-42B5-8137-9DF3F51BA10A}">
-      <p15:sldGuideLst xmlns:p15="http://schemas.microsoft.com/office/powerpoint/2012/main" xmlns=""/>
+      <p15:sldGuideLst xmlns:p15="http://schemas.microsoft.com/office/powerpoint/2012/main">
+        <p15:guide id="1" orient="horz" pos="2160">
+          <p15:clr>
+            <a:srgbClr val="A4A3A4"/>
+          </p15:clr>
+        </p15:guide>
+        <p15:guide id="2" pos="3840">
+          <p15:clr>
+            <a:srgbClr val="A4A3A4"/>
+          </p15:clr>
+        </p15:guide>
+      </p15:sldGuideLst>
     </p:ext>
   </p:extLst>
 </p:presentation>
@@ -5296,22 +5312,15 @@
                   <a:schemeClr val="tx1"/>
                 </a:solidFill>
               </a:rPr>
-              <a:t>Bart Hunerbein</a:t>
-            </a:r>
-            <a:br>
+              <a:t>Dennie </a:t>
+            </a:r>
+            <a:r>
               <a:rPr lang="nl-BE" sz="1800" dirty="0" smtClean="0">
                 <a:solidFill>
                   <a:schemeClr val="tx1"/>
                 </a:solidFill>
               </a:rPr>
-            </a:br>
-            <a:r>
-              <a:rPr lang="nl-BE" sz="1800" dirty="0" smtClean="0">
-                <a:solidFill>
-                  <a:schemeClr val="tx1"/>
-                </a:solidFill>
-              </a:rPr>
-              <a:t>Dennie Grondelaers</a:t>
+              <a:t>Grondelaers</a:t>
             </a:r>
             <a:br>
               <a:rPr lang="nl-BE" sz="1800" dirty="0" smtClean="0">
@@ -5415,6 +5424,114 @@
     <p:extLst>
       <p:ext uri="{BB962C8B-B14F-4D97-AF65-F5344CB8AC3E}">
         <p14:creationId xmlns:p14="http://schemas.microsoft.com/office/powerpoint/2010/main" val="2705277488"/>
+      </p:ext>
+    </p:extLst>
+  </p:cSld>
+  <p:clrMapOvr>
+    <a:masterClrMapping/>
+  </p:clrMapOvr>
+  <p:timing>
+    <p:tnLst>
+      <p:par>
+        <p:cTn id="1" dur="indefinite" restart="never" nodeType="tmRoot"/>
+      </p:par>
+    </p:tnLst>
+  </p:timing>
+</p:sld>
+</file>
+
+<file path=ppt/slides/slide10.xml><?xml version="1.0" encoding="utf-8"?>
+<p:sld xmlns:a="http://schemas.openxmlformats.org/drawingml/2006/main" xmlns:r="http://schemas.openxmlformats.org/officeDocument/2006/relationships" xmlns:p="http://schemas.openxmlformats.org/presentationml/2006/main">
+  <p:cSld>
+    <p:spTree>
+      <p:nvGrpSpPr>
+        <p:cNvPr id="1" name=""/>
+        <p:cNvGrpSpPr/>
+        <p:nvPr/>
+      </p:nvGrpSpPr>
+      <p:grpSpPr>
+        <a:xfrm>
+          <a:off x="0" y="0"/>
+          <a:ext cx="0" cy="0"/>
+          <a:chOff x="0" y="0"/>
+          <a:chExt cx="0" cy="0"/>
+        </a:xfrm>
+      </p:grpSpPr>
+      <p:sp>
+        <p:nvSpPr>
+          <p:cNvPr id="2" name="Title 1"/>
+          <p:cNvSpPr>
+            <a:spLocks noGrp="1"/>
+          </p:cNvSpPr>
+          <p:nvPr>
+            <p:ph type="title"/>
+          </p:nvPr>
+        </p:nvSpPr>
+        <p:spPr/>
+        <p:txBody>
+          <a:bodyPr/>
+          <a:lstStyle/>
+          <a:p>
+            <a:r>
+              <a:rPr lang="en-US" dirty="0" smtClean="0"/>
+              <a:t>TODO: Dennie</a:t>
+            </a:r>
+            <a:endParaRPr lang="nl-BE" dirty="0"/>
+          </a:p>
+        </p:txBody>
+      </p:sp>
+      <p:sp>
+        <p:nvSpPr>
+          <p:cNvPr id="3" name="Content Placeholder 2"/>
+          <p:cNvSpPr>
+            <a:spLocks noGrp="1"/>
+          </p:cNvSpPr>
+          <p:nvPr>
+            <p:ph idx="1"/>
+          </p:nvPr>
+        </p:nvSpPr>
+        <p:spPr/>
+        <p:txBody>
+          <a:bodyPr/>
+          <a:lstStyle/>
+          <a:p>
+            <a:endParaRPr lang="nl-BE" dirty="0"/>
+          </a:p>
+        </p:txBody>
+      </p:sp>
+      <p:sp>
+        <p:nvSpPr>
+          <p:cNvPr id="4" name="Slide Number Placeholder 3"/>
+          <p:cNvSpPr>
+            <a:spLocks noGrp="1"/>
+          </p:cNvSpPr>
+          <p:nvPr>
+            <p:ph type="sldNum" sz="quarter" idx="12"/>
+          </p:nvPr>
+        </p:nvSpPr>
+        <p:spPr/>
+        <p:txBody>
+          <a:bodyPr/>
+          <a:lstStyle/>
+          <a:p>
+            <a:pPr>
+              <a:defRPr/>
+            </a:pPr>
+            <a:fld id="{BC2BCED3-7F4A-40F1-85DA-02B4B5A68187}" type="slidenum">
+              <a:rPr lang="nl-NL" smtClean="0"/>
+              <a:pPr>
+                <a:defRPr/>
+              </a:pPr>
+              <a:t>10</a:t>
+            </a:fld>
+            <a:endParaRPr lang="nl-NL"/>
+          </a:p>
+        </p:txBody>
+      </p:sp>
+    </p:spTree>
+    <p:extLst>
+      <p:ext uri="{BB962C8B-B14F-4D97-AF65-F5344CB8AC3E}">
+        <p14:creationId xmlns:p14="http://schemas.microsoft.com/office/powerpoint/2010/main" val="1209278954"/>
       </p:ext>
     </p:extLst>
   </p:cSld>
@@ -5655,6 +5772,13 @@
   <p:clrMapOvr>
     <a:masterClrMapping/>
   </p:clrMapOvr>
+  <p:timing>
+    <p:tnLst>
+      <p:par>
+        <p:cTn id="1" dur="indefinite" restart="never" nodeType="tmRoot"/>
+      </p:par>
+    </p:tnLst>
+  </p:timing>
 </p:sld>
 </file>
 
@@ -5747,7 +5871,6 @@
               <a:rPr lang="en-US" dirty="0" smtClean="0"/>
               <a:t>Communication</a:t>
             </a:r>
-            <a:endParaRPr lang="en-US" dirty="0" smtClean="0"/>
           </a:p>
           <a:p>
             <a:pPr lvl="0"/>
@@ -5974,7 +6097,11 @@
           <a:bodyPr/>
           <a:lstStyle/>
           <a:p>
-            <a:endParaRPr lang="nl-BE"/>
+            <a:r>
+              <a:rPr lang="en-US" dirty="0" smtClean="0"/>
+              <a:t>TODO : ARJEN</a:t>
+            </a:r>
+            <a:endParaRPr lang="nl-BE" dirty="0"/>
           </a:p>
         </p:txBody>
       </p:sp>
@@ -6030,6 +6157,612 @@
     <p:extLst>
       <p:ext uri="{BB962C8B-B14F-4D97-AF65-F5344CB8AC3E}">
         <p14:creationId xmlns:p14="http://schemas.microsoft.com/office/powerpoint/2010/main" val="975155166"/>
+      </p:ext>
+    </p:extLst>
+  </p:cSld>
+  <p:clrMapOvr>
+    <a:masterClrMapping/>
+  </p:clrMapOvr>
+  <p:timing>
+    <p:tnLst>
+      <p:par>
+        <p:cTn id="1" dur="indefinite" restart="never" nodeType="tmRoot"/>
+      </p:par>
+    </p:tnLst>
+  </p:timing>
+</p:sld>
+</file>
+
+<file path=ppt/slides/slide6.xml><?xml version="1.0" encoding="utf-8"?>
+<p:sld xmlns:a="http://schemas.openxmlformats.org/drawingml/2006/main" xmlns:r="http://schemas.openxmlformats.org/officeDocument/2006/relationships" xmlns:p="http://schemas.openxmlformats.org/presentationml/2006/main">
+  <p:cSld>
+    <p:spTree>
+      <p:nvGrpSpPr>
+        <p:cNvPr id="1" name=""/>
+        <p:cNvGrpSpPr/>
+        <p:nvPr/>
+      </p:nvGrpSpPr>
+      <p:grpSpPr>
+        <a:xfrm>
+          <a:off x="0" y="0"/>
+          <a:ext cx="0" cy="0"/>
+          <a:chOff x="0" y="0"/>
+          <a:chExt cx="0" cy="0"/>
+        </a:xfrm>
+      </p:grpSpPr>
+      <p:sp>
+        <p:nvSpPr>
+          <p:cNvPr id="2" name="Title 1"/>
+          <p:cNvSpPr>
+            <a:spLocks noGrp="1"/>
+          </p:cNvSpPr>
+          <p:nvPr>
+            <p:ph type="title"/>
+          </p:nvPr>
+        </p:nvSpPr>
+        <p:spPr/>
+        <p:txBody>
+          <a:bodyPr/>
+          <a:lstStyle/>
+          <a:p>
+            <a:r>
+              <a:rPr lang="en-US" dirty="0" smtClean="0"/>
+              <a:t>Reflection</a:t>
+            </a:r>
+            <a:endParaRPr lang="nl-BE" dirty="0"/>
+          </a:p>
+        </p:txBody>
+      </p:sp>
+      <p:sp>
+        <p:nvSpPr>
+          <p:cNvPr id="3" name="Content Placeholder 2"/>
+          <p:cNvSpPr>
+            <a:spLocks noGrp="1"/>
+          </p:cNvSpPr>
+          <p:nvPr>
+            <p:ph idx="1"/>
+          </p:nvPr>
+        </p:nvSpPr>
+        <p:spPr/>
+        <p:txBody>
+          <a:bodyPr/>
+          <a:lstStyle/>
+          <a:p>
+            <a:r>
+              <a:rPr lang="en-US" dirty="0" smtClean="0"/>
+              <a:t>Planning	: Agile</a:t>
+            </a:r>
+          </a:p>
+          <a:p>
+            <a:r>
+              <a:rPr lang="en-US" dirty="0" smtClean="0"/>
+              <a:t>Requirements is a starting point</a:t>
+            </a:r>
+          </a:p>
+          <a:p>
+            <a:pPr marL="0" indent="0">
+              <a:buNone/>
+            </a:pPr>
+            <a:endParaRPr lang="nl-BE" dirty="0"/>
+          </a:p>
+        </p:txBody>
+      </p:sp>
+      <p:sp>
+        <p:nvSpPr>
+          <p:cNvPr id="4" name="Slide Number Placeholder 3"/>
+          <p:cNvSpPr>
+            <a:spLocks noGrp="1"/>
+          </p:cNvSpPr>
+          <p:nvPr>
+            <p:ph type="sldNum" sz="quarter" idx="12"/>
+          </p:nvPr>
+        </p:nvSpPr>
+        <p:spPr/>
+        <p:txBody>
+          <a:bodyPr/>
+          <a:lstStyle/>
+          <a:p>
+            <a:pPr>
+              <a:defRPr/>
+            </a:pPr>
+            <a:fld id="{BC2BCED3-7F4A-40F1-85DA-02B4B5A68187}" type="slidenum">
+              <a:rPr lang="nl-NL" smtClean="0"/>
+              <a:pPr>
+                <a:defRPr/>
+              </a:pPr>
+              <a:t>6</a:t>
+            </a:fld>
+            <a:endParaRPr lang="nl-NL"/>
+          </a:p>
+        </p:txBody>
+      </p:sp>
+      <p:pic>
+        <p:nvPicPr>
+          <p:cNvPr id="1026" name="Picture 2" descr="Afbeeldingsresultaat voor scrum iteration"/>
+          <p:cNvPicPr>
+            <a:picLocks noChangeAspect="1" noChangeArrowheads="1"/>
+          </p:cNvPicPr>
+          <p:nvPr/>
+        </p:nvPicPr>
+        <p:blipFill>
+          <a:blip r:embed="rId2">
+            <a:extLst>
+              <a:ext uri="{28A0092B-C50C-407E-A947-70E740481C1C}">
+                <a14:useLocalDpi xmlns:a14="http://schemas.microsoft.com/office/drawing/2010/main" val="0"/>
+              </a:ext>
+            </a:extLst>
+          </a:blip>
+          <a:srcRect/>
+          <a:stretch>
+            <a:fillRect/>
+          </a:stretch>
+        </p:blipFill>
+        <p:spPr bwMode="auto">
+          <a:xfrm>
+            <a:off x="6383379" y="3170415"/>
+            <a:ext cx="5689171" cy="3185936"/>
+          </a:xfrm>
+          <a:prstGeom prst="rect">
+            <a:avLst/>
+          </a:prstGeom>
+          <a:noFill/>
+          <a:extLst>
+            <a:ext uri="{909E8E84-426E-40DD-AFC4-6F175D3DCCD1}">
+              <a14:hiddenFill xmlns:a14="http://schemas.microsoft.com/office/drawing/2010/main">
+                <a:solidFill>
+                  <a:srgbClr val="FFFFFF"/>
+                </a:solidFill>
+              </a14:hiddenFill>
+            </a:ext>
+          </a:extLst>
+        </p:spPr>
+      </p:pic>
+    </p:spTree>
+    <p:extLst>
+      <p:ext uri="{BB962C8B-B14F-4D97-AF65-F5344CB8AC3E}">
+        <p14:creationId xmlns:p14="http://schemas.microsoft.com/office/powerpoint/2010/main" val="2892671205"/>
+      </p:ext>
+    </p:extLst>
+  </p:cSld>
+  <p:clrMapOvr>
+    <a:masterClrMapping/>
+  </p:clrMapOvr>
+  <p:timing>
+    <p:tnLst>
+      <p:par>
+        <p:cTn id="1" dur="indefinite" restart="never" nodeType="tmRoot"/>
+      </p:par>
+    </p:tnLst>
+  </p:timing>
+</p:sld>
+</file>
+
+<file path=ppt/slides/slide7.xml><?xml version="1.0" encoding="utf-8"?>
+<p:sld xmlns:a="http://schemas.openxmlformats.org/drawingml/2006/main" xmlns:r="http://schemas.openxmlformats.org/officeDocument/2006/relationships" xmlns:p="http://schemas.openxmlformats.org/presentationml/2006/main">
+  <p:cSld>
+    <p:spTree>
+      <p:nvGrpSpPr>
+        <p:cNvPr id="1" name=""/>
+        <p:cNvGrpSpPr/>
+        <p:nvPr/>
+      </p:nvGrpSpPr>
+      <p:grpSpPr>
+        <a:xfrm>
+          <a:off x="0" y="0"/>
+          <a:ext cx="0" cy="0"/>
+          <a:chOff x="0" y="0"/>
+          <a:chExt cx="0" cy="0"/>
+        </a:xfrm>
+      </p:grpSpPr>
+      <p:sp>
+        <p:nvSpPr>
+          <p:cNvPr id="2" name="Title 1"/>
+          <p:cNvSpPr>
+            <a:spLocks noGrp="1"/>
+          </p:cNvSpPr>
+          <p:nvPr>
+            <p:ph type="title"/>
+          </p:nvPr>
+        </p:nvSpPr>
+        <p:spPr/>
+        <p:txBody>
+          <a:bodyPr/>
+          <a:lstStyle/>
+          <a:p>
+            <a:r>
+              <a:rPr lang="en-US" dirty="0" smtClean="0"/>
+              <a:t>Reflection</a:t>
+            </a:r>
+            <a:endParaRPr lang="nl-BE" dirty="0"/>
+          </a:p>
+        </p:txBody>
+      </p:sp>
+      <p:sp>
+        <p:nvSpPr>
+          <p:cNvPr id="3" name="Content Placeholder 2"/>
+          <p:cNvSpPr>
+            <a:spLocks noGrp="1"/>
+          </p:cNvSpPr>
+          <p:nvPr>
+            <p:ph idx="1"/>
+          </p:nvPr>
+        </p:nvSpPr>
+        <p:spPr/>
+        <p:txBody>
+          <a:bodyPr/>
+          <a:lstStyle/>
+          <a:p>
+            <a:r>
+              <a:rPr lang="en-US" dirty="0" smtClean="0"/>
+              <a:t>Meetings: keep it short !</a:t>
+            </a:r>
+          </a:p>
+        </p:txBody>
+      </p:sp>
+      <p:sp>
+        <p:nvSpPr>
+          <p:cNvPr id="4" name="Slide Number Placeholder 3"/>
+          <p:cNvSpPr>
+            <a:spLocks noGrp="1"/>
+          </p:cNvSpPr>
+          <p:nvPr>
+            <p:ph type="sldNum" sz="quarter" idx="12"/>
+          </p:nvPr>
+        </p:nvSpPr>
+        <p:spPr/>
+        <p:txBody>
+          <a:bodyPr/>
+          <a:lstStyle/>
+          <a:p>
+            <a:pPr>
+              <a:defRPr/>
+            </a:pPr>
+            <a:fld id="{BC2BCED3-7F4A-40F1-85DA-02B4B5A68187}" type="slidenum">
+              <a:rPr lang="nl-NL" smtClean="0"/>
+              <a:pPr>
+                <a:defRPr/>
+              </a:pPr>
+              <a:t>7</a:t>
+            </a:fld>
+            <a:endParaRPr lang="nl-NL"/>
+          </a:p>
+        </p:txBody>
+      </p:sp>
+      <p:pic>
+        <p:nvPicPr>
+          <p:cNvPr id="3074" name="Picture 2" descr="http://www.testingexcellence.com/wp-content/uploads/2015/03/scrum-daily-standup.jpg"/>
+          <p:cNvPicPr>
+            <a:picLocks noChangeAspect="1" noChangeArrowheads="1"/>
+          </p:cNvPicPr>
+          <p:nvPr/>
+        </p:nvPicPr>
+        <p:blipFill>
+          <a:blip r:embed="rId2">
+            <a:extLst>
+              <a:ext uri="{28A0092B-C50C-407E-A947-70E740481C1C}">
+                <a14:useLocalDpi xmlns:a14="http://schemas.microsoft.com/office/drawing/2010/main" val="0"/>
+              </a:ext>
+            </a:extLst>
+          </a:blip>
+          <a:srcRect/>
+          <a:stretch>
+            <a:fillRect/>
+          </a:stretch>
+        </p:blipFill>
+        <p:spPr bwMode="auto">
+          <a:xfrm>
+            <a:off x="4740403" y="2374681"/>
+            <a:ext cx="6096944" cy="4072759"/>
+          </a:xfrm>
+          <a:prstGeom prst="rect">
+            <a:avLst/>
+          </a:prstGeom>
+          <a:noFill/>
+          <a:extLst>
+            <a:ext uri="{909E8E84-426E-40DD-AFC4-6F175D3DCCD1}">
+              <a14:hiddenFill xmlns:a14="http://schemas.microsoft.com/office/drawing/2010/main">
+                <a:solidFill>
+                  <a:srgbClr val="FFFFFF"/>
+                </a:solidFill>
+              </a14:hiddenFill>
+            </a:ext>
+          </a:extLst>
+        </p:spPr>
+      </p:pic>
+    </p:spTree>
+    <p:extLst>
+      <p:ext uri="{BB962C8B-B14F-4D97-AF65-F5344CB8AC3E}">
+        <p14:creationId xmlns:p14="http://schemas.microsoft.com/office/powerpoint/2010/main" val="2035232958"/>
+      </p:ext>
+    </p:extLst>
+  </p:cSld>
+  <p:clrMapOvr>
+    <a:masterClrMapping/>
+  </p:clrMapOvr>
+  <p:timing>
+    <p:tnLst>
+      <p:par>
+        <p:cTn id="1" dur="indefinite" restart="never" nodeType="tmRoot"/>
+      </p:par>
+    </p:tnLst>
+  </p:timing>
+</p:sld>
+</file>
+
+<file path=ppt/slides/slide8.xml><?xml version="1.0" encoding="utf-8"?>
+<p:sld xmlns:a="http://schemas.openxmlformats.org/drawingml/2006/main" xmlns:r="http://schemas.openxmlformats.org/officeDocument/2006/relationships" xmlns:p="http://schemas.openxmlformats.org/presentationml/2006/main">
+  <p:cSld>
+    <p:spTree>
+      <p:nvGrpSpPr>
+        <p:cNvPr id="1" name=""/>
+        <p:cNvGrpSpPr/>
+        <p:nvPr/>
+      </p:nvGrpSpPr>
+      <p:grpSpPr>
+        <a:xfrm>
+          <a:off x="0" y="0"/>
+          <a:ext cx="0" cy="0"/>
+          <a:chOff x="0" y="0"/>
+          <a:chExt cx="0" cy="0"/>
+        </a:xfrm>
+      </p:grpSpPr>
+      <p:sp>
+        <p:nvSpPr>
+          <p:cNvPr id="2" name="Title 1"/>
+          <p:cNvSpPr>
+            <a:spLocks noGrp="1"/>
+          </p:cNvSpPr>
+          <p:nvPr>
+            <p:ph type="title"/>
+          </p:nvPr>
+        </p:nvSpPr>
+        <p:spPr/>
+        <p:txBody>
+          <a:bodyPr/>
+          <a:lstStyle/>
+          <a:p>
+            <a:endParaRPr lang="nl-BE"/>
+          </a:p>
+        </p:txBody>
+      </p:sp>
+      <p:sp>
+        <p:nvSpPr>
+          <p:cNvPr id="3" name="Content Placeholder 2"/>
+          <p:cNvSpPr>
+            <a:spLocks noGrp="1"/>
+          </p:cNvSpPr>
+          <p:nvPr>
+            <p:ph idx="1"/>
+          </p:nvPr>
+        </p:nvSpPr>
+        <p:spPr/>
+        <p:txBody>
+          <a:bodyPr/>
+          <a:lstStyle/>
+          <a:p>
+            <a:r>
+              <a:rPr lang="en-US" dirty="0" smtClean="0"/>
+              <a:t>Communication</a:t>
+            </a:r>
+            <a:endParaRPr lang="nl-BE" dirty="0"/>
+          </a:p>
+        </p:txBody>
+      </p:sp>
+      <p:sp>
+        <p:nvSpPr>
+          <p:cNvPr id="4" name="Slide Number Placeholder 3"/>
+          <p:cNvSpPr>
+            <a:spLocks noGrp="1"/>
+          </p:cNvSpPr>
+          <p:nvPr>
+            <p:ph type="sldNum" sz="quarter" idx="12"/>
+          </p:nvPr>
+        </p:nvSpPr>
+        <p:spPr/>
+        <p:txBody>
+          <a:bodyPr/>
+          <a:lstStyle/>
+          <a:p>
+            <a:pPr>
+              <a:defRPr/>
+            </a:pPr>
+            <a:fld id="{BC2BCED3-7F4A-40F1-85DA-02B4B5A68187}" type="slidenum">
+              <a:rPr lang="nl-NL" smtClean="0"/>
+              <a:pPr>
+                <a:defRPr/>
+              </a:pPr>
+              <a:t>8</a:t>
+            </a:fld>
+            <a:endParaRPr lang="nl-NL"/>
+          </a:p>
+        </p:txBody>
+      </p:sp>
+      <p:pic>
+        <p:nvPicPr>
+          <p:cNvPr id="5" name="Picture 4" descr="http://agilemodeling.com/images/communicationModes.gif"/>
+          <p:cNvPicPr/>
+          <p:nvPr/>
+        </p:nvPicPr>
+        <p:blipFill>
+          <a:blip r:embed="rId2">
+            <a:extLst>
+              <a:ext uri="{28A0092B-C50C-407E-A947-70E740481C1C}">
+                <a14:useLocalDpi xmlns:a14="http://schemas.microsoft.com/office/drawing/2010/main" val="0"/>
+              </a:ext>
+            </a:extLst>
+          </a:blip>
+          <a:srcRect/>
+          <a:stretch>
+            <a:fillRect/>
+          </a:stretch>
+        </p:blipFill>
+        <p:spPr bwMode="auto">
+          <a:xfrm>
+            <a:off x="3781169" y="1112108"/>
+            <a:ext cx="6870356" cy="5129149"/>
+          </a:xfrm>
+          <a:prstGeom prst="rect">
+            <a:avLst/>
+          </a:prstGeom>
+          <a:noFill/>
+          <a:ln>
+            <a:noFill/>
+          </a:ln>
+        </p:spPr>
+      </p:pic>
+    </p:spTree>
+    <p:extLst>
+      <p:ext uri="{BB962C8B-B14F-4D97-AF65-F5344CB8AC3E}">
+        <p14:creationId xmlns:p14="http://schemas.microsoft.com/office/powerpoint/2010/main" val="3608307393"/>
+      </p:ext>
+    </p:extLst>
+  </p:cSld>
+  <p:clrMapOvr>
+    <a:masterClrMapping/>
+  </p:clrMapOvr>
+  <p:timing>
+    <p:tnLst>
+      <p:par>
+        <p:cTn id="1" dur="indefinite" restart="never" nodeType="tmRoot"/>
+      </p:par>
+    </p:tnLst>
+  </p:timing>
+</p:sld>
+</file>
+
+<file path=ppt/slides/slide9.xml><?xml version="1.0" encoding="utf-8"?>
+<p:sld xmlns:a="http://schemas.openxmlformats.org/drawingml/2006/main" xmlns:r="http://schemas.openxmlformats.org/officeDocument/2006/relationships" xmlns:p="http://schemas.openxmlformats.org/presentationml/2006/main">
+  <p:cSld>
+    <p:spTree>
+      <p:nvGrpSpPr>
+        <p:cNvPr id="1" name=""/>
+        <p:cNvGrpSpPr/>
+        <p:nvPr/>
+      </p:nvGrpSpPr>
+      <p:grpSpPr>
+        <a:xfrm>
+          <a:off x="0" y="0"/>
+          <a:ext cx="0" cy="0"/>
+          <a:chOff x="0" y="0"/>
+          <a:chExt cx="0" cy="0"/>
+        </a:xfrm>
+      </p:grpSpPr>
+      <p:sp>
+        <p:nvSpPr>
+          <p:cNvPr id="2" name="Title 1"/>
+          <p:cNvSpPr>
+            <a:spLocks noGrp="1"/>
+          </p:cNvSpPr>
+          <p:nvPr>
+            <p:ph type="title"/>
+          </p:nvPr>
+        </p:nvSpPr>
+        <p:spPr/>
+        <p:txBody>
+          <a:bodyPr/>
+          <a:lstStyle/>
+          <a:p>
+            <a:endParaRPr lang="nl-BE"/>
+          </a:p>
+        </p:txBody>
+      </p:sp>
+      <p:sp>
+        <p:nvSpPr>
+          <p:cNvPr id="3" name="Content Placeholder 2"/>
+          <p:cNvSpPr>
+            <a:spLocks noGrp="1"/>
+          </p:cNvSpPr>
+          <p:nvPr>
+            <p:ph idx="1"/>
+          </p:nvPr>
+        </p:nvSpPr>
+        <p:spPr/>
+        <p:txBody>
+          <a:bodyPr/>
+          <a:lstStyle/>
+          <a:p>
+            <a:r>
+              <a:rPr lang="en-US" dirty="0" smtClean="0"/>
+              <a:t>Tooling</a:t>
+            </a:r>
+            <a:endParaRPr lang="nl-BE" dirty="0"/>
+          </a:p>
+        </p:txBody>
+      </p:sp>
+      <p:sp>
+        <p:nvSpPr>
+          <p:cNvPr id="4" name="Slide Number Placeholder 3"/>
+          <p:cNvSpPr>
+            <a:spLocks noGrp="1"/>
+          </p:cNvSpPr>
+          <p:nvPr>
+            <p:ph type="sldNum" sz="quarter" idx="12"/>
+          </p:nvPr>
+        </p:nvSpPr>
+        <p:spPr/>
+        <p:txBody>
+          <a:bodyPr/>
+          <a:lstStyle/>
+          <a:p>
+            <a:pPr>
+              <a:defRPr/>
+            </a:pPr>
+            <a:fld id="{BC2BCED3-7F4A-40F1-85DA-02B4B5A68187}" type="slidenum">
+              <a:rPr lang="nl-NL" smtClean="0"/>
+              <a:pPr>
+                <a:defRPr/>
+              </a:pPr>
+              <a:t>9</a:t>
+            </a:fld>
+            <a:endParaRPr lang="nl-NL"/>
+          </a:p>
+        </p:txBody>
+      </p:sp>
+      <p:pic>
+        <p:nvPicPr>
+          <p:cNvPr id="2052" name="Picture 4" descr="http://www.ljplus.ru/img4/a/s/asolntsev/eclipse_vs_idea_eng.png"/>
+          <p:cNvPicPr>
+            <a:picLocks noChangeAspect="1" noChangeArrowheads="1"/>
+          </p:cNvPicPr>
+          <p:nvPr/>
+        </p:nvPicPr>
+        <p:blipFill>
+          <a:blip r:embed="rId2">
+            <a:extLst>
+              <a:ext uri="{28A0092B-C50C-407E-A947-70E740481C1C}">
+                <a14:useLocalDpi xmlns:a14="http://schemas.microsoft.com/office/drawing/2010/main" val="0"/>
+              </a:ext>
+            </a:extLst>
+          </a:blip>
+          <a:srcRect/>
+          <a:stretch>
+            <a:fillRect/>
+          </a:stretch>
+        </p:blipFill>
+        <p:spPr bwMode="auto">
+          <a:xfrm>
+            <a:off x="3244765" y="3247769"/>
+            <a:ext cx="5281398" cy="1422842"/>
+          </a:xfrm>
+          <a:prstGeom prst="rect">
+            <a:avLst/>
+          </a:prstGeom>
+          <a:noFill/>
+          <a:extLst>
+            <a:ext uri="{909E8E84-426E-40DD-AFC4-6F175D3DCCD1}">
+              <a14:hiddenFill xmlns:a14="http://schemas.microsoft.com/office/drawing/2010/main">
+                <a:solidFill>
+                  <a:srgbClr val="FFFFFF"/>
+                </a:solidFill>
+              </a14:hiddenFill>
+            </a:ext>
+          </a:extLst>
+        </p:spPr>
+      </p:pic>
+    </p:spTree>
+    <p:extLst>
+      <p:ext uri="{BB962C8B-B14F-4D97-AF65-F5344CB8AC3E}">
+        <p14:creationId xmlns:p14="http://schemas.microsoft.com/office/powerpoint/2010/main" val="3463631824"/>
       </p:ext>
     </p:extLst>
   </p:cSld>

--- a/italent/documents/english/EnglishPresentation.pptx
+++ b/italent/documents/english/EnglishPresentation.pptx
@@ -5312,15 +5312,7 @@
                   <a:schemeClr val="tx1"/>
                 </a:solidFill>
               </a:rPr>
-              <a:t>Dennie </a:t>
-            </a:r>
-            <a:r>
-              <a:rPr lang="nl-BE" sz="1800" dirty="0" smtClean="0">
-                <a:solidFill>
-                  <a:schemeClr val="tx1"/>
-                </a:solidFill>
-              </a:rPr>
-              <a:t>Grondelaers</a:t>
+              <a:t>Dennie Grondelaers</a:t>
             </a:r>
             <a:br>
               <a:rPr lang="nl-BE" sz="1800" dirty="0" smtClean="0">
@@ -6741,8 +6733,88 @@
         </p:blipFill>
         <p:spPr bwMode="auto">
           <a:xfrm>
-            <a:off x="3244765" y="3247769"/>
+            <a:off x="513922" y="2667001"/>
             <a:ext cx="5281398" cy="1422842"/>
+          </a:xfrm>
+          <a:prstGeom prst="rect">
+            <a:avLst/>
+          </a:prstGeom>
+          <a:noFill/>
+          <a:extLst>
+            <a:ext uri="{909E8E84-426E-40DD-AFC4-6F175D3DCCD1}">
+              <a14:hiddenFill xmlns:a14="http://schemas.microsoft.com/office/drawing/2010/main">
+                <a:solidFill>
+                  <a:srgbClr val="FFFFFF"/>
+                </a:solidFill>
+              </a14:hiddenFill>
+            </a:ext>
+          </a:extLst>
+        </p:spPr>
+      </p:pic>
+      <p:sp>
+        <p:nvSpPr>
+          <p:cNvPr id="7" name="AutoShape 6" descr="Afbeeldingsresultaat voor learning curve"/>
+          <p:cNvSpPr>
+            <a:spLocks noChangeAspect="1" noChangeArrowheads="1"/>
+          </p:cNvSpPr>
+          <p:nvPr/>
+        </p:nvSpPr>
+        <p:spPr bwMode="auto">
+          <a:xfrm>
+            <a:off x="155575" y="-144463"/>
+            <a:ext cx="304800" cy="304801"/>
+          </a:xfrm>
+          <a:prstGeom prst="rect">
+            <a:avLst/>
+          </a:prstGeom>
+          <a:noFill/>
+          <a:extLst>
+            <a:ext uri="{909E8E84-426E-40DD-AFC4-6F175D3DCCD1}">
+              <a14:hiddenFill xmlns:a14="http://schemas.microsoft.com/office/drawing/2010/main">
+                <a:solidFill>
+                  <a:srgbClr val="FFFFFF"/>
+                </a:solidFill>
+              </a14:hiddenFill>
+            </a:ext>
+          </a:extLst>
+        </p:spPr>
+        <p:txBody>
+          <a:bodyPr vert="horz" wrap="square" lIns="91440" tIns="45720" rIns="91440" bIns="45720" numCol="1" anchor="t" anchorCtr="0" compatLnSpc="1">
+            <a:prstTxWarp prst="textNoShape">
+              <a:avLst/>
+            </a:prstTxWarp>
+          </a:bodyPr>
+          <a:lstStyle/>
+          <a:p>
+            <a:endParaRPr lang="nl-BE"/>
+          </a:p>
+        </p:txBody>
+      </p:sp>
+      <p:pic>
+        <p:nvPicPr>
+          <p:cNvPr id="1032" name="Picture 8" descr="https://upload.wikimedia.org/wikipedia/commons/f/f2/Alanf777_Lcd_fig07.png"/>
+          <p:cNvPicPr>
+            <a:picLocks noChangeAspect="1" noChangeArrowheads="1"/>
+          </p:cNvPicPr>
+          <p:nvPr/>
+        </p:nvPicPr>
+        <p:blipFill>
+          <a:blip r:embed="rId3">
+            <a:extLst>
+              <a:ext uri="{28A0092B-C50C-407E-A947-70E740481C1C}">
+                <a14:useLocalDpi xmlns:a14="http://schemas.microsoft.com/office/drawing/2010/main" val="0"/>
+              </a:ext>
+            </a:extLst>
+          </a:blip>
+          <a:srcRect/>
+          <a:stretch>
+            <a:fillRect/>
+          </a:stretch>
+        </p:blipFill>
+        <p:spPr bwMode="auto">
+          <a:xfrm>
+            <a:off x="6410987" y="1890585"/>
+            <a:ext cx="5781013" cy="3854008"/>
           </a:xfrm>
           <a:prstGeom prst="rect">
             <a:avLst/>

--- a/italent/documents/english/EnglishPresentation.pptx
+++ b/italent/documents/english/EnglishPresentation.pptx
@@ -10,11 +10,12 @@
     <p:sldId id="260" r:id="rId4"/>
     <p:sldId id="261" r:id="rId5"/>
     <p:sldId id="262" r:id="rId6"/>
-    <p:sldId id="264" r:id="rId7"/>
-    <p:sldId id="267" r:id="rId8"/>
-    <p:sldId id="265" r:id="rId9"/>
-    <p:sldId id="266" r:id="rId10"/>
-    <p:sldId id="263" r:id="rId11"/>
+    <p:sldId id="268" r:id="rId7"/>
+    <p:sldId id="264" r:id="rId8"/>
+    <p:sldId id="267" r:id="rId9"/>
+    <p:sldId id="265" r:id="rId10"/>
+    <p:sldId id="266" r:id="rId11"/>
+    <p:sldId id="263" r:id="rId12"/>
   </p:sldIdLst>
   <p:sldSz cx="12192000" cy="6858000"/>
   <p:notesSz cx="6858000" cy="9144000"/>
@@ -755,7 +756,7 @@
               <a:pPr>
                 <a:defRPr/>
               </a:pPr>
-              <a:t>‹#›</a:t>
+              <a:t>‹nr.›</a:t>
             </a:fld>
             <a:endParaRPr lang="nl-NL">
               <a:solidFill>
@@ -1128,7 +1129,7 @@
               <a:pPr>
                 <a:defRPr/>
               </a:pPr>
-              <a:t>‹#›</a:t>
+              <a:t>‹nr.›</a:t>
             </a:fld>
             <a:endParaRPr lang="nl-NL"/>
           </a:p>
@@ -1397,7 +1398,7 @@
               <a:pPr>
                 <a:defRPr/>
               </a:pPr>
-              <a:t>‹#›</a:t>
+              <a:t>‹nr.›</a:t>
             </a:fld>
             <a:endParaRPr lang="nl-NL"/>
           </a:p>
@@ -1676,7 +1677,7 @@
               <a:pPr>
                 <a:defRPr/>
               </a:pPr>
-              <a:t>‹#›</a:t>
+              <a:t>‹nr.›</a:t>
             </a:fld>
             <a:endParaRPr lang="nl-NL"/>
           </a:p>
@@ -1945,7 +1946,7 @@
               <a:pPr>
                 <a:defRPr/>
               </a:pPr>
-              <a:t>‹#›</a:t>
+              <a:t>‹nr.›</a:t>
             </a:fld>
             <a:endParaRPr lang="nl-NL"/>
           </a:p>
@@ -2324,7 +2325,7 @@
               <a:pPr>
                 <a:defRPr/>
               </a:pPr>
-              <a:t>‹#›</a:t>
+              <a:t>‹nr.›</a:t>
             </a:fld>
             <a:endParaRPr lang="nl-NL"/>
           </a:p>
@@ -2711,7 +2712,7 @@
               <a:pPr>
                 <a:defRPr/>
               </a:pPr>
-              <a:t>‹#›</a:t>
+              <a:t>‹nr.›</a:t>
             </a:fld>
             <a:endParaRPr lang="nl-NL"/>
           </a:p>
@@ -3232,7 +3233,7 @@
               <a:pPr>
                 <a:defRPr/>
               </a:pPr>
-              <a:t>‹#›</a:t>
+              <a:t>‹nr.›</a:t>
             </a:fld>
             <a:endParaRPr lang="nl-NL"/>
           </a:p>
@@ -3449,7 +3450,7 @@
               <a:pPr>
                 <a:defRPr/>
               </a:pPr>
-              <a:t>‹#›</a:t>
+              <a:t>‹nr.›</a:t>
             </a:fld>
             <a:endParaRPr lang="nl-NL"/>
           </a:p>
@@ -3643,7 +3644,7 @@
               <a:pPr>
                 <a:defRPr/>
               </a:pPr>
-              <a:t>‹#›</a:t>
+              <a:t>‹nr.›</a:t>
             </a:fld>
             <a:endParaRPr lang="nl-NL"/>
           </a:p>
@@ -4019,7 +4020,7 @@
               <a:pPr>
                 <a:defRPr/>
               </a:pPr>
-              <a:t>‹#›</a:t>
+              <a:t>‹nr.›</a:t>
             </a:fld>
             <a:endParaRPr lang="nl-NL"/>
           </a:p>
@@ -4384,7 +4385,7 @@
                 </a:spcAft>
                 <a:defRPr/>
               </a:pPr>
-              <a:t>‹#›</a:t>
+              <a:t>‹nr.›</a:t>
             </a:fld>
             <a:endParaRPr lang="nl-NL">
               <a:cs typeface="Arial" panose="020B0604020202020204" pitchFamily="34" charset="0"/>
@@ -5464,11 +5465,7 @@
           <a:bodyPr/>
           <a:lstStyle/>
           <a:p>
-            <a:r>
-              <a:rPr lang="en-US" dirty="0" smtClean="0"/>
-              <a:t>TODO: Dennie</a:t>
-            </a:r>
-            <a:endParaRPr lang="nl-BE" dirty="0"/>
+            <a:endParaRPr lang="nl-BE"/>
           </a:p>
         </p:txBody>
       </p:sp>
@@ -5487,6 +5484,10 @@
           <a:bodyPr/>
           <a:lstStyle/>
           <a:p>
+            <a:r>
+              <a:rPr lang="en-US" dirty="0" smtClean="0"/>
+              <a:t>Tooling</a:t>
+            </a:r>
             <a:endParaRPr lang="nl-BE" dirty="0"/>
           </a:p>
         </p:txBody>
@@ -5515,6 +5516,235 @@
                 <a:defRPr/>
               </a:pPr>
               <a:t>10</a:t>
+            </a:fld>
+            <a:endParaRPr lang="nl-NL"/>
+          </a:p>
+        </p:txBody>
+      </p:sp>
+      <p:pic>
+        <p:nvPicPr>
+          <p:cNvPr id="2052" name="Picture 4" descr="http://www.ljplus.ru/img4/a/s/asolntsev/eclipse_vs_idea_eng.png"/>
+          <p:cNvPicPr>
+            <a:picLocks noChangeAspect="1" noChangeArrowheads="1"/>
+          </p:cNvPicPr>
+          <p:nvPr/>
+        </p:nvPicPr>
+        <p:blipFill>
+          <a:blip r:embed="rId2">
+            <a:extLst>
+              <a:ext uri="{28A0092B-C50C-407E-A947-70E740481C1C}">
+                <a14:useLocalDpi xmlns:a14="http://schemas.microsoft.com/office/drawing/2010/main" val="0"/>
+              </a:ext>
+            </a:extLst>
+          </a:blip>
+          <a:srcRect/>
+          <a:stretch>
+            <a:fillRect/>
+          </a:stretch>
+        </p:blipFill>
+        <p:spPr bwMode="auto">
+          <a:xfrm>
+            <a:off x="513922" y="2667001"/>
+            <a:ext cx="5281398" cy="1422842"/>
+          </a:xfrm>
+          <a:prstGeom prst="rect">
+            <a:avLst/>
+          </a:prstGeom>
+          <a:noFill/>
+          <a:extLst>
+            <a:ext uri="{909E8E84-426E-40DD-AFC4-6F175D3DCCD1}">
+              <a14:hiddenFill xmlns:a14="http://schemas.microsoft.com/office/drawing/2010/main">
+                <a:solidFill>
+                  <a:srgbClr val="FFFFFF"/>
+                </a:solidFill>
+              </a14:hiddenFill>
+            </a:ext>
+          </a:extLst>
+        </p:spPr>
+      </p:pic>
+      <p:sp>
+        <p:nvSpPr>
+          <p:cNvPr id="7" name="AutoShape 6" descr="Afbeeldingsresultaat voor learning curve"/>
+          <p:cNvSpPr>
+            <a:spLocks noChangeAspect="1" noChangeArrowheads="1"/>
+          </p:cNvSpPr>
+          <p:nvPr/>
+        </p:nvSpPr>
+        <p:spPr bwMode="auto">
+          <a:xfrm>
+            <a:off x="155575" y="-144463"/>
+            <a:ext cx="304800" cy="304801"/>
+          </a:xfrm>
+          <a:prstGeom prst="rect">
+            <a:avLst/>
+          </a:prstGeom>
+          <a:noFill/>
+          <a:extLst>
+            <a:ext uri="{909E8E84-426E-40DD-AFC4-6F175D3DCCD1}">
+              <a14:hiddenFill xmlns:a14="http://schemas.microsoft.com/office/drawing/2010/main">
+                <a:solidFill>
+                  <a:srgbClr val="FFFFFF"/>
+                </a:solidFill>
+              </a14:hiddenFill>
+            </a:ext>
+          </a:extLst>
+        </p:spPr>
+        <p:txBody>
+          <a:bodyPr vert="horz" wrap="square" lIns="91440" tIns="45720" rIns="91440" bIns="45720" numCol="1" anchor="t" anchorCtr="0" compatLnSpc="1">
+            <a:prstTxWarp prst="textNoShape">
+              <a:avLst/>
+            </a:prstTxWarp>
+          </a:bodyPr>
+          <a:lstStyle/>
+          <a:p>
+            <a:endParaRPr lang="nl-BE"/>
+          </a:p>
+        </p:txBody>
+      </p:sp>
+      <p:pic>
+        <p:nvPicPr>
+          <p:cNvPr id="1032" name="Picture 8" descr="https://upload.wikimedia.org/wikipedia/commons/f/f2/Alanf777_Lcd_fig07.png"/>
+          <p:cNvPicPr>
+            <a:picLocks noChangeAspect="1" noChangeArrowheads="1"/>
+          </p:cNvPicPr>
+          <p:nvPr/>
+        </p:nvPicPr>
+        <p:blipFill>
+          <a:blip r:embed="rId3">
+            <a:extLst>
+              <a:ext uri="{28A0092B-C50C-407E-A947-70E740481C1C}">
+                <a14:useLocalDpi xmlns:a14="http://schemas.microsoft.com/office/drawing/2010/main" val="0"/>
+              </a:ext>
+            </a:extLst>
+          </a:blip>
+          <a:srcRect/>
+          <a:stretch>
+            <a:fillRect/>
+          </a:stretch>
+        </p:blipFill>
+        <p:spPr bwMode="auto">
+          <a:xfrm>
+            <a:off x="6410987" y="1890585"/>
+            <a:ext cx="5781013" cy="3854008"/>
+          </a:xfrm>
+          <a:prstGeom prst="rect">
+            <a:avLst/>
+          </a:prstGeom>
+          <a:noFill/>
+          <a:extLst>
+            <a:ext uri="{909E8E84-426E-40DD-AFC4-6F175D3DCCD1}">
+              <a14:hiddenFill xmlns:a14="http://schemas.microsoft.com/office/drawing/2010/main">
+                <a:solidFill>
+                  <a:srgbClr val="FFFFFF"/>
+                </a:solidFill>
+              </a14:hiddenFill>
+            </a:ext>
+          </a:extLst>
+        </p:spPr>
+      </p:pic>
+    </p:spTree>
+    <p:extLst>
+      <p:ext uri="{BB962C8B-B14F-4D97-AF65-F5344CB8AC3E}">
+        <p14:creationId xmlns:p14="http://schemas.microsoft.com/office/powerpoint/2010/main" val="3463631824"/>
+      </p:ext>
+    </p:extLst>
+  </p:cSld>
+  <p:clrMapOvr>
+    <a:masterClrMapping/>
+  </p:clrMapOvr>
+  <p:timing>
+    <p:tnLst>
+      <p:par>
+        <p:cTn id="1" dur="indefinite" restart="never" nodeType="tmRoot"/>
+      </p:par>
+    </p:tnLst>
+  </p:timing>
+</p:sld>
+</file>
+
+<file path=ppt/slides/slide11.xml><?xml version="1.0" encoding="utf-8"?>
+<p:sld xmlns:a="http://schemas.openxmlformats.org/drawingml/2006/main" xmlns:r="http://schemas.openxmlformats.org/officeDocument/2006/relationships" xmlns:p="http://schemas.openxmlformats.org/presentationml/2006/main">
+  <p:cSld>
+    <p:spTree>
+      <p:nvGrpSpPr>
+        <p:cNvPr id="1" name=""/>
+        <p:cNvGrpSpPr/>
+        <p:nvPr/>
+      </p:nvGrpSpPr>
+      <p:grpSpPr>
+        <a:xfrm>
+          <a:off x="0" y="0"/>
+          <a:ext cx="0" cy="0"/>
+          <a:chOff x="0" y="0"/>
+          <a:chExt cx="0" cy="0"/>
+        </a:xfrm>
+      </p:grpSpPr>
+      <p:sp>
+        <p:nvSpPr>
+          <p:cNvPr id="2" name="Title 1"/>
+          <p:cNvSpPr>
+            <a:spLocks noGrp="1"/>
+          </p:cNvSpPr>
+          <p:nvPr>
+            <p:ph type="title"/>
+          </p:nvPr>
+        </p:nvSpPr>
+        <p:spPr/>
+        <p:txBody>
+          <a:bodyPr/>
+          <a:lstStyle/>
+          <a:p>
+            <a:r>
+              <a:rPr lang="en-US" dirty="0" smtClean="0"/>
+              <a:t>TODO: Dennie</a:t>
+            </a:r>
+            <a:endParaRPr lang="nl-BE" dirty="0"/>
+          </a:p>
+        </p:txBody>
+      </p:sp>
+      <p:sp>
+        <p:nvSpPr>
+          <p:cNvPr id="3" name="Content Placeholder 2"/>
+          <p:cNvSpPr>
+            <a:spLocks noGrp="1"/>
+          </p:cNvSpPr>
+          <p:nvPr>
+            <p:ph idx="1"/>
+          </p:nvPr>
+        </p:nvSpPr>
+        <p:spPr/>
+        <p:txBody>
+          <a:bodyPr/>
+          <a:lstStyle/>
+          <a:p>
+            <a:endParaRPr lang="nl-BE" dirty="0"/>
+          </a:p>
+        </p:txBody>
+      </p:sp>
+      <p:sp>
+        <p:nvSpPr>
+          <p:cNvPr id="4" name="Slide Number Placeholder 3"/>
+          <p:cNvSpPr>
+            <a:spLocks noGrp="1"/>
+          </p:cNvSpPr>
+          <p:nvPr>
+            <p:ph type="sldNum" sz="quarter" idx="12"/>
+          </p:nvPr>
+        </p:nvSpPr>
+        <p:spPr/>
+        <p:txBody>
+          <a:bodyPr/>
+          <a:lstStyle/>
+          <a:p>
+            <a:pPr>
+              <a:defRPr/>
+            </a:pPr>
+            <a:fld id="{BC2BCED3-7F4A-40F1-85DA-02B4B5A68187}" type="slidenum">
+              <a:rPr lang="nl-NL" smtClean="0"/>
+              <a:pPr>
+                <a:defRPr/>
+              </a:pPr>
+              <a:t>11</a:t>
             </a:fld>
             <a:endParaRPr lang="nl-NL"/>
           </a:p>
@@ -6090,8 +6320,8 @@
           <a:lstStyle/>
           <a:p>
             <a:r>
-              <a:rPr lang="en-US" dirty="0" smtClean="0"/>
-              <a:t>TODO : ARJEN</a:t>
+              <a:rPr lang="nl-BE" dirty="0"/>
+              <a:t>I-Talent Platform</a:t>
             </a:r>
             <a:endParaRPr lang="nl-BE" dirty="0"/>
           </a:p>
@@ -6107,12 +6337,79 @@
             <p:ph idx="1"/>
           </p:nvPr>
         </p:nvSpPr>
-        <p:spPr/>
+        <p:spPr>
+          <a:xfrm>
+            <a:off x="4263242" y="1600201"/>
+            <a:ext cx="7319158" cy="4525963"/>
+          </a:xfrm>
+        </p:spPr>
         <p:txBody>
           <a:bodyPr/>
           <a:lstStyle/>
           <a:p>
-            <a:endParaRPr lang="nl-BE"/>
+            <a:pPr marL="0" lvl="0" indent="0">
+              <a:buNone/>
+            </a:pPr>
+            <a:r>
+              <a:rPr lang="en-US" b="1" dirty="0" smtClean="0"/>
+              <a:t>Action:</a:t>
+            </a:r>
+            <a:endParaRPr lang="en-US" b="1" dirty="0"/>
+          </a:p>
+          <a:p>
+            <a:pPr lvl="0"/>
+            <a:r>
+              <a:rPr lang="nl-BE" dirty="0" smtClean="0"/>
+              <a:t>Brainstroming</a:t>
+            </a:r>
+            <a:endParaRPr lang="nl-BE" dirty="0"/>
+          </a:p>
+          <a:p>
+            <a:pPr lvl="0"/>
+            <a:r>
+              <a:rPr lang="en-US" dirty="0" smtClean="0"/>
+              <a:t>Meetings</a:t>
+            </a:r>
+            <a:endParaRPr lang="en-US" dirty="0"/>
+          </a:p>
+          <a:p>
+            <a:pPr lvl="0"/>
+            <a:r>
+              <a:rPr lang="en-US" dirty="0" smtClean="0"/>
+              <a:t>Analysis</a:t>
+            </a:r>
+            <a:endParaRPr lang="en-US" dirty="0"/>
+          </a:p>
+          <a:p>
+            <a:pPr lvl="0"/>
+            <a:r>
+              <a:rPr lang="nl-BE" dirty="0" err="1" smtClean="0"/>
+              <a:t>And</a:t>
+            </a:r>
+            <a:r>
+              <a:rPr lang="nl-BE" dirty="0" smtClean="0"/>
+              <a:t> </a:t>
+            </a:r>
+            <a:r>
+              <a:rPr lang="nl-BE" dirty="0" err="1" smtClean="0"/>
+              <a:t>finally</a:t>
+            </a:r>
+            <a:r>
+              <a:rPr lang="nl-BE" dirty="0" smtClean="0"/>
+              <a:t> …</a:t>
+            </a:r>
+            <a:r>
+              <a:rPr lang="nl-BE" dirty="0" err="1" smtClean="0"/>
+              <a:t>coding</a:t>
+            </a:r>
+            <a:r>
+              <a:rPr lang="nl-BE" dirty="0" smtClean="0"/>
+              <a:t>!!</a:t>
+            </a:r>
+            <a:endParaRPr lang="nl-BE" dirty="0"/>
+          </a:p>
+          <a:p>
+            <a:endParaRPr lang="nl-BE" dirty="0"/>
           </a:p>
         </p:txBody>
       </p:sp>
@@ -6198,8 +6495,8 @@
           <a:lstStyle/>
           <a:p>
             <a:r>
-              <a:rPr lang="en-US" dirty="0" smtClean="0"/>
-              <a:t>Reflection</a:t>
+              <a:rPr lang="nl-BE" dirty="0"/>
+              <a:t>I-Talent Platform</a:t>
             </a:r>
             <a:endParaRPr lang="nl-BE" dirty="0"/>
           </a:p>
@@ -6215,21 +6512,24 @@
             <p:ph idx="1"/>
           </p:nvPr>
         </p:nvSpPr>
-        <p:spPr/>
+        <p:spPr>
+          <a:xfrm>
+            <a:off x="4251367" y="1417638"/>
+            <a:ext cx="5522026" cy="525482"/>
+          </a:xfrm>
+        </p:spPr>
         <p:txBody>
           <a:bodyPr/>
           <a:lstStyle/>
           <a:p>
-            <a:r>
-              <a:rPr lang="en-US" dirty="0" smtClean="0"/>
-              <a:t>Planning	: Agile</a:t>
-            </a:r>
-          </a:p>
-          <a:p>
-            <a:r>
-              <a:rPr lang="en-US" dirty="0" smtClean="0"/>
-              <a:t>Requirements is a starting point</a:t>
-            </a:r>
+            <a:pPr marL="0" lvl="0" indent="0">
+              <a:buNone/>
+            </a:pPr>
+            <a:r>
+              <a:rPr lang="en-US" b="1" dirty="0" smtClean="0"/>
+              <a:t>First result:</a:t>
+            </a:r>
+            <a:endParaRPr lang="en-US" b="1" dirty="0"/>
           </a:p>
           <a:p>
             <a:pPr marL="0" indent="0">
@@ -6263,6 +6563,159 @@
                 <a:defRPr/>
               </a:pPr>
               <a:t>6</a:t>
+            </a:fld>
+            <a:endParaRPr lang="nl-NL"/>
+          </a:p>
+        </p:txBody>
+      </p:sp>
+      <p:pic>
+        <p:nvPicPr>
+          <p:cNvPr id="5" name="Afbeelding 4"/>
+          <p:cNvPicPr>
+            <a:picLocks noChangeAspect="1"/>
+          </p:cNvPicPr>
+          <p:nvPr/>
+        </p:nvPicPr>
+        <p:blipFill>
+          <a:blip r:embed="rId2">
+            <a:extLst>
+              <a:ext uri="{28A0092B-C50C-407E-A947-70E740481C1C}">
+                <a14:useLocalDpi xmlns:a14="http://schemas.microsoft.com/office/drawing/2010/main" val="0"/>
+              </a:ext>
+            </a:extLst>
+          </a:blip>
+          <a:stretch>
+            <a:fillRect/>
+          </a:stretch>
+        </p:blipFill>
+        <p:spPr>
+          <a:xfrm>
+            <a:off x="2224645" y="2010935"/>
+            <a:ext cx="9140042" cy="4460165"/>
+          </a:xfrm>
+          <a:prstGeom prst="rect">
+            <a:avLst/>
+          </a:prstGeom>
+        </p:spPr>
+      </p:pic>
+    </p:spTree>
+    <p:extLst>
+      <p:ext uri="{BB962C8B-B14F-4D97-AF65-F5344CB8AC3E}">
+        <p14:creationId xmlns:p14="http://schemas.microsoft.com/office/powerpoint/2010/main" val="895059922"/>
+      </p:ext>
+    </p:extLst>
+  </p:cSld>
+  <p:clrMapOvr>
+    <a:masterClrMapping/>
+  </p:clrMapOvr>
+  <p:timing>
+    <p:tnLst>
+      <p:par>
+        <p:cTn id="1" dur="indefinite" restart="never" nodeType="tmRoot"/>
+      </p:par>
+    </p:tnLst>
+  </p:timing>
+</p:sld>
+</file>
+
+<file path=ppt/slides/slide7.xml><?xml version="1.0" encoding="utf-8"?>
+<p:sld xmlns:a="http://schemas.openxmlformats.org/drawingml/2006/main" xmlns:r="http://schemas.openxmlformats.org/officeDocument/2006/relationships" xmlns:p="http://schemas.openxmlformats.org/presentationml/2006/main">
+  <p:cSld>
+    <p:spTree>
+      <p:nvGrpSpPr>
+        <p:cNvPr id="1" name=""/>
+        <p:cNvGrpSpPr/>
+        <p:nvPr/>
+      </p:nvGrpSpPr>
+      <p:grpSpPr>
+        <a:xfrm>
+          <a:off x="0" y="0"/>
+          <a:ext cx="0" cy="0"/>
+          <a:chOff x="0" y="0"/>
+          <a:chExt cx="0" cy="0"/>
+        </a:xfrm>
+      </p:grpSpPr>
+      <p:sp>
+        <p:nvSpPr>
+          <p:cNvPr id="2" name="Title 1"/>
+          <p:cNvSpPr>
+            <a:spLocks noGrp="1"/>
+          </p:cNvSpPr>
+          <p:nvPr>
+            <p:ph type="title"/>
+          </p:nvPr>
+        </p:nvSpPr>
+        <p:spPr/>
+        <p:txBody>
+          <a:bodyPr/>
+          <a:lstStyle/>
+          <a:p>
+            <a:r>
+              <a:rPr lang="en-US" dirty="0" smtClean="0"/>
+              <a:t>Reflection</a:t>
+            </a:r>
+            <a:endParaRPr lang="nl-BE" dirty="0"/>
+          </a:p>
+        </p:txBody>
+      </p:sp>
+      <p:sp>
+        <p:nvSpPr>
+          <p:cNvPr id="3" name="Content Placeholder 2"/>
+          <p:cNvSpPr>
+            <a:spLocks noGrp="1"/>
+          </p:cNvSpPr>
+          <p:nvPr>
+            <p:ph idx="1"/>
+          </p:nvPr>
+        </p:nvSpPr>
+        <p:spPr/>
+        <p:txBody>
+          <a:bodyPr/>
+          <a:lstStyle/>
+          <a:p>
+            <a:r>
+              <a:rPr lang="en-US" dirty="0" smtClean="0"/>
+              <a:t>Planning	: Agile</a:t>
+            </a:r>
+          </a:p>
+          <a:p>
+            <a:r>
+              <a:rPr lang="en-US" dirty="0" smtClean="0"/>
+              <a:t>Requirements is a starting point</a:t>
+            </a:r>
+          </a:p>
+          <a:p>
+            <a:pPr marL="0" indent="0">
+              <a:buNone/>
+            </a:pPr>
+            <a:endParaRPr lang="nl-BE" dirty="0"/>
+          </a:p>
+        </p:txBody>
+      </p:sp>
+      <p:sp>
+        <p:nvSpPr>
+          <p:cNvPr id="4" name="Slide Number Placeholder 3"/>
+          <p:cNvSpPr>
+            <a:spLocks noGrp="1"/>
+          </p:cNvSpPr>
+          <p:nvPr>
+            <p:ph type="sldNum" sz="quarter" idx="12"/>
+          </p:nvPr>
+        </p:nvSpPr>
+        <p:spPr/>
+        <p:txBody>
+          <a:bodyPr/>
+          <a:lstStyle/>
+          <a:p>
+            <a:pPr>
+              <a:defRPr/>
+            </a:pPr>
+            <a:fld id="{BC2BCED3-7F4A-40F1-85DA-02B4B5A68187}" type="slidenum">
+              <a:rPr lang="nl-NL" smtClean="0"/>
+              <a:pPr>
+                <a:defRPr/>
+              </a:pPr>
+              <a:t>7</a:t>
             </a:fld>
             <a:endParaRPr lang="nl-NL"/>
           </a:p>
@@ -6329,7 +6782,7 @@
 </p:sld>
 </file>
 
-<file path=ppt/slides/slide7.xml><?xml version="1.0" encoding="utf-8"?>
+<file path=ppt/slides/slide8.xml><?xml version="1.0" encoding="utf-8"?>
 <p:sld xmlns:a="http://schemas.openxmlformats.org/drawingml/2006/main" xmlns:r="http://schemas.openxmlformats.org/officeDocument/2006/relationships" xmlns:p="http://schemas.openxmlformats.org/presentationml/2006/main">
   <p:cSld>
     <p:spTree>
@@ -6414,7 +6867,7 @@
               <a:pPr>
                 <a:defRPr/>
               </a:pPr>
-              <a:t>7</a:t>
+              <a:t>8</a:t>
             </a:fld>
             <a:endParaRPr lang="nl-NL"/>
           </a:p>
@@ -6481,7 +6934,7 @@
 </p:sld>
 </file>
 
-<file path=ppt/slides/slide8.xml><?xml version="1.0" encoding="utf-8"?>
+<file path=ppt/slides/slide9.xml><?xml version="1.0" encoding="utf-8"?>
 <p:sld xmlns:a="http://schemas.openxmlformats.org/drawingml/2006/main" xmlns:r="http://schemas.openxmlformats.org/officeDocument/2006/relationships" xmlns:p="http://schemas.openxmlformats.org/presentationml/2006/main">
   <p:cSld>
     <p:spTree>
@@ -6563,7 +7016,7 @@
               <a:pPr>
                 <a:defRPr/>
               </a:pPr>
-              <a:t>8</a:t>
+              <a:t>9</a:t>
             </a:fld>
             <a:endParaRPr lang="nl-NL"/>
           </a:p>
@@ -6606,235 +7059,6 @@
     <p:extLst>
       <p:ext uri="{BB962C8B-B14F-4D97-AF65-F5344CB8AC3E}">
         <p14:creationId xmlns:p14="http://schemas.microsoft.com/office/powerpoint/2010/main" val="3608307393"/>
-      </p:ext>
-    </p:extLst>
-  </p:cSld>
-  <p:clrMapOvr>
-    <a:masterClrMapping/>
-  </p:clrMapOvr>
-  <p:timing>
-    <p:tnLst>
-      <p:par>
-        <p:cTn id="1" dur="indefinite" restart="never" nodeType="tmRoot"/>
-      </p:par>
-    </p:tnLst>
-  </p:timing>
-</p:sld>
-</file>
-
-<file path=ppt/slides/slide9.xml><?xml version="1.0" encoding="utf-8"?>
-<p:sld xmlns:a="http://schemas.openxmlformats.org/drawingml/2006/main" xmlns:r="http://schemas.openxmlformats.org/officeDocument/2006/relationships" xmlns:p="http://schemas.openxmlformats.org/presentationml/2006/main">
-  <p:cSld>
-    <p:spTree>
-      <p:nvGrpSpPr>
-        <p:cNvPr id="1" name=""/>
-        <p:cNvGrpSpPr/>
-        <p:nvPr/>
-      </p:nvGrpSpPr>
-      <p:grpSpPr>
-        <a:xfrm>
-          <a:off x="0" y="0"/>
-          <a:ext cx="0" cy="0"/>
-          <a:chOff x="0" y="0"/>
-          <a:chExt cx="0" cy="0"/>
-        </a:xfrm>
-      </p:grpSpPr>
-      <p:sp>
-        <p:nvSpPr>
-          <p:cNvPr id="2" name="Title 1"/>
-          <p:cNvSpPr>
-            <a:spLocks noGrp="1"/>
-          </p:cNvSpPr>
-          <p:nvPr>
-            <p:ph type="title"/>
-          </p:nvPr>
-        </p:nvSpPr>
-        <p:spPr/>
-        <p:txBody>
-          <a:bodyPr/>
-          <a:lstStyle/>
-          <a:p>
-            <a:endParaRPr lang="nl-BE"/>
-          </a:p>
-        </p:txBody>
-      </p:sp>
-      <p:sp>
-        <p:nvSpPr>
-          <p:cNvPr id="3" name="Content Placeholder 2"/>
-          <p:cNvSpPr>
-            <a:spLocks noGrp="1"/>
-          </p:cNvSpPr>
-          <p:nvPr>
-            <p:ph idx="1"/>
-          </p:nvPr>
-        </p:nvSpPr>
-        <p:spPr/>
-        <p:txBody>
-          <a:bodyPr/>
-          <a:lstStyle/>
-          <a:p>
-            <a:r>
-              <a:rPr lang="en-US" dirty="0" smtClean="0"/>
-              <a:t>Tooling</a:t>
-            </a:r>
-            <a:endParaRPr lang="nl-BE" dirty="0"/>
-          </a:p>
-        </p:txBody>
-      </p:sp>
-      <p:sp>
-        <p:nvSpPr>
-          <p:cNvPr id="4" name="Slide Number Placeholder 3"/>
-          <p:cNvSpPr>
-            <a:spLocks noGrp="1"/>
-          </p:cNvSpPr>
-          <p:nvPr>
-            <p:ph type="sldNum" sz="quarter" idx="12"/>
-          </p:nvPr>
-        </p:nvSpPr>
-        <p:spPr/>
-        <p:txBody>
-          <a:bodyPr/>
-          <a:lstStyle/>
-          <a:p>
-            <a:pPr>
-              <a:defRPr/>
-            </a:pPr>
-            <a:fld id="{BC2BCED3-7F4A-40F1-85DA-02B4B5A68187}" type="slidenum">
-              <a:rPr lang="nl-NL" smtClean="0"/>
-              <a:pPr>
-                <a:defRPr/>
-              </a:pPr>
-              <a:t>9</a:t>
-            </a:fld>
-            <a:endParaRPr lang="nl-NL"/>
-          </a:p>
-        </p:txBody>
-      </p:sp>
-      <p:pic>
-        <p:nvPicPr>
-          <p:cNvPr id="2052" name="Picture 4" descr="http://www.ljplus.ru/img4/a/s/asolntsev/eclipse_vs_idea_eng.png"/>
-          <p:cNvPicPr>
-            <a:picLocks noChangeAspect="1" noChangeArrowheads="1"/>
-          </p:cNvPicPr>
-          <p:nvPr/>
-        </p:nvPicPr>
-        <p:blipFill>
-          <a:blip r:embed="rId2">
-            <a:extLst>
-              <a:ext uri="{28A0092B-C50C-407E-A947-70E740481C1C}">
-                <a14:useLocalDpi xmlns:a14="http://schemas.microsoft.com/office/drawing/2010/main" val="0"/>
-              </a:ext>
-            </a:extLst>
-          </a:blip>
-          <a:srcRect/>
-          <a:stretch>
-            <a:fillRect/>
-          </a:stretch>
-        </p:blipFill>
-        <p:spPr bwMode="auto">
-          <a:xfrm>
-            <a:off x="513922" y="2667001"/>
-            <a:ext cx="5281398" cy="1422842"/>
-          </a:xfrm>
-          <a:prstGeom prst="rect">
-            <a:avLst/>
-          </a:prstGeom>
-          <a:noFill/>
-          <a:extLst>
-            <a:ext uri="{909E8E84-426E-40DD-AFC4-6F175D3DCCD1}">
-              <a14:hiddenFill xmlns:a14="http://schemas.microsoft.com/office/drawing/2010/main">
-                <a:solidFill>
-                  <a:srgbClr val="FFFFFF"/>
-                </a:solidFill>
-              </a14:hiddenFill>
-            </a:ext>
-          </a:extLst>
-        </p:spPr>
-      </p:pic>
-      <p:sp>
-        <p:nvSpPr>
-          <p:cNvPr id="7" name="AutoShape 6" descr="Afbeeldingsresultaat voor learning curve"/>
-          <p:cNvSpPr>
-            <a:spLocks noChangeAspect="1" noChangeArrowheads="1"/>
-          </p:cNvSpPr>
-          <p:nvPr/>
-        </p:nvSpPr>
-        <p:spPr bwMode="auto">
-          <a:xfrm>
-            <a:off x="155575" y="-144463"/>
-            <a:ext cx="304800" cy="304801"/>
-          </a:xfrm>
-          <a:prstGeom prst="rect">
-            <a:avLst/>
-          </a:prstGeom>
-          <a:noFill/>
-          <a:extLst>
-            <a:ext uri="{909E8E84-426E-40DD-AFC4-6F175D3DCCD1}">
-              <a14:hiddenFill xmlns:a14="http://schemas.microsoft.com/office/drawing/2010/main">
-                <a:solidFill>
-                  <a:srgbClr val="FFFFFF"/>
-                </a:solidFill>
-              </a14:hiddenFill>
-            </a:ext>
-          </a:extLst>
-        </p:spPr>
-        <p:txBody>
-          <a:bodyPr vert="horz" wrap="square" lIns="91440" tIns="45720" rIns="91440" bIns="45720" numCol="1" anchor="t" anchorCtr="0" compatLnSpc="1">
-            <a:prstTxWarp prst="textNoShape">
-              <a:avLst/>
-            </a:prstTxWarp>
-          </a:bodyPr>
-          <a:lstStyle/>
-          <a:p>
-            <a:endParaRPr lang="nl-BE"/>
-          </a:p>
-        </p:txBody>
-      </p:sp>
-      <p:pic>
-        <p:nvPicPr>
-          <p:cNvPr id="1032" name="Picture 8" descr="https://upload.wikimedia.org/wikipedia/commons/f/f2/Alanf777_Lcd_fig07.png"/>
-          <p:cNvPicPr>
-            <a:picLocks noChangeAspect="1" noChangeArrowheads="1"/>
-          </p:cNvPicPr>
-          <p:nvPr/>
-        </p:nvPicPr>
-        <p:blipFill>
-          <a:blip r:embed="rId3">
-            <a:extLst>
-              <a:ext uri="{28A0092B-C50C-407E-A947-70E740481C1C}">
-                <a14:useLocalDpi xmlns:a14="http://schemas.microsoft.com/office/drawing/2010/main" val="0"/>
-              </a:ext>
-            </a:extLst>
-          </a:blip>
-          <a:srcRect/>
-          <a:stretch>
-            <a:fillRect/>
-          </a:stretch>
-        </p:blipFill>
-        <p:spPr bwMode="auto">
-          <a:xfrm>
-            <a:off x="6410987" y="1890585"/>
-            <a:ext cx="5781013" cy="3854008"/>
-          </a:xfrm>
-          <a:prstGeom prst="rect">
-            <a:avLst/>
-          </a:prstGeom>
-          <a:noFill/>
-          <a:extLst>
-            <a:ext uri="{909E8E84-426E-40DD-AFC4-6F175D3DCCD1}">
-              <a14:hiddenFill xmlns:a14="http://schemas.microsoft.com/office/drawing/2010/main">
-                <a:solidFill>
-                  <a:srgbClr val="FFFFFF"/>
-                </a:solidFill>
-              </a14:hiddenFill>
-            </a:ext>
-          </a:extLst>
-        </p:spPr>
-      </p:pic>
-    </p:spTree>
-    <p:extLst>
-      <p:ext uri="{BB962C8B-B14F-4D97-AF65-F5344CB8AC3E}">
-        <p14:creationId xmlns:p14="http://schemas.microsoft.com/office/powerpoint/2010/main" val="3463631824"/>
       </p:ext>
     </p:extLst>
   </p:cSld>

--- a/italent/documents/english/EnglishPresentation.pptx
+++ b/italent/documents/english/EnglishPresentation.pptx
@@ -1,6 +1,6 @@
 
 <file path=ppt/presentation.xml><?xml version="1.0" encoding="utf-8"?>
-<p:presentation xmlns:a="http://schemas.openxmlformats.org/drawingml/2006/main" xmlns:r="http://schemas.openxmlformats.org/officeDocument/2006/relationships" xmlns:p="http://schemas.openxmlformats.org/presentationml/2006/main" saveSubsetFonts="1">
+<p:presentation xmlns:a="http://schemas.openxmlformats.org/drawingml/2006/main" xmlns:r="http://schemas.openxmlformats.org/officeDocument/2006/relationships" xmlns:p="http://schemas.openxmlformats.org/presentationml/2006/main" serverZoom="45230" saveSubsetFonts="1">
   <p:sldMasterIdLst>
     <p:sldMasterId id="2147483660" r:id="rId1"/>
   </p:sldMasterIdLst>
@@ -6323,7 +6323,6 @@
               <a:rPr lang="nl-BE" dirty="0"/>
               <a:t>I-Talent Platform</a:t>
             </a:r>
-            <a:endParaRPr lang="nl-BE" dirty="0"/>
           </a:p>
         </p:txBody>
       </p:sp>
@@ -6360,7 +6359,7 @@
             <a:pPr lvl="0"/>
             <a:r>
               <a:rPr lang="nl-BE" dirty="0" smtClean="0"/>
-              <a:t>Brainstroming</a:t>
+              <a:t>Brainstorming</a:t>
             </a:r>
             <a:endParaRPr lang="nl-BE" dirty="0"/>
           </a:p>
@@ -6396,7 +6395,7 @@
             </a:r>
             <a:r>
               <a:rPr lang="nl-BE" dirty="0" smtClean="0"/>
-              <a:t> …</a:t>
+              <a:t>…</a:t>
             </a:r>
             <a:r>
               <a:rPr lang="nl-BE" dirty="0" err="1" smtClean="0"/>
@@ -6498,7 +6497,6 @@
               <a:rPr lang="nl-BE" dirty="0"/>
               <a:t>I-Talent Platform</a:t>
             </a:r>
-            <a:endParaRPr lang="nl-BE" dirty="0"/>
           </a:p>
         </p:txBody>
       </p:sp>

--- a/italent/documents/english/EnglishPresentation.pptx
+++ b/italent/documents/english/EnglishPresentation.pptx
@@ -15,7 +15,10 @@
     <p:sldId id="267" r:id="rId9"/>
     <p:sldId id="265" r:id="rId10"/>
     <p:sldId id="266" r:id="rId11"/>
-    <p:sldId id="263" r:id="rId12"/>
+    <p:sldId id="269" r:id="rId12"/>
+    <p:sldId id="270" r:id="rId13"/>
+    <p:sldId id="271" r:id="rId14"/>
+    <p:sldId id="272" r:id="rId15"/>
   </p:sldIdLst>
   <p:sldSz cx="12192000" cy="6858000"/>
   <p:notesSz cx="6858000" cy="9144000"/>
@@ -116,7 +119,7 @@
   </p:defaultTextStyle>
   <p:extLst>
     <p:ext uri="{EFAFB233-063F-42B5-8137-9DF3F51BA10A}">
-      <p15:sldGuideLst xmlns:p15="http://schemas.microsoft.com/office/powerpoint/2012/main">
+      <p15:sldGuideLst xmlns:p15="http://schemas.microsoft.com/office/powerpoint/2012/main" xmlns="">
         <p15:guide id="1" orient="horz" pos="2160">
           <p15:clr>
             <a:srgbClr val="A4A3A4"/>
@@ -756,7 +759,7 @@
               <a:pPr>
                 <a:defRPr/>
               </a:pPr>
-              <a:t>‹nr.›</a:t>
+              <a:t>‹#›</a:t>
             </a:fld>
             <a:endParaRPr lang="nl-NL">
               <a:solidFill>
@@ -1129,7 +1132,7 @@
               <a:pPr>
                 <a:defRPr/>
               </a:pPr>
-              <a:t>‹nr.›</a:t>
+              <a:t>‹#›</a:t>
             </a:fld>
             <a:endParaRPr lang="nl-NL"/>
           </a:p>
@@ -1398,7 +1401,7 @@
               <a:pPr>
                 <a:defRPr/>
               </a:pPr>
-              <a:t>‹nr.›</a:t>
+              <a:t>‹#›</a:t>
             </a:fld>
             <a:endParaRPr lang="nl-NL"/>
           </a:p>
@@ -1677,7 +1680,7 @@
               <a:pPr>
                 <a:defRPr/>
               </a:pPr>
-              <a:t>‹nr.›</a:t>
+              <a:t>‹#›</a:t>
             </a:fld>
             <a:endParaRPr lang="nl-NL"/>
           </a:p>
@@ -1946,7 +1949,7 @@
               <a:pPr>
                 <a:defRPr/>
               </a:pPr>
-              <a:t>‹nr.›</a:t>
+              <a:t>‹#›</a:t>
             </a:fld>
             <a:endParaRPr lang="nl-NL"/>
           </a:p>
@@ -2325,7 +2328,7 @@
               <a:pPr>
                 <a:defRPr/>
               </a:pPr>
-              <a:t>‹nr.›</a:t>
+              <a:t>‹#›</a:t>
             </a:fld>
             <a:endParaRPr lang="nl-NL"/>
           </a:p>
@@ -2712,7 +2715,7 @@
               <a:pPr>
                 <a:defRPr/>
               </a:pPr>
-              <a:t>‹nr.›</a:t>
+              <a:t>‹#›</a:t>
             </a:fld>
             <a:endParaRPr lang="nl-NL"/>
           </a:p>
@@ -3233,7 +3236,7 @@
               <a:pPr>
                 <a:defRPr/>
               </a:pPr>
-              <a:t>‹nr.›</a:t>
+              <a:t>‹#›</a:t>
             </a:fld>
             <a:endParaRPr lang="nl-NL"/>
           </a:p>
@@ -3450,7 +3453,7 @@
               <a:pPr>
                 <a:defRPr/>
               </a:pPr>
-              <a:t>‹nr.›</a:t>
+              <a:t>‹#›</a:t>
             </a:fld>
             <a:endParaRPr lang="nl-NL"/>
           </a:p>
@@ -3644,7 +3647,7 @@
               <a:pPr>
                 <a:defRPr/>
               </a:pPr>
-              <a:t>‹nr.›</a:t>
+              <a:t>‹#›</a:t>
             </a:fld>
             <a:endParaRPr lang="nl-NL"/>
           </a:p>
@@ -4020,7 +4023,7 @@
               <a:pPr>
                 <a:defRPr/>
               </a:pPr>
-              <a:t>‹nr.›</a:t>
+              <a:t>‹#›</a:t>
             </a:fld>
             <a:endParaRPr lang="nl-NL"/>
           </a:p>
@@ -4385,7 +4388,7 @@
                 </a:spcAft>
                 <a:defRPr/>
               </a:pPr>
-              <a:t>‹nr.›</a:t>
+              <a:t>‹#›</a:t>
             </a:fld>
             <a:endParaRPr lang="nl-NL">
               <a:cs typeface="Arial" panose="020B0604020202020204" pitchFamily="34" charset="0"/>
@@ -5465,7 +5468,7 @@
           <a:bodyPr/>
           <a:lstStyle/>
           <a:p>
-            <a:endParaRPr lang="nl-BE"/>
+            <a:endParaRPr lang="nl-BE" dirty="0"/>
           </a:p>
         </p:txBody>
       </p:sp>
@@ -5696,7 +5699,15 @@
           <a:p>
             <a:r>
               <a:rPr lang="en-US" dirty="0" smtClean="0"/>
-              <a:t>TODO: Dennie</a:t>
+              <a:t>We </a:t>
+            </a:r>
+            <a:r>
+              <a:rPr lang="en-US" dirty="0"/>
+              <a:t>would </a:t>
+            </a:r>
+            <a:r>
+              <a:rPr lang="en-US" dirty="0" smtClean="0"/>
+              <a:t>keep</a:t>
             </a:r>
             <a:endParaRPr lang="nl-BE" dirty="0"/>
           </a:p>
@@ -5712,11 +5723,54 @@
             <p:ph idx="1"/>
           </p:nvPr>
         </p:nvSpPr>
-        <p:spPr/>
+        <p:spPr>
+          <a:xfrm>
+            <a:off x="3417346" y="1858384"/>
+            <a:ext cx="6329082" cy="2681343"/>
+          </a:xfrm>
+        </p:spPr>
         <p:txBody>
           <a:bodyPr/>
           <a:lstStyle/>
           <a:p>
+            <a:r>
+              <a:rPr lang="en-US" dirty="0"/>
+              <a:t>Daily </a:t>
+            </a:r>
+            <a:r>
+              <a:rPr lang="en-US" dirty="0" smtClean="0"/>
+              <a:t>communication</a:t>
+            </a:r>
+          </a:p>
+          <a:p>
+            <a:r>
+              <a:rPr lang="en-US" dirty="0" smtClean="0"/>
+              <a:t>Open Source Technologies</a:t>
+            </a:r>
+          </a:p>
+          <a:p>
+            <a:r>
+              <a:rPr lang="en-US" dirty="0" smtClean="0"/>
+              <a:t>Build- </a:t>
+            </a:r>
+            <a:r>
+              <a:rPr lang="en-US" dirty="0"/>
+              <a:t>and </a:t>
+            </a:r>
+            <a:r>
+              <a:rPr lang="en-US" dirty="0" smtClean="0"/>
+              <a:t>Deploy Processes</a:t>
+            </a:r>
+          </a:p>
+          <a:p>
+            <a:r>
+              <a:rPr lang="en-US" dirty="0"/>
+              <a:t>Planning </a:t>
+            </a:r>
+            <a:r>
+              <a:rPr lang="en-US" dirty="0" smtClean="0"/>
+              <a:t>Tools</a:t>
+            </a:r>
             <a:endParaRPr lang="nl-BE" dirty="0"/>
           </a:p>
         </p:txBody>
@@ -5753,7 +5807,7 @@
     </p:spTree>
     <p:extLst>
       <p:ext uri="{BB962C8B-B14F-4D97-AF65-F5344CB8AC3E}">
-        <p14:creationId xmlns:p14="http://schemas.microsoft.com/office/powerpoint/2010/main" val="1209278954"/>
+        <p14:creationId xmlns:p14="http://schemas.microsoft.com/office/powerpoint/2010/main" val="3775131166"/>
       </p:ext>
     </p:extLst>
   </p:cSld>
@@ -5767,6 +5821,355 @@
       </p:par>
     </p:tnLst>
   </p:timing>
+</p:sld>
+</file>
+
+<file path=ppt/slides/slide12.xml><?xml version="1.0" encoding="utf-8"?>
+<p:sld xmlns:a="http://schemas.openxmlformats.org/drawingml/2006/main" xmlns:r="http://schemas.openxmlformats.org/officeDocument/2006/relationships" xmlns:p="http://schemas.openxmlformats.org/presentationml/2006/main">
+  <p:cSld>
+    <p:spTree>
+      <p:nvGrpSpPr>
+        <p:cNvPr id="1" name=""/>
+        <p:cNvGrpSpPr/>
+        <p:nvPr/>
+      </p:nvGrpSpPr>
+      <p:grpSpPr>
+        <a:xfrm>
+          <a:off x="0" y="0"/>
+          <a:ext cx="0" cy="0"/>
+          <a:chOff x="0" y="0"/>
+          <a:chExt cx="0" cy="0"/>
+        </a:xfrm>
+      </p:grpSpPr>
+      <p:sp>
+        <p:nvSpPr>
+          <p:cNvPr id="2" name="Title 1"/>
+          <p:cNvSpPr>
+            <a:spLocks noGrp="1"/>
+          </p:cNvSpPr>
+          <p:nvPr>
+            <p:ph type="title"/>
+          </p:nvPr>
+        </p:nvSpPr>
+        <p:spPr/>
+        <p:txBody>
+          <a:bodyPr/>
+          <a:lstStyle/>
+          <a:p>
+            <a:r>
+              <a:rPr lang="en-US" dirty="0" smtClean="0"/>
+              <a:t>We </a:t>
+            </a:r>
+            <a:r>
+              <a:rPr lang="en-US" dirty="0"/>
+              <a:t>would </a:t>
+            </a:r>
+            <a:r>
+              <a:rPr lang="en-US" dirty="0" smtClean="0"/>
+              <a:t>change</a:t>
+            </a:r>
+            <a:endParaRPr lang="nl-BE" dirty="0"/>
+          </a:p>
+        </p:txBody>
+      </p:sp>
+      <p:sp>
+        <p:nvSpPr>
+          <p:cNvPr id="3" name="Content Placeholder 2"/>
+          <p:cNvSpPr>
+            <a:spLocks noGrp="1"/>
+          </p:cNvSpPr>
+          <p:nvPr>
+            <p:ph idx="1"/>
+          </p:nvPr>
+        </p:nvSpPr>
+        <p:spPr>
+          <a:xfrm>
+            <a:off x="3524922" y="2138083"/>
+            <a:ext cx="6329082" cy="2681343"/>
+          </a:xfrm>
+        </p:spPr>
+        <p:txBody>
+          <a:bodyPr/>
+          <a:lstStyle/>
+          <a:p>
+            <a:r>
+              <a:rPr lang="en-US" dirty="0"/>
+              <a:t>Getting the </a:t>
+            </a:r>
+            <a:r>
+              <a:rPr lang="en-US" dirty="0" smtClean="0"/>
+              <a:t>requirements clear </a:t>
+            </a:r>
+          </a:p>
+          <a:p>
+            <a:r>
+              <a:rPr lang="en-US" dirty="0" smtClean="0"/>
+              <a:t>Plan ahead too much</a:t>
+            </a:r>
+            <a:endParaRPr lang="nl-BE" dirty="0"/>
+          </a:p>
+        </p:txBody>
+      </p:sp>
+      <p:sp>
+        <p:nvSpPr>
+          <p:cNvPr id="4" name="Slide Number Placeholder 3"/>
+          <p:cNvSpPr>
+            <a:spLocks noGrp="1"/>
+          </p:cNvSpPr>
+          <p:nvPr>
+            <p:ph type="sldNum" sz="quarter" idx="12"/>
+          </p:nvPr>
+        </p:nvSpPr>
+        <p:spPr/>
+        <p:txBody>
+          <a:bodyPr/>
+          <a:lstStyle/>
+          <a:p>
+            <a:pPr>
+              <a:defRPr/>
+            </a:pPr>
+            <a:fld id="{BC2BCED3-7F4A-40F1-85DA-02B4B5A68187}" type="slidenum">
+              <a:rPr lang="nl-NL" smtClean="0"/>
+              <a:pPr>
+                <a:defRPr/>
+              </a:pPr>
+              <a:t>12</a:t>
+            </a:fld>
+            <a:endParaRPr lang="nl-NL"/>
+          </a:p>
+        </p:txBody>
+      </p:sp>
+    </p:spTree>
+    <p:extLst>
+      <p:ext uri="{BB962C8B-B14F-4D97-AF65-F5344CB8AC3E}">
+        <p14:creationId xmlns:p14="http://schemas.microsoft.com/office/powerpoint/2010/main" val="4023351914"/>
+      </p:ext>
+    </p:extLst>
+  </p:cSld>
+  <p:clrMapOvr>
+    <a:masterClrMapping/>
+  </p:clrMapOvr>
+  <p:timing>
+    <p:tnLst>
+      <p:par>
+        <p:cTn id="1" dur="indefinite" restart="never" nodeType="tmRoot"/>
+      </p:par>
+    </p:tnLst>
+  </p:timing>
+</p:sld>
+</file>
+
+<file path=ppt/slides/slide13.xml><?xml version="1.0" encoding="utf-8"?>
+<p:sld xmlns:a="http://schemas.openxmlformats.org/drawingml/2006/main" xmlns:r="http://schemas.openxmlformats.org/officeDocument/2006/relationships" xmlns:p="http://schemas.openxmlformats.org/presentationml/2006/main">
+  <p:cSld>
+    <p:spTree>
+      <p:nvGrpSpPr>
+        <p:cNvPr id="1" name=""/>
+        <p:cNvGrpSpPr/>
+        <p:nvPr/>
+      </p:nvGrpSpPr>
+      <p:grpSpPr>
+        <a:xfrm>
+          <a:off x="0" y="0"/>
+          <a:ext cx="0" cy="0"/>
+          <a:chOff x="0" y="0"/>
+          <a:chExt cx="0" cy="0"/>
+        </a:xfrm>
+      </p:grpSpPr>
+      <p:sp>
+        <p:nvSpPr>
+          <p:cNvPr id="2" name="Title 1"/>
+          <p:cNvSpPr>
+            <a:spLocks noGrp="1"/>
+          </p:cNvSpPr>
+          <p:nvPr>
+            <p:ph type="title"/>
+          </p:nvPr>
+        </p:nvSpPr>
+        <p:spPr/>
+        <p:txBody>
+          <a:bodyPr/>
+          <a:lstStyle/>
+          <a:p>
+            <a:r>
+              <a:rPr lang="en-US" dirty="0" smtClean="0"/>
+              <a:t>We could change</a:t>
+            </a:r>
+            <a:endParaRPr lang="nl-BE" dirty="0"/>
+          </a:p>
+        </p:txBody>
+      </p:sp>
+      <p:sp>
+        <p:nvSpPr>
+          <p:cNvPr id="3" name="Content Placeholder 2"/>
+          <p:cNvSpPr>
+            <a:spLocks noGrp="1"/>
+          </p:cNvSpPr>
+          <p:nvPr>
+            <p:ph idx="1"/>
+          </p:nvPr>
+        </p:nvSpPr>
+        <p:spPr>
+          <a:xfrm>
+            <a:off x="3524922" y="2138083"/>
+            <a:ext cx="6329082" cy="2681343"/>
+          </a:xfrm>
+        </p:spPr>
+        <p:txBody>
+          <a:bodyPr/>
+          <a:lstStyle/>
+          <a:p>
+            <a:r>
+              <a:rPr lang="en-US" dirty="0"/>
+              <a:t>More face-to-face </a:t>
+            </a:r>
+            <a:r>
+              <a:rPr lang="en-US" dirty="0" smtClean="0"/>
+              <a:t>meetings</a:t>
+            </a:r>
+          </a:p>
+          <a:p>
+            <a:r>
+              <a:rPr lang="en-US" dirty="0"/>
+              <a:t>Create less analysis</a:t>
+            </a:r>
+            <a:endParaRPr lang="nl-BE" dirty="0"/>
+          </a:p>
+        </p:txBody>
+      </p:sp>
+      <p:sp>
+        <p:nvSpPr>
+          <p:cNvPr id="4" name="Slide Number Placeholder 3"/>
+          <p:cNvSpPr>
+            <a:spLocks noGrp="1"/>
+          </p:cNvSpPr>
+          <p:nvPr>
+            <p:ph type="sldNum" sz="quarter" idx="12"/>
+          </p:nvPr>
+        </p:nvSpPr>
+        <p:spPr/>
+        <p:txBody>
+          <a:bodyPr/>
+          <a:lstStyle/>
+          <a:p>
+            <a:pPr>
+              <a:defRPr/>
+            </a:pPr>
+            <a:fld id="{BC2BCED3-7F4A-40F1-85DA-02B4B5A68187}" type="slidenum">
+              <a:rPr lang="nl-NL" smtClean="0"/>
+              <a:pPr>
+                <a:defRPr/>
+              </a:pPr>
+              <a:t>13</a:t>
+            </a:fld>
+            <a:endParaRPr lang="nl-NL"/>
+          </a:p>
+        </p:txBody>
+      </p:sp>
+    </p:spTree>
+    <p:extLst>
+      <p:ext uri="{BB962C8B-B14F-4D97-AF65-F5344CB8AC3E}">
+        <p14:creationId xmlns:p14="http://schemas.microsoft.com/office/powerpoint/2010/main" val="1017890965"/>
+      </p:ext>
+    </p:extLst>
+  </p:cSld>
+  <p:clrMapOvr>
+    <a:masterClrMapping/>
+  </p:clrMapOvr>
+  <p:timing>
+    <p:tnLst>
+      <p:par>
+        <p:cTn id="1" dur="indefinite" restart="never" nodeType="tmRoot"/>
+      </p:par>
+    </p:tnLst>
+  </p:timing>
+</p:sld>
+</file>
+
+<file path=ppt/slides/slide14.xml><?xml version="1.0" encoding="utf-8"?>
+<p:sld xmlns:a="http://schemas.openxmlformats.org/drawingml/2006/main" xmlns:r="http://schemas.openxmlformats.org/officeDocument/2006/relationships" xmlns:p="http://schemas.openxmlformats.org/presentationml/2006/main">
+  <p:cSld>
+    <p:spTree>
+      <p:nvGrpSpPr>
+        <p:cNvPr id="1" name=""/>
+        <p:cNvGrpSpPr/>
+        <p:nvPr/>
+      </p:nvGrpSpPr>
+      <p:grpSpPr>
+        <a:xfrm>
+          <a:off x="0" y="0"/>
+          <a:ext cx="0" cy="0"/>
+          <a:chOff x="0" y="0"/>
+          <a:chExt cx="0" cy="0"/>
+        </a:xfrm>
+      </p:grpSpPr>
+      <p:sp>
+        <p:nvSpPr>
+          <p:cNvPr id="2" name="Title 1"/>
+          <p:cNvSpPr>
+            <a:spLocks noGrp="1"/>
+          </p:cNvSpPr>
+          <p:nvPr>
+            <p:ph type="title"/>
+          </p:nvPr>
+        </p:nvSpPr>
+        <p:spPr>
+          <a:xfrm>
+            <a:off x="674146" y="2286318"/>
+            <a:ext cx="10972800" cy="1143000"/>
+          </a:xfrm>
+        </p:spPr>
+        <p:txBody>
+          <a:bodyPr/>
+          <a:lstStyle/>
+          <a:p>
+            <a:r>
+              <a:rPr lang="nl-BE" dirty="0" smtClean="0"/>
+              <a:t>Questions?</a:t>
+            </a:r>
+            <a:endParaRPr lang="nl-BE" dirty="0"/>
+          </a:p>
+        </p:txBody>
+      </p:sp>
+      <p:sp>
+        <p:nvSpPr>
+          <p:cNvPr id="4" name="Slide Number Placeholder 3"/>
+          <p:cNvSpPr>
+            <a:spLocks noGrp="1"/>
+          </p:cNvSpPr>
+          <p:nvPr>
+            <p:ph type="sldNum" sz="quarter" idx="12"/>
+          </p:nvPr>
+        </p:nvSpPr>
+        <p:spPr/>
+        <p:txBody>
+          <a:bodyPr/>
+          <a:lstStyle/>
+          <a:p>
+            <a:pPr>
+              <a:defRPr/>
+            </a:pPr>
+            <a:fld id="{BC2BCED3-7F4A-40F1-85DA-02B4B5A68187}" type="slidenum">
+              <a:rPr lang="nl-NL" smtClean="0"/>
+              <a:pPr>
+                <a:defRPr/>
+              </a:pPr>
+              <a:t>14</a:t>
+            </a:fld>
+            <a:endParaRPr lang="nl-NL"/>
+          </a:p>
+        </p:txBody>
+      </p:sp>
+    </p:spTree>
+    <p:extLst>
+      <p:ext uri="{BB962C8B-B14F-4D97-AF65-F5344CB8AC3E}">
+        <p14:creationId xmlns:p14="http://schemas.microsoft.com/office/powerpoint/2010/main" val="1838566243"/>
+      </p:ext>
+    </p:extLst>
+  </p:cSld>
+  <p:clrMapOvr>
+    <a:masterClrMapping/>
+  </p:clrMapOvr>
 </p:sld>
 </file>
 
@@ -5846,11 +6249,7 @@
             </a:pPr>
             <a:r>
               <a:rPr lang="nl-BE" sz="3200" dirty="0" smtClean="0"/>
-              <a:t>web </a:t>
-            </a:r>
-            <a:r>
-              <a:rPr lang="nl-BE" sz="3200" dirty="0" err="1" smtClean="0"/>
-              <a:t>application</a:t>
+              <a:t>Web Application</a:t>
             </a:r>
             <a:endParaRPr lang="nl-BE" sz="3200" dirty="0" smtClean="0"/>
           </a:p>
@@ -5883,28 +6282,25 @@
             </a:pPr>
             <a:r>
               <a:rPr lang="nl-BE" sz="3200" dirty="0" smtClean="0"/>
-              <a:t>pitch </a:t>
-            </a:r>
-            <a:r>
-              <a:rPr lang="nl-BE" sz="3200" dirty="0" err="1"/>
-              <a:t>idea</a:t>
+              <a:t>Pitch </a:t>
             </a:r>
             <a:r>
               <a:rPr lang="nl-BE" sz="3200" dirty="0"/>
-              <a:t> </a:t>
-            </a:r>
-            <a:r>
-              <a:rPr lang="nl-BE" sz="3200" dirty="0" err="1"/>
-              <a:t>with</a:t>
+              <a:t>I</a:t>
+            </a:r>
+            <a:r>
+              <a:rPr lang="nl-BE" sz="3200" dirty="0" smtClean="0"/>
+              <a:t>dea </a:t>
             </a:r>
             <a:r>
               <a:rPr lang="nl-BE" sz="3200" dirty="0"/>
-              <a:t> </a:t>
+              <a:t>with </a:t>
             </a:r>
             <a:r>
               <a:rPr lang="nl-BE" sz="3200" dirty="0" smtClean="0"/>
-              <a:t>media</a:t>
-            </a:r>
+              <a:t>Media</a:t>
+            </a:r>
+            <a:endParaRPr lang="nl-BE" sz="3200" dirty="0" smtClean="0"/>
           </a:p>
           <a:p>
             <a:pPr marL="457200" indent="-457200" defTabSz="457200" eaLnBrk="0" fontAlgn="base" hangingPunct="0">
@@ -5919,11 +6315,11 @@
             </a:pPr>
             <a:r>
               <a:rPr lang="nl-BE" sz="3200" dirty="0" smtClean="0"/>
-              <a:t>like/</a:t>
-            </a:r>
-            <a:r>
-              <a:rPr lang="nl-BE" sz="3200" dirty="0" err="1" smtClean="0"/>
-              <a:t>subscribe</a:t>
+              <a:t>L</a:t>
+            </a:r>
+            <a:r>
+              <a:rPr lang="nl-BE" sz="3200" dirty="0" smtClean="0"/>
+              <a:t>ike/Subscribe</a:t>
             </a:r>
             <a:endParaRPr lang="nl-BE" sz="3200" dirty="0" smtClean="0"/>
           </a:p>
@@ -5939,12 +6335,16 @@
               <a:buChar char="•"/>
             </a:pPr>
             <a:r>
+              <a:rPr lang="nl-BE" sz="3200" dirty="0"/>
+              <a:t>S</a:t>
+            </a:r>
+            <a:r>
               <a:rPr lang="nl-BE" sz="3200" dirty="0" smtClean="0"/>
-              <a:t>status </a:t>
+              <a:t>tatus Updates</a:t>
             </a:r>
             <a:r>
               <a:rPr lang="nl-BE" sz="3200" dirty="0"/>
-              <a:t>updates</a:t>
+              <a:t/>
             </a:r>
             <a:br>
               <a:rPr lang="nl-BE" sz="3200" dirty="0"/>

--- a/italent/documents/english/EnglishPresentation.pptx
+++ b/italent/documents/english/EnglishPresentation.pptx
@@ -119,7 +119,7 @@
   </p:defaultTextStyle>
   <p:extLst>
     <p:ext uri="{EFAFB233-063F-42B5-8137-9DF3F51BA10A}">
-      <p15:sldGuideLst xmlns:p15="http://schemas.microsoft.com/office/powerpoint/2012/main" xmlns="">
+      <p15:sldGuideLst xmlns:p15="http://schemas.microsoft.com/office/powerpoint/2012/main">
         <p15:guide id="1" orient="horz" pos="2160">
           <p15:clr>
             <a:srgbClr val="A4A3A4"/>
@@ -6251,7 +6251,6 @@
               <a:rPr lang="nl-BE" sz="3200" dirty="0" smtClean="0"/>
               <a:t>Web Application</a:t>
             </a:r>
-            <a:endParaRPr lang="nl-BE" sz="3200" dirty="0" smtClean="0"/>
           </a:p>
           <a:p>
             <a:pPr marL="457200" indent="-457200" defTabSz="457200" eaLnBrk="0" fontAlgn="base" hangingPunct="0">
@@ -6300,7 +6299,6 @@
               <a:rPr lang="nl-BE" sz="3200" dirty="0" smtClean="0"/>
               <a:t>Media</a:t>
             </a:r>
-            <a:endParaRPr lang="nl-BE" sz="3200" dirty="0" smtClean="0"/>
           </a:p>
           <a:p>
             <a:pPr marL="457200" indent="-457200" defTabSz="457200" eaLnBrk="0" fontAlgn="base" hangingPunct="0">
@@ -6315,13 +6313,8 @@
             </a:pPr>
             <a:r>
               <a:rPr lang="nl-BE" sz="3200" dirty="0" smtClean="0"/>
-              <a:t>L</a:t>
-            </a:r>
-            <a:r>
-              <a:rPr lang="nl-BE" sz="3200" dirty="0" smtClean="0"/>
-              <a:t>ike/Subscribe</a:t>
-            </a:r>
-            <a:endParaRPr lang="nl-BE" sz="3200" dirty="0" smtClean="0"/>
+              <a:t>Like/Subscribe</a:t>
+            </a:r>
           </a:p>
           <a:p>
             <a:pPr marL="457200" indent="-457200" defTabSz="457200" eaLnBrk="0" fontAlgn="base" hangingPunct="0">
@@ -7073,14 +7066,28 @@
           <a:p>
             <a:r>
               <a:rPr lang="en-US" dirty="0" smtClean="0"/>
+              <a:t>Requirements </a:t>
+            </a:r>
+            <a:r>
+              <a:rPr lang="en-US" dirty="0" smtClean="0"/>
+              <a:t>is a starting </a:t>
+            </a:r>
+            <a:r>
+              <a:rPr lang="en-US" dirty="0" smtClean="0"/>
+              <a:t>point</a:t>
+            </a:r>
+          </a:p>
+          <a:p>
+            <a:r>
+              <a:rPr lang="en-US" dirty="0"/>
               <a:t>Planning	: Agile</a:t>
             </a:r>
           </a:p>
           <a:p>
-            <a:r>
-              <a:rPr lang="en-US" dirty="0" smtClean="0"/>
-              <a:t>Requirements is a starting point</a:t>
-            </a:r>
+            <a:pPr marL="0" indent="0">
+              <a:buNone/>
+            </a:pPr>
+            <a:endParaRPr lang="en-US" dirty="0" smtClean="0"/>
           </a:p>
           <a:p>
             <a:pPr marL="0" indent="0">

--- a/italent/documents/english/EnglishPresentation.pptx
+++ b/italent/documents/english/EnglishPresentation.pptx
@@ -119,7 +119,7 @@
   </p:defaultTextStyle>
   <p:extLst>
     <p:ext uri="{EFAFB233-063F-42B5-8137-9DF3F51BA10A}">
-      <p15:sldGuideLst xmlns:p15="http://schemas.microsoft.com/office/powerpoint/2012/main">
+      <p15:sldGuideLst xmlns:p15="http://schemas.microsoft.com/office/powerpoint/2012/main" xmlns="">
         <p15:guide id="1" orient="horz" pos="2160">
           <p15:clr>
             <a:srgbClr val="A4A3A4"/>
@@ -187,14 +187,14 @@
             <a:noFill/>
           </a:ln>
           <a:extLst>
-            <a:ext uri="{909E8E84-426E-40DD-AFC4-6F175D3DCCD1}">
+            <a:ext uri="{909E8E84-426E-40dd-AFC4-6F175D3DCCD1}">
               <a14:hiddenFill xmlns:a14="http://schemas.microsoft.com/office/drawing/2010/main">
                 <a:solidFill>
                   <a:srgbClr val="FFFFFF"/>
                 </a:solidFill>
               </a14:hiddenFill>
             </a:ext>
-            <a:ext uri="{91240B29-F687-4F45-9708-019B960494DF}">
+            <a:ext uri="{91240B29-F687-4f45-9708-019B960494DF}">
               <a14:hiddenLine xmlns:a14="http://schemas.microsoft.com/office/drawing/2010/main" w="9525">
                 <a:solidFill>
                   <a:srgbClr val="000000"/>
@@ -241,14 +241,14 @@
             <a:noFill/>
           </a:ln>
           <a:extLst>
-            <a:ext uri="{909E8E84-426E-40DD-AFC4-6F175D3DCCD1}">
+            <a:ext uri="{909E8E84-426E-40dd-AFC4-6F175D3DCCD1}">
               <a14:hiddenFill xmlns:a14="http://schemas.microsoft.com/office/drawing/2010/main">
                 <a:solidFill>
                   <a:srgbClr val="FFFFFF"/>
                 </a:solidFill>
               </a14:hiddenFill>
             </a:ext>
-            <a:ext uri="{91240B29-F687-4F45-9708-019B960494DF}">
+            <a:ext uri="{91240B29-F687-4f45-9708-019B960494DF}">
               <a14:hiddenLine xmlns:a14="http://schemas.microsoft.com/office/drawing/2010/main" w="9525">
                 <a:solidFill>
                   <a:srgbClr val="000000"/>
@@ -282,14 +282,14 @@
             <a:noFill/>
           </a:ln>
           <a:extLst>
-            <a:ext uri="{909E8E84-426E-40DD-AFC4-6F175D3DCCD1}">
+            <a:ext uri="{909E8E84-426E-40dd-AFC4-6F175D3DCCD1}">
               <a14:hiddenFill xmlns:a14="http://schemas.microsoft.com/office/drawing/2010/main">
                 <a:solidFill>
                   <a:srgbClr val="FFFFFF"/>
                 </a:solidFill>
               </a14:hiddenFill>
             </a:ext>
-            <a:ext uri="{91240B29-F687-4F45-9708-019B960494DF}">
+            <a:ext uri="{91240B29-F687-4f45-9708-019B960494DF}">
               <a14:hiddenLine xmlns:a14="http://schemas.microsoft.com/office/drawing/2010/main" w="9525">
                 <a:solidFill>
                   <a:srgbClr val="000000"/>
@@ -496,14 +496,14 @@
             <a:noFill/>
           </a:ln>
           <a:extLst>
-            <a:ext uri="{909E8E84-426E-40DD-AFC4-6F175D3DCCD1}">
+            <a:ext uri="{909E8E84-426E-40dd-AFC4-6F175D3DCCD1}">
               <a14:hiddenFill xmlns:a14="http://schemas.microsoft.com/office/drawing/2010/main">
                 <a:solidFill>
                   <a:srgbClr val="FFFFFF"/>
                 </a:solidFill>
               </a14:hiddenFill>
             </a:ext>
-            <a:ext uri="{91240B29-F687-4F45-9708-019B960494DF}">
+            <a:ext uri="{91240B29-F687-4f45-9708-019B960494DF}">
               <a14:hiddenLine xmlns:a14="http://schemas.microsoft.com/office/drawing/2010/main" w="9525">
                 <a:solidFill>
                   <a:srgbClr val="000000"/>
@@ -709,7 +709,7 @@
               <a:pPr>
                 <a:defRPr/>
               </a:pPr>
-              <a:t>9-5-2016</a:t>
+              <a:t>10/05/16</a:t>
             </a:fld>
             <a:endParaRPr lang="nl-NL" dirty="0">
               <a:solidFill>
@@ -841,14 +841,14 @@
             <a:noFill/>
           </a:ln>
           <a:extLst>
-            <a:ext uri="{909E8E84-426E-40DD-AFC4-6F175D3DCCD1}">
+            <a:ext uri="{909E8E84-426E-40dd-AFC4-6F175D3DCCD1}">
               <a14:hiddenFill xmlns:a14="http://schemas.microsoft.com/office/drawing/2010/main">
                 <a:solidFill>
                   <a:srgbClr val="FFFFFF"/>
                 </a:solidFill>
               </a14:hiddenFill>
             </a:ext>
-            <a:ext uri="{91240B29-F687-4F45-9708-019B960494DF}">
+            <a:ext uri="{91240B29-F687-4f45-9708-019B960494DF}">
               <a14:hiddenLine xmlns:a14="http://schemas.microsoft.com/office/drawing/2010/main" w="9525">
                 <a:solidFill>
                   <a:srgbClr val="000000"/>
@@ -1065,7 +1065,7 @@
               <a:pPr>
                 <a:defRPr/>
               </a:pPr>
-              <a:t>9-5-2016</a:t>
+              <a:t>10/05/16</a:t>
             </a:fld>
             <a:endParaRPr lang="nl-NL" dirty="0"/>
           </a:p>
@@ -1202,14 +1202,14 @@
             <a:noFill/>
           </a:ln>
           <a:extLst>
-            <a:ext uri="{909E8E84-426E-40DD-AFC4-6F175D3DCCD1}">
+            <a:ext uri="{909E8E84-426E-40dd-AFC4-6F175D3DCCD1}">
               <a14:hiddenFill xmlns:a14="http://schemas.microsoft.com/office/drawing/2010/main">
                 <a:solidFill>
                   <a:srgbClr val="FFFFFF"/>
                 </a:solidFill>
               </a14:hiddenFill>
             </a:ext>
-            <a:ext uri="{91240B29-F687-4F45-9708-019B960494DF}">
+            <a:ext uri="{91240B29-F687-4f45-9708-019B960494DF}">
               <a14:hiddenLine xmlns:a14="http://schemas.microsoft.com/office/drawing/2010/main" w="9525">
                 <a:solidFill>
                   <a:srgbClr val="000000"/>
@@ -1330,7 +1330,7 @@
               <a:pPr>
                 <a:defRPr/>
               </a:pPr>
-              <a:t>9-5-2016</a:t>
+              <a:t>10/05/16</a:t>
             </a:fld>
             <a:endParaRPr lang="nl-NL">
               <a:solidFill>
@@ -1471,14 +1471,14 @@
             <a:noFill/>
           </a:ln>
           <a:extLst>
-            <a:ext uri="{909E8E84-426E-40DD-AFC4-6F175D3DCCD1}">
+            <a:ext uri="{909E8E84-426E-40dd-AFC4-6F175D3DCCD1}">
               <a14:hiddenFill xmlns:a14="http://schemas.microsoft.com/office/drawing/2010/main">
                 <a:solidFill>
                   <a:srgbClr val="FFFFFF"/>
                 </a:solidFill>
               </a14:hiddenFill>
             </a:ext>
-            <a:ext uri="{91240B29-F687-4F45-9708-019B960494DF}">
+            <a:ext uri="{91240B29-F687-4f45-9708-019B960494DF}">
               <a14:hiddenLine xmlns:a14="http://schemas.microsoft.com/office/drawing/2010/main" w="9525">
                 <a:solidFill>
                   <a:srgbClr val="000000"/>
@@ -1609,7 +1609,7 @@
               <a:pPr>
                 <a:defRPr/>
               </a:pPr>
-              <a:t>9-5-2016</a:t>
+              <a:t>10/05/16</a:t>
             </a:fld>
             <a:endParaRPr lang="nl-NL">
               <a:solidFill>
@@ -1750,14 +1750,14 @@
             <a:noFill/>
           </a:ln>
           <a:extLst>
-            <a:ext uri="{909E8E84-426E-40DD-AFC4-6F175D3DCCD1}">
+            <a:ext uri="{909E8E84-426E-40dd-AFC4-6F175D3DCCD1}">
               <a14:hiddenFill xmlns:a14="http://schemas.microsoft.com/office/drawing/2010/main">
                 <a:solidFill>
                   <a:srgbClr val="FFFFFF"/>
                 </a:solidFill>
               </a14:hiddenFill>
             </a:ext>
-            <a:ext uri="{91240B29-F687-4F45-9708-019B960494DF}">
+            <a:ext uri="{91240B29-F687-4f45-9708-019B960494DF}">
               <a14:hiddenLine xmlns:a14="http://schemas.microsoft.com/office/drawing/2010/main" w="9525">
                 <a:solidFill>
                   <a:srgbClr val="000000"/>
@@ -1878,7 +1878,7 @@
               <a:pPr>
                 <a:defRPr/>
               </a:pPr>
-              <a:t>9-5-2016</a:t>
+              <a:t>10/05/16</a:t>
             </a:fld>
             <a:endParaRPr lang="nl-NL">
               <a:solidFill>
@@ -2019,14 +2019,14 @@
             <a:noFill/>
           </a:ln>
           <a:extLst>
-            <a:ext uri="{909E8E84-426E-40DD-AFC4-6F175D3DCCD1}">
+            <a:ext uri="{909E8E84-426E-40dd-AFC4-6F175D3DCCD1}">
               <a14:hiddenFill xmlns:a14="http://schemas.microsoft.com/office/drawing/2010/main">
                 <a:solidFill>
                   <a:srgbClr val="FFFFFF"/>
                 </a:solidFill>
               </a14:hiddenFill>
             </a:ext>
-            <a:ext uri="{91240B29-F687-4F45-9708-019B960494DF}">
+            <a:ext uri="{91240B29-F687-4f45-9708-019B960494DF}">
               <a14:hiddenLine xmlns:a14="http://schemas.microsoft.com/office/drawing/2010/main" w="9525">
                 <a:solidFill>
                   <a:srgbClr val="000000"/>
@@ -2261,7 +2261,7 @@
               <a:pPr>
                 <a:defRPr/>
               </a:pPr>
-              <a:t>9-5-2016</a:t>
+              <a:t>10/05/16</a:t>
             </a:fld>
             <a:endParaRPr lang="nl-NL" dirty="0"/>
           </a:p>
@@ -2398,14 +2398,14 @@
             <a:noFill/>
           </a:ln>
           <a:extLst>
-            <a:ext uri="{909E8E84-426E-40DD-AFC4-6F175D3DCCD1}">
+            <a:ext uri="{909E8E84-426E-40dd-AFC4-6F175D3DCCD1}">
               <a14:hiddenFill xmlns:a14="http://schemas.microsoft.com/office/drawing/2010/main">
                 <a:solidFill>
                   <a:srgbClr val="FFFFFF"/>
                 </a:solidFill>
               </a14:hiddenFill>
             </a:ext>
-            <a:ext uri="{91240B29-F687-4F45-9708-019B960494DF}">
+            <a:ext uri="{91240B29-F687-4f45-9708-019B960494DF}">
               <a14:hiddenLine xmlns:a14="http://schemas.microsoft.com/office/drawing/2010/main" w="9525">
                 <a:solidFill>
                   <a:srgbClr val="000000"/>
@@ -2644,7 +2644,7 @@
               <a:pPr>
                 <a:defRPr/>
               </a:pPr>
-              <a:t>9-5-2016</a:t>
+              <a:t>10/05/16</a:t>
             </a:fld>
             <a:endParaRPr lang="nl-NL">
               <a:solidFill>
@@ -2785,14 +2785,14 @@
             <a:noFill/>
           </a:ln>
           <a:extLst>
-            <a:ext uri="{909E8E84-426E-40DD-AFC4-6F175D3DCCD1}">
+            <a:ext uri="{909E8E84-426E-40dd-AFC4-6F175D3DCCD1}">
               <a14:hiddenFill xmlns:a14="http://schemas.microsoft.com/office/drawing/2010/main">
                 <a:solidFill>
                   <a:srgbClr val="FFFFFF"/>
                 </a:solidFill>
               </a14:hiddenFill>
             </a:ext>
-            <a:ext uri="{91240B29-F687-4F45-9708-019B960494DF}">
+            <a:ext uri="{91240B29-F687-4f45-9708-019B960494DF}">
               <a14:hiddenLine xmlns:a14="http://schemas.microsoft.com/office/drawing/2010/main" w="9525">
                 <a:solidFill>
                   <a:srgbClr val="000000"/>
@@ -3165,7 +3165,7 @@
               <a:pPr>
                 <a:defRPr/>
               </a:pPr>
-              <a:t>9-5-2016</a:t>
+              <a:t>10/05/16</a:t>
             </a:fld>
             <a:endParaRPr lang="nl-NL">
               <a:solidFill>
@@ -3306,14 +3306,14 @@
             <a:noFill/>
           </a:ln>
           <a:extLst>
-            <a:ext uri="{909E8E84-426E-40DD-AFC4-6F175D3DCCD1}">
+            <a:ext uri="{909E8E84-426E-40dd-AFC4-6F175D3DCCD1}">
               <a14:hiddenFill xmlns:a14="http://schemas.microsoft.com/office/drawing/2010/main">
                 <a:solidFill>
                   <a:srgbClr val="FFFFFF"/>
                 </a:solidFill>
               </a14:hiddenFill>
             </a:ext>
-            <a:ext uri="{91240B29-F687-4F45-9708-019B960494DF}">
+            <a:ext uri="{91240B29-F687-4f45-9708-019B960494DF}">
               <a14:hiddenLine xmlns:a14="http://schemas.microsoft.com/office/drawing/2010/main" w="9525">
                 <a:solidFill>
                   <a:srgbClr val="000000"/>
@@ -3382,7 +3382,7 @@
               <a:pPr>
                 <a:defRPr/>
               </a:pPr>
-              <a:t>9-5-2016</a:t>
+              <a:t>10/05/16</a:t>
             </a:fld>
             <a:endParaRPr lang="nl-NL">
               <a:solidFill>
@@ -3523,14 +3523,14 @@
             <a:noFill/>
           </a:ln>
           <a:extLst>
-            <a:ext uri="{909E8E84-426E-40DD-AFC4-6F175D3DCCD1}">
+            <a:ext uri="{909E8E84-426E-40dd-AFC4-6F175D3DCCD1}">
               <a14:hiddenFill xmlns:a14="http://schemas.microsoft.com/office/drawing/2010/main">
                 <a:solidFill>
                   <a:srgbClr val="FFFFFF"/>
                 </a:solidFill>
               </a14:hiddenFill>
             </a:ext>
-            <a:ext uri="{91240B29-F687-4F45-9708-019B960494DF}">
+            <a:ext uri="{91240B29-F687-4f45-9708-019B960494DF}">
               <a14:hiddenLine xmlns:a14="http://schemas.microsoft.com/office/drawing/2010/main" w="9525">
                 <a:solidFill>
                   <a:srgbClr val="000000"/>
@@ -3576,7 +3576,7 @@
               <a:pPr>
                 <a:defRPr/>
               </a:pPr>
-              <a:t>9-5-2016</a:t>
+              <a:t>10/05/16</a:t>
             </a:fld>
             <a:endParaRPr lang="nl-NL">
               <a:solidFill>
@@ -3717,14 +3717,14 @@
             <a:noFill/>
           </a:ln>
           <a:extLst>
-            <a:ext uri="{909E8E84-426E-40DD-AFC4-6F175D3DCCD1}">
+            <a:ext uri="{909E8E84-426E-40dd-AFC4-6F175D3DCCD1}">
               <a14:hiddenFill xmlns:a14="http://schemas.microsoft.com/office/drawing/2010/main">
                 <a:solidFill>
                   <a:srgbClr val="FFFFFF"/>
                 </a:solidFill>
               </a14:hiddenFill>
             </a:ext>
-            <a:ext uri="{91240B29-F687-4F45-9708-019B960494DF}">
+            <a:ext uri="{91240B29-F687-4f45-9708-019B960494DF}">
               <a14:hiddenLine xmlns:a14="http://schemas.microsoft.com/office/drawing/2010/main" w="9525">
                 <a:solidFill>
                   <a:srgbClr val="000000"/>
@@ -3952,7 +3952,7 @@
               <a:pPr>
                 <a:defRPr/>
               </a:pPr>
-              <a:t>9-5-2016</a:t>
+              <a:t>10/05/16</a:t>
             </a:fld>
             <a:endParaRPr lang="nl-NL">
               <a:solidFill>
@@ -4087,14 +4087,14 @@
             <a:noFill/>
           </a:ln>
           <a:extLst>
-            <a:ext uri="{909E8E84-426E-40DD-AFC4-6F175D3DCCD1}">
+            <a:ext uri="{909E8E84-426E-40dd-AFC4-6F175D3DCCD1}">
               <a14:hiddenFill xmlns:a14="http://schemas.microsoft.com/office/drawing/2010/main">
                 <a:solidFill>
                   <a:srgbClr val="FFFFFF"/>
                 </a:solidFill>
               </a14:hiddenFill>
             </a:ext>
-            <a:ext uri="{91240B29-F687-4F45-9708-019B960494DF}">
+            <a:ext uri="{91240B29-F687-4f45-9708-019B960494DF}">
               <a14:hiddenLine xmlns:a14="http://schemas.microsoft.com/office/drawing/2010/main" w="9525">
                 <a:solidFill>
                   <a:srgbClr val="000000"/>
@@ -4146,14 +4146,14 @@
             <a:noFill/>
           </a:ln>
           <a:extLst>
-            <a:ext uri="{909E8E84-426E-40DD-AFC4-6F175D3DCCD1}">
+            <a:ext uri="{909E8E84-426E-40dd-AFC4-6F175D3DCCD1}">
               <a14:hiddenFill xmlns:a14="http://schemas.microsoft.com/office/drawing/2010/main">
                 <a:solidFill>
                   <a:srgbClr val="FFFFFF"/>
                 </a:solidFill>
               </a14:hiddenFill>
             </a:ext>
-            <a:ext uri="{91240B29-F687-4F45-9708-019B960494DF}">
+            <a:ext uri="{91240B29-F687-4f45-9708-019B960494DF}">
               <a14:hiddenLine xmlns:a14="http://schemas.microsoft.com/office/drawing/2010/main" w="9525">
                 <a:solidFill>
                   <a:srgbClr val="000000"/>
@@ -4265,7 +4265,7 @@
               <a:pPr defTabSz="457200">
                 <a:defRPr/>
               </a:pPr>
-              <a:t>9-5-2016</a:t>
+              <a:t>10/05/16</a:t>
             </a:fld>
             <a:endParaRPr lang="nl-NL">
               <a:solidFill>
@@ -4882,14 +4882,14 @@
         <p:spPr bwMode="auto">
           <a:noFill/>
           <a:extLst>
-            <a:ext uri="{909E8E84-426E-40DD-AFC4-6F175D3DCCD1}">
+            <a:ext uri="{909E8E84-426E-40dd-AFC4-6F175D3DCCD1}">
               <a14:hiddenFill xmlns:a14="http://schemas.microsoft.com/office/drawing/2010/main">
                 <a:solidFill>
                   <a:srgbClr val="FFFFFF"/>
                 </a:solidFill>
               </a14:hiddenFill>
             </a:ext>
-            <a:ext uri="{91240B29-F687-4F45-9708-019B960494DF}">
+            <a:ext uri="{91240B29-F687-4f45-9708-019B960494DF}">
               <a14:hiddenLine xmlns:a14="http://schemas.microsoft.com/office/drawing/2010/main" w="9525">
                 <a:solidFill>
                   <a:srgbClr val="000000"/>
@@ -5086,14 +5086,14 @@
             <a:noFill/>
           </a:ln>
           <a:extLst>
-            <a:ext uri="{909E8E84-426E-40DD-AFC4-6F175D3DCCD1}">
+            <a:ext uri="{909E8E84-426E-40dd-AFC4-6F175D3DCCD1}">
               <a14:hiddenFill xmlns:a14="http://schemas.microsoft.com/office/drawing/2010/main">
                 <a:solidFill>
                   <a:srgbClr val="FFFFFF"/>
                 </a:solidFill>
               </a14:hiddenFill>
             </a:ext>
-            <a:ext uri="{91240B29-F687-4F45-9708-019B960494DF}">
+            <a:ext uri="{91240B29-F687-4f45-9708-019B960494DF}">
               <a14:hiddenLine xmlns:a14="http://schemas.microsoft.com/office/drawing/2010/main" w="9525">
                 <a:solidFill>
                   <a:srgbClr val="000000"/>
@@ -5429,7 +5429,7 @@
   <p:timing>
     <p:tnLst>
       <p:par>
-        <p:cTn id="1" dur="indefinite" restart="never" nodeType="tmRoot"/>
+        <p:cTn xmlns:p14="http://schemas.microsoft.com/office/powerpoint/2010/main" id="1" dur="indefinite" restart="never" nodeType="tmRoot"/>
       </p:par>
     </p:tnLst>
   </p:timing>
@@ -5555,7 +5555,7 @@
           </a:prstGeom>
           <a:noFill/>
           <a:extLst>
-            <a:ext uri="{909E8E84-426E-40DD-AFC4-6F175D3DCCD1}">
+            <a:ext uri="{909E8E84-426E-40dd-AFC4-6F175D3DCCD1}">
               <a14:hiddenFill xmlns:a14="http://schemas.microsoft.com/office/drawing/2010/main">
                 <a:solidFill>
                   <a:srgbClr val="FFFFFF"/>
@@ -5583,7 +5583,7 @@
           </a:prstGeom>
           <a:noFill/>
           <a:extLst>
-            <a:ext uri="{909E8E84-426E-40DD-AFC4-6F175D3DCCD1}">
+            <a:ext uri="{909E8E84-426E-40dd-AFC4-6F175D3DCCD1}">
               <a14:hiddenFill xmlns:a14="http://schemas.microsoft.com/office/drawing/2010/main">
                 <a:solidFill>
                   <a:srgbClr val="FFFFFF"/>
@@ -5635,7 +5635,7 @@
           </a:prstGeom>
           <a:noFill/>
           <a:extLst>
-            <a:ext uri="{909E8E84-426E-40DD-AFC4-6F175D3DCCD1}">
+            <a:ext uri="{909E8E84-426E-40dd-AFC4-6F175D3DCCD1}">
               <a14:hiddenFill xmlns:a14="http://schemas.microsoft.com/office/drawing/2010/main">
                 <a:solidFill>
                   <a:srgbClr val="FFFFFF"/>
@@ -5658,7 +5658,7 @@
   <p:timing>
     <p:tnLst>
       <p:par>
-        <p:cTn id="1" dur="indefinite" restart="never" nodeType="tmRoot"/>
+        <p:cTn xmlns:p14="http://schemas.microsoft.com/office/powerpoint/2010/main" id="1" dur="indefinite" restart="never" nodeType="tmRoot"/>
       </p:par>
     </p:tnLst>
   </p:timing>
@@ -5725,8 +5725,8 @@
         </p:nvSpPr>
         <p:spPr>
           <a:xfrm>
-            <a:off x="3417346" y="1858384"/>
-            <a:ext cx="6329082" cy="2681343"/>
+            <a:off x="1957294" y="1858384"/>
+            <a:ext cx="7789134" cy="2681343"/>
           </a:xfrm>
         </p:spPr>
         <p:txBody>
@@ -5745,8 +5745,13 @@
           <a:p>
             <a:r>
               <a:rPr lang="en-US" dirty="0" smtClean="0"/>
-              <a:t>Open Source Technologies</a:t>
-            </a:r>
+              <a:t>Open </a:t>
+            </a:r>
+            <a:r>
+              <a:rPr lang="en-US" dirty="0" smtClean="0"/>
+              <a:t>Source/Cross Platform technologies</a:t>
+            </a:r>
+            <a:endParaRPr lang="en-US" dirty="0" smtClean="0"/>
           </a:p>
           <a:p>
             <a:r>
@@ -5759,17 +5764,14 @@
             </a:r>
             <a:r>
               <a:rPr lang="en-US" dirty="0" smtClean="0"/>
-              <a:t>Deploy Processes</a:t>
-            </a:r>
-          </a:p>
-          <a:p>
-            <a:r>
-              <a:rPr lang="en-US" dirty="0"/>
-              <a:t>Planning </a:t>
-            </a:r>
+              <a:t>deploy processes</a:t>
+            </a:r>
+            <a:endParaRPr lang="en-US" dirty="0" smtClean="0"/>
+          </a:p>
+          <a:p>
             <a:r>
               <a:rPr lang="en-US" dirty="0" smtClean="0"/>
-              <a:t>Tools</a:t>
+              <a:t>SCRUM / Planning tools</a:t>
             </a:r>
             <a:endParaRPr lang="nl-BE" dirty="0"/>
           </a:p>
@@ -5817,7 +5819,7 @@
   <p:timing>
     <p:tnLst>
       <p:par>
-        <p:cTn id="1" dur="indefinite" restart="never" nodeType="tmRoot"/>
+        <p:cTn xmlns:p14="http://schemas.microsoft.com/office/powerpoint/2010/main" id="1" dur="indefinite" restart="never" nodeType="tmRoot"/>
       </p:par>
     </p:tnLst>
   </p:timing>
@@ -5884,8 +5886,8 @@
         </p:nvSpPr>
         <p:spPr>
           <a:xfrm>
-            <a:off x="3524922" y="2138083"/>
-            <a:ext cx="6329082" cy="2681343"/>
+            <a:off x="2136588" y="2138083"/>
+            <a:ext cx="7717416" cy="2681343"/>
           </a:xfrm>
         </p:spPr>
         <p:txBody>
@@ -5894,19 +5896,46 @@
           <a:p>
             <a:r>
               <a:rPr lang="en-US" dirty="0"/>
-              <a:t>Getting the </a:t>
+              <a:t>Getting </a:t>
             </a:r>
             <a:r>
               <a:rPr lang="en-US" dirty="0" smtClean="0"/>
-              <a:t>requirements clear </a:t>
-            </a:r>
-          </a:p>
-          <a:p>
+              <a:t>requirements </a:t>
+            </a:r>
             <a:r>
               <a:rPr lang="en-US" dirty="0" smtClean="0"/>
-              <a:t>Plan ahead too much</a:t>
-            </a:r>
-            <a:endParaRPr lang="nl-BE" dirty="0"/>
+              <a:t>clear </a:t>
+            </a:r>
+            <a:endParaRPr lang="en-US" dirty="0" smtClean="0"/>
+          </a:p>
+          <a:p>
+            <a:r>
+              <a:rPr lang="en-US" dirty="0" smtClean="0"/>
+              <a:t>Don’t plan </a:t>
+            </a:r>
+            <a:r>
+              <a:rPr lang="en-US" dirty="0" smtClean="0"/>
+              <a:t>ahead too </a:t>
+            </a:r>
+            <a:r>
+              <a:rPr lang="en-US" dirty="0" smtClean="0"/>
+              <a:t>much</a:t>
+            </a:r>
+          </a:p>
+          <a:p>
+            <a:r>
+              <a:rPr lang="en-US" dirty="0" smtClean="0"/>
+              <a:t>Establish early on what </a:t>
+            </a:r>
+            <a:r>
+              <a:rPr lang="en-US" dirty="0"/>
+              <a:t>technology to </a:t>
+            </a:r>
+            <a:r>
+              <a:rPr lang="en-US" dirty="0" smtClean="0"/>
+              <a:t>use</a:t>
+            </a:r>
+            <a:endParaRPr lang="en-US" dirty="0"/>
           </a:p>
         </p:txBody>
       </p:sp>
@@ -5952,7 +5981,7 @@
   <p:timing>
     <p:tnLst>
       <p:par>
-        <p:cTn id="1" dur="indefinite" restart="never" nodeType="tmRoot"/>
+        <p:cTn xmlns:p14="http://schemas.microsoft.com/office/powerpoint/2010/main" id="1" dur="indefinite" restart="never" nodeType="tmRoot"/>
       </p:par>
     </p:tnLst>
   </p:timing>
@@ -6011,8 +6040,8 @@
         </p:nvSpPr>
         <p:spPr>
           <a:xfrm>
-            <a:off x="3524922" y="2138083"/>
-            <a:ext cx="6329082" cy="2681343"/>
+            <a:off x="2315882" y="2138083"/>
+            <a:ext cx="7538122" cy="2681343"/>
           </a:xfrm>
         </p:spPr>
         <p:txBody>
@@ -6031,7 +6060,11 @@
           <a:p>
             <a:r>
               <a:rPr lang="en-US" dirty="0"/>
-              <a:t>Create less analysis</a:t>
+              <a:t>Create less </a:t>
+            </a:r>
+            <a:r>
+              <a:rPr lang="en-US" dirty="0" smtClean="0"/>
+              <a:t>analysis / when needed</a:t>
             </a:r>
             <a:endParaRPr lang="nl-BE" dirty="0"/>
           </a:p>
@@ -6079,7 +6112,7 @@
   <p:timing>
     <p:tnLst>
       <p:par>
-        <p:cTn id="1" dur="indefinite" restart="never" nodeType="tmRoot"/>
+        <p:cTn xmlns:p14="http://schemas.microsoft.com/office/powerpoint/2010/main" id="1" dur="indefinite" restart="never" nodeType="tmRoot"/>
       </p:par>
     </p:tnLst>
   </p:timing>
@@ -6209,14 +6242,14 @@
             <a:noFill/>
           </a:ln>
           <a:extLst>
-            <a:ext uri="{909E8E84-426E-40DD-AFC4-6F175D3DCCD1}">
+            <a:ext uri="{909E8E84-426E-40dd-AFC4-6F175D3DCCD1}">
               <a14:hiddenFill xmlns:a14="http://schemas.microsoft.com/office/drawing/2010/main">
                 <a:solidFill>
                   <a:srgbClr val="FFFFFF"/>
                 </a:solidFill>
               </a14:hiddenFill>
             </a:ext>
-            <a:ext uri="{91240B29-F687-4F45-9708-019B960494DF}">
+            <a:ext uri="{91240B29-F687-4f45-9708-019B960494DF}">
               <a14:hiddenLine xmlns:a14="http://schemas.microsoft.com/office/drawing/2010/main" w="9525">
                 <a:solidFill>
                   <a:srgbClr val="000000"/>
@@ -6249,8 +6282,17 @@
             </a:pPr>
             <a:r>
               <a:rPr lang="nl-BE" sz="3200" dirty="0" smtClean="0"/>
-              <a:t>Web Application</a:t>
-            </a:r>
+              <a:t>Web </a:t>
+            </a:r>
+            <a:r>
+              <a:rPr lang="nl-BE" sz="3200" dirty="0"/>
+              <a:t>a</a:t>
+            </a:r>
+            <a:r>
+              <a:rPr lang="nl-BE" sz="3200" dirty="0" smtClean="0"/>
+              <a:t>pplication</a:t>
+            </a:r>
+            <a:endParaRPr lang="nl-BE" sz="3200" dirty="0" smtClean="0"/>
           </a:p>
           <a:p>
             <a:pPr marL="457200" indent="-457200" defTabSz="457200" eaLnBrk="0" fontAlgn="base" hangingPunct="0">
@@ -6284,12 +6326,8 @@
               <a:t>Pitch </a:t>
             </a:r>
             <a:r>
-              <a:rPr lang="nl-BE" sz="3200" dirty="0"/>
-              <a:t>I</a:t>
-            </a:r>
-            <a:r>
               <a:rPr lang="nl-BE" sz="3200" dirty="0" smtClean="0"/>
-              <a:t>dea </a:t>
+              <a:t>idea </a:t>
             </a:r>
             <a:r>
               <a:rPr lang="nl-BE" sz="3200" dirty="0"/>
@@ -6297,8 +6335,9 @@
             </a:r>
             <a:r>
               <a:rPr lang="nl-BE" sz="3200" dirty="0" smtClean="0"/>
-              <a:t>Media</a:t>
-            </a:r>
+              <a:t>media</a:t>
+            </a:r>
+            <a:endParaRPr lang="nl-BE" sz="3200" dirty="0" smtClean="0"/>
           </a:p>
           <a:p>
             <a:pPr marL="457200" indent="-457200" defTabSz="457200" eaLnBrk="0" fontAlgn="base" hangingPunct="0">
@@ -6313,8 +6352,13 @@
             </a:pPr>
             <a:r>
               <a:rPr lang="nl-BE" sz="3200" dirty="0" smtClean="0"/>
-              <a:t>Like/Subscribe</a:t>
-            </a:r>
+              <a:t>Like</a:t>
+            </a:r>
+            <a:r>
+              <a:rPr lang="nl-BE" sz="3200" dirty="0" smtClean="0"/>
+              <a:t>/Subscribe</a:t>
+            </a:r>
+            <a:endParaRPr lang="nl-BE" sz="3200" dirty="0" smtClean="0"/>
           </a:p>
           <a:p>
             <a:pPr marL="457200" indent="-457200" defTabSz="457200" eaLnBrk="0" fontAlgn="base" hangingPunct="0">
@@ -6333,7 +6377,11 @@
             </a:r>
             <a:r>
               <a:rPr lang="nl-BE" sz="3200" dirty="0" smtClean="0"/>
-              <a:t>tatus Updates</a:t>
+              <a:t>tatus </a:t>
+            </a:r>
+            <a:r>
+              <a:rPr lang="nl-BE" sz="3200" dirty="0" smtClean="0"/>
+              <a:t>updates</a:t>
             </a:r>
             <a:r>
               <a:rPr lang="nl-BE" sz="3200" dirty="0"/>
@@ -6390,7 +6438,7 @@
   <p:timing>
     <p:tnLst>
       <p:par>
-        <p:cTn id="1" dur="indefinite" restart="never" nodeType="tmRoot"/>
+        <p:cTn xmlns:p14="http://schemas.microsoft.com/office/powerpoint/2010/main" id="1" dur="indefinite" restart="never" nodeType="tmRoot"/>
       </p:par>
     </p:tnLst>
   </p:timing>
@@ -6519,7 +6567,11 @@
             <a:pPr lvl="0"/>
             <a:r>
               <a:rPr lang="en-US" dirty="0" smtClean="0"/>
-              <a:t>Quality Management</a:t>
+              <a:t>Quality </a:t>
+            </a:r>
+            <a:r>
+              <a:rPr lang="en-US" dirty="0" smtClean="0"/>
+              <a:t>management</a:t>
             </a:r>
             <a:endParaRPr lang="nl-BE" dirty="0"/>
           </a:p>
@@ -6538,7 +6590,7 @@
   <p:timing>
     <p:tnLst>
       <p:par>
-        <p:cTn id="1" dur="indefinite" restart="never" nodeType="tmRoot"/>
+        <p:cTn xmlns:p14="http://schemas.microsoft.com/office/powerpoint/2010/main" id="1" dur="indefinite" restart="never" nodeType="tmRoot"/>
       </p:par>
     </p:tnLst>
   </p:timing>
@@ -6624,7 +6676,11 @@
             <a:pPr lvl="0"/>
             <a:r>
               <a:rPr lang="nl-BE" dirty="0" smtClean="0"/>
-              <a:t>Web Based</a:t>
+              <a:t>Web </a:t>
+            </a:r>
+            <a:r>
+              <a:rPr lang="nl-BE" dirty="0" smtClean="0"/>
+              <a:t>based</a:t>
             </a:r>
             <a:endParaRPr lang="nl-BE" dirty="0"/>
           </a:p>
@@ -6632,8 +6688,13 @@
             <a:pPr lvl="0"/>
             <a:r>
               <a:rPr lang="en-US" dirty="0" smtClean="0"/>
-              <a:t>Future Proof</a:t>
-            </a:r>
+              <a:t>Future </a:t>
+            </a:r>
+            <a:r>
+              <a:rPr lang="en-US" dirty="0" smtClean="0"/>
+              <a:t>proof</a:t>
+            </a:r>
+            <a:endParaRPr lang="en-US" dirty="0" smtClean="0"/>
           </a:p>
           <a:p>
             <a:pPr lvl="0"/>
@@ -6646,7 +6707,11 @@
             <a:pPr lvl="0"/>
             <a:r>
               <a:rPr lang="nl-BE" dirty="0" smtClean="0"/>
-              <a:t>Single Page</a:t>
+              <a:t>Single </a:t>
+            </a:r>
+            <a:r>
+              <a:rPr lang="nl-BE" dirty="0" smtClean="0"/>
+              <a:t>page</a:t>
             </a:r>
             <a:endParaRPr lang="nl-BE" dirty="0"/>
           </a:p>
@@ -6673,7 +6738,7 @@
   <p:timing>
     <p:tnLst>
       <p:par>
-        <p:cTn id="1" dur="indefinite" restart="never" nodeType="tmRoot"/>
+        <p:cTn xmlns:p14="http://schemas.microsoft.com/office/powerpoint/2010/main" id="1" dur="indefinite" restart="never" nodeType="tmRoot"/>
       </p:par>
     </p:tnLst>
   </p:timing>
@@ -6775,24 +6840,12 @@
           <a:p>
             <a:pPr lvl="0"/>
             <a:r>
-              <a:rPr lang="nl-BE" dirty="0" err="1" smtClean="0"/>
-              <a:t>And</a:t>
-            </a:r>
-            <a:r>
               <a:rPr lang="nl-BE" dirty="0" smtClean="0"/>
-              <a:t> </a:t>
-            </a:r>
-            <a:r>
-              <a:rPr lang="nl-BE" dirty="0" err="1" smtClean="0"/>
-              <a:t>finally</a:t>
+              <a:t>And finally</a:t>
             </a:r>
             <a:r>
               <a:rPr lang="nl-BE" dirty="0" smtClean="0"/>
-              <a:t>…</a:t>
-            </a:r>
-            <a:r>
-              <a:rPr lang="nl-BE" dirty="0" err="1" smtClean="0"/>
-              <a:t>coding</a:t>
+              <a:t>… coding</a:t>
             </a:r>
             <a:r>
               <a:rPr lang="nl-BE" dirty="0" smtClean="0"/>
@@ -6847,7 +6900,7 @@
   <p:timing>
     <p:tnLst>
       <p:par>
-        <p:cTn id="1" dur="indefinite" restart="never" nodeType="tmRoot"/>
+        <p:cTn xmlns:p14="http://schemas.microsoft.com/office/powerpoint/2010/main" id="1" dur="indefinite" restart="never" nodeType="tmRoot"/>
       </p:par>
     </p:tnLst>
   </p:timing>
@@ -6918,7 +6971,11 @@
             </a:pPr>
             <a:r>
               <a:rPr lang="en-US" b="1" dirty="0" smtClean="0"/>
-              <a:t>First result:</a:t>
+              <a:t>First </a:t>
+            </a:r>
+            <a:r>
+              <a:rPr lang="en-US" b="1" dirty="0" smtClean="0"/>
+              <a:t>results:</a:t>
             </a:r>
             <a:endParaRPr lang="en-US" b="1" dirty="0"/>
           </a:p>
@@ -7002,7 +7059,7 @@
   <p:timing>
     <p:tnLst>
       <p:par>
-        <p:cTn id="1" dur="indefinite" restart="never" nodeType="tmRoot"/>
+        <p:cTn xmlns:p14="http://schemas.microsoft.com/office/powerpoint/2010/main" id="1" dur="indefinite" restart="never" nodeType="tmRoot"/>
       </p:par>
     </p:tnLst>
   </p:timing>
@@ -7070,11 +7127,11 @@
             </a:r>
             <a:r>
               <a:rPr lang="en-US" dirty="0" smtClean="0"/>
-              <a:t>is a starting </a:t>
+              <a:t>are </a:t>
             </a:r>
             <a:r>
               <a:rPr lang="en-US" dirty="0" smtClean="0"/>
-              <a:t>point</a:t>
+              <a:t>a starting point</a:t>
             </a:r>
           </a:p>
           <a:p>
@@ -7157,7 +7214,7 @@
           </a:prstGeom>
           <a:noFill/>
           <a:extLst>
-            <a:ext uri="{909E8E84-426E-40DD-AFC4-6F175D3DCCD1}">
+            <a:ext uri="{909E8E84-426E-40dd-AFC4-6F175D3DCCD1}">
               <a14:hiddenFill xmlns:a14="http://schemas.microsoft.com/office/drawing/2010/main">
                 <a:solidFill>
                   <a:srgbClr val="FFFFFF"/>
@@ -7180,7 +7237,7 @@
   <p:timing>
     <p:tnLst>
       <p:par>
-        <p:cTn id="1" dur="indefinite" restart="never" nodeType="tmRoot"/>
+        <p:cTn xmlns:p14="http://schemas.microsoft.com/office/powerpoint/2010/main" id="1" dur="indefinite" restart="never" nodeType="tmRoot"/>
       </p:par>
     </p:tnLst>
   </p:timing>
@@ -7309,7 +7366,7 @@
           </a:prstGeom>
           <a:noFill/>
           <a:extLst>
-            <a:ext uri="{909E8E84-426E-40DD-AFC4-6F175D3DCCD1}">
+            <a:ext uri="{909E8E84-426E-40dd-AFC4-6F175D3DCCD1}">
               <a14:hiddenFill xmlns:a14="http://schemas.microsoft.com/office/drawing/2010/main">
                 <a:solidFill>
                   <a:srgbClr val="FFFFFF"/>
@@ -7332,7 +7389,7 @@
   <p:timing>
     <p:tnLst>
       <p:par>
-        <p:cTn id="1" dur="indefinite" restart="never" nodeType="tmRoot"/>
+        <p:cTn xmlns:p14="http://schemas.microsoft.com/office/powerpoint/2010/main" id="1" dur="indefinite" restart="never" nodeType="tmRoot"/>
       </p:par>
     </p:tnLst>
   </p:timing>
@@ -7371,7 +7428,7 @@
           <a:bodyPr/>
           <a:lstStyle/>
           <a:p>
-            <a:endParaRPr lang="nl-BE"/>
+            <a:endParaRPr lang="nl-BE" dirty="0"/>
           </a:p>
         </p:txBody>
       </p:sp>
@@ -7473,7 +7530,7 @@
   <p:timing>
     <p:tnLst>
       <p:par>
-        <p:cTn id="1" dur="indefinite" restart="never" nodeType="tmRoot"/>
+        <p:cTn xmlns:p14="http://schemas.microsoft.com/office/powerpoint/2010/main" id="1" dur="indefinite" restart="never" nodeType="tmRoot"/>
       </p:par>
     </p:tnLst>
   </p:timing>
